--- a/Project Deliverables/CS 25-347_Poster.pptx
+++ b/Project Deliverables/CS 25-347_Poster.pptx
@@ -208,7 +208,7 @@
           <a:p>
             <a:fld id="{C605AE8F-D750-4DFF-B786-EB33F602B7F0}" type="datetimeFigureOut">
               <a:rPr lang="en-US" smtClean="0"/>
-              <a:t>11/6/2024</a:t>
+              <a:t>11/7/2024</a:t>
             </a:fld>
             <a:endParaRPr lang="en-US"/>
           </a:p>
@@ -606,7 +606,7 @@
           <a:p>
             <a:fld id="{C764DE79-268F-4C1A-8933-263129D2AF90}" type="datetimeFigureOut">
               <a:rPr lang="en-US" dirty="0"/>
-              <a:t>11/6/2024</a:t>
+              <a:t>11/7/2024</a:t>
             </a:fld>
             <a:endParaRPr lang="en-US" dirty="0"/>
           </a:p>
@@ -776,7 +776,7 @@
           <a:p>
             <a:fld id="{C764DE79-268F-4C1A-8933-263129D2AF90}" type="datetimeFigureOut">
               <a:rPr lang="en-US" dirty="0"/>
-              <a:t>11/6/2024</a:t>
+              <a:t>11/7/2024</a:t>
             </a:fld>
             <a:endParaRPr lang="en-US" dirty="0"/>
           </a:p>
@@ -956,7 +956,7 @@
           <a:p>
             <a:fld id="{C764DE79-268F-4C1A-8933-263129D2AF90}" type="datetimeFigureOut">
               <a:rPr lang="en-US" dirty="0"/>
-              <a:t>11/6/2024</a:t>
+              <a:t>11/7/2024</a:t>
             </a:fld>
             <a:endParaRPr lang="en-US" dirty="0"/>
           </a:p>
@@ -1262,7 +1262,7 @@
           <a:p>
             <a:fld id="{C764DE79-268F-4C1A-8933-263129D2AF90}" type="datetimeFigureOut">
               <a:rPr lang="en-US" dirty="0"/>
-              <a:t>11/6/2024</a:t>
+              <a:t>11/7/2024</a:t>
             </a:fld>
             <a:endParaRPr lang="en-US" dirty="0"/>
           </a:p>
@@ -1506,7 +1506,7 @@
           <a:p>
             <a:fld id="{C764DE79-268F-4C1A-8933-263129D2AF90}" type="datetimeFigureOut">
               <a:rPr lang="en-US" dirty="0"/>
-              <a:t>11/6/2024</a:t>
+              <a:t>11/7/2024</a:t>
             </a:fld>
             <a:endParaRPr lang="en-US" dirty="0"/>
           </a:p>
@@ -1738,7 +1738,7 @@
           <a:p>
             <a:fld id="{C764DE79-268F-4C1A-8933-263129D2AF90}" type="datetimeFigureOut">
               <a:rPr lang="en-US" dirty="0"/>
-              <a:t>11/6/2024</a:t>
+              <a:t>11/7/2024</a:t>
             </a:fld>
             <a:endParaRPr lang="en-US" dirty="0"/>
           </a:p>
@@ -2105,7 +2105,7 @@
           <a:p>
             <a:fld id="{C764DE79-268F-4C1A-8933-263129D2AF90}" type="datetimeFigureOut">
               <a:rPr lang="en-US" dirty="0"/>
-              <a:t>11/6/2024</a:t>
+              <a:t>11/7/2024</a:t>
             </a:fld>
             <a:endParaRPr lang="en-US" dirty="0"/>
           </a:p>
@@ -2223,7 +2223,7 @@
           <a:p>
             <a:fld id="{C764DE79-268F-4C1A-8933-263129D2AF90}" type="datetimeFigureOut">
               <a:rPr lang="en-US" dirty="0"/>
-              <a:t>11/6/2024</a:t>
+              <a:t>11/7/2024</a:t>
             </a:fld>
             <a:endParaRPr lang="en-US" dirty="0"/>
           </a:p>
@@ -2318,7 +2318,7 @@
           <a:p>
             <a:fld id="{C764DE79-268F-4C1A-8933-263129D2AF90}" type="datetimeFigureOut">
               <a:rPr lang="en-US" dirty="0"/>
-              <a:t>11/6/2024</a:t>
+              <a:t>11/7/2024</a:t>
             </a:fld>
             <a:endParaRPr lang="en-US" dirty="0"/>
           </a:p>
@@ -2595,7 +2595,7 @@
           <a:p>
             <a:fld id="{C764DE79-268F-4C1A-8933-263129D2AF90}" type="datetimeFigureOut">
               <a:rPr lang="en-US" dirty="0"/>
-              <a:t>11/6/2024</a:t>
+              <a:t>11/7/2024</a:t>
             </a:fld>
             <a:endParaRPr lang="en-US" dirty="0"/>
           </a:p>
@@ -2852,7 +2852,7 @@
           <a:p>
             <a:fld id="{C764DE79-268F-4C1A-8933-263129D2AF90}" type="datetimeFigureOut">
               <a:rPr lang="en-US" dirty="0"/>
-              <a:t>11/6/2024</a:t>
+              <a:t>11/7/2024</a:t>
             </a:fld>
             <a:endParaRPr lang="en-US" dirty="0"/>
           </a:p>
@@ -3065,7 +3065,7 @@
           <a:p>
             <a:fld id="{C764DE79-268F-4C1A-8933-263129D2AF90}" type="datetimeFigureOut">
               <a:rPr lang="en-US" dirty="0"/>
-              <a:t>11/6/2024</a:t>
+              <a:t>11/7/2024</a:t>
             </a:fld>
             <a:endParaRPr lang="en-US" dirty="0"/>
           </a:p>
@@ -3683,7 +3683,7 @@
         <p:spPr>
           <a:xfrm>
             <a:off x="609599" y="5954876"/>
-            <a:ext cx="13716000" cy="21945600"/>
+            <a:ext cx="10972800" cy="21945600"/>
           </a:xfrm>
           <a:prstGeom prst="roundRect">
             <a:avLst>
@@ -3712,7 +3712,7 @@
           </a:fontRef>
         </p:style>
         <p:txBody>
-          <a:bodyPr lIns="457200" tIns="457200" rIns="457200" bIns="457200" rtlCol="0" anchor="t" anchorCtr="0"/>
+          <a:bodyPr lIns="457200" tIns="457200" rIns="457200" bIns="457200" rtlCol="0" anchor="b" anchorCtr="0"/>
           <a:lstStyle/>
           <a:p>
             <a:r>
@@ -3727,6 +3727,18 @@
             </a:r>
           </a:p>
           <a:p>
+            <a:r>
+              <a:rPr lang="en-US" sz="3600" dirty="0">
+                <a:solidFill>
+                  <a:schemeClr val="tx1"/>
+                </a:solidFill>
+                <a:latin typeface="Arial" panose="020B0604020202020204" pitchFamily="34" charset="0"/>
+                <a:cs typeface="Arial" panose="020B0604020202020204" pitchFamily="34" charset="0"/>
+              </a:rPr>
+              <a:t>As robots become increasingly integrated into dynamic workspaces like laboratories, hospitals, and creative studios, traditional safety systems are proving insufficient.</a:t>
+            </a:r>
+          </a:p>
+          <a:p>
             <a:endParaRPr lang="en-US" sz="3600" dirty="0">
               <a:solidFill>
                 <a:schemeClr val="tx1"/>
@@ -3744,7 +3756,108 @@
                 <a:latin typeface="Arial" panose="020B0604020202020204" pitchFamily="34" charset="0"/>
                 <a:cs typeface="Arial" panose="020B0604020202020204" pitchFamily="34" charset="0"/>
               </a:rPr>
-              <a:t>Put content</a:t>
+              <a:t>Current collaborative robots (</a:t>
+            </a:r>
+            <a:r>
+              <a:rPr lang="en-US" sz="3600" dirty="0" err="1">
+                <a:solidFill>
+                  <a:schemeClr val="tx1"/>
+                </a:solidFill>
+                <a:latin typeface="Arial" panose="020B0604020202020204" pitchFamily="34" charset="0"/>
+                <a:cs typeface="Arial" panose="020B0604020202020204" pitchFamily="34" charset="0"/>
+              </a:rPr>
+              <a:t>cobots</a:t>
+            </a:r>
+            <a:r>
+              <a:rPr lang="en-US" sz="3600" dirty="0">
+                <a:solidFill>
+                  <a:schemeClr val="tx1"/>
+                </a:solidFill>
+                <a:latin typeface="Arial" panose="020B0604020202020204" pitchFamily="34" charset="0"/>
+                <a:cs typeface="Arial" panose="020B0604020202020204" pitchFamily="34" charset="0"/>
+              </a:rPr>
+              <a:t>) face a critical limitation: they lack the </a:t>
+            </a:r>
+            <a:r>
+              <a:rPr lang="en-US" sz="3600" b="1" dirty="0">
+                <a:solidFill>
+                  <a:schemeClr val="tx1"/>
+                </a:solidFill>
+                <a:latin typeface="Arial" panose="020B0604020202020204" pitchFamily="34" charset="0"/>
+                <a:cs typeface="Arial" panose="020B0604020202020204" pitchFamily="34" charset="0"/>
+              </a:rPr>
+              <a:t>sensory precision </a:t>
+            </a:r>
+            <a:r>
+              <a:rPr lang="en-US" sz="3600" dirty="0">
+                <a:solidFill>
+                  <a:schemeClr val="tx1"/>
+                </a:solidFill>
+                <a:latin typeface="Arial" panose="020B0604020202020204" pitchFamily="34" charset="0"/>
+                <a:cs typeface="Arial" panose="020B0604020202020204" pitchFamily="34" charset="0"/>
+              </a:rPr>
+              <a:t>needed for close human interaction, often leading to </a:t>
+            </a:r>
+            <a:r>
+              <a:rPr lang="en-US" sz="3600" i="1" dirty="0">
+                <a:solidFill>
+                  <a:schemeClr val="tx1"/>
+                </a:solidFill>
+                <a:latin typeface="Arial" panose="020B0604020202020204" pitchFamily="34" charset="0"/>
+                <a:cs typeface="Arial" panose="020B0604020202020204" pitchFamily="34" charset="0"/>
+              </a:rPr>
+              <a:t>unnecessary work stoppages</a:t>
+            </a:r>
+            <a:r>
+              <a:rPr lang="en-US" sz="3600" dirty="0">
+                <a:solidFill>
+                  <a:schemeClr val="tx1"/>
+                </a:solidFill>
+                <a:latin typeface="Arial" panose="020B0604020202020204" pitchFamily="34" charset="0"/>
+                <a:cs typeface="Arial" panose="020B0604020202020204" pitchFamily="34" charset="0"/>
+              </a:rPr>
+              <a:t> and reduced efficiency.</a:t>
+            </a:r>
+          </a:p>
+          <a:p>
+            <a:endParaRPr lang="en-US" sz="3600" dirty="0">
+              <a:solidFill>
+                <a:schemeClr val="tx1"/>
+              </a:solidFill>
+              <a:latin typeface="Arial" panose="020B0604020202020204" pitchFamily="34" charset="0"/>
+              <a:cs typeface="Arial" panose="020B0604020202020204" pitchFamily="34" charset="0"/>
+            </a:endParaRPr>
+          </a:p>
+          <a:p>
+            <a:r>
+              <a:rPr lang="en-US" sz="3600" dirty="0">
+                <a:solidFill>
+                  <a:schemeClr val="tx1"/>
+                </a:solidFill>
+                <a:latin typeface="Arial" panose="020B0604020202020204" pitchFamily="34" charset="0"/>
+                <a:cs typeface="Arial" panose="020B0604020202020204" pitchFamily="34" charset="0"/>
+              </a:rPr>
+              <a:t>By solving these challenges, ECHO will enable </a:t>
+            </a:r>
+            <a:r>
+              <a:rPr lang="en-US" sz="3600" b="1" dirty="0">
+                <a:solidFill>
+                  <a:schemeClr val="tx1"/>
+                </a:solidFill>
+                <a:latin typeface="Arial" panose="020B0604020202020204" pitchFamily="34" charset="0"/>
+                <a:cs typeface="Arial" panose="020B0604020202020204" pitchFamily="34" charset="0"/>
+              </a:rPr>
+              <a:t>safer, more intuitive human-robot collaboration </a:t>
+            </a:r>
+            <a:r>
+              <a:rPr lang="en-US" sz="3600" dirty="0">
+                <a:solidFill>
+                  <a:schemeClr val="tx1"/>
+                </a:solidFill>
+                <a:latin typeface="Arial" panose="020B0604020202020204" pitchFamily="34" charset="0"/>
+                <a:cs typeface="Arial" panose="020B0604020202020204" pitchFamily="34" charset="0"/>
+              </a:rPr>
+              <a:t>across industries, supporting activities that require both human creativity and robotic precision. This advancement is *critical for the future of automation* in healthcare, manufacturing, and creative sectors.</a:t>
             </a:r>
           </a:p>
         </p:txBody>
@@ -3763,8 +3876,8 @@
         </p:nvSpPr>
         <p:spPr>
           <a:xfrm>
-            <a:off x="15087600" y="5954876"/>
-            <a:ext cx="13716000" cy="21945600"/>
+            <a:off x="12344399" y="5954876"/>
+            <a:ext cx="19202400" cy="21945600"/>
           </a:xfrm>
           <a:prstGeom prst="roundRect">
             <a:avLst>
@@ -3870,8 +3983,8 @@
         </p:nvSpPr>
         <p:spPr>
           <a:xfrm>
-            <a:off x="29565601" y="5954876"/>
-            <a:ext cx="13716000" cy="10515600"/>
+            <a:off x="32308801" y="5943600"/>
+            <a:ext cx="10972800" cy="10515600"/>
           </a:xfrm>
           <a:prstGeom prst="roundRect">
             <a:avLst>
@@ -3951,8 +4064,8 @@
         </p:nvSpPr>
         <p:spPr>
           <a:xfrm>
-            <a:off x="29565601" y="17384876"/>
-            <a:ext cx="13716000" cy="10515600"/>
+            <a:off x="32308801" y="17384876"/>
+            <a:ext cx="10972800" cy="10515600"/>
           </a:xfrm>
           <a:prstGeom prst="roundRect">
             <a:avLst>
@@ -4025,6 +4138,205 @@
           </a:p>
         </p:txBody>
       </p:sp>
+      <p:pic>
+        <p:nvPicPr>
+          <p:cNvPr id="1026" name="Picture 2" descr="Cobots vs. industrial robots: what are the differences?">
+            <a:extLst>
+              <a:ext uri="{FF2B5EF4-FFF2-40B4-BE49-F238E27FC236}">
+                <a16:creationId xmlns:a16="http://schemas.microsoft.com/office/drawing/2014/main" id="{B0664040-FD7D-F204-C075-EF3D15900957}"/>
+              </a:ext>
+            </a:extLst>
+          </p:cNvPr>
+          <p:cNvPicPr>
+            <a:picLocks noChangeAspect="1" noChangeArrowheads="1"/>
+          </p:cNvPicPr>
+          <p:nvPr/>
+        </p:nvPicPr>
+        <p:blipFill rotWithShape="1">
+          <a:blip r:embed="rId2">
+            <a:extLst>
+              <a:ext uri="{28A0092B-C50C-407E-A947-70E740481C1C}">
+                <a14:useLocalDpi xmlns:a14="http://schemas.microsoft.com/office/drawing/2010/main" val="0"/>
+              </a:ext>
+            </a:extLst>
+          </a:blip>
+          <a:srcRect b="-34"/>
+          <a:stretch/>
+        </p:blipFill>
+        <p:spPr bwMode="auto">
+          <a:xfrm>
+            <a:off x="1203569" y="6580850"/>
+            <a:ext cx="9784859" cy="6537960"/>
+          </a:xfrm>
+          <a:prstGeom prst="roundRect">
+            <a:avLst>
+              <a:gd name="adj" fmla="val 3863"/>
+            </a:avLst>
+          </a:prstGeom>
+          <a:solidFill>
+            <a:srgbClr val="FFFFFF">
+              <a:shade val="85000"/>
+            </a:srgbClr>
+          </a:solidFill>
+          <a:ln>
+            <a:noFill/>
+          </a:ln>
+          <a:effectLst/>
+          <a:extLst>
+            <a:ext uri="{909E8E84-426E-40DD-AFC4-6F175D3DCCD1}">
+              <a14:hiddenFill xmlns:a14="http://schemas.microsoft.com/office/drawing/2010/main">
+                <a:solidFill>
+                  <a:srgbClr val="FFFFFF"/>
+                </a:solidFill>
+              </a14:hiddenFill>
+            </a:ext>
+          </a:extLst>
+        </p:spPr>
+      </p:pic>
+      <p:pic>
+        <p:nvPicPr>
+          <p:cNvPr id="1028" name="Picture 4" descr="RealSense Depth Camera D455 - Intel | Mouser">
+            <a:extLst>
+              <a:ext uri="{FF2B5EF4-FFF2-40B4-BE49-F238E27FC236}">
+                <a16:creationId xmlns:a16="http://schemas.microsoft.com/office/drawing/2014/main" id="{2B76246D-8597-A698-E18C-F4B19B343AB8}"/>
+              </a:ext>
+            </a:extLst>
+          </p:cNvPr>
+          <p:cNvPicPr>
+            <a:picLocks noChangeAspect="1" noChangeArrowheads="1"/>
+          </p:cNvPicPr>
+          <p:nvPr/>
+        </p:nvPicPr>
+        <p:blipFill>
+          <a:blip r:embed="rId3">
+            <a:extLst>
+              <a:ext uri="{28A0092B-C50C-407E-A947-70E740481C1C}">
+                <a14:useLocalDpi xmlns:a14="http://schemas.microsoft.com/office/drawing/2010/main" val="0"/>
+              </a:ext>
+            </a:extLst>
+          </a:blip>
+          <a:srcRect/>
+          <a:stretch>
+            <a:fillRect/>
+          </a:stretch>
+        </p:blipFill>
+        <p:spPr bwMode="auto">
+          <a:xfrm>
+            <a:off x="14153251" y="10287590"/>
+            <a:ext cx="7792349" cy="5662440"/>
+          </a:xfrm>
+          <a:prstGeom prst="rect">
+            <a:avLst/>
+          </a:prstGeom>
+          <a:noFill/>
+          <a:ln>
+            <a:noFill/>
+          </a:ln>
+          <a:extLst>
+            <a:ext uri="{909E8E84-426E-40DD-AFC4-6F175D3DCCD1}">
+              <a14:hiddenFill xmlns:a14="http://schemas.microsoft.com/office/drawing/2010/main">
+                <a:solidFill>
+                  <a:srgbClr val="FFFFFF"/>
+                </a:solidFill>
+              </a14:hiddenFill>
+            </a:ext>
+          </a:extLst>
+        </p:spPr>
+      </p:pic>
+      <p:pic>
+        <p:nvPicPr>
+          <p:cNvPr id="1030" name="Picture 6" descr="Unity is a new 3D game engine with a new identity">
+            <a:extLst>
+              <a:ext uri="{FF2B5EF4-FFF2-40B4-BE49-F238E27FC236}">
+                <a16:creationId xmlns:a16="http://schemas.microsoft.com/office/drawing/2014/main" id="{30491585-5400-756A-7C00-8814E961454E}"/>
+              </a:ext>
+            </a:extLst>
+          </p:cNvPr>
+          <p:cNvPicPr>
+            <a:picLocks noChangeAspect="1" noChangeArrowheads="1"/>
+          </p:cNvPicPr>
+          <p:nvPr/>
+        </p:nvPicPr>
+        <p:blipFill>
+          <a:blip r:embed="rId4">
+            <a:extLst>
+              <a:ext uri="{28A0092B-C50C-407E-A947-70E740481C1C}">
+                <a14:useLocalDpi xmlns:a14="http://schemas.microsoft.com/office/drawing/2010/main" val="0"/>
+              </a:ext>
+            </a:extLst>
+          </a:blip>
+          <a:srcRect/>
+          <a:stretch>
+            <a:fillRect/>
+          </a:stretch>
+        </p:blipFill>
+        <p:spPr bwMode="auto">
+          <a:xfrm>
+            <a:off x="21480237" y="9405138"/>
+            <a:ext cx="10066562" cy="5662441"/>
+          </a:xfrm>
+          <a:prstGeom prst="rect">
+            <a:avLst/>
+          </a:prstGeom>
+          <a:noFill/>
+          <a:extLst>
+            <a:ext uri="{909E8E84-426E-40DD-AFC4-6F175D3DCCD1}">
+              <a14:hiddenFill xmlns:a14="http://schemas.microsoft.com/office/drawing/2010/main">
+                <a:solidFill>
+                  <a:srgbClr val="FFFFFF"/>
+                </a:solidFill>
+              </a14:hiddenFill>
+            </a:ext>
+          </a:extLst>
+        </p:spPr>
+      </p:pic>
+      <p:pic>
+        <p:nvPicPr>
+          <p:cNvPr id="1032" name="Picture 8" descr="Isaac Sim | NVIDIA NGC">
+            <a:extLst>
+              <a:ext uri="{FF2B5EF4-FFF2-40B4-BE49-F238E27FC236}">
+                <a16:creationId xmlns:a16="http://schemas.microsoft.com/office/drawing/2014/main" id="{75CCEE7C-4B77-12A5-D713-70D8712B8EF9}"/>
+              </a:ext>
+            </a:extLst>
+          </p:cNvPr>
+          <p:cNvPicPr>
+            <a:picLocks noChangeAspect="1" noChangeArrowheads="1"/>
+          </p:cNvPicPr>
+          <p:nvPr/>
+        </p:nvPicPr>
+        <p:blipFill>
+          <a:blip r:embed="rId5">
+            <a:extLst>
+              <a:ext uri="{28A0092B-C50C-407E-A947-70E740481C1C}">
+                <a14:useLocalDpi xmlns:a14="http://schemas.microsoft.com/office/drawing/2010/main" val="0"/>
+              </a:ext>
+            </a:extLst>
+          </a:blip>
+          <a:srcRect/>
+          <a:stretch>
+            <a:fillRect/>
+          </a:stretch>
+        </p:blipFill>
+        <p:spPr bwMode="auto">
+          <a:xfrm>
+            <a:off x="11830051" y="14542446"/>
+            <a:ext cx="20478750" cy="11528778"/>
+          </a:xfrm>
+          <a:prstGeom prst="rect">
+            <a:avLst/>
+          </a:prstGeom>
+          <a:noFill/>
+          <a:extLst>
+            <a:ext uri="{909E8E84-426E-40DD-AFC4-6F175D3DCCD1}">
+              <a14:hiddenFill xmlns:a14="http://schemas.microsoft.com/office/drawing/2010/main">
+                <a:solidFill>
+                  <a:srgbClr val="FFFFFF"/>
+                </a:solidFill>
+              </a14:hiddenFill>
+            </a:ext>
+          </a:extLst>
+        </p:spPr>
+      </p:pic>
     </p:spTree>
     <p:extLst>
       <p:ext uri="{BB962C8B-B14F-4D97-AF65-F5344CB8AC3E}">

--- a/Project Deliverables/CS 25-347_Poster.pptx
+++ b/Project Deliverables/CS 25-347_Poster.pptx
@@ -4107,8 +4107,6 @@
               </a:rPr>
               <a:t>Challenges and Limitations</a:t>
             </a:r>
-          </a:p>
-          <a:p>
             <a:endParaRPr lang="en-US" sz="3600" dirty="0">
               <a:solidFill>
                 <a:schemeClr val="tx1"/>
@@ -4119,15 +4117,17 @@
           </a:p>
           <a:p>
             <a:r>
-              <a:rPr lang="en-US" sz="3600">
+              <a:rPr lang="en-US" sz="3600" dirty="0">
                 <a:solidFill>
                   <a:schemeClr val="tx1"/>
                 </a:solidFill>
                 <a:latin typeface="Arial" panose="020B0604020202020204" pitchFamily="34" charset="0"/>
                 <a:cs typeface="Arial" panose="020B0604020202020204" pitchFamily="34" charset="0"/>
               </a:rPr>
-              <a:t>Put content</a:t>
-            </a:r>
+              <a:t>When designing a potential solution for a safe human-robot collaboration setting, there are some challenges that could appear. </a:t>
+            </a:r>
+          </a:p>
+          <a:p>
             <a:endParaRPr lang="en-US" sz="3600" dirty="0">
               <a:solidFill>
                 <a:schemeClr val="tx1"/>
@@ -4135,6 +4135,39 @@
               <a:latin typeface="Arial" panose="020B0604020202020204" pitchFamily="34" charset="0"/>
               <a:cs typeface="Arial" panose="020B0604020202020204" pitchFamily="34" charset="0"/>
             </a:endParaRPr>
+          </a:p>
+          <a:p>
+            <a:r>
+              <a:rPr lang="en-US" sz="3600" dirty="0">
+                <a:solidFill>
+                  <a:schemeClr val="tx1"/>
+                </a:solidFill>
+                <a:latin typeface="Arial" panose="020B0604020202020204" pitchFamily="34" charset="0"/>
+                <a:cs typeface="Arial" panose="020B0604020202020204" pitchFamily="34" charset="0"/>
+              </a:rPr>
+              <a:t>For example, processing sensor data and making real-time adjustments could introduce latency, possibly making it difficult for the robot to respond quickly enough to dynamic movement. There is also a chance of environmental interference skewing data retrieved from the sensors. </a:t>
+            </a:r>
+          </a:p>
+          <a:p>
+            <a:endParaRPr lang="en-US" sz="3600" dirty="0">
+              <a:solidFill>
+                <a:schemeClr val="tx1"/>
+              </a:solidFill>
+              <a:latin typeface="Arial" panose="020B0604020202020204" pitchFamily="34" charset="0"/>
+              <a:cs typeface="Arial" panose="020B0604020202020204" pitchFamily="34" charset="0"/>
+            </a:endParaRPr>
+          </a:p>
+          <a:p>
+            <a:r>
+              <a:rPr lang="en-US" sz="3600" dirty="0">
+                <a:solidFill>
+                  <a:schemeClr val="tx1"/>
+                </a:solidFill>
+                <a:latin typeface="Arial" panose="020B0604020202020204" pitchFamily="34" charset="0"/>
+                <a:cs typeface="Arial" panose="020B0604020202020204" pitchFamily="34" charset="0"/>
+              </a:rPr>
+              <a:t>Another challenge could be finding the line between safe and efficient. Overly lenient settings may increase efficiency, but it also increases the risk of accidents in the workplace.</a:t>
+            </a:r>
           </a:p>
         </p:txBody>
       </p:sp>
@@ -4182,15 +4215,6 @@
             <a:noFill/>
           </a:ln>
           <a:effectLst/>
-          <a:extLst>
-            <a:ext uri="{909E8E84-426E-40DD-AFC4-6F175D3DCCD1}">
-              <a14:hiddenFill xmlns:a14="http://schemas.microsoft.com/office/drawing/2010/main">
-                <a:solidFill>
-                  <a:srgbClr val="FFFFFF"/>
-                </a:solidFill>
-              </a14:hiddenFill>
-            </a:ext>
-          </a:extLst>
         </p:spPr>
       </p:pic>
       <p:pic>

--- a/Project Deliverables/CS 25-347_Poster.pptx
+++ b/Project Deliverables/CS 25-347_Poster.pptx
@@ -208,7 +208,7 @@
           <a:p>
             <a:fld id="{C605AE8F-D750-4DFF-B786-EB33F602B7F0}" type="datetimeFigureOut">
               <a:rPr lang="en-US" smtClean="0"/>
-              <a:t>11/7/2024</a:t>
+              <a:t>11/8/24</a:t>
             </a:fld>
             <a:endParaRPr lang="en-US"/>
           </a:p>
@@ -606,7 +606,7 @@
           <a:p>
             <a:fld id="{C764DE79-268F-4C1A-8933-263129D2AF90}" type="datetimeFigureOut">
               <a:rPr lang="en-US" dirty="0"/>
-              <a:t>11/7/2024</a:t>
+              <a:t>11/8/24</a:t>
             </a:fld>
             <a:endParaRPr lang="en-US" dirty="0"/>
           </a:p>
@@ -776,7 +776,7 @@
           <a:p>
             <a:fld id="{C764DE79-268F-4C1A-8933-263129D2AF90}" type="datetimeFigureOut">
               <a:rPr lang="en-US" dirty="0"/>
-              <a:t>11/7/2024</a:t>
+              <a:t>11/8/24</a:t>
             </a:fld>
             <a:endParaRPr lang="en-US" dirty="0"/>
           </a:p>
@@ -956,7 +956,7 @@
           <a:p>
             <a:fld id="{C764DE79-268F-4C1A-8933-263129D2AF90}" type="datetimeFigureOut">
               <a:rPr lang="en-US" dirty="0"/>
-              <a:t>11/7/2024</a:t>
+              <a:t>11/8/24</a:t>
             </a:fld>
             <a:endParaRPr lang="en-US" dirty="0"/>
           </a:p>
@@ -1262,7 +1262,7 @@
           <a:p>
             <a:fld id="{C764DE79-268F-4C1A-8933-263129D2AF90}" type="datetimeFigureOut">
               <a:rPr lang="en-US" dirty="0"/>
-              <a:t>11/7/2024</a:t>
+              <a:t>11/8/24</a:t>
             </a:fld>
             <a:endParaRPr lang="en-US" dirty="0"/>
           </a:p>
@@ -1506,7 +1506,7 @@
           <a:p>
             <a:fld id="{C764DE79-268F-4C1A-8933-263129D2AF90}" type="datetimeFigureOut">
               <a:rPr lang="en-US" dirty="0"/>
-              <a:t>11/7/2024</a:t>
+              <a:t>11/8/24</a:t>
             </a:fld>
             <a:endParaRPr lang="en-US" dirty="0"/>
           </a:p>
@@ -1738,7 +1738,7 @@
           <a:p>
             <a:fld id="{C764DE79-268F-4C1A-8933-263129D2AF90}" type="datetimeFigureOut">
               <a:rPr lang="en-US" dirty="0"/>
-              <a:t>11/7/2024</a:t>
+              <a:t>11/8/24</a:t>
             </a:fld>
             <a:endParaRPr lang="en-US" dirty="0"/>
           </a:p>
@@ -2105,7 +2105,7 @@
           <a:p>
             <a:fld id="{C764DE79-268F-4C1A-8933-263129D2AF90}" type="datetimeFigureOut">
               <a:rPr lang="en-US" dirty="0"/>
-              <a:t>11/7/2024</a:t>
+              <a:t>11/8/24</a:t>
             </a:fld>
             <a:endParaRPr lang="en-US" dirty="0"/>
           </a:p>
@@ -2223,7 +2223,7 @@
           <a:p>
             <a:fld id="{C764DE79-268F-4C1A-8933-263129D2AF90}" type="datetimeFigureOut">
               <a:rPr lang="en-US" dirty="0"/>
-              <a:t>11/7/2024</a:t>
+              <a:t>11/8/24</a:t>
             </a:fld>
             <a:endParaRPr lang="en-US" dirty="0"/>
           </a:p>
@@ -2318,7 +2318,7 @@
           <a:p>
             <a:fld id="{C764DE79-268F-4C1A-8933-263129D2AF90}" type="datetimeFigureOut">
               <a:rPr lang="en-US" dirty="0"/>
-              <a:t>11/7/2024</a:t>
+              <a:t>11/8/24</a:t>
             </a:fld>
             <a:endParaRPr lang="en-US" dirty="0"/>
           </a:p>
@@ -2595,7 +2595,7 @@
           <a:p>
             <a:fld id="{C764DE79-268F-4C1A-8933-263129D2AF90}" type="datetimeFigureOut">
               <a:rPr lang="en-US" dirty="0"/>
-              <a:t>11/7/2024</a:t>
+              <a:t>11/8/24</a:t>
             </a:fld>
             <a:endParaRPr lang="en-US" dirty="0"/>
           </a:p>
@@ -2852,7 +2852,7 @@
           <a:p>
             <a:fld id="{C764DE79-268F-4C1A-8933-263129D2AF90}" type="datetimeFigureOut">
               <a:rPr lang="en-US" dirty="0"/>
-              <a:t>11/7/2024</a:t>
+              <a:t>11/8/24</a:t>
             </a:fld>
             <a:endParaRPr lang="en-US" dirty="0"/>
           </a:p>
@@ -3065,7 +3065,7 @@
           <a:p>
             <a:fld id="{C764DE79-268F-4C1A-8933-263129D2AF90}" type="datetimeFigureOut">
               <a:rPr lang="en-US" dirty="0"/>
-              <a:t>11/7/2024</a:t>
+              <a:t>11/8/24</a:t>
             </a:fld>
             <a:endParaRPr lang="en-US" dirty="0"/>
           </a:p>
@@ -4017,7 +4017,7 @@
           <a:lstStyle/>
           <a:p>
             <a:r>
-              <a:rPr lang="en-US" sz="4800" b="1" dirty="0">
+              <a:rPr lang="en-US" sz="3200" b="1" dirty="0">
                 <a:solidFill>
                   <a:schemeClr val="tx1"/>
                 </a:solidFill>
@@ -4028,7 +4028,7 @@
             </a:r>
           </a:p>
           <a:p>
-            <a:endParaRPr lang="en-US" sz="3600" dirty="0">
+            <a:endParaRPr lang="en-US" sz="3200" dirty="0">
               <a:solidFill>
                 <a:schemeClr val="tx1"/>
               </a:solidFill>
@@ -4038,14 +4038,158 @@
           </a:p>
           <a:p>
             <a:r>
-              <a:rPr lang="en-US" sz="3600" dirty="0">
+              <a:rPr lang="en-US" sz="3200" b="1" dirty="0">
                 <a:solidFill>
                   <a:schemeClr val="tx1"/>
                 </a:solidFill>
-                <a:latin typeface="Arial" panose="020B0604020202020204" pitchFamily="34" charset="0"/>
-                <a:cs typeface="Arial" panose="020B0604020202020204" pitchFamily="34" charset="0"/>
               </a:rPr>
-              <a:t>Put content</a:t>
+              <a:t>Long-term Deployment Studies</a:t>
+            </a:r>
+            <a:endParaRPr lang="en-US" sz="3200" dirty="0">
+              <a:solidFill>
+                <a:schemeClr val="tx1"/>
+              </a:solidFill>
+            </a:endParaRPr>
+          </a:p>
+          <a:p>
+            <a:pPr>
+              <a:buFont typeface="Arial" panose="020B0604020202020204" pitchFamily="34" charset="0"/>
+              <a:buChar char="•"/>
+            </a:pPr>
+            <a:r>
+              <a:rPr lang="en-US" sz="3200" dirty="0">
+                <a:solidFill>
+                  <a:schemeClr val="tx1"/>
+                </a:solidFill>
+              </a:rPr>
+              <a:t>Test ECHO in real work settings like: </a:t>
+            </a:r>
+          </a:p>
+          <a:p>
+            <a:pPr marL="742950" lvl="1" indent="-285750">
+              <a:buFont typeface="Arial" panose="020B0604020202020204" pitchFamily="34" charset="0"/>
+              <a:buChar char="•"/>
+            </a:pPr>
+            <a:r>
+              <a:rPr lang="en-US" sz="3200" dirty="0">
+                <a:solidFill>
+                  <a:schemeClr val="tx1"/>
+                </a:solidFill>
+              </a:rPr>
+              <a:t>Hospitals - helping doctors and caring for patients</a:t>
+            </a:r>
+          </a:p>
+          <a:p>
+            <a:pPr marL="742950" lvl="1" indent="-285750">
+              <a:buFont typeface="Arial" panose="020B0604020202020204" pitchFamily="34" charset="0"/>
+              <a:buChar char="•"/>
+            </a:pPr>
+            <a:r>
+              <a:rPr lang="en-US" sz="3200" dirty="0">
+                <a:solidFill>
+                  <a:schemeClr val="tx1"/>
+                </a:solidFill>
+              </a:rPr>
+              <a:t>Factories - working on production lines</a:t>
+            </a:r>
+          </a:p>
+          <a:p>
+            <a:pPr marL="742950" lvl="1" indent="-285750">
+              <a:buFont typeface="Arial" panose="020B0604020202020204" pitchFamily="34" charset="0"/>
+              <a:buChar char="•"/>
+            </a:pPr>
+            <a:r>
+              <a:rPr lang="en-US" sz="3200" dirty="0">
+                <a:solidFill>
+                  <a:schemeClr val="tx1"/>
+                </a:solidFill>
+              </a:rPr>
+              <a:t>Studios - helping with cameras and lights</a:t>
+            </a:r>
+          </a:p>
+          <a:p>
+            <a:pPr>
+              <a:buFont typeface="Arial" panose="020B0604020202020204" pitchFamily="34" charset="0"/>
+              <a:buChar char="•"/>
+            </a:pPr>
+            <a:r>
+              <a:rPr lang="en-US" sz="3200" dirty="0">
+                <a:solidFill>
+                  <a:schemeClr val="tx1"/>
+                </a:solidFill>
+              </a:rPr>
+              <a:t>Collect data on how well it works and what needs to be improved</a:t>
+            </a:r>
+          </a:p>
+          <a:p>
+            <a:r>
+              <a:rPr lang="en-US" sz="3200" b="1" dirty="0">
+                <a:solidFill>
+                  <a:schemeClr val="tx1"/>
+                </a:solidFill>
+              </a:rPr>
+              <a:t>Natural Language Processing Integration</a:t>
+            </a:r>
+            <a:endParaRPr lang="en-US" sz="3200" dirty="0">
+              <a:solidFill>
+                <a:schemeClr val="tx1"/>
+              </a:solidFill>
+            </a:endParaRPr>
+          </a:p>
+          <a:p>
+            <a:pPr>
+              <a:buFont typeface="Arial" panose="020B0604020202020204" pitchFamily="34" charset="0"/>
+              <a:buChar char="•"/>
+            </a:pPr>
+            <a:r>
+              <a:rPr lang="en-US" sz="3200" dirty="0">
+                <a:solidFill>
+                  <a:schemeClr val="tx1"/>
+                </a:solidFill>
+              </a:rPr>
+              <a:t>Create a voice control system that understands workplace commands</a:t>
+            </a:r>
+          </a:p>
+          <a:p>
+            <a:pPr>
+              <a:buFont typeface="Arial" panose="020B0604020202020204" pitchFamily="34" charset="0"/>
+              <a:buChar char="•"/>
+            </a:pPr>
+            <a:r>
+              <a:rPr lang="en-US" sz="3200" dirty="0">
+                <a:solidFill>
+                  <a:schemeClr val="tx1"/>
+                </a:solidFill>
+              </a:rPr>
+              <a:t>Make sure it can understand technical terms for each industry</a:t>
+            </a:r>
+          </a:p>
+          <a:p>
+            <a:pPr>
+              <a:buFont typeface="Arial" panose="020B0604020202020204" pitchFamily="34" charset="0"/>
+              <a:buChar char="•"/>
+            </a:pPr>
+            <a:r>
+              <a:rPr lang="en-US" sz="3200" dirty="0">
+                <a:solidFill>
+                  <a:schemeClr val="tx1"/>
+                </a:solidFill>
+              </a:rPr>
+              <a:t>Add features to ask for clarification when unsure</a:t>
+            </a:r>
+          </a:p>
+          <a:p>
+            <a:pPr>
+              <a:buFont typeface="Arial" panose="020B0604020202020204" pitchFamily="34" charset="0"/>
+              <a:buChar char="•"/>
+            </a:pPr>
+            <a:r>
+              <a:rPr lang="en-US" sz="3200" dirty="0">
+                <a:solidFill>
+                  <a:schemeClr val="tx1"/>
+                </a:solidFill>
+              </a:rPr>
+              <a:t>Give clear feedback to confirm it understood correctly</a:t>
             </a:r>
           </a:p>
         </p:txBody>
@@ -4182,15 +4326,6 @@
             <a:noFill/>
           </a:ln>
           <a:effectLst/>
-          <a:extLst>
-            <a:ext uri="{909E8E84-426E-40DD-AFC4-6F175D3DCCD1}">
-              <a14:hiddenFill xmlns:a14="http://schemas.microsoft.com/office/drawing/2010/main">
-                <a:solidFill>
-                  <a:srgbClr val="FFFFFF"/>
-                </a:solidFill>
-              </a14:hiddenFill>
-            </a:ext>
-          </a:extLst>
         </p:spPr>
       </p:pic>
       <p:pic>

--- a/Project Deliverables/CS 25-347_Poster.pptx
+++ b/Project Deliverables/CS 25-347_Poster.pptx
@@ -4,9 +4,6 @@
   <p:sldMasterIdLst>
     <p:sldMasterId id="2147483662" r:id="rId1"/>
   </p:sldMasterIdLst>
-  <p:notesMasterIdLst>
-    <p:notesMasterId r:id="rId3"/>
-  </p:notesMasterIdLst>
   <p:sldIdLst>
     <p:sldId id="256" r:id="rId2"/>
   </p:sldIdLst>
@@ -126,355 +123,6 @@
 </p:presentation>
 </file>
 
-<file path=ppt/notesMasters/notesMaster1.xml><?xml version="1.0" encoding="utf-8"?>
-<p:notesMaster xmlns:a="http://schemas.openxmlformats.org/drawingml/2006/main" xmlns:r="http://schemas.openxmlformats.org/officeDocument/2006/relationships" xmlns:p="http://schemas.openxmlformats.org/presentationml/2006/main">
-  <p:cSld>
-    <p:bg>
-      <p:bgRef idx="1001">
-        <a:schemeClr val="bg1"/>
-      </p:bgRef>
-    </p:bg>
-    <p:spTree>
-      <p:nvGrpSpPr>
-        <p:cNvPr id="1" name=""/>
-        <p:cNvGrpSpPr/>
-        <p:nvPr/>
-      </p:nvGrpSpPr>
-      <p:grpSpPr>
-        <a:xfrm>
-          <a:off x="0" y="0"/>
-          <a:ext cx="0" cy="0"/>
-          <a:chOff x="0" y="0"/>
-          <a:chExt cx="0" cy="0"/>
-        </a:xfrm>
-      </p:grpSpPr>
-      <p:sp>
-        <p:nvSpPr>
-          <p:cNvPr id="2" name="Header Placeholder 1"/>
-          <p:cNvSpPr>
-            <a:spLocks noGrp="1"/>
-          </p:cNvSpPr>
-          <p:nvPr>
-            <p:ph type="hdr" sz="quarter"/>
-          </p:nvPr>
-        </p:nvSpPr>
-        <p:spPr>
-          <a:xfrm>
-            <a:off x="0" y="0"/>
-            <a:ext cx="2971800" cy="458788"/>
-          </a:xfrm>
-          <a:prstGeom prst="rect">
-            <a:avLst/>
-          </a:prstGeom>
-        </p:spPr>
-        <p:txBody>
-          <a:bodyPr vert="horz" lIns="91440" tIns="45720" rIns="91440" bIns="45720" rtlCol="0"/>
-          <a:lstStyle>
-            <a:lvl1pPr algn="l">
-              <a:defRPr sz="1200"/>
-            </a:lvl1pPr>
-          </a:lstStyle>
-          <a:p>
-            <a:endParaRPr lang="en-US"/>
-          </a:p>
-        </p:txBody>
-      </p:sp>
-      <p:sp>
-        <p:nvSpPr>
-          <p:cNvPr id="3" name="Date Placeholder 2"/>
-          <p:cNvSpPr>
-            <a:spLocks noGrp="1"/>
-          </p:cNvSpPr>
-          <p:nvPr>
-            <p:ph type="dt" idx="1"/>
-          </p:nvPr>
-        </p:nvSpPr>
-        <p:spPr>
-          <a:xfrm>
-            <a:off x="3884613" y="0"/>
-            <a:ext cx="2971800" cy="458788"/>
-          </a:xfrm>
-          <a:prstGeom prst="rect">
-            <a:avLst/>
-          </a:prstGeom>
-        </p:spPr>
-        <p:txBody>
-          <a:bodyPr vert="horz" lIns="91440" tIns="45720" rIns="91440" bIns="45720" rtlCol="0"/>
-          <a:lstStyle>
-            <a:lvl1pPr algn="r">
-              <a:defRPr sz="1200"/>
-            </a:lvl1pPr>
-          </a:lstStyle>
-          <a:p>
-            <a:fld id="{C605AE8F-D750-4DFF-B786-EB33F602B7F0}" type="datetimeFigureOut">
-              <a:rPr lang="en-US" smtClean="0"/>
-              <a:t>11/7/2024</a:t>
-            </a:fld>
-            <a:endParaRPr lang="en-US"/>
-          </a:p>
-        </p:txBody>
-      </p:sp>
-      <p:sp>
-        <p:nvSpPr>
-          <p:cNvPr id="4" name="Slide Image Placeholder 3"/>
-          <p:cNvSpPr>
-            <a:spLocks noGrp="1" noRot="1" noChangeAspect="1"/>
-          </p:cNvSpPr>
-          <p:nvPr>
-            <p:ph type="sldImg" idx="2"/>
-          </p:nvPr>
-        </p:nvSpPr>
-        <p:spPr>
-          <a:xfrm>
-            <a:off x="1371600" y="1143000"/>
-            <a:ext cx="4114800" cy="3086100"/>
-          </a:xfrm>
-          <a:prstGeom prst="rect">
-            <a:avLst/>
-          </a:prstGeom>
-          <a:noFill/>
-          <a:ln w="12700">
-            <a:solidFill>
-              <a:prstClr val="black"/>
-            </a:solidFill>
-          </a:ln>
-        </p:spPr>
-        <p:txBody>
-          <a:bodyPr vert="horz" lIns="91440" tIns="45720" rIns="91440" bIns="45720" rtlCol="0" anchor="ctr"/>
-          <a:lstStyle/>
-          <a:p>
-            <a:endParaRPr lang="en-US"/>
-          </a:p>
-        </p:txBody>
-      </p:sp>
-      <p:sp>
-        <p:nvSpPr>
-          <p:cNvPr id="5" name="Notes Placeholder 4"/>
-          <p:cNvSpPr>
-            <a:spLocks noGrp="1"/>
-          </p:cNvSpPr>
-          <p:nvPr>
-            <p:ph type="body" sz="quarter" idx="3"/>
-          </p:nvPr>
-        </p:nvSpPr>
-        <p:spPr>
-          <a:xfrm>
-            <a:off x="685800" y="4400550"/>
-            <a:ext cx="5486400" cy="3600450"/>
-          </a:xfrm>
-          <a:prstGeom prst="rect">
-            <a:avLst/>
-          </a:prstGeom>
-        </p:spPr>
-        <p:txBody>
-          <a:bodyPr vert="horz" lIns="91440" tIns="45720" rIns="91440" bIns="45720" rtlCol="0"/>
-          <a:lstStyle/>
-          <a:p>
-            <a:pPr lvl="0"/>
-            <a:r>
-              <a:rPr lang="en-US"/>
-              <a:t>Click to edit Master text styles</a:t>
-            </a:r>
-          </a:p>
-          <a:p>
-            <a:pPr lvl="1"/>
-            <a:r>
-              <a:rPr lang="en-US"/>
-              <a:t>Second level</a:t>
-            </a:r>
-          </a:p>
-          <a:p>
-            <a:pPr lvl="2"/>
-            <a:r>
-              <a:rPr lang="en-US"/>
-              <a:t>Third level</a:t>
-            </a:r>
-          </a:p>
-          <a:p>
-            <a:pPr lvl="3"/>
-            <a:r>
-              <a:rPr lang="en-US"/>
-              <a:t>Fourth level</a:t>
-            </a:r>
-          </a:p>
-          <a:p>
-            <a:pPr lvl="4"/>
-            <a:r>
-              <a:rPr lang="en-US"/>
-              <a:t>Fifth level</a:t>
-            </a:r>
-          </a:p>
-        </p:txBody>
-      </p:sp>
-      <p:sp>
-        <p:nvSpPr>
-          <p:cNvPr id="6" name="Footer Placeholder 5"/>
-          <p:cNvSpPr>
-            <a:spLocks noGrp="1"/>
-          </p:cNvSpPr>
-          <p:nvPr>
-            <p:ph type="ftr" sz="quarter" idx="4"/>
-          </p:nvPr>
-        </p:nvSpPr>
-        <p:spPr>
-          <a:xfrm>
-            <a:off x="0" y="8685213"/>
-            <a:ext cx="2971800" cy="458787"/>
-          </a:xfrm>
-          <a:prstGeom prst="rect">
-            <a:avLst/>
-          </a:prstGeom>
-        </p:spPr>
-        <p:txBody>
-          <a:bodyPr vert="horz" lIns="91440" tIns="45720" rIns="91440" bIns="45720" rtlCol="0" anchor="b"/>
-          <a:lstStyle>
-            <a:lvl1pPr algn="l">
-              <a:defRPr sz="1200"/>
-            </a:lvl1pPr>
-          </a:lstStyle>
-          <a:p>
-            <a:endParaRPr lang="en-US"/>
-          </a:p>
-        </p:txBody>
-      </p:sp>
-      <p:sp>
-        <p:nvSpPr>
-          <p:cNvPr id="7" name="Slide Number Placeholder 6"/>
-          <p:cNvSpPr>
-            <a:spLocks noGrp="1"/>
-          </p:cNvSpPr>
-          <p:nvPr>
-            <p:ph type="sldNum" sz="quarter" idx="5"/>
-          </p:nvPr>
-        </p:nvSpPr>
-        <p:spPr>
-          <a:xfrm>
-            <a:off x="3884613" y="8685213"/>
-            <a:ext cx="2971800" cy="458787"/>
-          </a:xfrm>
-          <a:prstGeom prst="rect">
-            <a:avLst/>
-          </a:prstGeom>
-        </p:spPr>
-        <p:txBody>
-          <a:bodyPr vert="horz" lIns="91440" tIns="45720" rIns="91440" bIns="45720" rtlCol="0" anchor="b"/>
-          <a:lstStyle>
-            <a:lvl1pPr algn="r">
-              <a:defRPr sz="1200"/>
-            </a:lvl1pPr>
-          </a:lstStyle>
-          <a:p>
-            <a:fld id="{92AECC8B-79EC-4466-A79D-D1AE009D5D3C}" type="slidenum">
-              <a:rPr lang="en-US" smtClean="0"/>
-              <a:t>‹#›</a:t>
-            </a:fld>
-            <a:endParaRPr lang="en-US"/>
-          </a:p>
-        </p:txBody>
-      </p:sp>
-    </p:spTree>
-    <p:extLst>
-      <p:ext uri="{BB962C8B-B14F-4D97-AF65-F5344CB8AC3E}">
-        <p14:creationId xmlns:p14="http://schemas.microsoft.com/office/powerpoint/2010/main" val="2556756008"/>
-      </p:ext>
-    </p:extLst>
-  </p:cSld>
-  <p:clrMap bg1="lt1" tx1="dk1" bg2="lt2" tx2="dk2" accent1="accent1" accent2="accent2" accent3="accent3" accent4="accent4" accent5="accent5" accent6="accent6" hlink="hlink" folHlink="folHlink"/>
-  <p:notesStyle>
-    <a:lvl1pPr marL="0" algn="l" defTabSz="914400" rtl="0" eaLnBrk="1" latinLnBrk="0" hangingPunct="1">
-      <a:defRPr sz="1200" kern="1200">
-        <a:solidFill>
-          <a:schemeClr val="tx1"/>
-        </a:solidFill>
-        <a:latin typeface="+mn-lt"/>
-        <a:ea typeface="+mn-ea"/>
-        <a:cs typeface="+mn-cs"/>
-      </a:defRPr>
-    </a:lvl1pPr>
-    <a:lvl2pPr marL="457200" algn="l" defTabSz="914400" rtl="0" eaLnBrk="1" latinLnBrk="0" hangingPunct="1">
-      <a:defRPr sz="1200" kern="1200">
-        <a:solidFill>
-          <a:schemeClr val="tx1"/>
-        </a:solidFill>
-        <a:latin typeface="+mn-lt"/>
-        <a:ea typeface="+mn-ea"/>
-        <a:cs typeface="+mn-cs"/>
-      </a:defRPr>
-    </a:lvl2pPr>
-    <a:lvl3pPr marL="914400" algn="l" defTabSz="914400" rtl="0" eaLnBrk="1" latinLnBrk="0" hangingPunct="1">
-      <a:defRPr sz="1200" kern="1200">
-        <a:solidFill>
-          <a:schemeClr val="tx1"/>
-        </a:solidFill>
-        <a:latin typeface="+mn-lt"/>
-        <a:ea typeface="+mn-ea"/>
-        <a:cs typeface="+mn-cs"/>
-      </a:defRPr>
-    </a:lvl3pPr>
-    <a:lvl4pPr marL="1371600" algn="l" defTabSz="914400" rtl="0" eaLnBrk="1" latinLnBrk="0" hangingPunct="1">
-      <a:defRPr sz="1200" kern="1200">
-        <a:solidFill>
-          <a:schemeClr val="tx1"/>
-        </a:solidFill>
-        <a:latin typeface="+mn-lt"/>
-        <a:ea typeface="+mn-ea"/>
-        <a:cs typeface="+mn-cs"/>
-      </a:defRPr>
-    </a:lvl4pPr>
-    <a:lvl5pPr marL="1828800" algn="l" defTabSz="914400" rtl="0" eaLnBrk="1" latinLnBrk="0" hangingPunct="1">
-      <a:defRPr sz="1200" kern="1200">
-        <a:solidFill>
-          <a:schemeClr val="tx1"/>
-        </a:solidFill>
-        <a:latin typeface="+mn-lt"/>
-        <a:ea typeface="+mn-ea"/>
-        <a:cs typeface="+mn-cs"/>
-      </a:defRPr>
-    </a:lvl5pPr>
-    <a:lvl6pPr marL="2286000" algn="l" defTabSz="914400" rtl="0" eaLnBrk="1" latinLnBrk="0" hangingPunct="1">
-      <a:defRPr sz="1200" kern="1200">
-        <a:solidFill>
-          <a:schemeClr val="tx1"/>
-        </a:solidFill>
-        <a:latin typeface="+mn-lt"/>
-        <a:ea typeface="+mn-ea"/>
-        <a:cs typeface="+mn-cs"/>
-      </a:defRPr>
-    </a:lvl6pPr>
-    <a:lvl7pPr marL="2743200" algn="l" defTabSz="914400" rtl="0" eaLnBrk="1" latinLnBrk="0" hangingPunct="1">
-      <a:defRPr sz="1200" kern="1200">
-        <a:solidFill>
-          <a:schemeClr val="tx1"/>
-        </a:solidFill>
-        <a:latin typeface="+mn-lt"/>
-        <a:ea typeface="+mn-ea"/>
-        <a:cs typeface="+mn-cs"/>
-      </a:defRPr>
-    </a:lvl7pPr>
-    <a:lvl8pPr marL="3200400" algn="l" defTabSz="914400" rtl="0" eaLnBrk="1" latinLnBrk="0" hangingPunct="1">
-      <a:defRPr sz="1200" kern="1200">
-        <a:solidFill>
-          <a:schemeClr val="tx1"/>
-        </a:solidFill>
-        <a:latin typeface="+mn-lt"/>
-        <a:ea typeface="+mn-ea"/>
-        <a:cs typeface="+mn-cs"/>
-      </a:defRPr>
-    </a:lvl8pPr>
-    <a:lvl9pPr marL="3657600" algn="l" defTabSz="914400" rtl="0" eaLnBrk="1" latinLnBrk="0" hangingPunct="1">
-      <a:defRPr sz="1200" kern="1200">
-        <a:solidFill>
-          <a:schemeClr val="tx1"/>
-        </a:solidFill>
-        <a:latin typeface="+mn-lt"/>
-        <a:ea typeface="+mn-ea"/>
-        <a:cs typeface="+mn-cs"/>
-      </a:defRPr>
-    </a:lvl9pPr>
-  </p:notesStyle>
-</p:notesMaster>
-</file>
-
 <file path=ppt/slideLayouts/slideLayout1.xml><?xml version="1.0" encoding="utf-8"?>
 <p:sldLayout xmlns:a="http://schemas.openxmlformats.org/drawingml/2006/main" xmlns:r="http://schemas.openxmlformats.org/officeDocument/2006/relationships" xmlns:p="http://schemas.openxmlformats.org/presentationml/2006/main" type="title" preserve="1">
   <p:cSld name="Title Slide">
@@ -606,7 +254,7 @@
           <a:p>
             <a:fld id="{C764DE79-268F-4C1A-8933-263129D2AF90}" type="datetimeFigureOut">
               <a:rPr lang="en-US" dirty="0"/>
-              <a:t>11/7/2024</a:t>
+              <a:t>11/6/2024</a:t>
             </a:fld>
             <a:endParaRPr lang="en-US" dirty="0"/>
           </a:p>
@@ -776,7 +424,7 @@
           <a:p>
             <a:fld id="{C764DE79-268F-4C1A-8933-263129D2AF90}" type="datetimeFigureOut">
               <a:rPr lang="en-US" dirty="0"/>
-              <a:t>11/7/2024</a:t>
+              <a:t>11/6/2024</a:t>
             </a:fld>
             <a:endParaRPr lang="en-US" dirty="0"/>
           </a:p>
@@ -956,7 +604,7 @@
           <a:p>
             <a:fld id="{C764DE79-268F-4C1A-8933-263129D2AF90}" type="datetimeFigureOut">
               <a:rPr lang="en-US" dirty="0"/>
-              <a:t>11/7/2024</a:t>
+              <a:t>11/6/2024</a:t>
             </a:fld>
             <a:endParaRPr lang="en-US" dirty="0"/>
           </a:p>
@@ -1262,7 +910,7 @@
           <a:p>
             <a:fld id="{C764DE79-268F-4C1A-8933-263129D2AF90}" type="datetimeFigureOut">
               <a:rPr lang="en-US" dirty="0"/>
-              <a:t>11/7/2024</a:t>
+              <a:t>11/6/2024</a:t>
             </a:fld>
             <a:endParaRPr lang="en-US" dirty="0"/>
           </a:p>
@@ -1506,7 +1154,7 @@
           <a:p>
             <a:fld id="{C764DE79-268F-4C1A-8933-263129D2AF90}" type="datetimeFigureOut">
               <a:rPr lang="en-US" dirty="0"/>
-              <a:t>11/7/2024</a:t>
+              <a:t>11/6/2024</a:t>
             </a:fld>
             <a:endParaRPr lang="en-US" dirty="0"/>
           </a:p>
@@ -1738,7 +1386,7 @@
           <a:p>
             <a:fld id="{C764DE79-268F-4C1A-8933-263129D2AF90}" type="datetimeFigureOut">
               <a:rPr lang="en-US" dirty="0"/>
-              <a:t>11/7/2024</a:t>
+              <a:t>11/6/2024</a:t>
             </a:fld>
             <a:endParaRPr lang="en-US" dirty="0"/>
           </a:p>
@@ -2105,7 +1753,7 @@
           <a:p>
             <a:fld id="{C764DE79-268F-4C1A-8933-263129D2AF90}" type="datetimeFigureOut">
               <a:rPr lang="en-US" dirty="0"/>
-              <a:t>11/7/2024</a:t>
+              <a:t>11/6/2024</a:t>
             </a:fld>
             <a:endParaRPr lang="en-US" dirty="0"/>
           </a:p>
@@ -2223,7 +1871,7 @@
           <a:p>
             <a:fld id="{C764DE79-268F-4C1A-8933-263129D2AF90}" type="datetimeFigureOut">
               <a:rPr lang="en-US" dirty="0"/>
-              <a:t>11/7/2024</a:t>
+              <a:t>11/6/2024</a:t>
             </a:fld>
             <a:endParaRPr lang="en-US" dirty="0"/>
           </a:p>
@@ -2318,7 +1966,7 @@
           <a:p>
             <a:fld id="{C764DE79-268F-4C1A-8933-263129D2AF90}" type="datetimeFigureOut">
               <a:rPr lang="en-US" dirty="0"/>
-              <a:t>11/7/2024</a:t>
+              <a:t>11/6/2024</a:t>
             </a:fld>
             <a:endParaRPr lang="en-US" dirty="0"/>
           </a:p>
@@ -2595,7 +2243,7 @@
           <a:p>
             <a:fld id="{C764DE79-268F-4C1A-8933-263129D2AF90}" type="datetimeFigureOut">
               <a:rPr lang="en-US" dirty="0"/>
-              <a:t>11/7/2024</a:t>
+              <a:t>11/6/2024</a:t>
             </a:fld>
             <a:endParaRPr lang="en-US" dirty="0"/>
           </a:p>
@@ -2852,7 +2500,7 @@
           <a:p>
             <a:fld id="{C764DE79-268F-4C1A-8933-263129D2AF90}" type="datetimeFigureOut">
               <a:rPr lang="en-US" dirty="0"/>
-              <a:t>11/7/2024</a:t>
+              <a:t>11/6/2024</a:t>
             </a:fld>
             <a:endParaRPr lang="en-US" dirty="0"/>
           </a:p>
@@ -3065,7 +2713,7 @@
           <a:p>
             <a:fld id="{C764DE79-268F-4C1A-8933-263129D2AF90}" type="datetimeFigureOut">
               <a:rPr lang="en-US" dirty="0"/>
-              <a:t>11/7/2024</a:t>
+              <a:t>11/6/2024</a:t>
             </a:fld>
             <a:endParaRPr lang="en-US" dirty="0"/>
           </a:p>
@@ -3457,14 +3105,6 @@
 <file path=ppt/slides/slide1.xml><?xml version="1.0" encoding="utf-8"?>
 <p:sld xmlns:a="http://schemas.openxmlformats.org/drawingml/2006/main" xmlns:r="http://schemas.openxmlformats.org/officeDocument/2006/relationships" xmlns:p="http://schemas.openxmlformats.org/presentationml/2006/main">
   <p:cSld>
-    <p:bg>
-      <p:bgPr>
-        <a:solidFill>
-          <a:schemeClr val="bg1"/>
-        </a:solidFill>
-        <a:effectLst/>
-      </p:bgPr>
-    </p:bg>
     <p:spTree>
       <p:nvGrpSpPr>
         <p:cNvPr id="1" name=""/>
@@ -3479,888 +3119,6 @@
           <a:chExt cx="0" cy="0"/>
         </a:xfrm>
       </p:grpSpPr>
-      <p:sp>
-        <p:nvSpPr>
-          <p:cNvPr id="8" name="TextBox 7">
-            <a:extLst>
-              <a:ext uri="{FF2B5EF4-FFF2-40B4-BE49-F238E27FC236}">
-                <a16:creationId xmlns:a16="http://schemas.microsoft.com/office/drawing/2014/main" id="{8334781B-1E01-A352-A1E1-91204C00B321}"/>
-              </a:ext>
-            </a:extLst>
-          </p:cNvPr>
-          <p:cNvSpPr txBox="1"/>
-          <p:nvPr/>
-        </p:nvSpPr>
-        <p:spPr>
-          <a:xfrm>
-            <a:off x="37995206" y="772526"/>
-            <a:ext cx="3718851" cy="1323439"/>
-          </a:xfrm>
-          <a:prstGeom prst="rect">
-            <a:avLst/>
-          </a:prstGeom>
-          <a:solidFill>
-            <a:schemeClr val="tx1"/>
-          </a:solidFill>
-        </p:spPr>
-        <p:txBody>
-          <a:bodyPr wrap="square" rtlCol="0">
-            <a:spAutoFit/>
-          </a:bodyPr>
-          <a:lstStyle/>
-          <a:p>
-            <a:r>
-              <a:rPr lang="en-US" sz="8000" dirty="0">
-                <a:solidFill>
-                  <a:srgbClr val="7BCB5D"/>
-                </a:solidFill>
-                <a:latin typeface="Arial" panose="020B0604020202020204" pitchFamily="34" charset="0"/>
-                <a:cs typeface="Arial" panose="020B0604020202020204" pitchFamily="34" charset="0"/>
-              </a:rPr>
-              <a:t>25-347</a:t>
-            </a:r>
-          </a:p>
-        </p:txBody>
-      </p:sp>
-      <p:sp>
-        <p:nvSpPr>
-          <p:cNvPr id="9" name="Google Shape;18;p3">
-            <a:extLst>
-              <a:ext uri="{FF2B5EF4-FFF2-40B4-BE49-F238E27FC236}">
-                <a16:creationId xmlns:a16="http://schemas.microsoft.com/office/drawing/2014/main" id="{A68FD495-12A2-AFA8-768B-7FC31FEAB8D1}"/>
-              </a:ext>
-            </a:extLst>
-          </p:cNvPr>
-          <p:cNvSpPr txBox="1"/>
-          <p:nvPr/>
-        </p:nvSpPr>
-        <p:spPr>
-          <a:xfrm>
-            <a:off x="449032" y="2986519"/>
-            <a:ext cx="40813268" cy="2339061"/>
-          </a:xfrm>
-          <a:prstGeom prst="rect">
-            <a:avLst/>
-          </a:prstGeom>
-          <a:noFill/>
-          <a:ln>
-            <a:noFill/>
-          </a:ln>
-        </p:spPr>
-        <p:txBody>
-          <a:bodyPr spcFirstLastPara="1" wrap="square" lIns="91425" tIns="45700" rIns="91425" bIns="45700" anchor="t" anchorCtr="0">
-            <a:spAutoFit/>
-          </a:bodyPr>
-          <a:lstStyle/>
-          <a:p>
-            <a:pPr rtl="0"/>
-            <a:r>
-              <a:rPr lang="en-US" sz="11000" b="1" i="0" dirty="0">
-                <a:solidFill>
-                  <a:srgbClr val="222222"/>
-                </a:solidFill>
-                <a:effectLst/>
-                <a:latin typeface="Arial" panose="020B0604020202020204" pitchFamily="34" charset="0"/>
-                <a:cs typeface="Arial" panose="020B0604020202020204" pitchFamily="34" charset="0"/>
-              </a:rPr>
-              <a:t>ECHO: Enhanced Collaboration for Human-Robot Operations</a:t>
-            </a:r>
-            <a:endParaRPr lang="en-US" sz="11000" b="1" i="0" dirty="0">
-              <a:solidFill>
-                <a:schemeClr val="dk1"/>
-              </a:solidFill>
-              <a:effectLst/>
-              <a:latin typeface="Arial" panose="020B0604020202020204" pitchFamily="34" charset="0"/>
-              <a:cs typeface="Arial" panose="020B0604020202020204" pitchFamily="34" charset="0"/>
-              <a:sym typeface="Arial"/>
-            </a:endParaRPr>
-          </a:p>
-          <a:p>
-            <a:pPr rtl="0"/>
-            <a:r>
-              <a:rPr lang="en-US" sz="3600" b="1" dirty="0">
-                <a:solidFill>
-                  <a:srgbClr val="3C3C3B"/>
-                </a:solidFill>
-                <a:latin typeface="Arial" panose="020B0604020202020204" pitchFamily="34" charset="0"/>
-                <a:ea typeface="Montserrat"/>
-                <a:cs typeface="Arial" panose="020B0604020202020204" pitchFamily="34" charset="0"/>
-                <a:sym typeface="Montserrat"/>
-              </a:rPr>
-              <a:t>Team members: </a:t>
-            </a:r>
-            <a:r>
-              <a:rPr lang="en-US" sz="3600" dirty="0">
-                <a:solidFill>
-                  <a:srgbClr val="3C3C3B"/>
-                </a:solidFill>
-                <a:latin typeface="Arial" panose="020B0604020202020204" pitchFamily="34" charset="0"/>
-                <a:ea typeface="Montserrat"/>
-                <a:cs typeface="Arial" panose="020B0604020202020204" pitchFamily="34" charset="0"/>
-                <a:sym typeface="Montserrat"/>
-              </a:rPr>
-              <a:t>Gianna Bautista, Ian Richards, Samuel Sarzaba, Ekta </a:t>
-            </a:r>
-            <a:r>
-              <a:rPr lang="en-US" sz="3600" dirty="0" err="1">
-                <a:solidFill>
-                  <a:srgbClr val="3C3C3B"/>
-                </a:solidFill>
-                <a:latin typeface="Arial" panose="020B0604020202020204" pitchFamily="34" charset="0"/>
-                <a:ea typeface="Montserrat"/>
-                <a:cs typeface="Arial" panose="020B0604020202020204" pitchFamily="34" charset="0"/>
-                <a:sym typeface="Montserrat"/>
-              </a:rPr>
-              <a:t>Shethna</a:t>
-            </a:r>
-            <a:r>
-              <a:rPr lang="en-US" sz="3600" dirty="0">
-                <a:solidFill>
-                  <a:srgbClr val="3C3C3B"/>
-                </a:solidFill>
-                <a:latin typeface="Arial" panose="020B0604020202020204" pitchFamily="34" charset="0"/>
-                <a:ea typeface="Montserrat"/>
-                <a:cs typeface="Arial" panose="020B0604020202020204" pitchFamily="34" charset="0"/>
-                <a:sym typeface="Montserrat"/>
-              </a:rPr>
-              <a:t> | </a:t>
-            </a:r>
-            <a:r>
-              <a:rPr lang="en-US" sz="3600" b="1" dirty="0">
-                <a:solidFill>
-                  <a:srgbClr val="3C3C3B"/>
-                </a:solidFill>
-                <a:latin typeface="Arial" panose="020B0604020202020204" pitchFamily="34" charset="0"/>
-                <a:ea typeface="Montserrat"/>
-                <a:cs typeface="Arial" panose="020B0604020202020204" pitchFamily="34" charset="0"/>
-                <a:sym typeface="Montserrat"/>
-              </a:rPr>
-              <a:t>Faculty advisors: </a:t>
-            </a:r>
-            <a:r>
-              <a:rPr lang="en-US" sz="3600" dirty="0">
-                <a:solidFill>
-                  <a:srgbClr val="3C3C3B"/>
-                </a:solidFill>
-                <a:latin typeface="Arial" panose="020B0604020202020204" pitchFamily="34" charset="0"/>
-                <a:ea typeface="Montserrat"/>
-                <a:cs typeface="Arial" panose="020B0604020202020204" pitchFamily="34" charset="0"/>
-                <a:sym typeface="Montserrat"/>
-              </a:rPr>
-              <a:t>Dr. Tamer Nadeem, Shawn </a:t>
-            </a:r>
-            <a:r>
-              <a:rPr lang="en-US" sz="3600" dirty="0" err="1">
-                <a:solidFill>
-                  <a:srgbClr val="3C3C3B"/>
-                </a:solidFill>
-                <a:latin typeface="Arial" panose="020B0604020202020204" pitchFamily="34" charset="0"/>
-                <a:ea typeface="Montserrat"/>
-                <a:cs typeface="Arial" panose="020B0604020202020204" pitchFamily="34" charset="0"/>
-                <a:sym typeface="Montserrat"/>
-              </a:rPr>
-              <a:t>Brixey</a:t>
-            </a:r>
-            <a:endParaRPr sz="3600" dirty="0">
-              <a:latin typeface="Arial" panose="020B0604020202020204" pitchFamily="34" charset="0"/>
-              <a:cs typeface="Arial" panose="020B0604020202020204" pitchFamily="34" charset="0"/>
-            </a:endParaRPr>
-          </a:p>
-        </p:txBody>
-      </p:sp>
-      <p:sp>
-        <p:nvSpPr>
-          <p:cNvPr id="10" name="Rectangle: Rounded Corners 9">
-            <a:extLst>
-              <a:ext uri="{FF2B5EF4-FFF2-40B4-BE49-F238E27FC236}">
-                <a16:creationId xmlns:a16="http://schemas.microsoft.com/office/drawing/2014/main" id="{AE01EA5E-14E9-0BF1-9C90-61AAD3672135}"/>
-              </a:ext>
-            </a:extLst>
-          </p:cNvPr>
-          <p:cNvSpPr/>
-          <p:nvPr/>
-        </p:nvSpPr>
-        <p:spPr>
-          <a:xfrm>
-            <a:off x="609599" y="5954876"/>
-            <a:ext cx="10972800" cy="21945600"/>
-          </a:xfrm>
-          <a:prstGeom prst="roundRect">
-            <a:avLst>
-              <a:gd name="adj" fmla="val 3100"/>
-            </a:avLst>
-          </a:prstGeom>
-          <a:solidFill>
-            <a:schemeClr val="bg1"/>
-          </a:solidFill>
-          <a:effectLst/>
-        </p:spPr>
-        <p:style>
-          <a:lnRef idx="2">
-            <a:schemeClr val="accent1">
-              <a:shade val="15000"/>
-            </a:schemeClr>
-          </a:lnRef>
-          <a:fillRef idx="1">
-            <a:schemeClr val="accent1"/>
-          </a:fillRef>
-          <a:effectRef idx="0">
-            <a:schemeClr val="accent1"/>
-          </a:effectRef>
-          <a:fontRef idx="minor">
-            <a:schemeClr val="lt1"/>
-          </a:fontRef>
-        </p:style>
-        <p:txBody>
-          <a:bodyPr lIns="457200" tIns="457200" rIns="457200" bIns="457200" rtlCol="0" anchor="b" anchorCtr="0"/>
-          <a:lstStyle/>
-          <a:p>
-            <a:r>
-              <a:rPr lang="en-US" sz="4800" b="1" dirty="0">
-                <a:solidFill>
-                  <a:schemeClr val="tx1"/>
-                </a:solidFill>
-                <a:latin typeface="Arial" panose="020B0604020202020204" pitchFamily="34" charset="0"/>
-                <a:cs typeface="Arial" panose="020B0604020202020204" pitchFamily="34" charset="0"/>
-              </a:rPr>
-              <a:t>Problem Overview</a:t>
-            </a:r>
-          </a:p>
-          <a:p>
-            <a:r>
-              <a:rPr lang="en-US" sz="3600" dirty="0">
-                <a:solidFill>
-                  <a:schemeClr val="tx1"/>
-                </a:solidFill>
-                <a:latin typeface="Arial" panose="020B0604020202020204" pitchFamily="34" charset="0"/>
-                <a:cs typeface="Arial" panose="020B0604020202020204" pitchFamily="34" charset="0"/>
-              </a:rPr>
-              <a:t>As robots become increasingly integrated into dynamic workspaces like laboratories, hospitals, and creative studios, traditional safety systems are proving insufficient.</a:t>
-            </a:r>
-          </a:p>
-          <a:p>
-            <a:endParaRPr lang="en-US" sz="3600" dirty="0">
-              <a:solidFill>
-                <a:schemeClr val="tx1"/>
-              </a:solidFill>
-              <a:latin typeface="Arial" panose="020B0604020202020204" pitchFamily="34" charset="0"/>
-              <a:cs typeface="Arial" panose="020B0604020202020204" pitchFamily="34" charset="0"/>
-            </a:endParaRPr>
-          </a:p>
-          <a:p>
-            <a:r>
-              <a:rPr lang="en-US" sz="3600" dirty="0">
-                <a:solidFill>
-                  <a:schemeClr val="tx1"/>
-                </a:solidFill>
-                <a:latin typeface="Arial" panose="020B0604020202020204" pitchFamily="34" charset="0"/>
-                <a:cs typeface="Arial" panose="020B0604020202020204" pitchFamily="34" charset="0"/>
-              </a:rPr>
-              <a:t>Current collaborative robots (</a:t>
-            </a:r>
-            <a:r>
-              <a:rPr lang="en-US" sz="3600" dirty="0" err="1">
-                <a:solidFill>
-                  <a:schemeClr val="tx1"/>
-                </a:solidFill>
-                <a:latin typeface="Arial" panose="020B0604020202020204" pitchFamily="34" charset="0"/>
-                <a:cs typeface="Arial" panose="020B0604020202020204" pitchFamily="34" charset="0"/>
-              </a:rPr>
-              <a:t>cobots</a:t>
-            </a:r>
-            <a:r>
-              <a:rPr lang="en-US" sz="3600" dirty="0">
-                <a:solidFill>
-                  <a:schemeClr val="tx1"/>
-                </a:solidFill>
-                <a:latin typeface="Arial" panose="020B0604020202020204" pitchFamily="34" charset="0"/>
-                <a:cs typeface="Arial" panose="020B0604020202020204" pitchFamily="34" charset="0"/>
-              </a:rPr>
-              <a:t>) face a critical limitation: they lack the </a:t>
-            </a:r>
-            <a:r>
-              <a:rPr lang="en-US" sz="3600" b="1" dirty="0">
-                <a:solidFill>
-                  <a:schemeClr val="tx1"/>
-                </a:solidFill>
-                <a:latin typeface="Arial" panose="020B0604020202020204" pitchFamily="34" charset="0"/>
-                <a:cs typeface="Arial" panose="020B0604020202020204" pitchFamily="34" charset="0"/>
-              </a:rPr>
-              <a:t>sensory precision </a:t>
-            </a:r>
-            <a:r>
-              <a:rPr lang="en-US" sz="3600" dirty="0">
-                <a:solidFill>
-                  <a:schemeClr val="tx1"/>
-                </a:solidFill>
-                <a:latin typeface="Arial" panose="020B0604020202020204" pitchFamily="34" charset="0"/>
-                <a:cs typeface="Arial" panose="020B0604020202020204" pitchFamily="34" charset="0"/>
-              </a:rPr>
-              <a:t>needed for close human interaction, often leading to </a:t>
-            </a:r>
-            <a:r>
-              <a:rPr lang="en-US" sz="3600" i="1" dirty="0">
-                <a:solidFill>
-                  <a:schemeClr val="tx1"/>
-                </a:solidFill>
-                <a:latin typeface="Arial" panose="020B0604020202020204" pitchFamily="34" charset="0"/>
-                <a:cs typeface="Arial" panose="020B0604020202020204" pitchFamily="34" charset="0"/>
-              </a:rPr>
-              <a:t>unnecessary work stoppages</a:t>
-            </a:r>
-            <a:r>
-              <a:rPr lang="en-US" sz="3600" dirty="0">
-                <a:solidFill>
-                  <a:schemeClr val="tx1"/>
-                </a:solidFill>
-                <a:latin typeface="Arial" panose="020B0604020202020204" pitchFamily="34" charset="0"/>
-                <a:cs typeface="Arial" panose="020B0604020202020204" pitchFamily="34" charset="0"/>
-              </a:rPr>
-              <a:t> and reduced efficiency.</a:t>
-            </a:r>
-          </a:p>
-          <a:p>
-            <a:endParaRPr lang="en-US" sz="3600" dirty="0">
-              <a:solidFill>
-                <a:schemeClr val="tx1"/>
-              </a:solidFill>
-              <a:latin typeface="Arial" panose="020B0604020202020204" pitchFamily="34" charset="0"/>
-              <a:cs typeface="Arial" panose="020B0604020202020204" pitchFamily="34" charset="0"/>
-            </a:endParaRPr>
-          </a:p>
-          <a:p>
-            <a:r>
-              <a:rPr lang="en-US" sz="3600" dirty="0">
-                <a:solidFill>
-                  <a:schemeClr val="tx1"/>
-                </a:solidFill>
-                <a:latin typeface="Arial" panose="020B0604020202020204" pitchFamily="34" charset="0"/>
-                <a:cs typeface="Arial" panose="020B0604020202020204" pitchFamily="34" charset="0"/>
-              </a:rPr>
-              <a:t>By solving these challenges, ECHO will enable </a:t>
-            </a:r>
-            <a:r>
-              <a:rPr lang="en-US" sz="3600" b="1" dirty="0">
-                <a:solidFill>
-                  <a:schemeClr val="tx1"/>
-                </a:solidFill>
-                <a:latin typeface="Arial" panose="020B0604020202020204" pitchFamily="34" charset="0"/>
-                <a:cs typeface="Arial" panose="020B0604020202020204" pitchFamily="34" charset="0"/>
-              </a:rPr>
-              <a:t>safer, more intuitive human-robot collaboration </a:t>
-            </a:r>
-            <a:r>
-              <a:rPr lang="en-US" sz="3600" dirty="0">
-                <a:solidFill>
-                  <a:schemeClr val="tx1"/>
-                </a:solidFill>
-                <a:latin typeface="Arial" panose="020B0604020202020204" pitchFamily="34" charset="0"/>
-                <a:cs typeface="Arial" panose="020B0604020202020204" pitchFamily="34" charset="0"/>
-              </a:rPr>
-              <a:t>across industries, supporting activities that require both human creativity and robotic precision. This advancement is *critical for the future of automation* in healthcare, manufacturing, and creative sectors.</a:t>
-            </a:r>
-          </a:p>
-        </p:txBody>
-      </p:sp>
-      <p:sp>
-        <p:nvSpPr>
-          <p:cNvPr id="14" name="Rectangle: Rounded Corners 13">
-            <a:extLst>
-              <a:ext uri="{FF2B5EF4-FFF2-40B4-BE49-F238E27FC236}">
-                <a16:creationId xmlns:a16="http://schemas.microsoft.com/office/drawing/2014/main" id="{960E9EE5-FA70-A94C-8FA8-394298B24F23}"/>
-              </a:ext>
-            </a:extLst>
-          </p:cNvPr>
-          <p:cNvSpPr/>
-          <p:nvPr/>
-        </p:nvSpPr>
-        <p:spPr>
-          <a:xfrm>
-            <a:off x="12344399" y="5954876"/>
-            <a:ext cx="19202400" cy="21945600"/>
-          </a:xfrm>
-          <a:prstGeom prst="roundRect">
-            <a:avLst>
-              <a:gd name="adj" fmla="val 3100"/>
-            </a:avLst>
-          </a:prstGeom>
-          <a:gradFill>
-            <a:gsLst>
-              <a:gs pos="0">
-                <a:schemeClr val="accent2">
-                  <a:lumMod val="5000"/>
-                  <a:lumOff val="95000"/>
-                </a:schemeClr>
-              </a:gs>
-              <a:gs pos="74000">
-                <a:schemeClr val="accent2">
-                  <a:lumMod val="45000"/>
-                  <a:lumOff val="55000"/>
-                </a:schemeClr>
-              </a:gs>
-              <a:gs pos="83000">
-                <a:schemeClr val="accent2">
-                  <a:lumMod val="45000"/>
-                  <a:lumOff val="55000"/>
-                </a:schemeClr>
-              </a:gs>
-              <a:gs pos="100000">
-                <a:schemeClr val="accent2">
-                  <a:lumMod val="30000"/>
-                  <a:lumOff val="70000"/>
-                </a:schemeClr>
-              </a:gs>
-            </a:gsLst>
-            <a:lin ang="5400000" scaled="1"/>
-          </a:gradFill>
-          <a:effectLst/>
-        </p:spPr>
-        <p:style>
-          <a:lnRef idx="2">
-            <a:schemeClr val="accent1">
-              <a:shade val="15000"/>
-            </a:schemeClr>
-          </a:lnRef>
-          <a:fillRef idx="1">
-            <a:schemeClr val="accent1"/>
-          </a:fillRef>
-          <a:effectRef idx="0">
-            <a:schemeClr val="accent1"/>
-          </a:effectRef>
-          <a:fontRef idx="minor">
-            <a:schemeClr val="lt1"/>
-          </a:fontRef>
-        </p:style>
-        <p:txBody>
-          <a:bodyPr lIns="457200" tIns="457200" rIns="457200" bIns="457200" rtlCol="0" anchor="t" anchorCtr="0"/>
-          <a:lstStyle/>
-          <a:p>
-            <a:r>
-              <a:rPr lang="en-US" sz="4800" b="1" dirty="0">
-                <a:solidFill>
-                  <a:schemeClr val="tx1"/>
-                </a:solidFill>
-                <a:latin typeface="Arial" panose="020B0604020202020204" pitchFamily="34" charset="0"/>
-                <a:cs typeface="Arial" panose="020B0604020202020204" pitchFamily="34" charset="0"/>
-              </a:rPr>
-              <a:t>Problem Solution</a:t>
-            </a:r>
-          </a:p>
-          <a:p>
-            <a:endParaRPr lang="en-US" sz="3600" dirty="0">
-              <a:solidFill>
-                <a:schemeClr val="tx1"/>
-              </a:solidFill>
-              <a:latin typeface="Arial" panose="020B0604020202020204" pitchFamily="34" charset="0"/>
-              <a:cs typeface="Arial" panose="020B0604020202020204" pitchFamily="34" charset="0"/>
-            </a:endParaRPr>
-          </a:p>
-          <a:p>
-            <a:r>
-              <a:rPr lang="en-US" sz="3600" dirty="0">
-                <a:solidFill>
-                  <a:schemeClr val="tx1"/>
-                </a:solidFill>
-                <a:latin typeface="Arial" panose="020B0604020202020204" pitchFamily="34" charset="0"/>
-                <a:cs typeface="Arial" panose="020B0604020202020204" pitchFamily="34" charset="0"/>
-              </a:rPr>
-              <a:t>Put content</a:t>
-            </a:r>
-          </a:p>
-        </p:txBody>
-      </p:sp>
-      <p:sp>
-        <p:nvSpPr>
-          <p:cNvPr id="16" name="Rectangle: Rounded Corners 15">
-            <a:extLst>
-              <a:ext uri="{FF2B5EF4-FFF2-40B4-BE49-F238E27FC236}">
-                <a16:creationId xmlns:a16="http://schemas.microsoft.com/office/drawing/2014/main" id="{A6C43336-6C37-FAC4-FDF9-FA139241C0D8}"/>
-              </a:ext>
-            </a:extLst>
-          </p:cNvPr>
-          <p:cNvSpPr/>
-          <p:nvPr/>
-        </p:nvSpPr>
-        <p:spPr>
-          <a:xfrm>
-            <a:off x="32308801" y="5943600"/>
-            <a:ext cx="10972800" cy="10515600"/>
-          </a:xfrm>
-          <a:prstGeom prst="roundRect">
-            <a:avLst>
-              <a:gd name="adj" fmla="val 3100"/>
-            </a:avLst>
-          </a:prstGeom>
-          <a:solidFill>
-            <a:schemeClr val="bg1"/>
-          </a:solidFill>
-          <a:effectLst/>
-        </p:spPr>
-        <p:style>
-          <a:lnRef idx="2">
-            <a:schemeClr val="accent1">
-              <a:shade val="15000"/>
-            </a:schemeClr>
-          </a:lnRef>
-          <a:fillRef idx="1">
-            <a:schemeClr val="accent1"/>
-          </a:fillRef>
-          <a:effectRef idx="0">
-            <a:schemeClr val="accent1"/>
-          </a:effectRef>
-          <a:fontRef idx="minor">
-            <a:schemeClr val="lt1"/>
-          </a:fontRef>
-        </p:style>
-        <p:txBody>
-          <a:bodyPr lIns="457200" tIns="457200" rIns="457200" bIns="457200" rtlCol="0" anchor="t" anchorCtr="0"/>
-          <a:lstStyle/>
-          <a:p>
-            <a:r>
-              <a:rPr lang="en-US" sz="4800" b="1" dirty="0">
-                <a:solidFill>
-                  <a:schemeClr val="tx1"/>
-                </a:solidFill>
-                <a:latin typeface="Arial" panose="020B0604020202020204" pitchFamily="34" charset="0"/>
-                <a:cs typeface="Arial" panose="020B0604020202020204" pitchFamily="34" charset="0"/>
-              </a:rPr>
-              <a:t>Future Work</a:t>
-            </a:r>
-          </a:p>
-          <a:p>
-            <a:endParaRPr lang="en-US" sz="3600" dirty="0">
-              <a:solidFill>
-                <a:schemeClr val="tx1"/>
-              </a:solidFill>
-              <a:latin typeface="Arial" panose="020B0604020202020204" pitchFamily="34" charset="0"/>
-              <a:cs typeface="Arial" panose="020B0604020202020204" pitchFamily="34" charset="0"/>
-            </a:endParaRPr>
-          </a:p>
-          <a:p>
-            <a:r>
-              <a:rPr lang="en-US" sz="3600" dirty="0">
-                <a:solidFill>
-                  <a:schemeClr val="tx1"/>
-                </a:solidFill>
-                <a:latin typeface="Arial" panose="020B0604020202020204" pitchFamily="34" charset="0"/>
-                <a:cs typeface="Arial" panose="020B0604020202020204" pitchFamily="34" charset="0"/>
-              </a:rPr>
-              <a:t>Put content</a:t>
-            </a:r>
-          </a:p>
-        </p:txBody>
-      </p:sp>
-      <p:sp>
-        <p:nvSpPr>
-          <p:cNvPr id="4" name="Rectangle: Rounded Corners 3">
-            <a:extLst>
-              <a:ext uri="{FF2B5EF4-FFF2-40B4-BE49-F238E27FC236}">
-                <a16:creationId xmlns:a16="http://schemas.microsoft.com/office/drawing/2014/main" id="{D9D1F0CA-B9D9-ED90-4896-397C5E32B542}"/>
-              </a:ext>
-            </a:extLst>
-          </p:cNvPr>
-          <p:cNvSpPr/>
-          <p:nvPr/>
-        </p:nvSpPr>
-        <p:spPr>
-          <a:xfrm>
-            <a:off x="32308801" y="17384876"/>
-            <a:ext cx="10972800" cy="10515600"/>
-          </a:xfrm>
-          <a:prstGeom prst="roundRect">
-            <a:avLst>
-              <a:gd name="adj" fmla="val 3100"/>
-            </a:avLst>
-          </a:prstGeom>
-          <a:solidFill>
-            <a:schemeClr val="bg1"/>
-          </a:solidFill>
-          <a:effectLst/>
-        </p:spPr>
-        <p:style>
-          <a:lnRef idx="2">
-            <a:schemeClr val="accent1">
-              <a:shade val="15000"/>
-            </a:schemeClr>
-          </a:lnRef>
-          <a:fillRef idx="1">
-            <a:schemeClr val="accent1"/>
-          </a:fillRef>
-          <a:effectRef idx="0">
-            <a:schemeClr val="accent1"/>
-          </a:effectRef>
-          <a:fontRef idx="minor">
-            <a:schemeClr val="lt1"/>
-          </a:fontRef>
-        </p:style>
-        <p:txBody>
-          <a:bodyPr lIns="457200" tIns="457200" rIns="457200" bIns="457200" rtlCol="0" anchor="t" anchorCtr="0"/>
-          <a:lstStyle/>
-          <a:p>
-            <a:r>
-              <a:rPr lang="en-US" sz="4800" b="1" dirty="0">
-                <a:solidFill>
-                  <a:schemeClr val="tx1"/>
-                </a:solidFill>
-                <a:latin typeface="Arial" panose="020B0604020202020204" pitchFamily="34" charset="0"/>
-                <a:cs typeface="Arial" panose="020B0604020202020204" pitchFamily="34" charset="0"/>
-              </a:rPr>
-              <a:t>Challenges and Limitations</a:t>
-            </a:r>
-            <a:endParaRPr lang="en-US" sz="3600" dirty="0">
-              <a:solidFill>
-                <a:schemeClr val="tx1"/>
-              </a:solidFill>
-              <a:latin typeface="Arial" panose="020B0604020202020204" pitchFamily="34" charset="0"/>
-              <a:cs typeface="Arial" panose="020B0604020202020204" pitchFamily="34" charset="0"/>
-            </a:endParaRPr>
-          </a:p>
-          <a:p>
-            <a:r>
-              <a:rPr lang="en-US" sz="3600" dirty="0">
-                <a:solidFill>
-                  <a:schemeClr val="tx1"/>
-                </a:solidFill>
-                <a:latin typeface="Arial" panose="020B0604020202020204" pitchFamily="34" charset="0"/>
-                <a:cs typeface="Arial" panose="020B0604020202020204" pitchFamily="34" charset="0"/>
-              </a:rPr>
-              <a:t>When designing a potential solution for a safe human-robot collaboration setting, there are some challenges that could appear. </a:t>
-            </a:r>
-          </a:p>
-          <a:p>
-            <a:endParaRPr lang="en-US" sz="3600" dirty="0">
-              <a:solidFill>
-                <a:schemeClr val="tx1"/>
-              </a:solidFill>
-              <a:latin typeface="Arial" panose="020B0604020202020204" pitchFamily="34" charset="0"/>
-              <a:cs typeface="Arial" panose="020B0604020202020204" pitchFamily="34" charset="0"/>
-            </a:endParaRPr>
-          </a:p>
-          <a:p>
-            <a:r>
-              <a:rPr lang="en-US" sz="3600" dirty="0">
-                <a:solidFill>
-                  <a:schemeClr val="tx1"/>
-                </a:solidFill>
-                <a:latin typeface="Arial" panose="020B0604020202020204" pitchFamily="34" charset="0"/>
-                <a:cs typeface="Arial" panose="020B0604020202020204" pitchFamily="34" charset="0"/>
-              </a:rPr>
-              <a:t>For example, processing sensor data and making real-time adjustments could introduce latency, possibly making it difficult for the robot to respond quickly enough to dynamic movement. There is also a chance of environmental interference skewing data retrieved from the sensors. </a:t>
-            </a:r>
-          </a:p>
-          <a:p>
-            <a:endParaRPr lang="en-US" sz="3600" dirty="0">
-              <a:solidFill>
-                <a:schemeClr val="tx1"/>
-              </a:solidFill>
-              <a:latin typeface="Arial" panose="020B0604020202020204" pitchFamily="34" charset="0"/>
-              <a:cs typeface="Arial" panose="020B0604020202020204" pitchFamily="34" charset="0"/>
-            </a:endParaRPr>
-          </a:p>
-          <a:p>
-            <a:r>
-              <a:rPr lang="en-US" sz="3600" dirty="0">
-                <a:solidFill>
-                  <a:schemeClr val="tx1"/>
-                </a:solidFill>
-                <a:latin typeface="Arial" panose="020B0604020202020204" pitchFamily="34" charset="0"/>
-                <a:cs typeface="Arial" panose="020B0604020202020204" pitchFamily="34" charset="0"/>
-              </a:rPr>
-              <a:t>Another challenge could be finding the line between safe and efficient. Overly lenient settings may increase efficiency, but it also increases the risk of accidents in the workplace.</a:t>
-            </a:r>
-          </a:p>
-        </p:txBody>
-      </p:sp>
-      <p:pic>
-        <p:nvPicPr>
-          <p:cNvPr id="1026" name="Picture 2" descr="Cobots vs. industrial robots: what are the differences?">
-            <a:extLst>
-              <a:ext uri="{FF2B5EF4-FFF2-40B4-BE49-F238E27FC236}">
-                <a16:creationId xmlns:a16="http://schemas.microsoft.com/office/drawing/2014/main" id="{B0664040-FD7D-F204-C075-EF3D15900957}"/>
-              </a:ext>
-            </a:extLst>
-          </p:cNvPr>
-          <p:cNvPicPr>
-            <a:picLocks noChangeAspect="1" noChangeArrowheads="1"/>
-          </p:cNvPicPr>
-          <p:nvPr/>
-        </p:nvPicPr>
-        <p:blipFill rotWithShape="1">
-          <a:blip r:embed="rId2">
-            <a:extLst>
-              <a:ext uri="{28A0092B-C50C-407E-A947-70E740481C1C}">
-                <a14:useLocalDpi xmlns:a14="http://schemas.microsoft.com/office/drawing/2010/main" val="0"/>
-              </a:ext>
-            </a:extLst>
-          </a:blip>
-          <a:srcRect b="-34"/>
-          <a:stretch/>
-        </p:blipFill>
-        <p:spPr bwMode="auto">
-          <a:xfrm>
-            <a:off x="1203569" y="6580850"/>
-            <a:ext cx="9784859" cy="6537960"/>
-          </a:xfrm>
-          <a:prstGeom prst="roundRect">
-            <a:avLst>
-              <a:gd name="adj" fmla="val 3863"/>
-            </a:avLst>
-          </a:prstGeom>
-          <a:solidFill>
-            <a:srgbClr val="FFFFFF">
-              <a:shade val="85000"/>
-            </a:srgbClr>
-          </a:solidFill>
-          <a:ln>
-            <a:noFill/>
-          </a:ln>
-          <a:effectLst/>
-        </p:spPr>
-      </p:pic>
-      <p:pic>
-        <p:nvPicPr>
-          <p:cNvPr id="1028" name="Picture 4" descr="RealSense Depth Camera D455 - Intel | Mouser">
-            <a:extLst>
-              <a:ext uri="{FF2B5EF4-FFF2-40B4-BE49-F238E27FC236}">
-                <a16:creationId xmlns:a16="http://schemas.microsoft.com/office/drawing/2014/main" id="{2B76246D-8597-A698-E18C-F4B19B343AB8}"/>
-              </a:ext>
-            </a:extLst>
-          </p:cNvPr>
-          <p:cNvPicPr>
-            <a:picLocks noChangeAspect="1" noChangeArrowheads="1"/>
-          </p:cNvPicPr>
-          <p:nvPr/>
-        </p:nvPicPr>
-        <p:blipFill>
-          <a:blip r:embed="rId3">
-            <a:extLst>
-              <a:ext uri="{28A0092B-C50C-407E-A947-70E740481C1C}">
-                <a14:useLocalDpi xmlns:a14="http://schemas.microsoft.com/office/drawing/2010/main" val="0"/>
-              </a:ext>
-            </a:extLst>
-          </a:blip>
-          <a:srcRect/>
-          <a:stretch>
-            <a:fillRect/>
-          </a:stretch>
-        </p:blipFill>
-        <p:spPr bwMode="auto">
-          <a:xfrm>
-            <a:off x="14153251" y="10287590"/>
-            <a:ext cx="7792349" cy="5662440"/>
-          </a:xfrm>
-          <a:prstGeom prst="rect">
-            <a:avLst/>
-          </a:prstGeom>
-          <a:noFill/>
-          <a:ln>
-            <a:noFill/>
-          </a:ln>
-          <a:extLst>
-            <a:ext uri="{909E8E84-426E-40DD-AFC4-6F175D3DCCD1}">
-              <a14:hiddenFill xmlns:a14="http://schemas.microsoft.com/office/drawing/2010/main">
-                <a:solidFill>
-                  <a:srgbClr val="FFFFFF"/>
-                </a:solidFill>
-              </a14:hiddenFill>
-            </a:ext>
-          </a:extLst>
-        </p:spPr>
-      </p:pic>
-      <p:pic>
-        <p:nvPicPr>
-          <p:cNvPr id="1030" name="Picture 6" descr="Unity is a new 3D game engine with a new identity">
-            <a:extLst>
-              <a:ext uri="{FF2B5EF4-FFF2-40B4-BE49-F238E27FC236}">
-                <a16:creationId xmlns:a16="http://schemas.microsoft.com/office/drawing/2014/main" id="{30491585-5400-756A-7C00-8814E961454E}"/>
-              </a:ext>
-            </a:extLst>
-          </p:cNvPr>
-          <p:cNvPicPr>
-            <a:picLocks noChangeAspect="1" noChangeArrowheads="1"/>
-          </p:cNvPicPr>
-          <p:nvPr/>
-        </p:nvPicPr>
-        <p:blipFill>
-          <a:blip r:embed="rId4">
-            <a:extLst>
-              <a:ext uri="{28A0092B-C50C-407E-A947-70E740481C1C}">
-                <a14:useLocalDpi xmlns:a14="http://schemas.microsoft.com/office/drawing/2010/main" val="0"/>
-              </a:ext>
-            </a:extLst>
-          </a:blip>
-          <a:srcRect/>
-          <a:stretch>
-            <a:fillRect/>
-          </a:stretch>
-        </p:blipFill>
-        <p:spPr bwMode="auto">
-          <a:xfrm>
-            <a:off x="21480237" y="9405138"/>
-            <a:ext cx="10066562" cy="5662441"/>
-          </a:xfrm>
-          <a:prstGeom prst="rect">
-            <a:avLst/>
-          </a:prstGeom>
-          <a:noFill/>
-          <a:extLst>
-            <a:ext uri="{909E8E84-426E-40DD-AFC4-6F175D3DCCD1}">
-              <a14:hiddenFill xmlns:a14="http://schemas.microsoft.com/office/drawing/2010/main">
-                <a:solidFill>
-                  <a:srgbClr val="FFFFFF"/>
-                </a:solidFill>
-              </a14:hiddenFill>
-            </a:ext>
-          </a:extLst>
-        </p:spPr>
-      </p:pic>
-      <p:pic>
-        <p:nvPicPr>
-          <p:cNvPr id="1032" name="Picture 8" descr="Isaac Sim | NVIDIA NGC">
-            <a:extLst>
-              <a:ext uri="{FF2B5EF4-FFF2-40B4-BE49-F238E27FC236}">
-                <a16:creationId xmlns:a16="http://schemas.microsoft.com/office/drawing/2014/main" id="{75CCEE7C-4B77-12A5-D713-70D8712B8EF9}"/>
-              </a:ext>
-            </a:extLst>
-          </p:cNvPr>
-          <p:cNvPicPr>
-            <a:picLocks noChangeAspect="1" noChangeArrowheads="1"/>
-          </p:cNvPicPr>
-          <p:nvPr/>
-        </p:nvPicPr>
-        <p:blipFill>
-          <a:blip r:embed="rId5">
-            <a:extLst>
-              <a:ext uri="{28A0092B-C50C-407E-A947-70E740481C1C}">
-                <a14:useLocalDpi xmlns:a14="http://schemas.microsoft.com/office/drawing/2010/main" val="0"/>
-              </a:ext>
-            </a:extLst>
-          </a:blip>
-          <a:srcRect/>
-          <a:stretch>
-            <a:fillRect/>
-          </a:stretch>
-        </p:blipFill>
-        <p:spPr bwMode="auto">
-          <a:xfrm>
-            <a:off x="11830051" y="14542446"/>
-            <a:ext cx="20478750" cy="11528778"/>
-          </a:xfrm>
-          <a:prstGeom prst="rect">
-            <a:avLst/>
-          </a:prstGeom>
-          <a:noFill/>
-          <a:extLst>
-            <a:ext uri="{909E8E84-426E-40DD-AFC4-6F175D3DCCD1}">
-              <a14:hiddenFill xmlns:a14="http://schemas.microsoft.com/office/drawing/2010/main">
-                <a:solidFill>
-                  <a:srgbClr val="FFFFFF"/>
-                </a:solidFill>
-              </a14:hiddenFill>
-            </a:ext>
-          </a:extLst>
-        </p:spPr>
-      </p:pic>
     </p:spTree>
     <p:extLst>
       <p:ext uri="{BB962C8B-B14F-4D97-AF65-F5344CB8AC3E}">
@@ -4625,37 +3383,7 @@
       </a:bgFillStyleLst>
     </a:fmtScheme>
   </a:themeElements>
-  <a:objectDefaults>
-    <a:spDef>
-      <a:spPr>
-        <a:solidFill>
-          <a:schemeClr val="bg1"/>
-        </a:solidFill>
-      </a:spPr>
-      <a:bodyPr rtlCol="0" anchor="ctr"/>
-      <a:lstStyle>
-        <a:defPPr algn="ctr">
-          <a:defRPr dirty="0"/>
-        </a:defPPr>
-      </a:lstStyle>
-      <a:style>
-        <a:lnRef idx="2">
-          <a:schemeClr val="accent1">
-            <a:shade val="15000"/>
-          </a:schemeClr>
-        </a:lnRef>
-        <a:fillRef idx="1">
-          <a:schemeClr val="accent1"/>
-        </a:fillRef>
-        <a:effectRef idx="0">
-          <a:schemeClr val="accent1"/>
-        </a:effectRef>
-        <a:fontRef idx="minor">
-          <a:schemeClr val="lt1"/>
-        </a:fontRef>
-      </a:style>
-    </a:spDef>
-  </a:objectDefaults>
+  <a:objectDefaults/>
   <a:extraClrSchemeLst/>
   <a:extLst>
     <a:ext uri="{05A4C25C-085E-4340-85A3-A5531E510DB2}">
@@ -4663,319 +3391,4 @@
     </a:ext>
   </a:extLst>
 </a:theme>
-</file>
-
-<file path=ppt/theme/theme2.xml><?xml version="1.0" encoding="utf-8"?>
-<a:theme xmlns:a="http://schemas.openxmlformats.org/drawingml/2006/main" name="Office Theme">
-  <a:themeElements>
-    <a:clrScheme name="Office">
-      <a:dk1>
-        <a:sysClr val="windowText" lastClr="000000"/>
-      </a:dk1>
-      <a:lt1>
-        <a:sysClr val="window" lastClr="FFFFFF"/>
-      </a:lt1>
-      <a:dk2>
-        <a:srgbClr val="0E2841"/>
-      </a:dk2>
-      <a:lt2>
-        <a:srgbClr val="E8E8E8"/>
-      </a:lt2>
-      <a:accent1>
-        <a:srgbClr val="156082"/>
-      </a:accent1>
-      <a:accent2>
-        <a:srgbClr val="E97132"/>
-      </a:accent2>
-      <a:accent3>
-        <a:srgbClr val="196B24"/>
-      </a:accent3>
-      <a:accent4>
-        <a:srgbClr val="0F9ED5"/>
-      </a:accent4>
-      <a:accent5>
-        <a:srgbClr val="A02B93"/>
-      </a:accent5>
-      <a:accent6>
-        <a:srgbClr val="4EA72E"/>
-      </a:accent6>
-      <a:hlink>
-        <a:srgbClr val="467886"/>
-      </a:hlink>
-      <a:folHlink>
-        <a:srgbClr val="96607D"/>
-      </a:folHlink>
-    </a:clrScheme>
-    <a:fontScheme name="Office">
-      <a:majorFont>
-        <a:latin typeface="Aptos Display" panose="02110004020202020204"/>
-        <a:ea typeface=""/>
-        <a:cs typeface=""/>
-        <a:font script="Jpan" typeface="游ゴシック Light"/>
-        <a:font script="Hang" typeface="맑은 고딕"/>
-        <a:font script="Hans" typeface="等线 Light"/>
-        <a:font script="Hant" typeface="新細明體"/>
-        <a:font script="Arab" typeface="Times New Roman"/>
-        <a:font script="Hebr" typeface="Times New Roman"/>
-        <a:font script="Thai" typeface="Angsana New"/>
-        <a:font script="Ethi" typeface="Nyala"/>
-        <a:font script="Beng" typeface="Vrinda"/>
-        <a:font script="Gujr" typeface="Shruti"/>
-        <a:font script="Khmr" typeface="MoolBoran"/>
-        <a:font script="Knda" typeface="Tunga"/>
-        <a:font script="Guru" typeface="Raavi"/>
-        <a:font script="Cans" typeface="Euphemia"/>
-        <a:font script="Cher" typeface="Plantagenet Cherokee"/>
-        <a:font script="Yiii" typeface="Microsoft Yi Baiti"/>
-        <a:font script="Tibt" typeface="Microsoft Himalaya"/>
-        <a:font script="Thaa" typeface="MV Boli"/>
-        <a:font script="Deva" typeface="Mangal"/>
-        <a:font script="Telu" typeface="Gautami"/>
-        <a:font script="Taml" typeface="Latha"/>
-        <a:font script="Syrc" typeface="Estrangelo Edessa"/>
-        <a:font script="Orya" typeface="Kalinga"/>
-        <a:font script="Mlym" typeface="Kartika"/>
-        <a:font script="Laoo" typeface="DokChampa"/>
-        <a:font script="Sinh" typeface="Iskoola Pota"/>
-        <a:font script="Mong" typeface="Mongolian Baiti"/>
-        <a:font script="Viet" typeface="Times New Roman"/>
-        <a:font script="Uigh" typeface="Microsoft Uighur"/>
-        <a:font script="Geor" typeface="Sylfaen"/>
-        <a:font script="Armn" typeface="Arial"/>
-        <a:font script="Bugi" typeface="Leelawadee UI"/>
-        <a:font script="Bopo" typeface="Microsoft JhengHei"/>
-        <a:font script="Java" typeface="Javanese Text"/>
-        <a:font script="Lisu" typeface="Segoe UI"/>
-        <a:font script="Mymr" typeface="Myanmar Text"/>
-        <a:font script="Nkoo" typeface="Ebrima"/>
-        <a:font script="Olck" typeface="Nirmala UI"/>
-        <a:font script="Osma" typeface="Ebrima"/>
-        <a:font script="Phag" typeface="Phagspa"/>
-        <a:font script="Syrn" typeface="Estrangelo Edessa"/>
-        <a:font script="Syrj" typeface="Estrangelo Edessa"/>
-        <a:font script="Syre" typeface="Estrangelo Edessa"/>
-        <a:font script="Sora" typeface="Nirmala UI"/>
-        <a:font script="Tale" typeface="Microsoft Tai Le"/>
-        <a:font script="Talu" typeface="Microsoft New Tai Lue"/>
-        <a:font script="Tfng" typeface="Ebrima"/>
-      </a:majorFont>
-      <a:minorFont>
-        <a:latin typeface="Aptos" panose="02110004020202020204"/>
-        <a:ea typeface=""/>
-        <a:cs typeface=""/>
-        <a:font script="Jpan" typeface="游ゴシック"/>
-        <a:font script="Hang" typeface="맑은 고딕"/>
-        <a:font script="Hans" typeface="等线"/>
-        <a:font script="Hant" typeface="新細明體"/>
-        <a:font script="Arab" typeface="Arial"/>
-        <a:font script="Hebr" typeface="Arial"/>
-        <a:font script="Thai" typeface="Cordia New"/>
-        <a:font script="Ethi" typeface="Nyala"/>
-        <a:font script="Beng" typeface="Vrinda"/>
-        <a:font script="Gujr" typeface="Shruti"/>
-        <a:font script="Khmr" typeface="DaunPenh"/>
-        <a:font script="Knda" typeface="Tunga"/>
-        <a:font script="Guru" typeface="Raavi"/>
-        <a:font script="Cans" typeface="Euphemia"/>
-        <a:font script="Cher" typeface="Plantagenet Cherokee"/>
-        <a:font script="Yiii" typeface="Microsoft Yi Baiti"/>
-        <a:font script="Tibt" typeface="Microsoft Himalaya"/>
-        <a:font script="Thaa" typeface="MV Boli"/>
-        <a:font script="Deva" typeface="Mangal"/>
-        <a:font script="Telu" typeface="Gautami"/>
-        <a:font script="Taml" typeface="Latha"/>
-        <a:font script="Syrc" typeface="Estrangelo Edessa"/>
-        <a:font script="Orya" typeface="Kalinga"/>
-        <a:font script="Mlym" typeface="Kartika"/>
-        <a:font script="Laoo" typeface="DokChampa"/>
-        <a:font script="Sinh" typeface="Iskoola Pota"/>
-        <a:font script="Mong" typeface="Mongolian Baiti"/>
-        <a:font script="Viet" typeface="Arial"/>
-        <a:font script="Uigh" typeface="Microsoft Uighur"/>
-        <a:font script="Geor" typeface="Sylfaen"/>
-        <a:font script="Armn" typeface="Arial"/>
-        <a:font script="Bugi" typeface="Leelawadee UI"/>
-        <a:font script="Bopo" typeface="Microsoft JhengHei"/>
-        <a:font script="Java" typeface="Javanese Text"/>
-        <a:font script="Lisu" typeface="Segoe UI"/>
-        <a:font script="Mymr" typeface="Myanmar Text"/>
-        <a:font script="Nkoo" typeface="Ebrima"/>
-        <a:font script="Olck" typeface="Nirmala UI"/>
-        <a:font script="Osma" typeface="Ebrima"/>
-        <a:font script="Phag" typeface="Phagspa"/>
-        <a:font script="Syrn" typeface="Estrangelo Edessa"/>
-        <a:font script="Syrj" typeface="Estrangelo Edessa"/>
-        <a:font script="Syre" typeface="Estrangelo Edessa"/>
-        <a:font script="Sora" typeface="Nirmala UI"/>
-        <a:font script="Tale" typeface="Microsoft Tai Le"/>
-        <a:font script="Talu" typeface="Microsoft New Tai Lue"/>
-        <a:font script="Tfng" typeface="Ebrima"/>
-      </a:minorFont>
-    </a:fontScheme>
-    <a:fmtScheme name="Office">
-      <a:fillStyleLst>
-        <a:solidFill>
-          <a:schemeClr val="phClr"/>
-        </a:solidFill>
-        <a:gradFill rotWithShape="1">
-          <a:gsLst>
-            <a:gs pos="0">
-              <a:schemeClr val="phClr">
-                <a:lumMod val="110000"/>
-                <a:satMod val="105000"/>
-                <a:tint val="67000"/>
-              </a:schemeClr>
-            </a:gs>
-            <a:gs pos="50000">
-              <a:schemeClr val="phClr">
-                <a:lumMod val="105000"/>
-                <a:satMod val="103000"/>
-                <a:tint val="73000"/>
-              </a:schemeClr>
-            </a:gs>
-            <a:gs pos="100000">
-              <a:schemeClr val="phClr">
-                <a:lumMod val="105000"/>
-                <a:satMod val="109000"/>
-                <a:tint val="81000"/>
-              </a:schemeClr>
-            </a:gs>
-          </a:gsLst>
-          <a:lin ang="5400000" scaled="0"/>
-        </a:gradFill>
-        <a:gradFill rotWithShape="1">
-          <a:gsLst>
-            <a:gs pos="0">
-              <a:schemeClr val="phClr">
-                <a:satMod val="103000"/>
-                <a:lumMod val="102000"/>
-                <a:tint val="94000"/>
-              </a:schemeClr>
-            </a:gs>
-            <a:gs pos="50000">
-              <a:schemeClr val="phClr">
-                <a:satMod val="110000"/>
-                <a:lumMod val="100000"/>
-                <a:shade val="100000"/>
-              </a:schemeClr>
-            </a:gs>
-            <a:gs pos="100000">
-              <a:schemeClr val="phClr">
-                <a:lumMod val="99000"/>
-                <a:satMod val="120000"/>
-                <a:shade val="78000"/>
-              </a:schemeClr>
-            </a:gs>
-          </a:gsLst>
-          <a:lin ang="5400000" scaled="0"/>
-        </a:gradFill>
-      </a:fillStyleLst>
-      <a:lnStyleLst>
-        <a:ln w="12700" cap="flat" cmpd="sng" algn="ctr">
-          <a:solidFill>
-            <a:schemeClr val="phClr"/>
-          </a:solidFill>
-          <a:prstDash val="solid"/>
-          <a:miter lim="800000"/>
-        </a:ln>
-        <a:ln w="19050" cap="flat" cmpd="sng" algn="ctr">
-          <a:solidFill>
-            <a:schemeClr val="phClr"/>
-          </a:solidFill>
-          <a:prstDash val="solid"/>
-          <a:miter lim="800000"/>
-        </a:ln>
-        <a:ln w="25400" cap="flat" cmpd="sng" algn="ctr">
-          <a:solidFill>
-            <a:schemeClr val="phClr"/>
-          </a:solidFill>
-          <a:prstDash val="solid"/>
-          <a:miter lim="800000"/>
-        </a:ln>
-      </a:lnStyleLst>
-      <a:effectStyleLst>
-        <a:effectStyle>
-          <a:effectLst/>
-        </a:effectStyle>
-        <a:effectStyle>
-          <a:effectLst/>
-        </a:effectStyle>
-        <a:effectStyle>
-          <a:effectLst>
-            <a:outerShdw blurRad="57150" dist="19050" dir="5400000" algn="ctr" rotWithShape="0">
-              <a:srgbClr val="000000">
-                <a:alpha val="63000"/>
-              </a:srgbClr>
-            </a:outerShdw>
-          </a:effectLst>
-        </a:effectStyle>
-      </a:effectStyleLst>
-      <a:bgFillStyleLst>
-        <a:solidFill>
-          <a:schemeClr val="phClr"/>
-        </a:solidFill>
-        <a:solidFill>
-          <a:schemeClr val="phClr">
-            <a:tint val="95000"/>
-            <a:satMod val="170000"/>
-          </a:schemeClr>
-        </a:solidFill>
-        <a:gradFill rotWithShape="1">
-          <a:gsLst>
-            <a:gs pos="0">
-              <a:schemeClr val="phClr">
-                <a:tint val="93000"/>
-                <a:satMod val="150000"/>
-                <a:shade val="98000"/>
-                <a:lumMod val="102000"/>
-              </a:schemeClr>
-            </a:gs>
-            <a:gs pos="50000">
-              <a:schemeClr val="phClr">
-                <a:tint val="98000"/>
-                <a:satMod val="130000"/>
-                <a:shade val="90000"/>
-                <a:lumMod val="103000"/>
-              </a:schemeClr>
-            </a:gs>
-            <a:gs pos="100000">
-              <a:schemeClr val="phClr">
-                <a:shade val="63000"/>
-                <a:satMod val="120000"/>
-              </a:schemeClr>
-            </a:gs>
-          </a:gsLst>
-          <a:lin ang="5400000" scaled="0"/>
-        </a:gradFill>
-      </a:bgFillStyleLst>
-    </a:fmtScheme>
-  </a:themeElements>
-  <a:objectDefaults>
-    <a:lnDef>
-      <a:spPr/>
-      <a:bodyPr/>
-      <a:lstStyle/>
-      <a:style>
-        <a:lnRef idx="2">
-          <a:schemeClr val="accent1"/>
-        </a:lnRef>
-        <a:fillRef idx="0">
-          <a:schemeClr val="accent1"/>
-        </a:fillRef>
-        <a:effectRef idx="1">
-          <a:schemeClr val="accent1"/>
-        </a:effectRef>
-        <a:fontRef idx="minor">
-          <a:schemeClr val="tx1"/>
-        </a:fontRef>
-      </a:style>
-    </a:lnDef>
-  </a:objectDefaults>
-  <a:extraClrSchemeLst/>
-  <a:extLst>
-    <a:ext uri="{05A4C25C-085E-4340-85A3-A5531E510DB2}">
-      <thm15:themeFamily xmlns:thm15="http://schemas.microsoft.com/office/thememl/2012/main" name="Office Theme" id="{2E142A2C-CD16-42D6-873A-C26D2A0506FA}" vid="{1BDDFF52-6CD6-40A5-AB3C-68EB2F1E4D0A}"/>
-    </a:ext>
-  </a:extLst>
-</a:theme>
 </file>
--- a/Project Deliverables/CS 25-347_Poster.pptx
+++ b/Project Deliverables/CS 25-347_Poster.pptx
@@ -208,7 +208,7 @@
           <a:p>
             <a:fld id="{C605AE8F-D750-4DFF-B786-EB33F602B7F0}" type="datetimeFigureOut">
               <a:rPr lang="en-US" smtClean="0"/>
-              <a:t>3/28/2025</a:t>
+              <a:t>3/30/2025</a:t>
             </a:fld>
             <a:endParaRPr lang="en-US"/>
           </a:p>
@@ -693,7 +693,7 @@
           <a:p>
             <a:fld id="{C764DE79-268F-4C1A-8933-263129D2AF90}" type="datetimeFigureOut">
               <a:rPr lang="en-US" dirty="0"/>
-              <a:t>3/28/2025</a:t>
+              <a:t>3/30/2025</a:t>
             </a:fld>
             <a:endParaRPr lang="en-US" dirty="0"/>
           </a:p>
@@ -863,7 +863,7 @@
           <a:p>
             <a:fld id="{C764DE79-268F-4C1A-8933-263129D2AF90}" type="datetimeFigureOut">
               <a:rPr lang="en-US" dirty="0"/>
-              <a:t>3/28/2025</a:t>
+              <a:t>3/30/2025</a:t>
             </a:fld>
             <a:endParaRPr lang="en-US" dirty="0"/>
           </a:p>
@@ -1043,7 +1043,7 @@
           <a:p>
             <a:fld id="{C764DE79-268F-4C1A-8933-263129D2AF90}" type="datetimeFigureOut">
               <a:rPr lang="en-US" dirty="0"/>
-              <a:t>3/28/2025</a:t>
+              <a:t>3/30/2025</a:t>
             </a:fld>
             <a:endParaRPr lang="en-US" dirty="0"/>
           </a:p>
@@ -1349,7 +1349,7 @@
           <a:p>
             <a:fld id="{C764DE79-268F-4C1A-8933-263129D2AF90}" type="datetimeFigureOut">
               <a:rPr lang="en-US" dirty="0"/>
-              <a:t>3/28/2025</a:t>
+              <a:t>3/30/2025</a:t>
             </a:fld>
             <a:endParaRPr lang="en-US" dirty="0"/>
           </a:p>
@@ -1593,7 +1593,7 @@
           <a:p>
             <a:fld id="{C764DE79-268F-4C1A-8933-263129D2AF90}" type="datetimeFigureOut">
               <a:rPr lang="en-US" dirty="0"/>
-              <a:t>3/28/2025</a:t>
+              <a:t>3/30/2025</a:t>
             </a:fld>
             <a:endParaRPr lang="en-US" dirty="0"/>
           </a:p>
@@ -1825,7 +1825,7 @@
           <a:p>
             <a:fld id="{C764DE79-268F-4C1A-8933-263129D2AF90}" type="datetimeFigureOut">
               <a:rPr lang="en-US" dirty="0"/>
-              <a:t>3/28/2025</a:t>
+              <a:t>3/30/2025</a:t>
             </a:fld>
             <a:endParaRPr lang="en-US" dirty="0"/>
           </a:p>
@@ -2192,7 +2192,7 @@
           <a:p>
             <a:fld id="{C764DE79-268F-4C1A-8933-263129D2AF90}" type="datetimeFigureOut">
               <a:rPr lang="en-US" dirty="0"/>
-              <a:t>3/28/2025</a:t>
+              <a:t>3/30/2025</a:t>
             </a:fld>
             <a:endParaRPr lang="en-US" dirty="0"/>
           </a:p>
@@ -2310,7 +2310,7 @@
           <a:p>
             <a:fld id="{C764DE79-268F-4C1A-8933-263129D2AF90}" type="datetimeFigureOut">
               <a:rPr lang="en-US" dirty="0"/>
-              <a:t>3/28/2025</a:t>
+              <a:t>3/30/2025</a:t>
             </a:fld>
             <a:endParaRPr lang="en-US" dirty="0"/>
           </a:p>
@@ -2405,7 +2405,7 @@
           <a:p>
             <a:fld id="{C764DE79-268F-4C1A-8933-263129D2AF90}" type="datetimeFigureOut">
               <a:rPr lang="en-US" dirty="0"/>
-              <a:t>3/28/2025</a:t>
+              <a:t>3/30/2025</a:t>
             </a:fld>
             <a:endParaRPr lang="en-US" dirty="0"/>
           </a:p>
@@ -2682,7 +2682,7 @@
           <a:p>
             <a:fld id="{C764DE79-268F-4C1A-8933-263129D2AF90}" type="datetimeFigureOut">
               <a:rPr lang="en-US" dirty="0"/>
-              <a:t>3/28/2025</a:t>
+              <a:t>3/30/2025</a:t>
             </a:fld>
             <a:endParaRPr lang="en-US" dirty="0"/>
           </a:p>
@@ -2939,7 +2939,7 @@
           <a:p>
             <a:fld id="{C764DE79-268F-4C1A-8933-263129D2AF90}" type="datetimeFigureOut">
               <a:rPr lang="en-US" dirty="0"/>
-              <a:t>3/28/2025</a:t>
+              <a:t>3/30/2025</a:t>
             </a:fld>
             <a:endParaRPr lang="en-US" dirty="0"/>
           </a:p>
@@ -3152,7 +3152,7 @@
           <a:p>
             <a:fld id="{C764DE79-268F-4C1A-8933-263129D2AF90}" type="datetimeFigureOut">
               <a:rPr lang="en-US" dirty="0"/>
-              <a:t>3/28/2025</a:t>
+              <a:t>3/30/2025</a:t>
             </a:fld>
             <a:endParaRPr lang="en-US" dirty="0"/>
           </a:p>
@@ -3705,8 +3705,8 @@
         </p:nvSpPr>
         <p:spPr>
           <a:xfrm>
-            <a:off x="449032" y="2986519"/>
-            <a:ext cx="40813268" cy="2339061"/>
+            <a:off x="457200" y="2971800"/>
+            <a:ext cx="40813268" cy="2246769"/>
           </a:xfrm>
           <a:prstGeom prst="rect">
             <a:avLst/>
@@ -3717,7 +3717,7 @@
           </a:ln>
         </p:spPr>
         <p:txBody>
-          <a:bodyPr spcFirstLastPara="1" wrap="square" lIns="91425" tIns="45700" rIns="91425" bIns="45700" anchor="t" anchorCtr="0">
+          <a:bodyPr spcFirstLastPara="1" wrap="square" lIns="0" tIns="0" rIns="0" bIns="0" anchor="t" anchorCtr="0">
             <a:spAutoFit/>
           </a:bodyPr>
           <a:lstStyle/>
@@ -3851,12 +3851,12 @@
         </p:nvSpPr>
         <p:spPr>
           <a:xfrm>
-            <a:off x="618473" y="5903838"/>
-            <a:ext cx="10515600" cy="16230600"/>
+            <a:off x="457200" y="5486400"/>
+            <a:ext cx="10972800" cy="15544800"/>
           </a:xfrm>
           <a:prstGeom prst="roundRect">
             <a:avLst>
-              <a:gd name="adj" fmla="val 3100"/>
+              <a:gd name="adj" fmla="val 1827"/>
             </a:avLst>
           </a:prstGeom>
           <a:solidFill>
@@ -3991,7 +3991,7 @@
         </p:nvSpPr>
         <p:spPr>
           <a:xfrm>
-            <a:off x="11887200" y="5897996"/>
+            <a:off x="11887200" y="5486400"/>
             <a:ext cx="20116800" cy="11887200"/>
           </a:xfrm>
           <a:prstGeom prst="roundRect">
@@ -4261,8 +4261,8 @@
         </p:blipFill>
         <p:spPr bwMode="auto">
           <a:xfrm>
-            <a:off x="1165469" y="6519589"/>
-            <a:ext cx="9416271" cy="4982094"/>
+            <a:off x="1017047" y="6412528"/>
+            <a:ext cx="9809703" cy="5190257"/>
           </a:xfrm>
           <a:prstGeom prst="roundRect">
             <a:avLst>
@@ -4280,51 +4280,6 @@
           <a:effectLst/>
         </p:spPr>
       </p:pic>
-      <p:pic>
-        <p:nvPicPr>
-          <p:cNvPr id="6" name="Picture 6" descr="The Comprehensive Guide to Robots (Cobots) on RS Marketplace">
-            <a:extLst>
-              <a:ext uri="{FF2B5EF4-FFF2-40B4-BE49-F238E27FC236}">
-                <a16:creationId xmlns:a16="http://schemas.microsoft.com/office/drawing/2014/main" id="{281AB8A6-DA3D-7057-FCA0-6B09FD6CD19D}"/>
-              </a:ext>
-            </a:extLst>
-          </p:cNvPr>
-          <p:cNvPicPr>
-            <a:picLocks noChangeAspect="1" noChangeArrowheads="1"/>
-          </p:cNvPicPr>
-          <p:nvPr/>
-        </p:nvPicPr>
-        <p:blipFill rotWithShape="1">
-          <a:blip r:embed="rId4">
-            <a:extLst>
-              <a:ext uri="{28A0092B-C50C-407E-A947-70E740481C1C}">
-                <a14:useLocalDpi xmlns:a14="http://schemas.microsoft.com/office/drawing/2010/main" val="0"/>
-              </a:ext>
-            </a:extLst>
-          </a:blip>
-          <a:srcRect l="15110" t="19505" r="26643" b="7768"/>
-          <a:stretch/>
-        </p:blipFill>
-        <p:spPr bwMode="auto">
-          <a:xfrm>
-            <a:off x="24325082" y="8186578"/>
-            <a:ext cx="6578777" cy="8650116"/>
-          </a:xfrm>
-          <a:prstGeom prst="rect">
-            <a:avLst/>
-          </a:prstGeom>
-          <a:noFill/>
-          <a:extLst>
-            <a:ext uri="{909E8E84-426E-40DD-AFC4-6F175D3DCCD1}">
-              <a14:hiddenFill xmlns:a14="http://schemas.microsoft.com/office/drawing/2010/main">
-                <a:solidFill>
-                  <a:srgbClr val="FFFFFF"/>
-                </a:solidFill>
-              </a14:hiddenFill>
-            </a:ext>
-          </a:extLst>
-        </p:spPr>
-      </p:pic>
       <p:sp>
         <p:nvSpPr>
           <p:cNvPr id="15" name="Rectangle: Rounded Corners 14">
@@ -4339,7 +4294,7 @@
         </p:nvSpPr>
         <p:spPr>
           <a:xfrm>
-            <a:off x="12447298" y="7711036"/>
+            <a:off x="12344400" y="7315200"/>
             <a:ext cx="5791195" cy="9601200"/>
           </a:xfrm>
           <a:prstGeom prst="roundRect">
@@ -4532,7 +4487,7 @@
           <p:nvPr/>
         </p:nvPicPr>
         <p:blipFill rotWithShape="1">
-          <a:blip r:embed="rId5">
+          <a:blip r:embed="rId4">
             <a:extLst>
               <a:ext uri="{28A0092B-C50C-407E-A947-70E740481C1C}">
                 <a14:useLocalDpi xmlns:a14="http://schemas.microsoft.com/office/drawing/2010/main" val="0"/>
@@ -4544,8 +4499,8 @@
         </p:blipFill>
         <p:spPr bwMode="auto">
           <a:xfrm>
-            <a:off x="17530598" y="8968026"/>
-            <a:ext cx="5835594" cy="5486400"/>
+            <a:off x="16149474" y="9655786"/>
+            <a:ext cx="7777869" cy="7312452"/>
           </a:xfrm>
           <a:prstGeom prst="rect">
             <a:avLst/>
@@ -4692,101 +4647,6 @@
           </a:p>
         </p:txBody>
       </p:sp>
-      <p:pic>
-        <p:nvPicPr>
-          <p:cNvPr id="1028" name="Picture 4" descr="Clipart - Table Line Art">
-            <a:extLst>
-              <a:ext uri="{FF2B5EF4-FFF2-40B4-BE49-F238E27FC236}">
-                <a16:creationId xmlns:a16="http://schemas.microsoft.com/office/drawing/2014/main" id="{08AA7606-A9FA-524A-04DC-84CFEB7F9163}"/>
-              </a:ext>
-            </a:extLst>
-          </p:cNvPr>
-          <p:cNvPicPr>
-            <a:picLocks noChangeAspect="1" noChangeArrowheads="1"/>
-          </p:cNvPicPr>
-          <p:nvPr/>
-        </p:nvPicPr>
-        <p:blipFill>
-          <a:blip r:embed="rId6">
-            <a:extLst>
-              <a:ext uri="{28A0092B-C50C-407E-A947-70E740481C1C}">
-                <a14:useLocalDpi xmlns:a14="http://schemas.microsoft.com/office/drawing/2010/main" val="0"/>
-              </a:ext>
-            </a:extLst>
-          </a:blip>
-          <a:srcRect/>
-          <a:stretch>
-            <a:fillRect/>
-          </a:stretch>
-        </p:blipFill>
-        <p:spPr bwMode="auto">
-          <a:xfrm>
-            <a:off x="18769488" y="12274129"/>
-            <a:ext cx="8508412" cy="5190131"/>
-          </a:xfrm>
-          <a:prstGeom prst="rect">
-            <a:avLst/>
-          </a:prstGeom>
-          <a:noFill/>
-          <a:effectLst/>
-          <a:extLst>
-            <a:ext uri="{909E8E84-426E-40DD-AFC4-6F175D3DCCD1}">
-              <a14:hiddenFill xmlns:a14="http://schemas.microsoft.com/office/drawing/2010/main">
-                <a:solidFill>
-                  <a:srgbClr val="FFFFFF"/>
-                </a:solidFill>
-              </a14:hiddenFill>
-            </a:ext>
-          </a:extLst>
-        </p:spPr>
-      </p:pic>
-      <p:pic>
-        <p:nvPicPr>
-          <p:cNvPr id="1030" name="Picture 6" descr="Cube PNG File | PNG Mart">
-            <a:extLst>
-              <a:ext uri="{FF2B5EF4-FFF2-40B4-BE49-F238E27FC236}">
-                <a16:creationId xmlns:a16="http://schemas.microsoft.com/office/drawing/2014/main" id="{BC122089-7525-8F8E-4C1F-5ADC40829602}"/>
-              </a:ext>
-            </a:extLst>
-          </p:cNvPr>
-          <p:cNvPicPr>
-            <a:picLocks noChangeAspect="1" noChangeArrowheads="1"/>
-          </p:cNvPicPr>
-          <p:nvPr/>
-        </p:nvPicPr>
-        <p:blipFill>
-          <a:blip r:embed="rId7">
-            <a:extLst>
-              <a:ext uri="{28A0092B-C50C-407E-A947-70E740481C1C}">
-                <a14:useLocalDpi xmlns:a14="http://schemas.microsoft.com/office/drawing/2010/main" val="0"/>
-              </a:ext>
-            </a:extLst>
-          </a:blip>
-          <a:srcRect/>
-          <a:stretch>
-            <a:fillRect/>
-          </a:stretch>
-        </p:blipFill>
-        <p:spPr bwMode="auto">
-          <a:xfrm>
-            <a:off x="20758637" y="12695407"/>
-            <a:ext cx="1414021" cy="1371600"/>
-          </a:xfrm>
-          <a:prstGeom prst="rect">
-            <a:avLst/>
-          </a:prstGeom>
-          <a:noFill/>
-          <a:extLst>
-            <a:ext uri="{909E8E84-426E-40DD-AFC4-6F175D3DCCD1}">
-              <a14:hiddenFill xmlns:a14="http://schemas.microsoft.com/office/drawing/2010/main">
-                <a:solidFill>
-                  <a:srgbClr val="FFFFFF"/>
-                </a:solidFill>
-              </a14:hiddenFill>
-            </a:ext>
-          </a:extLst>
-        </p:spPr>
-      </p:pic>
       <p:grpSp>
         <p:nvGrpSpPr>
           <p:cNvPr id="1054" name="Group 1053">
@@ -5972,10 +5832,10 @@
               </a:pathLst>
             </a:custGeom>
             <a:blipFill>
-              <a:blip r:embed="rId8">
+              <a:blip r:embed="rId5">
                 <a:extLst>
                   <a:ext uri="{96DAC541-7B7A-43D3-8B79-37D633B846F1}">
-                    <asvg:svgBlip xmlns:asvg="http://schemas.microsoft.com/office/drawing/2016/SVG/main" r:embed="rId9"/>
+                    <asvg:svgBlip xmlns:asvg="http://schemas.microsoft.com/office/drawing/2016/SVG/main" r:embed="rId6"/>
                   </a:ext>
                 </a:extLst>
               </a:blip>
@@ -6039,10 +5899,10 @@
               </a:pathLst>
             </a:custGeom>
             <a:blipFill>
-              <a:blip r:embed="rId10">
+              <a:blip r:embed="rId7">
                 <a:extLst>
                   <a:ext uri="{96DAC541-7B7A-43D3-8B79-37D633B846F1}">
-                    <asvg:svgBlip xmlns:asvg="http://schemas.microsoft.com/office/drawing/2016/SVG/main" r:embed="rId11"/>
+                    <asvg:svgBlip xmlns:asvg="http://schemas.microsoft.com/office/drawing/2016/SVG/main" r:embed="rId8"/>
                   </a:ext>
                 </a:extLst>
               </a:blip>
@@ -6106,10 +5966,10 @@
               </a:pathLst>
             </a:custGeom>
             <a:blipFill>
-              <a:blip r:embed="rId12">
+              <a:blip r:embed="rId9">
                 <a:extLst>
                   <a:ext uri="{96DAC541-7B7A-43D3-8B79-37D633B846F1}">
-                    <asvg:svgBlip xmlns:asvg="http://schemas.microsoft.com/office/drawing/2016/SVG/main" r:embed="rId13"/>
+                    <asvg:svgBlip xmlns:asvg="http://schemas.microsoft.com/office/drawing/2016/SVG/main" r:embed="rId10"/>
                   </a:ext>
                 </a:extLst>
               </a:blip>
@@ -6489,10 +6349,10 @@
               </a:pathLst>
             </a:custGeom>
             <a:blipFill>
-              <a:blip r:embed="rId14">
+              <a:blip r:embed="rId11">
                 <a:extLst>
                   <a:ext uri="{96DAC541-7B7A-43D3-8B79-37D633B846F1}">
-                    <asvg:svgBlip xmlns:asvg="http://schemas.microsoft.com/office/drawing/2016/SVG/main" r:embed="rId15"/>
+                    <asvg:svgBlip xmlns:asvg="http://schemas.microsoft.com/office/drawing/2016/SVG/main" r:embed="rId12"/>
                   </a:ext>
                 </a:extLst>
               </a:blip>
@@ -6525,7 +6385,7 @@
           <p:nvPr/>
         </p:nvPicPr>
         <p:blipFill>
-          <a:blip r:embed="rId16">
+          <a:blip r:embed="rId13">
             <a:extLst>
               <a:ext uri="{28A0092B-C50C-407E-A947-70E740481C1C}">
                 <a14:useLocalDpi xmlns:a14="http://schemas.microsoft.com/office/drawing/2010/main" val="0"/>
@@ -6635,60 +6495,6 @@
           </a:p>
         </p:txBody>
       </p:sp>
-      <p:pic>
-        <p:nvPicPr>
-          <p:cNvPr id="16" name="Picture 6" descr="Cube PNG File | PNG Mart">
-            <a:extLst>
-              <a:ext uri="{FF2B5EF4-FFF2-40B4-BE49-F238E27FC236}">
-                <a16:creationId xmlns:a16="http://schemas.microsoft.com/office/drawing/2014/main" id="{B631D37C-D130-6B03-9778-4F306202DD22}"/>
-              </a:ext>
-            </a:extLst>
-          </p:cNvPr>
-          <p:cNvPicPr>
-            <a:picLocks noChangeAspect="1" noChangeArrowheads="1"/>
-          </p:cNvPicPr>
-          <p:nvPr/>
-        </p:nvPicPr>
-        <p:blipFill>
-          <a:blip r:embed="rId7">
-            <a:duotone>
-              <a:schemeClr val="accent1">
-                <a:shade val="45000"/>
-                <a:satMod val="135000"/>
-              </a:schemeClr>
-              <a:prstClr val="white"/>
-            </a:duotone>
-            <a:extLst>
-              <a:ext uri="{28A0092B-C50C-407E-A947-70E740481C1C}">
-                <a14:useLocalDpi xmlns:a14="http://schemas.microsoft.com/office/drawing/2010/main" val="0"/>
-              </a:ext>
-            </a:extLst>
-          </a:blip>
-          <a:srcRect/>
-          <a:stretch>
-            <a:fillRect/>
-          </a:stretch>
-        </p:blipFill>
-        <p:spPr bwMode="auto">
-          <a:xfrm>
-            <a:off x="23306595" y="12369886"/>
-            <a:ext cx="1414021" cy="1371600"/>
-          </a:xfrm>
-          <a:prstGeom prst="rect">
-            <a:avLst/>
-          </a:prstGeom>
-          <a:noFill/>
-          <a:extLst>
-            <a:ext uri="{909E8E84-426E-40DD-AFC4-6F175D3DCCD1}">
-              <a14:hiddenFill xmlns:a14="http://schemas.microsoft.com/office/drawing/2010/main">
-                <a:solidFill>
-                  <a:srgbClr val="FFFFFF"/>
-                </a:solidFill>
-              </a14:hiddenFill>
-            </a:ext>
-          </a:extLst>
-        </p:spPr>
-      </p:pic>
       <p:grpSp>
         <p:nvGrpSpPr>
           <p:cNvPr id="40" name="Group 39">
@@ -6703,7 +6509,7 @@
         </p:nvGrpSpPr>
         <p:grpSpPr>
           <a:xfrm>
-            <a:off x="32757127" y="5896998"/>
+            <a:off x="32757127" y="5486400"/>
             <a:ext cx="10515600" cy="11887199"/>
             <a:chOff x="32517973" y="5896998"/>
             <a:chExt cx="10515600" cy="11887199"/>
@@ -7744,10 +7550,10 @@
                 </a:pathLst>
               </a:custGeom>
               <a:blipFill>
-                <a:blip r:embed="rId17">
+                <a:blip r:embed="rId14">
                   <a:extLst>
                     <a:ext uri="{96DAC541-7B7A-43D3-8B79-37D633B846F1}">
-                      <asvg:svgBlip xmlns:asvg="http://schemas.microsoft.com/office/drawing/2016/SVG/main" r:embed="rId18"/>
+                      <asvg:svgBlip xmlns:asvg="http://schemas.microsoft.com/office/drawing/2016/SVG/main" r:embed="rId15"/>
                     </a:ext>
                   </a:extLst>
                 </a:blip>
@@ -8267,10 +8073,10 @@
                 </a:pathLst>
               </a:custGeom>
               <a:blipFill>
-                <a:blip r:embed="rId19">
+                <a:blip r:embed="rId16">
                   <a:extLst>
                     <a:ext uri="{96DAC541-7B7A-43D3-8B79-37D633B846F1}">
-                      <asvg:svgBlip xmlns:asvg="http://schemas.microsoft.com/office/drawing/2016/SVG/main" r:embed="rId20"/>
+                      <asvg:svgBlip xmlns:asvg="http://schemas.microsoft.com/office/drawing/2016/SVG/main" r:embed="rId17"/>
                     </a:ext>
                   </a:extLst>
                 </a:blip>
@@ -8739,10 +8545,10 @@
                   </a:pathLst>
                 </a:custGeom>
                 <a:blipFill>
-                  <a:blip r:embed="rId21">
+                  <a:blip r:embed="rId18">
                     <a:extLst>
                       <a:ext uri="{96DAC541-7B7A-43D3-8B79-37D633B846F1}">
-                        <asvg:svgBlip xmlns:asvg="http://schemas.microsoft.com/office/drawing/2016/SVG/main" r:embed="rId22"/>
+                        <asvg:svgBlip xmlns:asvg="http://schemas.microsoft.com/office/drawing/2016/SVG/main" r:embed="rId19"/>
                       </a:ext>
                     </a:extLst>
                   </a:blip>
@@ -8806,10 +8612,10 @@
               </a:pathLst>
             </a:custGeom>
             <a:blipFill>
-              <a:blip r:embed="rId19">
+              <a:blip r:embed="rId16">
                 <a:extLst>
                   <a:ext uri="{96DAC541-7B7A-43D3-8B79-37D633B846F1}">
-                    <asvg:svgBlip xmlns:asvg="http://schemas.microsoft.com/office/drawing/2016/SVG/main" r:embed="rId20"/>
+                    <asvg:svgBlip xmlns:asvg="http://schemas.microsoft.com/office/drawing/2016/SVG/main" r:embed="rId17"/>
                   </a:ext>
                 </a:extLst>
               </a:blip>
@@ -8982,7 +8788,7 @@
           <p:nvPr/>
         </p:nvPicPr>
         <p:blipFill>
-          <a:blip r:embed="rId23"/>
+          <a:blip r:embed="rId20"/>
           <a:stretch>
             <a:fillRect/>
           </a:stretch>
@@ -9018,8 +8824,8 @@
         </p:nvSpPr>
         <p:spPr>
           <a:xfrm>
-            <a:off x="618473" y="22782330"/>
-            <a:ext cx="10515600" cy="5029200"/>
+            <a:off x="457200" y="21488400"/>
+            <a:ext cx="10972800" cy="5029200"/>
           </a:xfrm>
           <a:prstGeom prst="roundRect">
             <a:avLst>
@@ -9130,7 +8936,7 @@
           <p:nvPr/>
         </p:nvPicPr>
         <p:blipFill>
-          <a:blip r:embed="rId24"/>
+          <a:blip r:embed="rId21"/>
           <a:srcRect l="10300" t="10369" r="10300" b="10369"/>
           <a:stretch/>
         </p:blipFill>
@@ -9254,6 +9060,496 @@
               <a:rPr lang="en-US" sz="4000" b="1" dirty="0"/>
               <a:t>Unity</a:t>
             </a:r>
+          </a:p>
+        </p:txBody>
+      </p:sp>
+      <p:sp>
+        <p:nvSpPr>
+          <p:cNvPr id="17" name="Rectangle 16">
+            <a:extLst>
+              <a:ext uri="{FF2B5EF4-FFF2-40B4-BE49-F238E27FC236}">
+                <a16:creationId xmlns:a16="http://schemas.microsoft.com/office/drawing/2014/main" id="{90A46BA3-9E18-1CD4-B212-6F307A11C244}"/>
+              </a:ext>
+            </a:extLst>
+          </p:cNvPr>
+          <p:cNvSpPr/>
+          <p:nvPr/>
+        </p:nvSpPr>
+        <p:spPr>
+          <a:xfrm>
+            <a:off x="26044035" y="13049770"/>
+            <a:ext cx="908427" cy="361430"/>
+          </a:xfrm>
+          <a:prstGeom prst="rect">
+            <a:avLst/>
+          </a:prstGeom>
+          <a:solidFill>
+            <a:schemeClr val="tx1"/>
+          </a:solidFill>
+        </p:spPr>
+        <p:style>
+          <a:lnRef idx="2">
+            <a:schemeClr val="accent1">
+              <a:shade val="15000"/>
+            </a:schemeClr>
+          </a:lnRef>
+          <a:fillRef idx="1">
+            <a:schemeClr val="accent1"/>
+          </a:fillRef>
+          <a:effectRef idx="0">
+            <a:schemeClr val="accent1"/>
+          </a:effectRef>
+          <a:fontRef idx="minor">
+            <a:schemeClr val="lt1"/>
+          </a:fontRef>
+        </p:style>
+        <p:txBody>
+          <a:bodyPr rtlCol="0" anchor="ctr"/>
+          <a:lstStyle/>
+          <a:p>
+            <a:pPr algn="ctr"/>
+            <a:endParaRPr lang="en-US" dirty="0"/>
+          </a:p>
+        </p:txBody>
+      </p:sp>
+      <p:sp>
+        <p:nvSpPr>
+          <p:cNvPr id="19" name="Rectangle 18">
+            <a:extLst>
+              <a:ext uri="{FF2B5EF4-FFF2-40B4-BE49-F238E27FC236}">
+                <a16:creationId xmlns:a16="http://schemas.microsoft.com/office/drawing/2014/main" id="{6E8A29D7-A215-97F2-A96B-235FC11E42B8}"/>
+              </a:ext>
+            </a:extLst>
+          </p:cNvPr>
+          <p:cNvSpPr/>
+          <p:nvPr/>
+        </p:nvSpPr>
+        <p:spPr>
+          <a:xfrm>
+            <a:off x="26533915" y="15803765"/>
+            <a:ext cx="908427" cy="361430"/>
+          </a:xfrm>
+          <a:prstGeom prst="rect">
+            <a:avLst/>
+          </a:prstGeom>
+          <a:solidFill>
+            <a:schemeClr val="tx1"/>
+          </a:solidFill>
+        </p:spPr>
+        <p:style>
+          <a:lnRef idx="2">
+            <a:schemeClr val="accent1">
+              <a:shade val="15000"/>
+            </a:schemeClr>
+          </a:lnRef>
+          <a:fillRef idx="1">
+            <a:schemeClr val="accent1"/>
+          </a:fillRef>
+          <a:effectRef idx="0">
+            <a:schemeClr val="accent1"/>
+          </a:effectRef>
+          <a:fontRef idx="minor">
+            <a:schemeClr val="lt1"/>
+          </a:fontRef>
+        </p:style>
+        <p:txBody>
+          <a:bodyPr rtlCol="0" anchor="ctr"/>
+          <a:lstStyle/>
+          <a:p>
+            <a:pPr algn="ctr"/>
+            <a:endParaRPr lang="en-US" dirty="0"/>
+          </a:p>
+        </p:txBody>
+      </p:sp>
+      <p:sp>
+        <p:nvSpPr>
+          <p:cNvPr id="11" name="Parallelogram 10">
+            <a:extLst>
+              <a:ext uri="{FF2B5EF4-FFF2-40B4-BE49-F238E27FC236}">
+                <a16:creationId xmlns:a16="http://schemas.microsoft.com/office/drawing/2014/main" id="{320D2164-3794-08B7-7F6D-94E4E41C2481}"/>
+              </a:ext>
+            </a:extLst>
+          </p:cNvPr>
+          <p:cNvSpPr/>
+          <p:nvPr/>
+        </p:nvSpPr>
+        <p:spPr>
+          <a:xfrm flipH="1">
+            <a:off x="26517600" y="12801600"/>
+            <a:ext cx="5029200" cy="3656781"/>
+          </a:xfrm>
+          <a:prstGeom prst="parallelogram">
+            <a:avLst>
+              <a:gd name="adj" fmla="val 17012"/>
+            </a:avLst>
+          </a:prstGeom>
+          <a:solidFill>
+            <a:schemeClr val="bg1"/>
+          </a:solidFill>
+        </p:spPr>
+        <p:style>
+          <a:lnRef idx="2">
+            <a:schemeClr val="accent1">
+              <a:shade val="15000"/>
+            </a:schemeClr>
+          </a:lnRef>
+          <a:fillRef idx="1">
+            <a:schemeClr val="accent1"/>
+          </a:fillRef>
+          <a:effectRef idx="0">
+            <a:schemeClr val="accent1"/>
+          </a:effectRef>
+          <a:fontRef idx="minor">
+            <a:schemeClr val="lt1"/>
+          </a:fontRef>
+        </p:style>
+        <p:txBody>
+          <a:bodyPr rtlCol="0" anchor="ctr"/>
+          <a:lstStyle/>
+          <a:p>
+            <a:pPr algn="ctr"/>
+            <a:endParaRPr lang="en-US" dirty="0"/>
+          </a:p>
+        </p:txBody>
+      </p:sp>
+      <p:sp>
+        <p:nvSpPr>
+          <p:cNvPr id="13" name="Parallelogram 12">
+            <a:extLst>
+              <a:ext uri="{FF2B5EF4-FFF2-40B4-BE49-F238E27FC236}">
+                <a16:creationId xmlns:a16="http://schemas.microsoft.com/office/drawing/2014/main" id="{3861456C-84AE-C639-FC48-239E3D464A6D}"/>
+              </a:ext>
+            </a:extLst>
+          </p:cNvPr>
+          <p:cNvSpPr/>
+          <p:nvPr/>
+        </p:nvSpPr>
+        <p:spPr>
+          <a:xfrm flipH="1">
+            <a:off x="21945600" y="12801600"/>
+            <a:ext cx="5029200" cy="3656781"/>
+          </a:xfrm>
+          <a:prstGeom prst="parallelogram">
+            <a:avLst>
+              <a:gd name="adj" fmla="val 17012"/>
+            </a:avLst>
+          </a:prstGeom>
+          <a:solidFill>
+            <a:schemeClr val="bg1"/>
+          </a:solidFill>
+        </p:spPr>
+        <p:style>
+          <a:lnRef idx="2">
+            <a:schemeClr val="accent1">
+              <a:shade val="15000"/>
+            </a:schemeClr>
+          </a:lnRef>
+          <a:fillRef idx="1">
+            <a:schemeClr val="accent1"/>
+          </a:fillRef>
+          <a:effectRef idx="0">
+            <a:schemeClr val="accent1"/>
+          </a:effectRef>
+          <a:fontRef idx="minor">
+            <a:schemeClr val="lt1"/>
+          </a:fontRef>
+        </p:style>
+        <p:txBody>
+          <a:bodyPr rtlCol="0" anchor="ctr"/>
+          <a:lstStyle/>
+          <a:p>
+            <a:pPr algn="ctr"/>
+            <a:endParaRPr lang="en-US" dirty="0"/>
+          </a:p>
+        </p:txBody>
+      </p:sp>
+      <p:pic>
+        <p:nvPicPr>
+          <p:cNvPr id="6" name="Picture 6" descr="The Comprehensive Guide to Robots (Cobots) on RS Marketplace">
+            <a:extLst>
+              <a:ext uri="{FF2B5EF4-FFF2-40B4-BE49-F238E27FC236}">
+                <a16:creationId xmlns:a16="http://schemas.microsoft.com/office/drawing/2014/main" id="{281AB8A6-DA3D-7057-FCA0-6B09FD6CD19D}"/>
+              </a:ext>
+            </a:extLst>
+          </p:cNvPr>
+          <p:cNvPicPr>
+            <a:picLocks noChangeAspect="1" noChangeArrowheads="1"/>
+          </p:cNvPicPr>
+          <p:nvPr/>
+        </p:nvPicPr>
+        <p:blipFill rotWithShape="1">
+          <a:blip r:embed="rId22">
+            <a:extLst>
+              <a:ext uri="{28A0092B-C50C-407E-A947-70E740481C1C}">
+                <a14:useLocalDpi xmlns:a14="http://schemas.microsoft.com/office/drawing/2010/main" val="0"/>
+              </a:ext>
+            </a:extLst>
+          </a:blip>
+          <a:srcRect l="15110" t="19505" r="26643" b="12757"/>
+          <a:stretch/>
+        </p:blipFill>
+        <p:spPr bwMode="auto">
+          <a:xfrm>
+            <a:off x="25408189" y="7464210"/>
+            <a:ext cx="6141978" cy="7521789"/>
+          </a:xfrm>
+          <a:prstGeom prst="rect">
+            <a:avLst/>
+          </a:prstGeom>
+          <a:noFill/>
+          <a:ln>
+            <a:noFill/>
+          </a:ln>
+          <a:effectLst>
+            <a:outerShdw blurRad="76200" dir="13500000" sy="23000" kx="1200000" algn="br" rotWithShape="0">
+              <a:prstClr val="black">
+                <a:alpha val="20000"/>
+              </a:prstClr>
+            </a:outerShdw>
+          </a:effectLst>
+          <a:extLst>
+            <a:ext uri="{909E8E84-426E-40DD-AFC4-6F175D3DCCD1}">
+              <a14:hiddenFill xmlns:a14="http://schemas.microsoft.com/office/drawing/2010/main">
+                <a:solidFill>
+                  <a:srgbClr val="FFFFFF"/>
+                </a:solidFill>
+              </a14:hiddenFill>
+            </a:ext>
+          </a:extLst>
+        </p:spPr>
+      </p:pic>
+      <p:sp>
+        <p:nvSpPr>
+          <p:cNvPr id="21" name="Cube 20">
+            <a:extLst>
+              <a:ext uri="{FF2B5EF4-FFF2-40B4-BE49-F238E27FC236}">
+                <a16:creationId xmlns:a16="http://schemas.microsoft.com/office/drawing/2014/main" id="{4ABC2B25-C7D6-8BF2-4F16-BE0956E87616}"/>
+              </a:ext>
+            </a:extLst>
+          </p:cNvPr>
+          <p:cNvSpPr/>
+          <p:nvPr/>
+        </p:nvSpPr>
+        <p:spPr>
+          <a:xfrm>
+            <a:off x="24772873" y="12967680"/>
+            <a:ext cx="914400" cy="914400"/>
+          </a:xfrm>
+          <a:prstGeom prst="cube">
+            <a:avLst/>
+          </a:prstGeom>
+          <a:solidFill>
+            <a:srgbClr val="FF0000"/>
+          </a:solidFill>
+          <a:effectLst>
+            <a:outerShdw blurRad="76200" dir="13500000" sy="23000" kx="1200000" algn="br" rotWithShape="0">
+              <a:prstClr val="black">
+                <a:alpha val="20000"/>
+              </a:prstClr>
+            </a:outerShdw>
+          </a:effectLst>
+        </p:spPr>
+        <p:style>
+          <a:lnRef idx="2">
+            <a:schemeClr val="accent1">
+              <a:shade val="15000"/>
+            </a:schemeClr>
+          </a:lnRef>
+          <a:fillRef idx="1">
+            <a:schemeClr val="accent1"/>
+          </a:fillRef>
+          <a:effectRef idx="0">
+            <a:schemeClr val="accent1"/>
+          </a:effectRef>
+          <a:fontRef idx="minor">
+            <a:schemeClr val="lt1"/>
+          </a:fontRef>
+        </p:style>
+        <p:txBody>
+          <a:bodyPr rtlCol="0" anchor="ctr"/>
+          <a:lstStyle/>
+          <a:p>
+            <a:pPr algn="ctr"/>
+            <a:endParaRPr lang="en-US" dirty="0"/>
+          </a:p>
+        </p:txBody>
+      </p:sp>
+      <p:sp>
+        <p:nvSpPr>
+          <p:cNvPr id="22" name="Cube 21">
+            <a:extLst>
+              <a:ext uri="{FF2B5EF4-FFF2-40B4-BE49-F238E27FC236}">
+                <a16:creationId xmlns:a16="http://schemas.microsoft.com/office/drawing/2014/main" id="{4943DFF8-2397-2258-5707-6D6BC9A0E242}"/>
+              </a:ext>
+            </a:extLst>
+          </p:cNvPr>
+          <p:cNvSpPr/>
+          <p:nvPr/>
+        </p:nvSpPr>
+        <p:spPr>
+          <a:xfrm>
+            <a:off x="22898588" y="14816230"/>
+            <a:ext cx="914400" cy="914400"/>
+          </a:xfrm>
+          <a:prstGeom prst="cube">
+            <a:avLst/>
+          </a:prstGeom>
+          <a:solidFill>
+            <a:srgbClr val="FF0000"/>
+          </a:solidFill>
+          <a:effectLst>
+            <a:outerShdw blurRad="76200" dir="13500000" sy="23000" kx="1200000" algn="br" rotWithShape="0">
+              <a:prstClr val="black">
+                <a:alpha val="20000"/>
+              </a:prstClr>
+            </a:outerShdw>
+          </a:effectLst>
+        </p:spPr>
+        <p:style>
+          <a:lnRef idx="2">
+            <a:schemeClr val="accent1">
+              <a:shade val="15000"/>
+            </a:schemeClr>
+          </a:lnRef>
+          <a:fillRef idx="1">
+            <a:schemeClr val="accent1"/>
+          </a:fillRef>
+          <a:effectRef idx="0">
+            <a:schemeClr val="accent1"/>
+          </a:effectRef>
+          <a:fontRef idx="minor">
+            <a:schemeClr val="lt1"/>
+          </a:fontRef>
+        </p:style>
+        <p:txBody>
+          <a:bodyPr rtlCol="0" anchor="ctr"/>
+          <a:lstStyle/>
+          <a:p>
+            <a:pPr algn="ctr"/>
+            <a:endParaRPr lang="en-US" dirty="0"/>
+          </a:p>
+        </p:txBody>
+      </p:sp>
+      <p:sp>
+        <p:nvSpPr>
+          <p:cNvPr id="42" name="TextBox 41">
+            <a:extLst>
+              <a:ext uri="{FF2B5EF4-FFF2-40B4-BE49-F238E27FC236}">
+                <a16:creationId xmlns:a16="http://schemas.microsoft.com/office/drawing/2014/main" id="{EA22840D-6765-67AB-927A-5BB7FF28DE7F}"/>
+              </a:ext>
+            </a:extLst>
+          </p:cNvPr>
+          <p:cNvSpPr txBox="1"/>
+          <p:nvPr/>
+        </p:nvSpPr>
+        <p:spPr>
+          <a:xfrm>
+            <a:off x="29298899" y="16588727"/>
+            <a:ext cx="2424062" cy="523220"/>
+          </a:xfrm>
+          <a:prstGeom prst="rect">
+            <a:avLst/>
+          </a:prstGeom>
+          <a:noFill/>
+        </p:spPr>
+        <p:txBody>
+          <a:bodyPr wrap="none" rtlCol="0">
+            <a:spAutoFit/>
+          </a:bodyPr>
+          <a:lstStyle/>
+          <a:p>
+            <a:r>
+              <a:rPr lang="en-US" sz="2800" b="1" dirty="0">
+                <a:latin typeface="Arial" panose="020B0604020202020204" pitchFamily="34" charset="0"/>
+                <a:cs typeface="Arial" panose="020B0604020202020204" pitchFamily="34" charset="0"/>
+              </a:rPr>
+              <a:t>(not to scale)</a:t>
+            </a:r>
+          </a:p>
+        </p:txBody>
+      </p:sp>
+      <p:pic>
+        <p:nvPicPr>
+          <p:cNvPr id="57" name="Picture 56" descr="A camera lens on a black background&#10;&#10;AI-generated content may be incorrect.">
+            <a:extLst>
+              <a:ext uri="{FF2B5EF4-FFF2-40B4-BE49-F238E27FC236}">
+                <a16:creationId xmlns:a16="http://schemas.microsoft.com/office/drawing/2014/main" id="{C62C3C8F-E14E-981F-BC8F-5ECCF733B735}"/>
+              </a:ext>
+            </a:extLst>
+          </p:cNvPr>
+          <p:cNvPicPr>
+            <a:picLocks noChangeAspect="1"/>
+          </p:cNvPicPr>
+          <p:nvPr/>
+        </p:nvPicPr>
+        <p:blipFill>
+          <a:blip r:embed="rId23"/>
+          <a:srcRect t="37956" b="37956"/>
+          <a:stretch/>
+        </p:blipFill>
+        <p:spPr>
+          <a:xfrm>
+            <a:off x="27798938" y="14126311"/>
+            <a:ext cx="1828800" cy="440505"/>
+          </a:xfrm>
+          <a:prstGeom prst="rect">
+            <a:avLst/>
+          </a:prstGeom>
+        </p:spPr>
+      </p:pic>
+      <p:sp>
+        <p:nvSpPr>
+          <p:cNvPr id="63" name="Isosceles Triangle 62">
+            <a:extLst>
+              <a:ext uri="{FF2B5EF4-FFF2-40B4-BE49-F238E27FC236}">
+                <a16:creationId xmlns:a16="http://schemas.microsoft.com/office/drawing/2014/main" id="{65AECC7E-3E9A-3ABA-4AC1-596ACCE2A26D}"/>
+              </a:ext>
+            </a:extLst>
+          </p:cNvPr>
+          <p:cNvSpPr/>
+          <p:nvPr/>
+        </p:nvSpPr>
+        <p:spPr>
+          <a:xfrm rot="5400000">
+            <a:off x="21681310" y="9807849"/>
+            <a:ext cx="7244473" cy="7076305"/>
+          </a:xfrm>
+          <a:prstGeom prst="triangle">
+            <a:avLst>
+              <a:gd name="adj" fmla="val 64112"/>
+            </a:avLst>
+          </a:prstGeom>
+          <a:solidFill>
+            <a:srgbClr val="7BCB5D">
+              <a:alpha val="25000"/>
+            </a:srgbClr>
+          </a:solidFill>
+          <a:ln>
+            <a:noFill/>
+          </a:ln>
+        </p:spPr>
+        <p:style>
+          <a:lnRef idx="2">
+            <a:schemeClr val="accent1">
+              <a:shade val="15000"/>
+            </a:schemeClr>
+          </a:lnRef>
+          <a:fillRef idx="1">
+            <a:schemeClr val="accent1"/>
+          </a:fillRef>
+          <a:effectRef idx="0">
+            <a:schemeClr val="accent1"/>
+          </a:effectRef>
+          <a:fontRef idx="minor">
+            <a:schemeClr val="lt1"/>
+          </a:fontRef>
+        </p:style>
+        <p:txBody>
+          <a:bodyPr rtlCol="0" anchor="ctr"/>
+          <a:lstStyle/>
+          <a:p>
+            <a:pPr algn="ctr"/>
+            <a:endParaRPr lang="en-US" dirty="0"/>
           </a:p>
         </p:txBody>
       </p:sp>

--- a/Project Deliverables/CS 25-347_Poster.pptx
+++ b/Project Deliverables/CS 25-347_Poster.pptx
@@ -4661,8 +4661,8 @@
         </p:nvGrpSpPr>
         <p:grpSpPr>
           <a:xfrm>
-            <a:off x="12420190" y="19377436"/>
-            <a:ext cx="12987999" cy="8030222"/>
+            <a:off x="12420194" y="19377435"/>
+            <a:ext cx="12988000" cy="8030221"/>
             <a:chOff x="16481916" y="18726693"/>
             <a:chExt cx="14060046" cy="8693047"/>
           </a:xfrm>
@@ -4787,7 +4787,7 @@
           </p:nvSpPr>
           <p:spPr>
             <a:xfrm flipV="1">
-              <a:off x="21168987" y="25360337"/>
+              <a:off x="21168984" y="25360338"/>
               <a:ext cx="1371600" cy="1371600"/>
             </a:xfrm>
             <a:prstGeom prst="bentArrow">
@@ -4994,7 +4994,7 @@
                   <a:latin typeface="Arial" panose="020B0604020202020204" pitchFamily="34" charset="0"/>
                   <a:cs typeface="Arial" panose="020B0604020202020204" pitchFamily="34" charset="0"/>
                 </a:rPr>
-                <a:t>Isaac Sim creates digital twin of workspace</a:t>
+                <a:t>Unity creates digital twin of the robot</a:t>
               </a:r>
             </a:p>
             <a:p>
@@ -5189,8 +5189,8 @@
           </p:nvSpPr>
           <p:spPr>
             <a:xfrm>
-              <a:off x="20521280" y="23533043"/>
-              <a:ext cx="7315200" cy="1828800"/>
+              <a:off x="20521279" y="23533045"/>
+              <a:ext cx="7315199" cy="1828800"/>
             </a:xfrm>
             <a:custGeom>
               <a:avLst/>
@@ -5344,8 +5344,8 @@
           </p:nvSpPr>
           <p:spPr>
             <a:xfrm>
-              <a:off x="27150680" y="22848749"/>
-              <a:ext cx="1371600" cy="1371600"/>
+              <a:off x="27150681" y="22848749"/>
+              <a:ext cx="1371602" cy="1371600"/>
             </a:xfrm>
             <a:custGeom>
               <a:avLst/>
@@ -5630,7 +5630,7 @@
                   <a:latin typeface="Arial" panose="020B0604020202020204" pitchFamily="34" charset="0"/>
                   <a:cs typeface="Arial" panose="020B0604020202020204" pitchFamily="34" charset="0"/>
                 </a:rPr>
-                <a:t>Continuous system optimization</a:t>
+                <a:t>Continuous system optimization. Delete this</a:t>
               </a:r>
             </a:p>
           </p:txBody>
@@ -5801,7 +5801,7 @@
           </p:nvSpPr>
           <p:spPr>
             <a:xfrm>
-              <a:off x="27493580" y="23190143"/>
+              <a:off x="27493580" y="23190142"/>
               <a:ext cx="685800" cy="685800"/>
             </a:xfrm>
             <a:custGeom>
@@ -5935,7 +5935,7 @@
           </p:nvSpPr>
           <p:spPr>
             <a:xfrm>
-              <a:off x="29558982" y="25319696"/>
+              <a:off x="29558978" y="25319696"/>
               <a:ext cx="594360" cy="542488"/>
             </a:xfrm>
             <a:custGeom>
@@ -5982,7 +5982,7 @@
             <a:bodyPr/>
             <a:lstStyle/>
             <a:p>
-              <a:endParaRPr lang="en-US"/>
+              <a:endParaRPr lang="en-US" dirty="0"/>
             </a:p>
           </p:txBody>
         </p:sp>
@@ -6130,11 +6130,18 @@
                 <a:buChar char="•"/>
               </a:pPr>
               <a:r>
+                <a:rPr lang="en-US" sz="2000" dirty="0" err="1">
+                  <a:latin typeface="Arial" panose="020B0604020202020204" pitchFamily="34" charset="0"/>
+                  <a:cs typeface="Arial" panose="020B0604020202020204" pitchFamily="34" charset="0"/>
+                </a:rPr>
+                <a:t>Nuitrack</a:t>
+              </a:r>
+              <a:r>
                 <a:rPr lang="en-US" sz="2000" dirty="0">
                   <a:latin typeface="Arial" panose="020B0604020202020204" pitchFamily="34" charset="0"/>
                   <a:cs typeface="Arial" panose="020B0604020202020204" pitchFamily="34" charset="0"/>
                 </a:rPr>
-                <a:t>OpenCV processes spatial information in real-time</a:t>
+                <a:t> processes spatial information in real-time</a:t>
               </a:r>
             </a:p>
             <a:p>
@@ -6147,7 +6154,7 @@
                   <a:latin typeface="Arial" panose="020B0604020202020204" pitchFamily="34" charset="0"/>
                   <a:cs typeface="Arial" panose="020B0604020202020204" pitchFamily="34" charset="0"/>
                 </a:rPr>
-                <a:t>Advanced object and human detection algorithms</a:t>
+                <a:t>Advanced human detection algorithms</a:t>
               </a:r>
             </a:p>
           </p:txBody>
@@ -6490,7 +6497,7 @@
                 <a:latin typeface="Arial" panose="020B0604020202020204" pitchFamily="34" charset="0"/>
                 <a:cs typeface="Arial" panose="020B0604020202020204" pitchFamily="34" charset="0"/>
               </a:rPr>
-              <a:t>The data flow represents a continuous learning cycle where real-world interactions are processed, virtualized, and optimized in real-time. The system learns from both robot performance metrics and human behavioral patterns, creating an ever-improving collaborative environment that maintains safety and maximizes efficiency.</a:t>
+              <a:t>The data flow represents a continuous learning cycle where real-world interactions are processed, virtualized, and optimized in real-time. The system is designed to prioritize safety and collaboration between the robot and human. Depending on the proximity of the human from the robot, the robot will either slow down or change its path to avoid collision. </a:t>
             </a:r>
           </a:p>
         </p:txBody>

--- a/Project Deliverables/CS 25-347_Poster.pptx
+++ b/Project Deliverables/CS 25-347_Poster.pptx
@@ -3580,8 +3580,8 @@
         </p:nvSpPr>
         <p:spPr>
           <a:xfrm>
-            <a:off x="11887199" y="18342311"/>
-            <a:ext cx="20116800" cy="9509760"/>
+            <a:off x="11887199" y="17830800"/>
+            <a:ext cx="20116800" cy="10058400"/>
           </a:xfrm>
           <a:prstGeom prst="roundRect">
             <a:avLst>
@@ -3852,7 +3852,7 @@
         <p:spPr>
           <a:xfrm>
             <a:off x="457200" y="5486400"/>
-            <a:ext cx="10972800" cy="15544800"/>
+            <a:ext cx="10972800" cy="16916400"/>
           </a:xfrm>
           <a:prstGeom prst="roundRect">
             <a:avLst>
@@ -4073,8 +4073,8 @@
         </p:nvSpPr>
         <p:spPr>
           <a:xfrm>
-            <a:off x="32754036" y="18336543"/>
-            <a:ext cx="10515600" cy="9509760"/>
+            <a:off x="32461200" y="20574000"/>
+            <a:ext cx="10972800" cy="7315200"/>
           </a:xfrm>
           <a:prstGeom prst="roundRect">
             <a:avLst>
@@ -4181,7 +4181,7 @@
                 <a:latin typeface="Arial" panose="020B0604020202020204" pitchFamily="34" charset="0"/>
                 <a:cs typeface="Arial" panose="020B0604020202020204" pitchFamily="34" charset="0"/>
               </a:rPr>
-              <a:t>Maintaining Balance Between Safety and Efficiency</a:t>
+              <a:t>Balancing Safety and Efficiency</a:t>
             </a:r>
           </a:p>
           <a:p>
@@ -4256,13 +4256,13 @@
               </a:ext>
             </a:extLst>
           </a:blip>
-          <a:srcRect t="8127" b="12661"/>
+          <a:srcRect t="147" b="610"/>
           <a:stretch/>
         </p:blipFill>
         <p:spPr bwMode="auto">
           <a:xfrm>
-            <a:off x="1017047" y="6412528"/>
-            <a:ext cx="9809703" cy="5190257"/>
+            <a:off x="914400" y="5943600"/>
+            <a:ext cx="10058400" cy="6667500"/>
           </a:xfrm>
           <a:prstGeom prst="roundRect">
             <a:avLst>
@@ -4388,6 +4388,8 @@
               </a:rPr>
               <a:t>: Efficiently organize while adapting to changes.</a:t>
             </a:r>
+          </a:p>
+          <a:p>
             <a:endParaRPr lang="en-US" sz="2400" dirty="0">
               <a:solidFill>
                 <a:schemeClr val="tx1"/>
@@ -4472,51 +4474,6 @@
           </a:p>
         </p:txBody>
       </p:sp>
-      <p:pic>
-        <p:nvPicPr>
-          <p:cNvPr id="32" name="Picture 8" descr="Free Person Icon, Download Free Person Icon png images, Free ClipArts ...">
-            <a:extLst>
-              <a:ext uri="{FF2B5EF4-FFF2-40B4-BE49-F238E27FC236}">
-                <a16:creationId xmlns:a16="http://schemas.microsoft.com/office/drawing/2014/main" id="{D244F16B-C5BB-9434-B38E-9BDF2F66CBE1}"/>
-              </a:ext>
-            </a:extLst>
-          </p:cNvPr>
-          <p:cNvPicPr>
-            <a:picLocks noChangeAspect="1" noChangeArrowheads="1"/>
-          </p:cNvPicPr>
-          <p:nvPr/>
-        </p:nvPicPr>
-        <p:blipFill rotWithShape="1">
-          <a:blip r:embed="rId4">
-            <a:extLst>
-              <a:ext uri="{28A0092B-C50C-407E-A947-70E740481C1C}">
-                <a14:useLocalDpi xmlns:a14="http://schemas.microsoft.com/office/drawing/2010/main" val="0"/>
-              </a:ext>
-            </a:extLst>
-          </a:blip>
-          <a:srcRect t="6051" b="5630"/>
-          <a:stretch/>
-        </p:blipFill>
-        <p:spPr bwMode="auto">
-          <a:xfrm>
-            <a:off x="16149474" y="9655786"/>
-            <a:ext cx="7777869" cy="7312452"/>
-          </a:xfrm>
-          <a:prstGeom prst="rect">
-            <a:avLst/>
-          </a:prstGeom>
-          <a:noFill/>
-          <a:extLst>
-            <a:ext uri="{909E8E84-426E-40DD-AFC4-6F175D3DCCD1}">
-              <a14:hiddenFill xmlns:a14="http://schemas.microsoft.com/office/drawing/2010/main">
-                <a:solidFill>
-                  <a:srgbClr val="FFFFFF"/>
-                </a:solidFill>
-              </a14:hiddenFill>
-            </a:ext>
-          </a:extLst>
-        </p:spPr>
-      </p:pic>
       <p:sp>
         <p:nvSpPr>
           <p:cNvPr id="2" name="TextBox 1">
@@ -4647,12 +4604,472 @@
           </a:p>
         </p:txBody>
       </p:sp>
+      <p:sp>
+        <p:nvSpPr>
+          <p:cNvPr id="54" name="Arrow: Bent 53">
+            <a:extLst>
+              <a:ext uri="{FF2B5EF4-FFF2-40B4-BE49-F238E27FC236}">
+                <a16:creationId xmlns:a16="http://schemas.microsoft.com/office/drawing/2014/main" id="{C2FED081-F347-DFD9-DCBE-7500C7E2771B}"/>
+              </a:ext>
+            </a:extLst>
+          </p:cNvPr>
+          <p:cNvSpPr/>
+          <p:nvPr/>
+        </p:nvSpPr>
+        <p:spPr>
+          <a:xfrm flipV="1">
+            <a:off x="13205719" y="22041484"/>
+            <a:ext cx="1822897" cy="1795713"/>
+          </a:xfrm>
+          <a:prstGeom prst="bentArrow">
+            <a:avLst/>
+          </a:prstGeom>
+          <a:solidFill>
+            <a:schemeClr val="bg1"/>
+          </a:solidFill>
+        </p:spPr>
+        <p:style>
+          <a:lnRef idx="2">
+            <a:schemeClr val="accent1">
+              <a:shade val="15000"/>
+            </a:schemeClr>
+          </a:lnRef>
+          <a:fillRef idx="1">
+            <a:schemeClr val="accent1"/>
+          </a:fillRef>
+          <a:effectRef idx="0">
+            <a:schemeClr val="accent1"/>
+          </a:effectRef>
+          <a:fontRef idx="minor">
+            <a:schemeClr val="lt1"/>
+          </a:fontRef>
+        </p:style>
+        <p:txBody>
+          <a:bodyPr rtlCol="0" anchor="ctr"/>
+          <a:lstStyle/>
+          <a:p>
+            <a:pPr algn="ctr"/>
+            <a:endParaRPr lang="en-US" dirty="0">
+              <a:solidFill>
+                <a:schemeClr val="tx1"/>
+              </a:solidFill>
+            </a:endParaRPr>
+          </a:p>
+        </p:txBody>
+      </p:sp>
+      <p:sp>
+        <p:nvSpPr>
+          <p:cNvPr id="55" name="Arrow: Bent 54">
+            <a:extLst>
+              <a:ext uri="{FF2B5EF4-FFF2-40B4-BE49-F238E27FC236}">
+                <a16:creationId xmlns:a16="http://schemas.microsoft.com/office/drawing/2014/main" id="{7DEFEE5D-B530-9711-BD23-340781E7F8ED}"/>
+              </a:ext>
+            </a:extLst>
+          </p:cNvPr>
+          <p:cNvSpPr/>
+          <p:nvPr/>
+        </p:nvSpPr>
+        <p:spPr>
+          <a:xfrm flipV="1">
+            <a:off x="15888938" y="24733679"/>
+            <a:ext cx="1822897" cy="1795713"/>
+          </a:xfrm>
+          <a:prstGeom prst="bentArrow">
+            <a:avLst/>
+          </a:prstGeom>
+          <a:solidFill>
+            <a:schemeClr val="bg1"/>
+          </a:solidFill>
+        </p:spPr>
+        <p:style>
+          <a:lnRef idx="2">
+            <a:schemeClr val="accent1">
+              <a:shade val="15000"/>
+            </a:schemeClr>
+          </a:lnRef>
+          <a:fillRef idx="1">
+            <a:schemeClr val="accent1"/>
+          </a:fillRef>
+          <a:effectRef idx="0">
+            <a:schemeClr val="accent1"/>
+          </a:effectRef>
+          <a:fontRef idx="minor">
+            <a:schemeClr val="lt1"/>
+          </a:fontRef>
+        </p:style>
+        <p:txBody>
+          <a:bodyPr rtlCol="0" anchor="ctr"/>
+          <a:lstStyle/>
+          <a:p>
+            <a:pPr algn="ctr"/>
+            <a:endParaRPr lang="en-US" dirty="0">
+              <a:solidFill>
+                <a:schemeClr val="tx1"/>
+              </a:solidFill>
+            </a:endParaRPr>
+          </a:p>
+        </p:txBody>
+      </p:sp>
+      <p:sp>
+        <p:nvSpPr>
+          <p:cNvPr id="1058" name="TextBox 37">
+            <a:extLst>
+              <a:ext uri="{FF2B5EF4-FFF2-40B4-BE49-F238E27FC236}">
+                <a16:creationId xmlns:a16="http://schemas.microsoft.com/office/drawing/2014/main" id="{77C12DC2-E7A8-A82E-E019-E20F30D30C21}"/>
+              </a:ext>
+            </a:extLst>
+          </p:cNvPr>
+          <p:cNvSpPr txBox="1"/>
+          <p:nvPr/>
+        </p:nvSpPr>
+        <p:spPr>
+          <a:xfrm>
+            <a:off x="12636510" y="20140042"/>
+            <a:ext cx="4350219" cy="234561"/>
+          </a:xfrm>
+          <a:prstGeom prst="rect">
+            <a:avLst/>
+          </a:prstGeom>
+        </p:spPr>
+        <p:txBody>
+          <a:bodyPr lIns="0" tIns="0" rIns="0" bIns="0" rtlCol="0" anchor="t">
+            <a:spAutoFit/>
+          </a:bodyPr>
+          <a:lstStyle/>
+          <a:p>
+            <a:pPr algn="l">
+              <a:lnSpc>
+                <a:spcPts val="1299"/>
+              </a:lnSpc>
+            </a:pPr>
+            <a:endParaRPr lang="en-US" sz="1299" b="1" dirty="0">
+              <a:solidFill>
+                <a:srgbClr val="FFFFFF"/>
+              </a:solidFill>
+              <a:latin typeface="Arial" panose="020B0604020202020204" pitchFamily="34" charset="0"/>
+              <a:ea typeface="Kollektif Bold"/>
+              <a:cs typeface="Arial" panose="020B0604020202020204" pitchFamily="34" charset="0"/>
+              <a:sym typeface="Kollektif Bold"/>
+            </a:endParaRPr>
+          </a:p>
+        </p:txBody>
+      </p:sp>
+      <p:sp>
+        <p:nvSpPr>
+          <p:cNvPr id="30" name="Freeform 3">
+            <a:extLst>
+              <a:ext uri="{FF2B5EF4-FFF2-40B4-BE49-F238E27FC236}">
+                <a16:creationId xmlns:a16="http://schemas.microsoft.com/office/drawing/2014/main" id="{C26289E9-D6A9-D1CB-4380-4C1EDEA33C4E}"/>
+              </a:ext>
+            </a:extLst>
+          </p:cNvPr>
+          <p:cNvSpPr/>
+          <p:nvPr/>
+        </p:nvSpPr>
+        <p:spPr>
+          <a:xfrm>
+            <a:off x="15028615" y="22339396"/>
+            <a:ext cx="9722115" cy="2394284"/>
+          </a:xfrm>
+          <a:custGeom>
+            <a:avLst/>
+            <a:gdLst/>
+            <a:ahLst/>
+            <a:cxnLst/>
+            <a:rect l="l" t="t" r="r" b="b"/>
+            <a:pathLst>
+              <a:path w="8950884" h="2311400">
+                <a:moveTo>
+                  <a:pt x="8646084" y="0"/>
+                </a:moveTo>
+                <a:lnTo>
+                  <a:pt x="304800" y="0"/>
+                </a:lnTo>
+                <a:cubicBezTo>
+                  <a:pt x="135890" y="0"/>
+                  <a:pt x="0" y="135890"/>
+                  <a:pt x="0" y="304800"/>
+                </a:cubicBezTo>
+                <a:lnTo>
+                  <a:pt x="0" y="2006600"/>
+                </a:lnTo>
+                <a:cubicBezTo>
+                  <a:pt x="0" y="2175510"/>
+                  <a:pt x="135890" y="2311400"/>
+                  <a:pt x="304800" y="2311400"/>
+                </a:cubicBezTo>
+                <a:lnTo>
+                  <a:pt x="8646084" y="2311400"/>
+                </a:lnTo>
+                <a:cubicBezTo>
+                  <a:pt x="8814994" y="2311400"/>
+                  <a:pt x="8950884" y="2175510"/>
+                  <a:pt x="8950884" y="2006600"/>
+                </a:cubicBezTo>
+                <a:lnTo>
+                  <a:pt x="8950884" y="304800"/>
+                </a:lnTo>
+                <a:cubicBezTo>
+                  <a:pt x="8950884" y="135890"/>
+                  <a:pt x="8814994" y="0"/>
+                  <a:pt x="8646084" y="0"/>
+                </a:cubicBezTo>
+                <a:close/>
+              </a:path>
+            </a:pathLst>
+          </a:custGeom>
+          <a:gradFill flip="none" rotWithShape="1">
+            <a:gsLst>
+              <a:gs pos="0">
+                <a:schemeClr val="accent4">
+                  <a:lumMod val="5000"/>
+                  <a:lumOff val="95000"/>
+                </a:schemeClr>
+              </a:gs>
+              <a:gs pos="74000">
+                <a:schemeClr val="accent4">
+                  <a:lumMod val="45000"/>
+                  <a:lumOff val="55000"/>
+                </a:schemeClr>
+              </a:gs>
+              <a:gs pos="83000">
+                <a:schemeClr val="accent4">
+                  <a:lumMod val="45000"/>
+                  <a:lumOff val="55000"/>
+                </a:schemeClr>
+              </a:gs>
+              <a:gs pos="100000">
+                <a:schemeClr val="accent4">
+                  <a:lumMod val="30000"/>
+                  <a:lumOff val="70000"/>
+                </a:schemeClr>
+              </a:gs>
+            </a:gsLst>
+            <a:lin ang="5400000" scaled="1"/>
+            <a:tileRect/>
+          </a:gradFill>
+          <a:ln>
+            <a:solidFill>
+              <a:schemeClr val="accent1">
+                <a:shade val="15000"/>
+              </a:schemeClr>
+            </a:solidFill>
+          </a:ln>
+        </p:spPr>
+        <p:txBody>
+          <a:bodyPr lIns="228600" tIns="182880" rIns="228600" bIns="182880" anchor="ctr" anchorCtr="0"/>
+          <a:lstStyle/>
+          <a:p>
+            <a:r>
+              <a:rPr lang="en-US" sz="2800" b="1" dirty="0">
+                <a:latin typeface="Arial" panose="020B0604020202020204" pitchFamily="34" charset="0"/>
+                <a:cs typeface="Arial" panose="020B0604020202020204" pitchFamily="34" charset="0"/>
+              </a:rPr>
+              <a:t>Virtual Environment Construction</a:t>
+            </a:r>
+          </a:p>
+          <a:p>
+            <a:pPr marL="342900" indent="-342900">
+              <a:buFont typeface="Arial" panose="020B0604020202020204" pitchFamily="34" charset="0"/>
+              <a:buChar char="•"/>
+            </a:pPr>
+            <a:r>
+              <a:rPr lang="en-US" sz="2400" dirty="0">
+                <a:latin typeface="Arial" panose="020B0604020202020204" pitchFamily="34" charset="0"/>
+                <a:cs typeface="Arial" panose="020B0604020202020204" pitchFamily="34" charset="0"/>
+              </a:rPr>
+              <a:t>Unity creates digital twin of the robot</a:t>
+            </a:r>
+          </a:p>
+          <a:p>
+            <a:pPr marL="342900" indent="-342900">
+              <a:buFont typeface="Arial" panose="020B0604020202020204" pitchFamily="34" charset="0"/>
+              <a:buChar char="•"/>
+            </a:pPr>
+            <a:r>
+              <a:rPr lang="en-US" sz="2400" dirty="0">
+                <a:latin typeface="Arial" panose="020B0604020202020204" pitchFamily="34" charset="0"/>
+                <a:cs typeface="Arial" panose="020B0604020202020204" pitchFamily="34" charset="0"/>
+              </a:rPr>
+              <a:t>Real-time task planning and optimization</a:t>
+            </a:r>
+          </a:p>
+          <a:p>
+            <a:pPr marL="342900" indent="-342900">
+              <a:buFont typeface="Arial" panose="020B0604020202020204" pitchFamily="34" charset="0"/>
+              <a:buChar char="•"/>
+            </a:pPr>
+            <a:r>
+              <a:rPr lang="en-US" sz="2400" dirty="0">
+                <a:latin typeface="Arial" panose="020B0604020202020204" pitchFamily="34" charset="0"/>
+                <a:cs typeface="Arial" panose="020B0604020202020204" pitchFamily="34" charset="0"/>
+              </a:rPr>
+              <a:t>Continuous safety monitoring and validation</a:t>
+            </a:r>
+          </a:p>
+        </p:txBody>
+      </p:sp>
+      <p:sp>
+        <p:nvSpPr>
+          <p:cNvPr id="35" name="Freeform 3">
+            <a:extLst>
+              <a:ext uri="{FF2B5EF4-FFF2-40B4-BE49-F238E27FC236}">
+                <a16:creationId xmlns:a16="http://schemas.microsoft.com/office/drawing/2014/main" id="{6FCCB834-5B37-3580-B606-3DD6CEF33B78}"/>
+              </a:ext>
+            </a:extLst>
+          </p:cNvPr>
+          <p:cNvSpPr/>
+          <p:nvPr/>
+        </p:nvSpPr>
+        <p:spPr>
+          <a:xfrm>
+            <a:off x="17712831" y="25037716"/>
+            <a:ext cx="9722114" cy="2394284"/>
+          </a:xfrm>
+          <a:custGeom>
+            <a:avLst/>
+            <a:gdLst/>
+            <a:ahLst/>
+            <a:cxnLst/>
+            <a:rect l="l" t="t" r="r" b="b"/>
+            <a:pathLst>
+              <a:path w="8950884" h="2311400">
+                <a:moveTo>
+                  <a:pt x="8646084" y="0"/>
+                </a:moveTo>
+                <a:lnTo>
+                  <a:pt x="304800" y="0"/>
+                </a:lnTo>
+                <a:cubicBezTo>
+                  <a:pt x="135890" y="0"/>
+                  <a:pt x="0" y="135890"/>
+                  <a:pt x="0" y="304800"/>
+                </a:cubicBezTo>
+                <a:lnTo>
+                  <a:pt x="0" y="2006600"/>
+                </a:lnTo>
+                <a:cubicBezTo>
+                  <a:pt x="0" y="2175510"/>
+                  <a:pt x="135890" y="2311400"/>
+                  <a:pt x="304800" y="2311400"/>
+                </a:cubicBezTo>
+                <a:lnTo>
+                  <a:pt x="8646084" y="2311400"/>
+                </a:lnTo>
+                <a:cubicBezTo>
+                  <a:pt x="8814994" y="2311400"/>
+                  <a:pt x="8950884" y="2175510"/>
+                  <a:pt x="8950884" y="2006600"/>
+                </a:cubicBezTo>
+                <a:lnTo>
+                  <a:pt x="8950884" y="304800"/>
+                </a:lnTo>
+                <a:cubicBezTo>
+                  <a:pt x="8950884" y="135890"/>
+                  <a:pt x="8814994" y="0"/>
+                  <a:pt x="8646084" y="0"/>
+                </a:cubicBezTo>
+                <a:close/>
+              </a:path>
+            </a:pathLst>
+          </a:custGeom>
+          <a:gradFill flip="none" rotWithShape="1">
+            <a:gsLst>
+              <a:gs pos="0">
+                <a:schemeClr val="accent6">
+                  <a:lumMod val="5000"/>
+                  <a:lumOff val="95000"/>
+                </a:schemeClr>
+              </a:gs>
+              <a:gs pos="74000">
+                <a:schemeClr val="accent6">
+                  <a:lumMod val="45000"/>
+                  <a:lumOff val="55000"/>
+                </a:schemeClr>
+              </a:gs>
+              <a:gs pos="83000">
+                <a:schemeClr val="accent6">
+                  <a:lumMod val="45000"/>
+                  <a:lumOff val="55000"/>
+                </a:schemeClr>
+              </a:gs>
+              <a:gs pos="100000">
+                <a:schemeClr val="accent6">
+                  <a:lumMod val="30000"/>
+                  <a:lumOff val="70000"/>
+                </a:schemeClr>
+              </a:gs>
+            </a:gsLst>
+            <a:lin ang="5400000" scaled="1"/>
+            <a:tileRect/>
+          </a:gradFill>
+          <a:ln>
+            <a:solidFill>
+              <a:schemeClr val="accent1">
+                <a:shade val="15000"/>
+              </a:schemeClr>
+            </a:solidFill>
+          </a:ln>
+        </p:spPr>
+        <p:txBody>
+          <a:bodyPr lIns="228600" tIns="182880" rIns="228600" bIns="182880" anchor="ctr" anchorCtr="0"/>
+          <a:lstStyle/>
+          <a:p>
+            <a:r>
+              <a:rPr lang="en-US" sz="2800" b="1" dirty="0">
+                <a:latin typeface="Arial" panose="020B0604020202020204" pitchFamily="34" charset="0"/>
+                <a:cs typeface="Arial" panose="020B0604020202020204" pitchFamily="34" charset="0"/>
+              </a:rPr>
+              <a:t>Collaborative Task Execution</a:t>
+            </a:r>
+          </a:p>
+          <a:p>
+            <a:pPr marL="342900" indent="-342900">
+              <a:buFont typeface="Arial" panose="020B0604020202020204" pitchFamily="34" charset="0"/>
+              <a:buChar char="•"/>
+            </a:pPr>
+            <a:r>
+              <a:rPr lang="en-US" sz="2400" dirty="0">
+                <a:latin typeface="Arial" panose="020B0604020202020204" pitchFamily="34" charset="0"/>
+                <a:cs typeface="Arial" panose="020B0604020202020204" pitchFamily="34" charset="0"/>
+              </a:rPr>
+              <a:t>Robot coordinates with human actions</a:t>
+            </a:r>
+          </a:p>
+          <a:p>
+            <a:pPr marL="342900" indent="-342900">
+              <a:buFont typeface="Arial" panose="020B0604020202020204" pitchFamily="34" charset="0"/>
+              <a:buChar char="•"/>
+            </a:pPr>
+            <a:r>
+              <a:rPr lang="en-US" sz="2400" dirty="0">
+                <a:latin typeface="Arial" panose="020B0604020202020204" pitchFamily="34" charset="0"/>
+                <a:cs typeface="Arial" panose="020B0604020202020204" pitchFamily="34" charset="0"/>
+              </a:rPr>
+              <a:t>Dynamic workspace management</a:t>
+            </a:r>
+          </a:p>
+          <a:p>
+            <a:pPr marL="342900" indent="-342900">
+              <a:buFont typeface="Arial" panose="020B0604020202020204" pitchFamily="34" charset="0"/>
+              <a:buChar char="•"/>
+            </a:pPr>
+            <a:r>
+              <a:rPr lang="en-US" sz="2400" dirty="0">
+                <a:latin typeface="Arial" panose="020B0604020202020204" pitchFamily="34" charset="0"/>
+                <a:cs typeface="Arial" panose="020B0604020202020204" pitchFamily="34" charset="0"/>
+              </a:rPr>
+              <a:t>Real-time task adaptation</a:t>
+            </a:r>
+          </a:p>
+        </p:txBody>
+      </p:sp>
       <p:grpSp>
         <p:nvGrpSpPr>
-          <p:cNvPr id="1054" name="Group 1053">
+          <p:cNvPr id="28" name="Group 27">
             <a:extLst>
               <a:ext uri="{FF2B5EF4-FFF2-40B4-BE49-F238E27FC236}">
-                <a16:creationId xmlns:a16="http://schemas.microsoft.com/office/drawing/2014/main" id="{2300B355-879D-6D3E-DA31-8CEE14E4CAEE}"/>
+                <a16:creationId xmlns:a16="http://schemas.microsoft.com/office/drawing/2014/main" id="{32BE0ACF-1903-E0D1-CE8E-AE63B414492B}"/>
               </a:ext>
             </a:extLst>
           </p:cNvPr>
@@ -4661,221 +5078,18 @@
         </p:nvGrpSpPr>
         <p:grpSpPr>
           <a:xfrm>
-            <a:off x="12420194" y="19377435"/>
-            <a:ext cx="12988000" cy="8030221"/>
-            <a:chOff x="16481916" y="18726693"/>
-            <a:chExt cx="14060046" cy="8693047"/>
+            <a:off x="26520545" y="24123316"/>
+            <a:ext cx="1828800" cy="1828800"/>
+            <a:chOff x="26523499" y="24141830"/>
+            <a:chExt cx="1822900" cy="1795713"/>
           </a:xfrm>
         </p:grpSpPr>
         <p:sp>
           <p:nvSpPr>
-            <p:cNvPr id="54" name="Arrow: Bent 53">
+            <p:cNvPr id="36" name="Freeform 11">
               <a:extLst>
                 <a:ext uri="{FF2B5EF4-FFF2-40B4-BE49-F238E27FC236}">
-                  <a16:creationId xmlns:a16="http://schemas.microsoft.com/office/drawing/2014/main" id="{C2FED081-F347-DFD9-DCBE-7500C7E2771B}"/>
-                </a:ext>
-              </a:extLst>
-            </p:cNvPr>
-            <p:cNvSpPr/>
-            <p:nvPr/>
-          </p:nvSpPr>
-          <p:spPr>
-            <a:xfrm flipV="1">
-              <a:off x="17129998" y="21244465"/>
-              <a:ext cx="1371600" cy="1371600"/>
-            </a:xfrm>
-            <a:prstGeom prst="bentArrow">
-              <a:avLst/>
-            </a:prstGeom>
-            <a:solidFill>
-              <a:schemeClr val="bg1"/>
-            </a:solidFill>
-          </p:spPr>
-          <p:style>
-            <a:lnRef idx="2">
-              <a:schemeClr val="accent1">
-                <a:shade val="15000"/>
-              </a:schemeClr>
-            </a:lnRef>
-            <a:fillRef idx="1">
-              <a:schemeClr val="accent1"/>
-            </a:fillRef>
-            <a:effectRef idx="0">
-              <a:schemeClr val="accent1"/>
-            </a:effectRef>
-            <a:fontRef idx="minor">
-              <a:schemeClr val="lt1"/>
-            </a:fontRef>
-          </p:style>
-          <p:txBody>
-            <a:bodyPr rtlCol="0" anchor="ctr"/>
-            <a:lstStyle/>
-            <a:p>
-              <a:pPr algn="ctr"/>
-              <a:endParaRPr lang="en-US" dirty="0">
-                <a:solidFill>
-                  <a:schemeClr val="tx1"/>
-                </a:solidFill>
-              </a:endParaRPr>
-            </a:p>
-          </p:txBody>
-        </p:sp>
-        <p:sp>
-          <p:nvSpPr>
-            <p:cNvPr id="55" name="Arrow: Bent 54">
-              <a:extLst>
-                <a:ext uri="{FF2B5EF4-FFF2-40B4-BE49-F238E27FC236}">
-                  <a16:creationId xmlns:a16="http://schemas.microsoft.com/office/drawing/2014/main" id="{7DEFEE5D-B530-9711-BD23-340781E7F8ED}"/>
-                </a:ext>
-              </a:extLst>
-            </p:cNvPr>
-            <p:cNvSpPr/>
-            <p:nvPr/>
-          </p:nvSpPr>
-          <p:spPr>
-            <a:xfrm flipV="1">
-              <a:off x="19148929" y="23300815"/>
-              <a:ext cx="1371600" cy="1371600"/>
-            </a:xfrm>
-            <a:prstGeom prst="bentArrow">
-              <a:avLst/>
-            </a:prstGeom>
-            <a:solidFill>
-              <a:schemeClr val="bg1"/>
-            </a:solidFill>
-          </p:spPr>
-          <p:style>
-            <a:lnRef idx="2">
-              <a:schemeClr val="accent1">
-                <a:shade val="15000"/>
-              </a:schemeClr>
-            </a:lnRef>
-            <a:fillRef idx="1">
-              <a:schemeClr val="accent1"/>
-            </a:fillRef>
-            <a:effectRef idx="0">
-              <a:schemeClr val="accent1"/>
-            </a:effectRef>
-            <a:fontRef idx="minor">
-              <a:schemeClr val="lt1"/>
-            </a:fontRef>
-          </p:style>
-          <p:txBody>
-            <a:bodyPr rtlCol="0" anchor="ctr"/>
-            <a:lstStyle/>
-            <a:p>
-              <a:pPr algn="ctr"/>
-              <a:endParaRPr lang="en-US" dirty="0">
-                <a:solidFill>
-                  <a:schemeClr val="tx1"/>
-                </a:solidFill>
-              </a:endParaRPr>
-            </a:p>
-          </p:txBody>
-        </p:sp>
-        <p:sp>
-          <p:nvSpPr>
-            <p:cNvPr id="56" name="Arrow: Bent 55">
-              <a:extLst>
-                <a:ext uri="{FF2B5EF4-FFF2-40B4-BE49-F238E27FC236}">
-                  <a16:creationId xmlns:a16="http://schemas.microsoft.com/office/drawing/2014/main" id="{6C5597B8-0C29-8187-5079-E9F4188A2A2D}"/>
-                </a:ext>
-              </a:extLst>
-            </p:cNvPr>
-            <p:cNvSpPr/>
-            <p:nvPr/>
-          </p:nvSpPr>
-          <p:spPr>
-            <a:xfrm flipV="1">
-              <a:off x="21168984" y="25360338"/>
-              <a:ext cx="1371600" cy="1371600"/>
-            </a:xfrm>
-            <a:prstGeom prst="bentArrow">
-              <a:avLst/>
-            </a:prstGeom>
-            <a:solidFill>
-              <a:schemeClr val="bg1"/>
-            </a:solidFill>
-          </p:spPr>
-          <p:style>
-            <a:lnRef idx="2">
-              <a:schemeClr val="accent1">
-                <a:shade val="15000"/>
-              </a:schemeClr>
-            </a:lnRef>
-            <a:fillRef idx="1">
-              <a:schemeClr val="accent1"/>
-            </a:fillRef>
-            <a:effectRef idx="0">
-              <a:schemeClr val="accent1"/>
-            </a:effectRef>
-            <a:fontRef idx="minor">
-              <a:schemeClr val="lt1"/>
-            </a:fontRef>
-          </p:style>
-          <p:txBody>
-            <a:bodyPr rtlCol="0" anchor="ctr"/>
-            <a:lstStyle/>
-            <a:p>
-              <a:pPr algn="ctr"/>
-              <a:endParaRPr lang="en-US" dirty="0">
-                <a:solidFill>
-                  <a:schemeClr val="tx1"/>
-                </a:solidFill>
-              </a:endParaRPr>
-            </a:p>
-          </p:txBody>
-        </p:sp>
-        <p:sp>
-          <p:nvSpPr>
-            <p:cNvPr id="1058" name="TextBox 37">
-              <a:extLst>
-                <a:ext uri="{FF2B5EF4-FFF2-40B4-BE49-F238E27FC236}">
-                  <a16:creationId xmlns:a16="http://schemas.microsoft.com/office/drawing/2014/main" id="{77C12DC2-E7A8-A82E-E019-E20F30D30C21}"/>
-                </a:ext>
-              </a:extLst>
-            </p:cNvPr>
-            <p:cNvSpPr txBox="1"/>
-            <p:nvPr/>
-          </p:nvSpPr>
-          <p:spPr>
-            <a:xfrm>
-              <a:off x="16701708" y="19792107"/>
-              <a:ext cx="3273230" cy="179162"/>
-            </a:xfrm>
-            <a:prstGeom prst="rect">
-              <a:avLst/>
-            </a:prstGeom>
-          </p:spPr>
-          <p:txBody>
-            <a:bodyPr lIns="0" tIns="0" rIns="0" bIns="0" rtlCol="0" anchor="t">
-              <a:spAutoFit/>
-            </a:bodyPr>
-            <a:lstStyle/>
-            <a:p>
-              <a:pPr algn="l">
-                <a:lnSpc>
-                  <a:spcPts val="1299"/>
-                </a:lnSpc>
-              </a:pPr>
-              <a:endParaRPr lang="en-US" sz="1299" b="1" dirty="0">
-                <a:solidFill>
-                  <a:srgbClr val="FFFFFF"/>
-                </a:solidFill>
-                <a:latin typeface="Arial" panose="020B0604020202020204" pitchFamily="34" charset="0"/>
-                <a:ea typeface="Kollektif Bold"/>
-                <a:cs typeface="Arial" panose="020B0604020202020204" pitchFamily="34" charset="0"/>
-                <a:sym typeface="Kollektif Bold"/>
-              </a:endParaRPr>
-            </a:p>
-          </p:txBody>
-        </p:sp>
-        <p:sp>
-          <p:nvSpPr>
-            <p:cNvPr id="30" name="Freeform 3">
-              <a:extLst>
-                <a:ext uri="{FF2B5EF4-FFF2-40B4-BE49-F238E27FC236}">
-                  <a16:creationId xmlns:a16="http://schemas.microsoft.com/office/drawing/2014/main" id="{C26289E9-D6A9-D1CB-4380-4C1EDEA33C4E}"/>
+                  <a16:creationId xmlns:a16="http://schemas.microsoft.com/office/drawing/2014/main" id="{65B44EF3-C9AA-EF24-62AC-4F3C0B2F55F7}"/>
                 </a:ext>
               </a:extLst>
             </p:cNvPr>
@@ -4884,8 +5098,8 @@
           </p:nvSpPr>
           <p:spPr>
             <a:xfrm>
-              <a:off x="18501598" y="21472015"/>
-              <a:ext cx="7315200" cy="1828800"/>
+              <a:off x="26523499" y="24141830"/>
+              <a:ext cx="1822900" cy="1795713"/>
             </a:xfrm>
             <a:custGeom>
               <a:avLst/>
@@ -4894,41 +5108,29 @@
               <a:cxnLst/>
               <a:rect l="l" t="t" r="r" b="b"/>
               <a:pathLst>
-                <a:path w="8950884" h="2311400">
+                <a:path w="6350000" h="6350000">
                   <a:moveTo>
-                    <a:pt x="8646084" y="0"/>
+                    <a:pt x="3175000" y="0"/>
                   </a:moveTo>
-                  <a:lnTo>
-                    <a:pt x="304800" y="0"/>
-                  </a:lnTo>
                   <a:cubicBezTo>
-                    <a:pt x="135890" y="0"/>
-                    <a:pt x="0" y="135890"/>
-                    <a:pt x="0" y="304800"/>
+                    <a:pt x="1421496" y="0"/>
+                    <a:pt x="0" y="1421496"/>
+                    <a:pt x="0" y="3175000"/>
                   </a:cubicBezTo>
-                  <a:lnTo>
-                    <a:pt x="0" y="2006600"/>
-                  </a:lnTo>
                   <a:cubicBezTo>
-                    <a:pt x="0" y="2175510"/>
-                    <a:pt x="135890" y="2311400"/>
-                    <a:pt x="304800" y="2311400"/>
+                    <a:pt x="0" y="4928504"/>
+                    <a:pt x="1421496" y="6350000"/>
+                    <a:pt x="3175000" y="6350000"/>
                   </a:cubicBezTo>
-                  <a:lnTo>
-                    <a:pt x="8646084" y="2311400"/>
-                  </a:lnTo>
                   <a:cubicBezTo>
-                    <a:pt x="8814994" y="2311400"/>
-                    <a:pt x="8950884" y="2175510"/>
-                    <a:pt x="8950884" y="2006600"/>
+                    <a:pt x="4928504" y="6350000"/>
+                    <a:pt x="6350000" y="4928504"/>
+                    <a:pt x="6350000" y="3175000"/>
                   </a:cubicBezTo>
-                  <a:lnTo>
-                    <a:pt x="8950884" y="304800"/>
-                  </a:lnTo>
                   <a:cubicBezTo>
-                    <a:pt x="8950884" y="135890"/>
-                    <a:pt x="8814994" y="0"/>
-                    <a:pt x="8646084" y="0"/>
+                    <a:pt x="6350000" y="1421496"/>
+                    <a:pt x="4928504" y="0"/>
+                    <a:pt x="3175000" y="0"/>
                   </a:cubicBezTo>
                   <a:close/>
                 </a:path>
@@ -4937,94 +5139,189 @@
             <a:gradFill flip="none" rotWithShape="1">
               <a:gsLst>
                 <a:gs pos="0">
-                  <a:schemeClr val="accent4">
-                    <a:lumMod val="5000"/>
-                    <a:lumOff val="95000"/>
+                  <a:schemeClr val="accent6">
+                    <a:lumMod val="0"/>
+                    <a:lumOff val="100000"/>
                   </a:schemeClr>
                 </a:gs>
-                <a:gs pos="74000">
-                  <a:schemeClr val="accent4">
-                    <a:lumMod val="45000"/>
-                    <a:lumOff val="55000"/>
-                  </a:schemeClr>
-                </a:gs>
-                <a:gs pos="83000">
-                  <a:schemeClr val="accent4">
-                    <a:lumMod val="45000"/>
-                    <a:lumOff val="55000"/>
+                <a:gs pos="35000">
+                  <a:schemeClr val="accent6">
+                    <a:lumMod val="0"/>
+                    <a:lumOff val="100000"/>
                   </a:schemeClr>
                 </a:gs>
                 <a:gs pos="100000">
-                  <a:schemeClr val="accent4">
-                    <a:lumMod val="30000"/>
-                    <a:lumOff val="70000"/>
+                  <a:schemeClr val="accent6">
+                    <a:lumMod val="100000"/>
                   </a:schemeClr>
                 </a:gs>
               </a:gsLst>
-              <a:lin ang="5400000" scaled="1"/>
+              <a:path path="circle">
+                <a:fillToRect l="50000" t="-80000" r="50000" b="180000"/>
+              </a:path>
               <a:tileRect/>
             </a:gradFill>
-            <a:ln>
-              <a:solidFill>
-                <a:schemeClr val="accent1">
-                  <a:shade val="15000"/>
-                </a:schemeClr>
-              </a:solidFill>
-            </a:ln>
           </p:spPr>
           <p:txBody>
-            <a:bodyPr lIns="228600" tIns="182880" rIns="228600" bIns="182880" anchor="ctr" anchorCtr="0"/>
+            <a:bodyPr/>
             <a:lstStyle/>
             <a:p>
-              <a:r>
-                <a:rPr lang="en-US" sz="2800" b="1" dirty="0">
-                  <a:latin typeface="Arial" panose="020B0604020202020204" pitchFamily="34" charset="0"/>
-                  <a:cs typeface="Arial" panose="020B0604020202020204" pitchFamily="34" charset="0"/>
-                </a:rPr>
-                <a:t>Virtual Environment Construction</a:t>
-              </a:r>
-            </a:p>
-            <a:p>
-              <a:pPr marL="342900" indent="-342900">
-                <a:buFont typeface="Arial" panose="020B0604020202020204" pitchFamily="34" charset="0"/>
-                <a:buChar char="•"/>
-              </a:pPr>
-              <a:r>
-                <a:rPr lang="en-US" sz="2000" dirty="0">
-                  <a:latin typeface="Arial" panose="020B0604020202020204" pitchFamily="34" charset="0"/>
-                  <a:cs typeface="Arial" panose="020B0604020202020204" pitchFamily="34" charset="0"/>
-                </a:rPr>
-                <a:t>Unity creates digital twin of the robot</a:t>
-              </a:r>
-            </a:p>
-            <a:p>
-              <a:pPr marL="342900" indent="-342900">
-                <a:buFont typeface="Arial" panose="020B0604020202020204" pitchFamily="34" charset="0"/>
-                <a:buChar char="•"/>
-              </a:pPr>
-              <a:r>
-                <a:rPr lang="en-US" sz="2000" dirty="0">
-                  <a:latin typeface="Arial" panose="020B0604020202020204" pitchFamily="34" charset="0"/>
-                  <a:cs typeface="Arial" panose="020B0604020202020204" pitchFamily="34" charset="0"/>
-                </a:rPr>
-                <a:t>Real-time task planning and optimization</a:t>
-              </a:r>
-            </a:p>
-            <a:p>
-              <a:pPr marL="342900" indent="-342900">
-                <a:buFont typeface="Arial" panose="020B0604020202020204" pitchFamily="34" charset="0"/>
-                <a:buChar char="•"/>
-              </a:pPr>
-              <a:r>
-                <a:rPr lang="en-US" sz="2000" dirty="0">
-                  <a:latin typeface="Arial" panose="020B0604020202020204" pitchFamily="34" charset="0"/>
-                  <a:cs typeface="Arial" panose="020B0604020202020204" pitchFamily="34" charset="0"/>
-                </a:rPr>
-                <a:t>Continuous safety monitoring and validation</a:t>
-              </a:r>
+              <a:endParaRPr lang="en-US"/>
             </a:p>
           </p:txBody>
         </p:sp>
+        <p:sp>
+          <p:nvSpPr>
+            <p:cNvPr id="37" name="Freeform 19">
+              <a:extLst>
+                <a:ext uri="{FF2B5EF4-FFF2-40B4-BE49-F238E27FC236}">
+                  <a16:creationId xmlns:a16="http://schemas.microsoft.com/office/drawing/2014/main" id="{A1459AEE-F8B6-BF69-68D4-F3379B2FAB4D}"/>
+                </a:ext>
+              </a:extLst>
+            </p:cNvPr>
+            <p:cNvSpPr/>
+            <p:nvPr/>
+          </p:nvSpPr>
+          <p:spPr>
+            <a:xfrm>
+              <a:off x="26827315" y="24440516"/>
+              <a:ext cx="1215264" cy="1197142"/>
+            </a:xfrm>
+            <a:custGeom>
+              <a:avLst/>
+              <a:gdLst/>
+              <a:ahLst/>
+              <a:cxnLst/>
+              <a:rect l="l" t="t" r="r" b="b"/>
+              <a:pathLst>
+                <a:path w="6350000" h="6350000">
+                  <a:moveTo>
+                    <a:pt x="3175000" y="0"/>
+                  </a:moveTo>
+                  <a:cubicBezTo>
+                    <a:pt x="1421496" y="0"/>
+                    <a:pt x="0" y="1421496"/>
+                    <a:pt x="0" y="3175000"/>
+                  </a:cubicBezTo>
+                  <a:cubicBezTo>
+                    <a:pt x="0" y="4928504"/>
+                    <a:pt x="1421496" y="6350000"/>
+                    <a:pt x="3175000" y="6350000"/>
+                  </a:cubicBezTo>
+                  <a:cubicBezTo>
+                    <a:pt x="4928504" y="6350000"/>
+                    <a:pt x="6350000" y="4928504"/>
+                    <a:pt x="6350000" y="3175000"/>
+                  </a:cubicBezTo>
+                  <a:cubicBezTo>
+                    <a:pt x="6350000" y="1421496"/>
+                    <a:pt x="4928504" y="0"/>
+                    <a:pt x="3175000" y="0"/>
+                  </a:cubicBezTo>
+                  <a:close/>
+                </a:path>
+              </a:pathLst>
+            </a:custGeom>
+            <a:solidFill>
+              <a:srgbClr val="FFFFFF"/>
+            </a:solidFill>
+          </p:spPr>
+          <p:txBody>
+            <a:bodyPr/>
+            <a:lstStyle/>
+            <a:p>
+              <a:endParaRPr lang="en-US" dirty="0"/>
+            </a:p>
+          </p:txBody>
+        </p:sp>
+        <p:sp>
+          <p:nvSpPr>
+            <p:cNvPr id="46" name="Freeform 31">
+              <a:extLst>
+                <a:ext uri="{FF2B5EF4-FFF2-40B4-BE49-F238E27FC236}">
+                  <a16:creationId xmlns:a16="http://schemas.microsoft.com/office/drawing/2014/main" id="{7D2FFEDC-1D13-B4CA-C9FD-B57EAED21183}"/>
+                </a:ext>
+              </a:extLst>
+            </p:cNvPr>
+            <p:cNvSpPr>
+              <a:spLocks noChangeAspect="1"/>
+            </p:cNvSpPr>
+            <p:nvPr/>
+          </p:nvSpPr>
+          <p:spPr>
+            <a:xfrm>
+              <a:off x="26979225" y="24588780"/>
+              <a:ext cx="911449" cy="897856"/>
+            </a:xfrm>
+            <a:custGeom>
+              <a:avLst/>
+              <a:gdLst/>
+              <a:ahLst/>
+              <a:cxnLst/>
+              <a:rect l="l" t="t" r="r" b="b"/>
+              <a:pathLst>
+                <a:path w="349614" h="349614">
+                  <a:moveTo>
+                    <a:pt x="0" y="0"/>
+                  </a:moveTo>
+                  <a:lnTo>
+                    <a:pt x="349614" y="0"/>
+                  </a:lnTo>
+                  <a:lnTo>
+                    <a:pt x="349614" y="349614"/>
+                  </a:lnTo>
+                  <a:lnTo>
+                    <a:pt x="0" y="349614"/>
+                  </a:lnTo>
+                  <a:lnTo>
+                    <a:pt x="0" y="0"/>
+                  </a:lnTo>
+                  <a:close/>
+                </a:path>
+              </a:pathLst>
+            </a:custGeom>
+            <a:blipFill>
+              <a:blip r:embed="rId4">
+                <a:extLst>
+                  <a:ext uri="{96DAC541-7B7A-43D3-8B79-37D633B846F1}">
+                    <asvg:svgBlip xmlns:asvg="http://schemas.microsoft.com/office/drawing/2016/SVG/main" r:embed="rId5"/>
+                  </a:ext>
+                </a:extLst>
+              </a:blip>
+              <a:stretch>
+                <a:fillRect/>
+              </a:stretch>
+            </a:blipFill>
+          </p:spPr>
+          <p:txBody>
+            <a:bodyPr/>
+            <a:lstStyle/>
+            <a:p>
+              <a:endParaRPr lang="en-US" dirty="0"/>
+            </a:p>
+          </p:txBody>
+        </p:sp>
+      </p:grpSp>
+      <p:grpSp>
+        <p:nvGrpSpPr>
+          <p:cNvPr id="29" name="Group 28">
+            <a:extLst>
+              <a:ext uri="{FF2B5EF4-FFF2-40B4-BE49-F238E27FC236}">
+                <a16:creationId xmlns:a16="http://schemas.microsoft.com/office/drawing/2014/main" id="{3A584164-FBE2-B34E-0507-50F4A394EEA0}"/>
+              </a:ext>
+            </a:extLst>
+          </p:cNvPr>
+          <p:cNvGrpSpPr/>
+          <p:nvPr/>
+        </p:nvGrpSpPr>
+        <p:grpSpPr>
+          <a:xfrm>
+            <a:off x="23839281" y="21424996"/>
+            <a:ext cx="1828800" cy="1828800"/>
+            <a:chOff x="23839282" y="21443510"/>
+            <a:chExt cx="1822897" cy="1795713"/>
+          </a:xfrm>
+        </p:grpSpPr>
         <p:sp>
           <p:nvSpPr>
             <p:cNvPr id="31" name="Freeform 11">
@@ -5039,8 +5336,8 @@
           </p:nvSpPr>
           <p:spPr>
             <a:xfrm>
-              <a:off x="25130998" y="20787721"/>
-              <a:ext cx="1371600" cy="1371600"/>
+              <a:off x="23839282" y="21443510"/>
+              <a:ext cx="1822897" cy="1795713"/>
             </a:xfrm>
             <a:custGeom>
               <a:avLst/>
@@ -5125,8 +5422,8 @@
           </p:nvSpPr>
           <p:spPr>
             <a:xfrm>
-              <a:off x="25359598" y="21015865"/>
-              <a:ext cx="914400" cy="914400"/>
+              <a:off x="24143099" y="21742198"/>
+              <a:ext cx="1215264" cy="1197142"/>
             </a:xfrm>
             <a:custGeom>
               <a:avLst/>
@@ -5177,683 +5474,6 @@
         </p:sp>
         <p:sp>
           <p:nvSpPr>
-            <p:cNvPr id="35" name="Freeform 3">
-              <a:extLst>
-                <a:ext uri="{FF2B5EF4-FFF2-40B4-BE49-F238E27FC236}">
-                  <a16:creationId xmlns:a16="http://schemas.microsoft.com/office/drawing/2014/main" id="{6FCCB834-5B37-3580-B606-3DD6CEF33B78}"/>
-                </a:ext>
-              </a:extLst>
-            </p:cNvPr>
-            <p:cNvSpPr/>
-            <p:nvPr/>
-          </p:nvSpPr>
-          <p:spPr>
-            <a:xfrm>
-              <a:off x="20521279" y="23533045"/>
-              <a:ext cx="7315199" cy="1828800"/>
-            </a:xfrm>
-            <a:custGeom>
-              <a:avLst/>
-              <a:gdLst/>
-              <a:ahLst/>
-              <a:cxnLst/>
-              <a:rect l="l" t="t" r="r" b="b"/>
-              <a:pathLst>
-                <a:path w="8950884" h="2311400">
-                  <a:moveTo>
-                    <a:pt x="8646084" y="0"/>
-                  </a:moveTo>
-                  <a:lnTo>
-                    <a:pt x="304800" y="0"/>
-                  </a:lnTo>
-                  <a:cubicBezTo>
-                    <a:pt x="135890" y="0"/>
-                    <a:pt x="0" y="135890"/>
-                    <a:pt x="0" y="304800"/>
-                  </a:cubicBezTo>
-                  <a:lnTo>
-                    <a:pt x="0" y="2006600"/>
-                  </a:lnTo>
-                  <a:cubicBezTo>
-                    <a:pt x="0" y="2175510"/>
-                    <a:pt x="135890" y="2311400"/>
-                    <a:pt x="304800" y="2311400"/>
-                  </a:cubicBezTo>
-                  <a:lnTo>
-                    <a:pt x="8646084" y="2311400"/>
-                  </a:lnTo>
-                  <a:cubicBezTo>
-                    <a:pt x="8814994" y="2311400"/>
-                    <a:pt x="8950884" y="2175510"/>
-                    <a:pt x="8950884" y="2006600"/>
-                  </a:cubicBezTo>
-                  <a:lnTo>
-                    <a:pt x="8950884" y="304800"/>
-                  </a:lnTo>
-                  <a:cubicBezTo>
-                    <a:pt x="8950884" y="135890"/>
-                    <a:pt x="8814994" y="0"/>
-                    <a:pt x="8646084" y="0"/>
-                  </a:cubicBezTo>
-                  <a:close/>
-                </a:path>
-              </a:pathLst>
-            </a:custGeom>
-            <a:gradFill flip="none" rotWithShape="1">
-              <a:gsLst>
-                <a:gs pos="0">
-                  <a:schemeClr val="accent6">
-                    <a:lumMod val="5000"/>
-                    <a:lumOff val="95000"/>
-                  </a:schemeClr>
-                </a:gs>
-                <a:gs pos="74000">
-                  <a:schemeClr val="accent6">
-                    <a:lumMod val="45000"/>
-                    <a:lumOff val="55000"/>
-                  </a:schemeClr>
-                </a:gs>
-                <a:gs pos="83000">
-                  <a:schemeClr val="accent6">
-                    <a:lumMod val="45000"/>
-                    <a:lumOff val="55000"/>
-                  </a:schemeClr>
-                </a:gs>
-                <a:gs pos="100000">
-                  <a:schemeClr val="accent6">
-                    <a:lumMod val="30000"/>
-                    <a:lumOff val="70000"/>
-                  </a:schemeClr>
-                </a:gs>
-              </a:gsLst>
-              <a:lin ang="5400000" scaled="1"/>
-              <a:tileRect/>
-            </a:gradFill>
-            <a:ln>
-              <a:solidFill>
-                <a:schemeClr val="accent1">
-                  <a:shade val="15000"/>
-                </a:schemeClr>
-              </a:solidFill>
-            </a:ln>
-          </p:spPr>
-          <p:txBody>
-            <a:bodyPr lIns="228600" tIns="182880" rIns="228600" bIns="182880" anchor="ctr" anchorCtr="0"/>
-            <a:lstStyle/>
-            <a:p>
-              <a:r>
-                <a:rPr lang="en-US" sz="2800" b="1" dirty="0">
-                  <a:latin typeface="Arial" panose="020B0604020202020204" pitchFamily="34" charset="0"/>
-                  <a:cs typeface="Arial" panose="020B0604020202020204" pitchFamily="34" charset="0"/>
-                </a:rPr>
-                <a:t>Collaborative Task Execution</a:t>
-              </a:r>
-            </a:p>
-            <a:p>
-              <a:pPr marL="342900" indent="-342900">
-                <a:buFont typeface="Arial" panose="020B0604020202020204" pitchFamily="34" charset="0"/>
-                <a:buChar char="•"/>
-              </a:pPr>
-              <a:r>
-                <a:rPr lang="en-US" sz="2000" dirty="0">
-                  <a:latin typeface="Arial" panose="020B0604020202020204" pitchFamily="34" charset="0"/>
-                  <a:cs typeface="Arial" panose="020B0604020202020204" pitchFamily="34" charset="0"/>
-                </a:rPr>
-                <a:t>Robot coordinates with human actions</a:t>
-              </a:r>
-            </a:p>
-            <a:p>
-              <a:pPr marL="342900" indent="-342900">
-                <a:buFont typeface="Arial" panose="020B0604020202020204" pitchFamily="34" charset="0"/>
-                <a:buChar char="•"/>
-              </a:pPr>
-              <a:r>
-                <a:rPr lang="en-US" sz="2000" dirty="0">
-                  <a:latin typeface="Arial" panose="020B0604020202020204" pitchFamily="34" charset="0"/>
-                  <a:cs typeface="Arial" panose="020B0604020202020204" pitchFamily="34" charset="0"/>
-                </a:rPr>
-                <a:t>Dynamic workspace management</a:t>
-              </a:r>
-            </a:p>
-            <a:p>
-              <a:pPr marL="342900" indent="-342900">
-                <a:buFont typeface="Arial" panose="020B0604020202020204" pitchFamily="34" charset="0"/>
-                <a:buChar char="•"/>
-              </a:pPr>
-              <a:r>
-                <a:rPr lang="en-US" sz="2000" dirty="0">
-                  <a:latin typeface="Arial" panose="020B0604020202020204" pitchFamily="34" charset="0"/>
-                  <a:cs typeface="Arial" panose="020B0604020202020204" pitchFamily="34" charset="0"/>
-                </a:rPr>
-                <a:t>Real-time task adaptation</a:t>
-              </a:r>
-            </a:p>
-          </p:txBody>
-        </p:sp>
-        <p:sp>
-          <p:nvSpPr>
-            <p:cNvPr id="36" name="Freeform 11">
-              <a:extLst>
-                <a:ext uri="{FF2B5EF4-FFF2-40B4-BE49-F238E27FC236}">
-                  <a16:creationId xmlns:a16="http://schemas.microsoft.com/office/drawing/2014/main" id="{65B44EF3-C9AA-EF24-62AC-4F3C0B2F55F7}"/>
-                </a:ext>
-              </a:extLst>
-            </p:cNvPr>
-            <p:cNvSpPr/>
-            <p:nvPr/>
-          </p:nvSpPr>
-          <p:spPr>
-            <a:xfrm>
-              <a:off x="27150681" y="22848749"/>
-              <a:ext cx="1371602" cy="1371600"/>
-            </a:xfrm>
-            <a:custGeom>
-              <a:avLst/>
-              <a:gdLst/>
-              <a:ahLst/>
-              <a:cxnLst/>
-              <a:rect l="l" t="t" r="r" b="b"/>
-              <a:pathLst>
-                <a:path w="6350000" h="6350000">
-                  <a:moveTo>
-                    <a:pt x="3175000" y="0"/>
-                  </a:moveTo>
-                  <a:cubicBezTo>
-                    <a:pt x="1421496" y="0"/>
-                    <a:pt x="0" y="1421496"/>
-                    <a:pt x="0" y="3175000"/>
-                  </a:cubicBezTo>
-                  <a:cubicBezTo>
-                    <a:pt x="0" y="4928504"/>
-                    <a:pt x="1421496" y="6350000"/>
-                    <a:pt x="3175000" y="6350000"/>
-                  </a:cubicBezTo>
-                  <a:cubicBezTo>
-                    <a:pt x="4928504" y="6350000"/>
-                    <a:pt x="6350000" y="4928504"/>
-                    <a:pt x="6350000" y="3175000"/>
-                  </a:cubicBezTo>
-                  <a:cubicBezTo>
-                    <a:pt x="6350000" y="1421496"/>
-                    <a:pt x="4928504" y="0"/>
-                    <a:pt x="3175000" y="0"/>
-                  </a:cubicBezTo>
-                  <a:close/>
-                </a:path>
-              </a:pathLst>
-            </a:custGeom>
-            <a:gradFill flip="none" rotWithShape="1">
-              <a:gsLst>
-                <a:gs pos="0">
-                  <a:schemeClr val="accent6">
-                    <a:lumMod val="0"/>
-                    <a:lumOff val="100000"/>
-                  </a:schemeClr>
-                </a:gs>
-                <a:gs pos="35000">
-                  <a:schemeClr val="accent6">
-                    <a:lumMod val="0"/>
-                    <a:lumOff val="100000"/>
-                  </a:schemeClr>
-                </a:gs>
-                <a:gs pos="100000">
-                  <a:schemeClr val="accent6">
-                    <a:lumMod val="100000"/>
-                  </a:schemeClr>
-                </a:gs>
-              </a:gsLst>
-              <a:path path="circle">
-                <a:fillToRect l="50000" t="-80000" r="50000" b="180000"/>
-              </a:path>
-              <a:tileRect/>
-            </a:gradFill>
-          </p:spPr>
-          <p:txBody>
-            <a:bodyPr/>
-            <a:lstStyle/>
-            <a:p>
-              <a:endParaRPr lang="en-US"/>
-            </a:p>
-          </p:txBody>
-        </p:sp>
-        <p:sp>
-          <p:nvSpPr>
-            <p:cNvPr id="37" name="Freeform 19">
-              <a:extLst>
-                <a:ext uri="{FF2B5EF4-FFF2-40B4-BE49-F238E27FC236}">
-                  <a16:creationId xmlns:a16="http://schemas.microsoft.com/office/drawing/2014/main" id="{A1459AEE-F8B6-BF69-68D4-F3379B2FAB4D}"/>
-                </a:ext>
-              </a:extLst>
-            </p:cNvPr>
-            <p:cNvSpPr/>
-            <p:nvPr/>
-          </p:nvSpPr>
-          <p:spPr>
-            <a:xfrm>
-              <a:off x="27379280" y="23076893"/>
-              <a:ext cx="914400" cy="914400"/>
-            </a:xfrm>
-            <a:custGeom>
-              <a:avLst/>
-              <a:gdLst/>
-              <a:ahLst/>
-              <a:cxnLst/>
-              <a:rect l="l" t="t" r="r" b="b"/>
-              <a:pathLst>
-                <a:path w="6350000" h="6350000">
-                  <a:moveTo>
-                    <a:pt x="3175000" y="0"/>
-                  </a:moveTo>
-                  <a:cubicBezTo>
-                    <a:pt x="1421496" y="0"/>
-                    <a:pt x="0" y="1421496"/>
-                    <a:pt x="0" y="3175000"/>
-                  </a:cubicBezTo>
-                  <a:cubicBezTo>
-                    <a:pt x="0" y="4928504"/>
-                    <a:pt x="1421496" y="6350000"/>
-                    <a:pt x="3175000" y="6350000"/>
-                  </a:cubicBezTo>
-                  <a:cubicBezTo>
-                    <a:pt x="4928504" y="6350000"/>
-                    <a:pt x="6350000" y="4928504"/>
-                    <a:pt x="6350000" y="3175000"/>
-                  </a:cubicBezTo>
-                  <a:cubicBezTo>
-                    <a:pt x="6350000" y="1421496"/>
-                    <a:pt x="4928504" y="0"/>
-                    <a:pt x="3175000" y="0"/>
-                  </a:cubicBezTo>
-                  <a:close/>
-                </a:path>
-              </a:pathLst>
-            </a:custGeom>
-            <a:solidFill>
-              <a:srgbClr val="FFFFFF"/>
-            </a:solidFill>
-          </p:spPr>
-          <p:txBody>
-            <a:bodyPr/>
-            <a:lstStyle/>
-            <a:p>
-              <a:endParaRPr lang="en-US" dirty="0"/>
-            </a:p>
-          </p:txBody>
-        </p:sp>
-        <p:sp>
-          <p:nvSpPr>
-            <p:cNvPr id="43" name="Freeform 3">
-              <a:extLst>
-                <a:ext uri="{FF2B5EF4-FFF2-40B4-BE49-F238E27FC236}">
-                  <a16:creationId xmlns:a16="http://schemas.microsoft.com/office/drawing/2014/main" id="{BABD4DD8-533B-C068-4E8D-4A2F5FE0F8B9}"/>
-                </a:ext>
-              </a:extLst>
-            </p:cNvPr>
-            <p:cNvSpPr/>
-            <p:nvPr/>
-          </p:nvSpPr>
-          <p:spPr>
-            <a:xfrm>
-              <a:off x="22540962" y="25590940"/>
-              <a:ext cx="7315200" cy="1828800"/>
-            </a:xfrm>
-            <a:custGeom>
-              <a:avLst/>
-              <a:gdLst/>
-              <a:ahLst/>
-              <a:cxnLst/>
-              <a:rect l="l" t="t" r="r" b="b"/>
-              <a:pathLst>
-                <a:path w="8950884" h="2311400">
-                  <a:moveTo>
-                    <a:pt x="8646084" y="0"/>
-                  </a:moveTo>
-                  <a:lnTo>
-                    <a:pt x="304800" y="0"/>
-                  </a:lnTo>
-                  <a:cubicBezTo>
-                    <a:pt x="135890" y="0"/>
-                    <a:pt x="0" y="135890"/>
-                    <a:pt x="0" y="304800"/>
-                  </a:cubicBezTo>
-                  <a:lnTo>
-                    <a:pt x="0" y="2006600"/>
-                  </a:lnTo>
-                  <a:cubicBezTo>
-                    <a:pt x="0" y="2175510"/>
-                    <a:pt x="135890" y="2311400"/>
-                    <a:pt x="304800" y="2311400"/>
-                  </a:cubicBezTo>
-                  <a:lnTo>
-                    <a:pt x="8646084" y="2311400"/>
-                  </a:lnTo>
-                  <a:cubicBezTo>
-                    <a:pt x="8814994" y="2311400"/>
-                    <a:pt x="8950884" y="2175510"/>
-                    <a:pt x="8950884" y="2006600"/>
-                  </a:cubicBezTo>
-                  <a:lnTo>
-                    <a:pt x="8950884" y="304800"/>
-                  </a:lnTo>
-                  <a:cubicBezTo>
-                    <a:pt x="8950884" y="135890"/>
-                    <a:pt x="8814994" y="0"/>
-                    <a:pt x="8646084" y="0"/>
-                  </a:cubicBezTo>
-                  <a:close/>
-                </a:path>
-              </a:pathLst>
-            </a:custGeom>
-            <a:gradFill flip="none" rotWithShape="1">
-              <a:gsLst>
-                <a:gs pos="0">
-                  <a:schemeClr val="accent5">
-                    <a:lumMod val="5000"/>
-                    <a:lumOff val="95000"/>
-                  </a:schemeClr>
-                </a:gs>
-                <a:gs pos="74000">
-                  <a:schemeClr val="accent5">
-                    <a:lumMod val="45000"/>
-                    <a:lumOff val="55000"/>
-                  </a:schemeClr>
-                </a:gs>
-                <a:gs pos="83000">
-                  <a:schemeClr val="accent5">
-                    <a:lumMod val="45000"/>
-                    <a:lumOff val="55000"/>
-                  </a:schemeClr>
-                </a:gs>
-                <a:gs pos="100000">
-                  <a:schemeClr val="accent5">
-                    <a:lumMod val="30000"/>
-                    <a:lumOff val="70000"/>
-                  </a:schemeClr>
-                </a:gs>
-              </a:gsLst>
-              <a:lin ang="5400000" scaled="1"/>
-              <a:tileRect/>
-            </a:gradFill>
-            <a:ln>
-              <a:solidFill>
-                <a:schemeClr val="accent1">
-                  <a:shade val="15000"/>
-                </a:schemeClr>
-              </a:solidFill>
-            </a:ln>
-          </p:spPr>
-          <p:txBody>
-            <a:bodyPr lIns="228600" tIns="182880" rIns="228600" bIns="182880" anchor="ctr" anchorCtr="0"/>
-            <a:lstStyle/>
-            <a:p>
-              <a:r>
-                <a:rPr lang="en-US" sz="2800" b="1" dirty="0">
-                  <a:latin typeface="Arial" panose="020B0604020202020204" pitchFamily="34" charset="0"/>
-                  <a:cs typeface="Arial" panose="020B0604020202020204" pitchFamily="34" charset="0"/>
-                </a:rPr>
-                <a:t>Cybernetic Feedback Loops</a:t>
-              </a:r>
-            </a:p>
-            <a:p>
-              <a:pPr marL="342900" indent="-342900">
-                <a:buFont typeface="Arial" panose="020B0604020202020204" pitchFamily="34" charset="0"/>
-                <a:buChar char="•"/>
-              </a:pPr>
-              <a:r>
-                <a:rPr lang="en-US" sz="2000" dirty="0">
-                  <a:latin typeface="Arial" panose="020B0604020202020204" pitchFamily="34" charset="0"/>
-                  <a:cs typeface="Arial" panose="020B0604020202020204" pitchFamily="34" charset="0"/>
-                </a:rPr>
-                <a:t>Robot learning from task outcomes</a:t>
-              </a:r>
-            </a:p>
-            <a:p>
-              <a:pPr marL="342900" indent="-342900">
-                <a:buFont typeface="Arial" panose="020B0604020202020204" pitchFamily="34" charset="0"/>
-                <a:buChar char="•"/>
-              </a:pPr>
-              <a:r>
-                <a:rPr lang="en-US" sz="2000" dirty="0">
-                  <a:latin typeface="Arial" panose="020B0604020202020204" pitchFamily="34" charset="0"/>
-                  <a:cs typeface="Arial" panose="020B0604020202020204" pitchFamily="34" charset="0"/>
-                </a:rPr>
-                <a:t>Human adaptation through visual feedback</a:t>
-              </a:r>
-            </a:p>
-            <a:p>
-              <a:pPr marL="342900" indent="-342900">
-                <a:buFont typeface="Arial" panose="020B0604020202020204" pitchFamily="34" charset="0"/>
-                <a:buChar char="•"/>
-              </a:pPr>
-              <a:r>
-                <a:rPr lang="en-US" sz="2000" dirty="0">
-                  <a:latin typeface="Arial" panose="020B0604020202020204" pitchFamily="34" charset="0"/>
-                  <a:cs typeface="Arial" panose="020B0604020202020204" pitchFamily="34" charset="0"/>
-                </a:rPr>
-                <a:t>Continuous system optimization. Delete this</a:t>
-              </a:r>
-            </a:p>
-          </p:txBody>
-        </p:sp>
-        <p:sp>
-          <p:nvSpPr>
-            <p:cNvPr id="44" name="Freeform 11">
-              <a:extLst>
-                <a:ext uri="{FF2B5EF4-FFF2-40B4-BE49-F238E27FC236}">
-                  <a16:creationId xmlns:a16="http://schemas.microsoft.com/office/drawing/2014/main" id="{170A8670-E59B-8E8E-B61A-21ABD3A784E1}"/>
-                </a:ext>
-              </a:extLst>
-            </p:cNvPr>
-            <p:cNvSpPr/>
-            <p:nvPr/>
-          </p:nvSpPr>
-          <p:spPr>
-            <a:xfrm>
-              <a:off x="29170362" y="24906646"/>
-              <a:ext cx="1371600" cy="1371600"/>
-            </a:xfrm>
-            <a:custGeom>
-              <a:avLst/>
-              <a:gdLst/>
-              <a:ahLst/>
-              <a:cxnLst/>
-              <a:rect l="l" t="t" r="r" b="b"/>
-              <a:pathLst>
-                <a:path w="6350000" h="6350000">
-                  <a:moveTo>
-                    <a:pt x="3175000" y="0"/>
-                  </a:moveTo>
-                  <a:cubicBezTo>
-                    <a:pt x="1421496" y="0"/>
-                    <a:pt x="0" y="1421496"/>
-                    <a:pt x="0" y="3175000"/>
-                  </a:cubicBezTo>
-                  <a:cubicBezTo>
-                    <a:pt x="0" y="4928504"/>
-                    <a:pt x="1421496" y="6350000"/>
-                    <a:pt x="3175000" y="6350000"/>
-                  </a:cubicBezTo>
-                  <a:cubicBezTo>
-                    <a:pt x="4928504" y="6350000"/>
-                    <a:pt x="6350000" y="4928504"/>
-                    <a:pt x="6350000" y="3175000"/>
-                  </a:cubicBezTo>
-                  <a:cubicBezTo>
-                    <a:pt x="6350000" y="1421496"/>
-                    <a:pt x="4928504" y="0"/>
-                    <a:pt x="3175000" y="0"/>
-                  </a:cubicBezTo>
-                  <a:close/>
-                </a:path>
-              </a:pathLst>
-            </a:custGeom>
-            <a:gradFill flip="none" rotWithShape="1">
-              <a:gsLst>
-                <a:gs pos="0">
-                  <a:schemeClr val="accent5">
-                    <a:lumMod val="0"/>
-                    <a:lumOff val="100000"/>
-                  </a:schemeClr>
-                </a:gs>
-                <a:gs pos="35000">
-                  <a:schemeClr val="accent5">
-                    <a:lumMod val="0"/>
-                    <a:lumOff val="100000"/>
-                  </a:schemeClr>
-                </a:gs>
-                <a:gs pos="100000">
-                  <a:schemeClr val="accent5">
-                    <a:lumMod val="100000"/>
-                  </a:schemeClr>
-                </a:gs>
-              </a:gsLst>
-              <a:path path="circle">
-                <a:fillToRect l="50000" t="-80000" r="50000" b="180000"/>
-              </a:path>
-              <a:tileRect/>
-            </a:gradFill>
-          </p:spPr>
-          <p:txBody>
-            <a:bodyPr/>
-            <a:lstStyle/>
-            <a:p>
-              <a:endParaRPr lang="en-US" dirty="0"/>
-            </a:p>
-          </p:txBody>
-        </p:sp>
-        <p:sp>
-          <p:nvSpPr>
-            <p:cNvPr id="45" name="Freeform 19">
-              <a:extLst>
-                <a:ext uri="{FF2B5EF4-FFF2-40B4-BE49-F238E27FC236}">
-                  <a16:creationId xmlns:a16="http://schemas.microsoft.com/office/drawing/2014/main" id="{DA5C8CE9-BCDA-5825-59C2-5A42CAAE9EE8}"/>
-                </a:ext>
-              </a:extLst>
-            </p:cNvPr>
-            <p:cNvSpPr/>
-            <p:nvPr/>
-          </p:nvSpPr>
-          <p:spPr>
-            <a:xfrm>
-              <a:off x="29398962" y="25134790"/>
-              <a:ext cx="914400" cy="914400"/>
-            </a:xfrm>
-            <a:custGeom>
-              <a:avLst/>
-              <a:gdLst/>
-              <a:ahLst/>
-              <a:cxnLst/>
-              <a:rect l="l" t="t" r="r" b="b"/>
-              <a:pathLst>
-                <a:path w="6350000" h="6350000">
-                  <a:moveTo>
-                    <a:pt x="3175000" y="0"/>
-                  </a:moveTo>
-                  <a:cubicBezTo>
-                    <a:pt x="1421496" y="0"/>
-                    <a:pt x="0" y="1421496"/>
-                    <a:pt x="0" y="3175000"/>
-                  </a:cubicBezTo>
-                  <a:cubicBezTo>
-                    <a:pt x="0" y="4928504"/>
-                    <a:pt x="1421496" y="6350000"/>
-                    <a:pt x="3175000" y="6350000"/>
-                  </a:cubicBezTo>
-                  <a:cubicBezTo>
-                    <a:pt x="4928504" y="6350000"/>
-                    <a:pt x="6350000" y="4928504"/>
-                    <a:pt x="6350000" y="3175000"/>
-                  </a:cubicBezTo>
-                  <a:cubicBezTo>
-                    <a:pt x="6350000" y="1421496"/>
-                    <a:pt x="4928504" y="0"/>
-                    <a:pt x="3175000" y="0"/>
-                  </a:cubicBezTo>
-                  <a:close/>
-                </a:path>
-              </a:pathLst>
-            </a:custGeom>
-            <a:solidFill>
-              <a:srgbClr val="FFFFFF"/>
-            </a:solidFill>
-          </p:spPr>
-          <p:txBody>
-            <a:bodyPr/>
-            <a:lstStyle/>
-            <a:p>
-              <a:endParaRPr lang="en-US" dirty="0"/>
-            </a:p>
-          </p:txBody>
-        </p:sp>
-        <p:sp>
-          <p:nvSpPr>
-            <p:cNvPr id="46" name="Freeform 31">
-              <a:extLst>
-                <a:ext uri="{FF2B5EF4-FFF2-40B4-BE49-F238E27FC236}">
-                  <a16:creationId xmlns:a16="http://schemas.microsoft.com/office/drawing/2014/main" id="{7D2FFEDC-1D13-B4CA-C9FD-B57EAED21183}"/>
-                </a:ext>
-              </a:extLst>
-            </p:cNvPr>
-            <p:cNvSpPr>
-              <a:spLocks noChangeAspect="1"/>
-            </p:cNvSpPr>
-            <p:nvPr/>
-          </p:nvSpPr>
-          <p:spPr>
-            <a:xfrm>
-              <a:off x="27493580" y="23190142"/>
-              <a:ext cx="685800" cy="685800"/>
-            </a:xfrm>
-            <a:custGeom>
-              <a:avLst/>
-              <a:gdLst/>
-              <a:ahLst/>
-              <a:cxnLst/>
-              <a:rect l="l" t="t" r="r" b="b"/>
-              <a:pathLst>
-                <a:path w="349614" h="349614">
-                  <a:moveTo>
-                    <a:pt x="0" y="0"/>
-                  </a:moveTo>
-                  <a:lnTo>
-                    <a:pt x="349614" y="0"/>
-                  </a:lnTo>
-                  <a:lnTo>
-                    <a:pt x="349614" y="349614"/>
-                  </a:lnTo>
-                  <a:lnTo>
-                    <a:pt x="0" y="349614"/>
-                  </a:lnTo>
-                  <a:lnTo>
-                    <a:pt x="0" y="0"/>
-                  </a:lnTo>
-                  <a:close/>
-                </a:path>
-              </a:pathLst>
-            </a:custGeom>
-            <a:blipFill>
-              <a:blip r:embed="rId5">
-                <a:extLst>
-                  <a:ext uri="{96DAC541-7B7A-43D3-8B79-37D633B846F1}">
-                    <asvg:svgBlip xmlns:asvg="http://schemas.microsoft.com/office/drawing/2016/SVG/main" r:embed="rId6"/>
-                  </a:ext>
-                </a:extLst>
-              </a:blip>
-              <a:stretch>
-                <a:fillRect/>
-              </a:stretch>
-            </a:blipFill>
-          </p:spPr>
-          <p:txBody>
-            <a:bodyPr/>
-            <a:lstStyle/>
-            <a:p>
-              <a:endParaRPr lang="en-US" dirty="0"/>
-            </a:p>
-          </p:txBody>
-        </p:sp>
-        <p:sp>
-          <p:nvSpPr>
             <p:cNvPr id="47" name="Freeform 30">
               <a:extLst>
                 <a:ext uri="{FF2B5EF4-FFF2-40B4-BE49-F238E27FC236}">
@@ -5868,8 +5488,8 @@
           </p:nvSpPr>
           <p:spPr>
             <a:xfrm>
-              <a:off x="25519618" y="21239094"/>
-              <a:ext cx="594360" cy="463600"/>
+              <a:off x="24355771" y="22034450"/>
+              <a:ext cx="789921" cy="606949"/>
             </a:xfrm>
             <a:custGeom>
               <a:avLst/>
@@ -5899,10 +5519,10 @@
               </a:pathLst>
             </a:custGeom>
             <a:blipFill>
-              <a:blip r:embed="rId7">
+              <a:blip r:embed="rId6">
                 <a:extLst>
                   <a:ext uri="{96DAC541-7B7A-43D3-8B79-37D633B846F1}">
-                    <asvg:svgBlip xmlns:asvg="http://schemas.microsoft.com/office/drawing/2016/SVG/main" r:embed="rId8"/>
+                    <asvg:svgBlip xmlns:asvg="http://schemas.microsoft.com/office/drawing/2016/SVG/main" r:embed="rId7"/>
                   </a:ext>
                 </a:extLst>
               </a:blip>
@@ -5919,246 +5539,200 @@
             </a:p>
           </p:txBody>
         </p:sp>
-        <p:sp>
-          <p:nvSpPr>
-            <p:cNvPr id="48" name="Freeform 32">
-              <a:extLst>
-                <a:ext uri="{FF2B5EF4-FFF2-40B4-BE49-F238E27FC236}">
-                  <a16:creationId xmlns:a16="http://schemas.microsoft.com/office/drawing/2014/main" id="{034FB8FE-BA7F-63A6-EDE0-08441C61634C}"/>
-                </a:ext>
-              </a:extLst>
-            </p:cNvPr>
-            <p:cNvSpPr>
-              <a:spLocks noChangeAspect="1"/>
-            </p:cNvSpPr>
-            <p:nvPr/>
-          </p:nvSpPr>
-          <p:spPr>
-            <a:xfrm>
-              <a:off x="29558978" y="25319696"/>
-              <a:ext cx="594360" cy="542488"/>
-            </a:xfrm>
-            <a:custGeom>
-              <a:avLst/>
-              <a:gdLst/>
-              <a:ahLst/>
-              <a:cxnLst/>
-              <a:rect l="l" t="t" r="r" b="b"/>
-              <a:pathLst>
-                <a:path w="341881" h="312044">
-                  <a:moveTo>
-                    <a:pt x="0" y="0"/>
-                  </a:moveTo>
-                  <a:lnTo>
-                    <a:pt x="341882" y="0"/>
-                  </a:lnTo>
-                  <a:lnTo>
-                    <a:pt x="341882" y="312044"/>
-                  </a:lnTo>
-                  <a:lnTo>
-                    <a:pt x="0" y="312044"/>
-                  </a:lnTo>
-                  <a:lnTo>
-                    <a:pt x="0" y="0"/>
-                  </a:lnTo>
-                  <a:close/>
-                </a:path>
-              </a:pathLst>
-            </a:custGeom>
-            <a:blipFill>
-              <a:blip r:embed="rId9">
-                <a:extLst>
-                  <a:ext uri="{96DAC541-7B7A-43D3-8B79-37D633B846F1}">
-                    <asvg:svgBlip xmlns:asvg="http://schemas.microsoft.com/office/drawing/2016/SVG/main" r:embed="rId10"/>
-                  </a:ext>
-                </a:extLst>
-              </a:blip>
-              <a:stretch>
-                <a:fillRect/>
-              </a:stretch>
-            </a:blipFill>
-          </p:spPr>
-          <p:txBody>
-            <a:bodyPr/>
-            <a:lstStyle/>
-            <a:p>
-              <a:endParaRPr lang="en-US" dirty="0"/>
-            </a:p>
-          </p:txBody>
-        </p:sp>
-        <p:sp>
-          <p:nvSpPr>
-            <p:cNvPr id="50" name="Freeform 3">
-              <a:extLst>
-                <a:ext uri="{FF2B5EF4-FFF2-40B4-BE49-F238E27FC236}">
-                  <a16:creationId xmlns:a16="http://schemas.microsoft.com/office/drawing/2014/main" id="{540C618B-DC44-3237-DF62-192008FA0710}"/>
-                </a:ext>
-              </a:extLst>
-            </p:cNvPr>
-            <p:cNvSpPr/>
-            <p:nvPr/>
-          </p:nvSpPr>
-          <p:spPr>
-            <a:xfrm>
-              <a:off x="16481916" y="19410987"/>
-              <a:ext cx="7315200" cy="1828800"/>
-            </a:xfrm>
-            <a:custGeom>
-              <a:avLst/>
-              <a:gdLst/>
-              <a:ahLst/>
-              <a:cxnLst/>
-              <a:rect l="l" t="t" r="r" b="b"/>
-              <a:pathLst>
-                <a:path w="8950884" h="2311400">
-                  <a:moveTo>
-                    <a:pt x="8646084" y="0"/>
-                  </a:moveTo>
-                  <a:lnTo>
-                    <a:pt x="304800" y="0"/>
-                  </a:lnTo>
-                  <a:cubicBezTo>
-                    <a:pt x="135890" y="0"/>
-                    <a:pt x="0" y="135890"/>
-                    <a:pt x="0" y="304800"/>
-                  </a:cubicBezTo>
-                  <a:lnTo>
-                    <a:pt x="0" y="2006600"/>
-                  </a:lnTo>
-                  <a:cubicBezTo>
-                    <a:pt x="0" y="2175510"/>
-                    <a:pt x="135890" y="2311400"/>
-                    <a:pt x="304800" y="2311400"/>
-                  </a:cubicBezTo>
-                  <a:lnTo>
-                    <a:pt x="8646084" y="2311400"/>
-                  </a:lnTo>
-                  <a:cubicBezTo>
-                    <a:pt x="8814994" y="2311400"/>
-                    <a:pt x="8950884" y="2175510"/>
-                    <a:pt x="8950884" y="2006600"/>
-                  </a:cubicBezTo>
-                  <a:lnTo>
-                    <a:pt x="8950884" y="304800"/>
-                  </a:lnTo>
-                  <a:cubicBezTo>
-                    <a:pt x="8950884" y="135890"/>
-                    <a:pt x="8814994" y="0"/>
-                    <a:pt x="8646084" y="0"/>
-                  </a:cubicBezTo>
-                  <a:close/>
-                </a:path>
-              </a:pathLst>
-            </a:custGeom>
-            <a:gradFill>
-              <a:gsLst>
-                <a:gs pos="0">
-                  <a:schemeClr val="accent2">
-                    <a:lumMod val="1000"/>
-                    <a:lumOff val="99000"/>
-                  </a:schemeClr>
-                </a:gs>
-                <a:gs pos="74000">
-                  <a:schemeClr val="accent2">
-                    <a:lumMod val="45000"/>
-                    <a:lumOff val="55000"/>
-                  </a:schemeClr>
-                </a:gs>
-                <a:gs pos="83000">
-                  <a:schemeClr val="accent2">
-                    <a:lumMod val="45000"/>
-                    <a:lumOff val="55000"/>
-                  </a:schemeClr>
-                </a:gs>
-                <a:gs pos="100000">
-                  <a:schemeClr val="accent2">
-                    <a:lumMod val="30000"/>
-                    <a:lumOff val="70000"/>
-                  </a:schemeClr>
-                </a:gs>
-              </a:gsLst>
-              <a:lin ang="5400000" scaled="1"/>
-            </a:gradFill>
-            <a:ln w="9525">
-              <a:solidFill>
-                <a:schemeClr val="tx1"/>
-              </a:solidFill>
-            </a:ln>
-          </p:spPr>
-          <p:style>
-            <a:lnRef idx="1">
-              <a:schemeClr val="accent2"/>
-            </a:lnRef>
-            <a:fillRef idx="2">
-              <a:schemeClr val="accent2"/>
-            </a:fillRef>
-            <a:effectRef idx="1">
-              <a:schemeClr val="accent2"/>
-            </a:effectRef>
-            <a:fontRef idx="minor">
-              <a:schemeClr val="dk1"/>
-            </a:fontRef>
-          </p:style>
-          <p:txBody>
-            <a:bodyPr lIns="228600" tIns="182880" rIns="228600" bIns="182880" anchor="ctr" anchorCtr="0"/>
-            <a:lstStyle/>
-            <a:p>
-              <a:r>
-                <a:rPr lang="en-US" sz="2800" b="1" dirty="0">
-                  <a:latin typeface="Arial" panose="020B0604020202020204" pitchFamily="34" charset="0"/>
-                  <a:cs typeface="Arial" panose="020B0604020202020204" pitchFamily="34" charset="0"/>
-                </a:rPr>
-                <a:t>Data Collection and Processing</a:t>
-              </a:r>
-            </a:p>
-            <a:p>
-              <a:pPr marL="342900" indent="-342900">
-                <a:buFont typeface="Arial" panose="020B0604020202020204" pitchFamily="34" charset="0"/>
-                <a:buChar char="•"/>
-              </a:pPr>
-              <a:r>
-                <a:rPr lang="en-US" sz="2000" dirty="0">
-                  <a:latin typeface="Arial" panose="020B0604020202020204" pitchFamily="34" charset="0"/>
-                  <a:cs typeface="Arial" panose="020B0604020202020204" pitchFamily="34" charset="0"/>
-                </a:rPr>
-                <a:t>RealSense D455 captures depth and RGB data</a:t>
-              </a:r>
-            </a:p>
-            <a:p>
-              <a:pPr marL="342900" indent="-342900">
-                <a:buFont typeface="Arial" panose="020B0604020202020204" pitchFamily="34" charset="0"/>
-                <a:buChar char="•"/>
-              </a:pPr>
-              <a:r>
-                <a:rPr lang="en-US" sz="2000" dirty="0" err="1">
-                  <a:latin typeface="Arial" panose="020B0604020202020204" pitchFamily="34" charset="0"/>
-                  <a:cs typeface="Arial" panose="020B0604020202020204" pitchFamily="34" charset="0"/>
-                </a:rPr>
-                <a:t>Nuitrack</a:t>
-              </a:r>
-              <a:r>
-                <a:rPr lang="en-US" sz="2000" dirty="0">
-                  <a:latin typeface="Arial" panose="020B0604020202020204" pitchFamily="34" charset="0"/>
-                  <a:cs typeface="Arial" panose="020B0604020202020204" pitchFamily="34" charset="0"/>
-                </a:rPr>
-                <a:t> processes spatial information in real-time</a:t>
-              </a:r>
-            </a:p>
-            <a:p>
-              <a:pPr marL="342900" indent="-342900">
-                <a:buFont typeface="Arial" panose="020B0604020202020204" pitchFamily="34" charset="0"/>
-                <a:buChar char="•"/>
-              </a:pPr>
-              <a:r>
-                <a:rPr lang="en-US" sz="2000" dirty="0">
-                  <a:latin typeface="Arial" panose="020B0604020202020204" pitchFamily="34" charset="0"/>
-                  <a:cs typeface="Arial" panose="020B0604020202020204" pitchFamily="34" charset="0"/>
-                </a:rPr>
-                <a:t>Advanced human detection algorithms</a:t>
-              </a:r>
-            </a:p>
-          </p:txBody>
-        </p:sp>
+      </p:grpSp>
+      <p:sp>
+        <p:nvSpPr>
+          <p:cNvPr id="50" name="Freeform 3">
+            <a:extLst>
+              <a:ext uri="{FF2B5EF4-FFF2-40B4-BE49-F238E27FC236}">
+                <a16:creationId xmlns:a16="http://schemas.microsoft.com/office/drawing/2014/main" id="{540C618B-DC44-3237-DF62-192008FA0710}"/>
+              </a:ext>
+            </a:extLst>
+          </p:cNvPr>
+          <p:cNvSpPr/>
+          <p:nvPr/>
+        </p:nvSpPr>
+        <p:spPr>
+          <a:xfrm>
+            <a:off x="12344399" y="19641077"/>
+            <a:ext cx="9722115" cy="2394284"/>
+          </a:xfrm>
+          <a:custGeom>
+            <a:avLst/>
+            <a:gdLst/>
+            <a:ahLst/>
+            <a:cxnLst/>
+            <a:rect l="l" t="t" r="r" b="b"/>
+            <a:pathLst>
+              <a:path w="8950884" h="2311400">
+                <a:moveTo>
+                  <a:pt x="8646084" y="0"/>
+                </a:moveTo>
+                <a:lnTo>
+                  <a:pt x="304800" y="0"/>
+                </a:lnTo>
+                <a:cubicBezTo>
+                  <a:pt x="135890" y="0"/>
+                  <a:pt x="0" y="135890"/>
+                  <a:pt x="0" y="304800"/>
+                </a:cubicBezTo>
+                <a:lnTo>
+                  <a:pt x="0" y="2006600"/>
+                </a:lnTo>
+                <a:cubicBezTo>
+                  <a:pt x="0" y="2175510"/>
+                  <a:pt x="135890" y="2311400"/>
+                  <a:pt x="304800" y="2311400"/>
+                </a:cubicBezTo>
+                <a:lnTo>
+                  <a:pt x="8646084" y="2311400"/>
+                </a:lnTo>
+                <a:cubicBezTo>
+                  <a:pt x="8814994" y="2311400"/>
+                  <a:pt x="8950884" y="2175510"/>
+                  <a:pt x="8950884" y="2006600"/>
+                </a:cubicBezTo>
+                <a:lnTo>
+                  <a:pt x="8950884" y="304800"/>
+                </a:lnTo>
+                <a:cubicBezTo>
+                  <a:pt x="8950884" y="135890"/>
+                  <a:pt x="8814994" y="0"/>
+                  <a:pt x="8646084" y="0"/>
+                </a:cubicBezTo>
+                <a:close/>
+              </a:path>
+            </a:pathLst>
+          </a:custGeom>
+          <a:gradFill>
+            <a:gsLst>
+              <a:gs pos="0">
+                <a:schemeClr val="accent2">
+                  <a:lumMod val="1000"/>
+                  <a:lumOff val="99000"/>
+                </a:schemeClr>
+              </a:gs>
+              <a:gs pos="74000">
+                <a:schemeClr val="accent2">
+                  <a:lumMod val="45000"/>
+                  <a:lumOff val="55000"/>
+                </a:schemeClr>
+              </a:gs>
+              <a:gs pos="83000">
+                <a:schemeClr val="accent2">
+                  <a:lumMod val="45000"/>
+                  <a:lumOff val="55000"/>
+                </a:schemeClr>
+              </a:gs>
+              <a:gs pos="100000">
+                <a:schemeClr val="accent2">
+                  <a:lumMod val="30000"/>
+                  <a:lumOff val="70000"/>
+                </a:schemeClr>
+              </a:gs>
+            </a:gsLst>
+            <a:lin ang="5400000" scaled="1"/>
+          </a:gradFill>
+          <a:ln w="9525">
+            <a:solidFill>
+              <a:schemeClr val="tx1"/>
+            </a:solidFill>
+          </a:ln>
+        </p:spPr>
+        <p:style>
+          <a:lnRef idx="1">
+            <a:schemeClr val="accent2"/>
+          </a:lnRef>
+          <a:fillRef idx="2">
+            <a:schemeClr val="accent2"/>
+          </a:fillRef>
+          <a:effectRef idx="1">
+            <a:schemeClr val="accent2"/>
+          </a:effectRef>
+          <a:fontRef idx="minor">
+            <a:schemeClr val="dk1"/>
+          </a:fontRef>
+        </p:style>
+        <p:txBody>
+          <a:bodyPr lIns="228600" tIns="182880" rIns="228600" bIns="182880" anchor="ctr" anchorCtr="0"/>
+          <a:lstStyle/>
+          <a:p>
+            <a:r>
+              <a:rPr lang="en-US" sz="2800" b="1" dirty="0">
+                <a:latin typeface="Arial" panose="020B0604020202020204" pitchFamily="34" charset="0"/>
+                <a:cs typeface="Arial" panose="020B0604020202020204" pitchFamily="34" charset="0"/>
+              </a:rPr>
+              <a:t>Data Collection and Processing</a:t>
+            </a:r>
+          </a:p>
+          <a:p>
+            <a:pPr marL="342900" indent="-342900">
+              <a:buFont typeface="Arial" panose="020B0604020202020204" pitchFamily="34" charset="0"/>
+              <a:buChar char="•"/>
+            </a:pPr>
+            <a:r>
+              <a:rPr lang="en-US" sz="2400" dirty="0">
+                <a:latin typeface="Arial" panose="020B0604020202020204" pitchFamily="34" charset="0"/>
+                <a:cs typeface="Arial" panose="020B0604020202020204" pitchFamily="34" charset="0"/>
+              </a:rPr>
+              <a:t>RealSense D455 captures depth and RGB data</a:t>
+            </a:r>
+          </a:p>
+          <a:p>
+            <a:pPr marL="342900" indent="-342900">
+              <a:buFont typeface="Arial" panose="020B0604020202020204" pitchFamily="34" charset="0"/>
+              <a:buChar char="•"/>
+            </a:pPr>
+            <a:r>
+              <a:rPr lang="en-US" sz="2400" dirty="0" err="1">
+                <a:latin typeface="Arial" panose="020B0604020202020204" pitchFamily="34" charset="0"/>
+                <a:cs typeface="Arial" panose="020B0604020202020204" pitchFamily="34" charset="0"/>
+              </a:rPr>
+              <a:t>Nuitrack</a:t>
+            </a:r>
+            <a:r>
+              <a:rPr lang="en-US" sz="2400" dirty="0">
+                <a:latin typeface="Arial" panose="020B0604020202020204" pitchFamily="34" charset="0"/>
+                <a:cs typeface="Arial" panose="020B0604020202020204" pitchFamily="34" charset="0"/>
+              </a:rPr>
+              <a:t> processes spatial information in real-time</a:t>
+            </a:r>
+          </a:p>
+          <a:p>
+            <a:pPr marL="342900" indent="-342900">
+              <a:buFont typeface="Arial" panose="020B0604020202020204" pitchFamily="34" charset="0"/>
+              <a:buChar char="•"/>
+            </a:pPr>
+            <a:r>
+              <a:rPr lang="en-US" sz="2400" dirty="0">
+                <a:latin typeface="Arial" panose="020B0604020202020204" pitchFamily="34" charset="0"/>
+                <a:cs typeface="Arial" panose="020B0604020202020204" pitchFamily="34" charset="0"/>
+              </a:rPr>
+              <a:t>Advanced human detection algorithms</a:t>
+            </a:r>
+          </a:p>
+        </p:txBody>
+      </p:sp>
+      <p:grpSp>
+        <p:nvGrpSpPr>
+          <p:cNvPr id="34" name="Group 33">
+            <a:extLst>
+              <a:ext uri="{FF2B5EF4-FFF2-40B4-BE49-F238E27FC236}">
+                <a16:creationId xmlns:a16="http://schemas.microsoft.com/office/drawing/2014/main" id="{DCAD2D15-47A4-32ED-0AE5-D699F33A3255}"/>
+              </a:ext>
+            </a:extLst>
+          </p:cNvPr>
+          <p:cNvGrpSpPr/>
+          <p:nvPr/>
+        </p:nvGrpSpPr>
+        <p:grpSpPr>
+          <a:xfrm>
+            <a:off x="21155064" y="18726677"/>
+            <a:ext cx="1828800" cy="1828800"/>
+            <a:chOff x="21155065" y="18745200"/>
+            <a:chExt cx="1822897" cy="1795714"/>
+          </a:xfrm>
+        </p:grpSpPr>
         <p:sp>
           <p:nvSpPr>
             <p:cNvPr id="51" name="Freeform 11">
@@ -6173,8 +5747,8 @@
           </p:nvSpPr>
           <p:spPr>
             <a:xfrm>
-              <a:off x="23111316" y="18726693"/>
-              <a:ext cx="1371600" cy="1371600"/>
+              <a:off x="21155065" y="18745200"/>
+              <a:ext cx="1822897" cy="1795714"/>
             </a:xfrm>
             <a:custGeom>
               <a:avLst/>
@@ -6259,8 +5833,8 @@
           </p:nvSpPr>
           <p:spPr>
             <a:xfrm>
-              <a:off x="23339916" y="18954837"/>
-              <a:ext cx="914400" cy="914400"/>
+              <a:off x="21458888" y="19043898"/>
+              <a:ext cx="1215264" cy="1197142"/>
             </a:xfrm>
             <a:custGeom>
               <a:avLst/>
@@ -6325,8 +5899,8 @@
           </p:nvSpPr>
           <p:spPr>
             <a:xfrm>
-              <a:off x="23647988" y="19071204"/>
-              <a:ext cx="317183" cy="685800"/>
+              <a:off x="21868302" y="19196258"/>
+              <a:ext cx="421545" cy="897858"/>
             </a:xfrm>
             <a:custGeom>
               <a:avLst/>
@@ -6356,10 +5930,10 @@
               </a:pathLst>
             </a:custGeom>
             <a:blipFill>
-              <a:blip r:embed="rId11">
+              <a:blip r:embed="rId8">
                 <a:extLst>
                   <a:ext uri="{96DAC541-7B7A-43D3-8B79-37D633B846F1}">
-                    <asvg:svgBlip xmlns:asvg="http://schemas.microsoft.com/office/drawing/2016/SVG/main" r:embed="rId12"/>
+                    <asvg:svgBlip xmlns:asvg="http://schemas.microsoft.com/office/drawing/2016/SVG/main" r:embed="rId9"/>
                   </a:ext>
                 </a:extLst>
               </a:blip>
@@ -6377,137 +5951,12 @@
           </p:txBody>
         </p:sp>
       </p:grpSp>
-      <p:pic>
-        <p:nvPicPr>
-          <p:cNvPr id="1056" name="Picture 5" descr="Intel Logo PNG Image - PurePNG | Free transparent CC0 PNG Image Library">
+      <p:grpSp>
+        <p:nvGrpSpPr>
+          <p:cNvPr id="1095" name="Group 20">
             <a:extLst>
               <a:ext uri="{FF2B5EF4-FFF2-40B4-BE49-F238E27FC236}">
-                <a16:creationId xmlns:a16="http://schemas.microsoft.com/office/drawing/2014/main" id="{FB50A7B5-0E5B-4888-F8A9-CEB6AF101335}"/>
-              </a:ext>
-            </a:extLst>
-          </p:cNvPr>
-          <p:cNvPicPr>
-            <a:picLocks noChangeAspect="1" noChangeArrowheads="1"/>
-          </p:cNvPicPr>
-          <p:nvPr/>
-        </p:nvPicPr>
-        <p:blipFill>
-          <a:blip r:embed="rId13">
-            <a:extLst>
-              <a:ext uri="{28A0092B-C50C-407E-A947-70E740481C1C}">
-                <a14:useLocalDpi xmlns:a14="http://schemas.microsoft.com/office/drawing/2010/main" val="0"/>
-              </a:ext>
-            </a:extLst>
-          </a:blip>
-          <a:srcRect/>
-          <a:stretch>
-            <a:fillRect/>
-          </a:stretch>
-        </p:blipFill>
-        <p:spPr bwMode="auto">
-          <a:xfrm>
-            <a:off x="26440719" y="18866870"/>
-            <a:ext cx="2743200" cy="1828800"/>
-          </a:xfrm>
-          <a:prstGeom prst="rect">
-            <a:avLst/>
-          </a:prstGeom>
-          <a:noFill/>
-          <a:effectLst>
-            <a:outerShdw blurRad="76200" dir="13500000" sy="23000" kx="1200000" algn="br" rotWithShape="0">
-              <a:prstClr val="black">
-                <a:alpha val="20000"/>
-              </a:prstClr>
-            </a:outerShdw>
-          </a:effectLst>
-          <a:extLst>
-            <a:ext uri="{909E8E84-426E-40DD-AFC4-6F175D3DCCD1}">
-              <a14:hiddenFill xmlns:a14="http://schemas.microsoft.com/office/drawing/2010/main">
-                <a:solidFill>
-                  <a:srgbClr val="FFFFFF"/>
-                </a:solidFill>
-              </a14:hiddenFill>
-            </a:ext>
-          </a:extLst>
-        </p:spPr>
-      </p:pic>
-      <p:sp>
-        <p:nvSpPr>
-          <p:cNvPr id="1059" name="Rectangle: Rounded Corners 1058">
-            <a:extLst>
-              <a:ext uri="{FF2B5EF4-FFF2-40B4-BE49-F238E27FC236}">
-                <a16:creationId xmlns:a16="http://schemas.microsoft.com/office/drawing/2014/main" id="{29F310F5-8E93-575B-457F-03A36EC5664E}"/>
-              </a:ext>
-            </a:extLst>
-          </p:cNvPr>
-          <p:cNvSpPr/>
-          <p:nvPr/>
-        </p:nvSpPr>
-        <p:spPr>
-          <a:xfrm>
-            <a:off x="25411894" y="22782329"/>
-            <a:ext cx="6441711" cy="4402927"/>
-          </a:xfrm>
-          <a:prstGeom prst="roundRect">
-            <a:avLst>
-              <a:gd name="adj" fmla="val 3110"/>
-            </a:avLst>
-          </a:prstGeom>
-          <a:solidFill>
-            <a:schemeClr val="bg1"/>
-          </a:solidFill>
-        </p:spPr>
-        <p:style>
-          <a:lnRef idx="2">
-            <a:schemeClr val="accent1">
-              <a:shade val="15000"/>
-            </a:schemeClr>
-          </a:lnRef>
-          <a:fillRef idx="1">
-            <a:schemeClr val="accent1"/>
-          </a:fillRef>
-          <a:effectRef idx="0">
-            <a:schemeClr val="accent1"/>
-          </a:effectRef>
-          <a:fontRef idx="minor">
-            <a:schemeClr val="lt1"/>
-          </a:fontRef>
-        </p:style>
-        <p:txBody>
-          <a:bodyPr lIns="365760" tIns="45720" rIns="365760" rtlCol="0" anchor="ctr" anchorCtr="0"/>
-          <a:lstStyle/>
-          <a:p>
-            <a:r>
-              <a:rPr lang="en-US" sz="4000" b="1" dirty="0">
-                <a:solidFill>
-                  <a:schemeClr val="tx1"/>
-                </a:solidFill>
-                <a:latin typeface="Arial" panose="020B0604020202020204" pitchFamily="34" charset="0"/>
-                <a:cs typeface="Arial" panose="020B0604020202020204" pitchFamily="34" charset="0"/>
-              </a:rPr>
-              <a:t>What’s this?</a:t>
-            </a:r>
-          </a:p>
-          <a:p>
-            <a:r>
-              <a:rPr lang="en-US" sz="2400" dirty="0">
-                <a:solidFill>
-                  <a:schemeClr val="tx1"/>
-                </a:solidFill>
-                <a:latin typeface="Arial" panose="020B0604020202020204" pitchFamily="34" charset="0"/>
-                <a:cs typeface="Arial" panose="020B0604020202020204" pitchFamily="34" charset="0"/>
-              </a:rPr>
-              <a:t>The data flow represents a continuous learning cycle where real-world interactions are processed, virtualized, and optimized in real-time. The system is designed to prioritize safety and collaboration between the robot and human. Depending on the proximity of the human from the robot, the robot will either slow down or change its path to avoid collision. </a:t>
-            </a:r>
-          </a:p>
-        </p:txBody>
-      </p:sp>
-      <p:grpSp>
-        <p:nvGrpSpPr>
-          <p:cNvPr id="40" name="Group 39">
-            <a:extLst>
-              <a:ext uri="{FF2B5EF4-FFF2-40B4-BE49-F238E27FC236}">
-                <a16:creationId xmlns:a16="http://schemas.microsoft.com/office/drawing/2014/main" id="{8ACE42E2-6FA2-5EAD-2282-8494A214E11C}"/>
+                <a16:creationId xmlns:a16="http://schemas.microsoft.com/office/drawing/2014/main" id="{0C3E450D-F116-C857-2B6D-797AF6400194}"/>
               </a:ext>
             </a:extLst>
           </p:cNvPr>
@@ -6516,18 +5965,18 @@
         </p:nvGrpSpPr>
         <p:grpSpPr>
           <a:xfrm>
-            <a:off x="32757127" y="5486400"/>
-            <a:ext cx="10515600" cy="11887199"/>
-            <a:chOff x="32517973" y="5896998"/>
-            <a:chExt cx="10515600" cy="11887199"/>
+            <a:off x="40837237" y="14017741"/>
+            <a:ext cx="881712" cy="881712"/>
+            <a:chOff x="0" y="0"/>
+            <a:chExt cx="812800" cy="812800"/>
           </a:xfrm>
         </p:grpSpPr>
         <p:sp>
           <p:nvSpPr>
-            <p:cNvPr id="5" name="Rectangle: Rounded Corners 4">
+            <p:cNvPr id="1096" name="Freeform 21">
               <a:extLst>
                 <a:ext uri="{FF2B5EF4-FFF2-40B4-BE49-F238E27FC236}">
-                  <a16:creationId xmlns:a16="http://schemas.microsoft.com/office/drawing/2014/main" id="{224A34DF-D840-6C7D-4934-4D1116FA0ED4}"/>
+                  <a16:creationId xmlns:a16="http://schemas.microsoft.com/office/drawing/2014/main" id="{6E579646-EA48-C68D-AFFA-E782624F5651}"/>
                 </a:ext>
               </a:extLst>
             </p:cNvPr>
@@ -6536,96 +5985,47 @@
           </p:nvSpPr>
           <p:spPr>
             <a:xfrm>
-              <a:off x="32517973" y="5896998"/>
-              <a:ext cx="10515600" cy="11887199"/>
+              <a:off x="0" y="0"/>
+              <a:ext cx="812800" cy="812800"/>
             </a:xfrm>
-            <a:prstGeom prst="roundRect">
-              <a:avLst>
-                <a:gd name="adj" fmla="val 1892"/>
-              </a:avLst>
-            </a:prstGeom>
+            <a:custGeom>
+              <a:avLst/>
+              <a:gdLst/>
+              <a:ahLst/>
+              <a:cxnLst/>
+              <a:rect l="l" t="t" r="r" b="b"/>
+              <a:pathLst>
+                <a:path w="812800" h="812800">
+                  <a:moveTo>
+                    <a:pt x="406400" y="0"/>
+                  </a:moveTo>
+                  <a:cubicBezTo>
+                    <a:pt x="181951" y="0"/>
+                    <a:pt x="0" y="181951"/>
+                    <a:pt x="0" y="406400"/>
+                  </a:cubicBezTo>
+                  <a:cubicBezTo>
+                    <a:pt x="0" y="630849"/>
+                    <a:pt x="181951" y="812800"/>
+                    <a:pt x="406400" y="812800"/>
+                  </a:cubicBezTo>
+                  <a:cubicBezTo>
+                    <a:pt x="630849" y="812800"/>
+                    <a:pt x="812800" y="630849"/>
+                    <a:pt x="812800" y="406400"/>
+                  </a:cubicBezTo>
+                  <a:cubicBezTo>
+                    <a:pt x="812800" y="181951"/>
+                    <a:pt x="630849" y="0"/>
+                    <a:pt x="406400" y="0"/>
+                  </a:cubicBezTo>
+                  <a:close/>
+                </a:path>
+              </a:pathLst>
+            </a:custGeom>
             <a:solidFill>
-              <a:schemeClr val="bg1"/>
+              <a:srgbClr val="FFFFFF"/>
             </a:solidFill>
-            <a:effectLst/>
-          </p:spPr>
-          <p:style>
-            <a:lnRef idx="2">
-              <a:schemeClr val="accent1">
-                <a:shade val="15000"/>
-              </a:schemeClr>
-            </a:lnRef>
-            <a:fillRef idx="1">
-              <a:schemeClr val="accent1"/>
-            </a:fillRef>
-            <a:effectRef idx="0">
-              <a:schemeClr val="accent1"/>
-            </a:effectRef>
-            <a:fontRef idx="minor">
-              <a:schemeClr val="lt1"/>
-            </a:fontRef>
-          </p:style>
-          <p:txBody>
-            <a:bodyPr lIns="457200" tIns="457200" rIns="457200" bIns="457200" rtlCol="0" anchor="t" anchorCtr="0"/>
-            <a:lstStyle/>
-            <a:p>
-              <a:r>
-                <a:rPr lang="en-US" sz="4800" b="1" dirty="0">
-                  <a:solidFill>
-                    <a:schemeClr val="tx1"/>
-                  </a:solidFill>
-                  <a:latin typeface="Arial" panose="020B0604020202020204" pitchFamily="34" charset="0"/>
-                  <a:cs typeface="Arial" panose="020B0604020202020204" pitchFamily="34" charset="0"/>
-                </a:rPr>
-                <a:t>Project Timeline</a:t>
-              </a:r>
-              <a:endParaRPr lang="en-US" sz="3200" dirty="0">
-                <a:solidFill>
-                  <a:schemeClr val="tx1"/>
-                </a:solidFill>
-                <a:latin typeface="Arial" panose="020B0604020202020204" pitchFamily="34" charset="0"/>
-                <a:cs typeface="Arial" panose="020B0604020202020204" pitchFamily="34" charset="0"/>
-              </a:endParaRPr>
-            </a:p>
-            <a:p>
-              <a:endParaRPr lang="en-US" sz="3400" baseline="-25000" dirty="0">
-                <a:solidFill>
-                  <a:schemeClr val="tx1"/>
-                </a:solidFill>
-                <a:latin typeface="Arial" panose="020B0604020202020204" pitchFamily="34" charset="0"/>
-                <a:cs typeface="Arial" panose="020B0604020202020204" pitchFamily="34" charset="0"/>
-              </a:endParaRPr>
-            </a:p>
-          </p:txBody>
-        </p:sp>
-        <p:sp>
-          <p:nvSpPr>
-            <p:cNvPr id="1089" name="AutoShape 11">
-              <a:extLst>
-                <a:ext uri="{FF2B5EF4-FFF2-40B4-BE49-F238E27FC236}">
-                  <a16:creationId xmlns:a16="http://schemas.microsoft.com/office/drawing/2014/main" id="{311AAC55-DDEF-E74A-F93F-37381AB5C55C}"/>
-                </a:ext>
-              </a:extLst>
-            </p:cNvPr>
-            <p:cNvSpPr/>
-            <p:nvPr/>
-          </p:nvSpPr>
-          <p:spPr>
-            <a:xfrm flipH="1">
-              <a:off x="38014457" y="16904492"/>
-              <a:ext cx="1184081" cy="0"/>
-            </a:xfrm>
-            <a:prstGeom prst="line">
-              <a:avLst/>
-            </a:prstGeom>
-            <a:ln w="47625" cap="rnd">
-              <a:solidFill>
-                <a:srgbClr val="000000"/>
-              </a:solidFill>
-              <a:prstDash val="solid"/>
-              <a:headEnd type="none" w="sm" len="sm"/>
-              <a:tailEnd type="none" w="sm" len="sm"/>
-            </a:ln>
           </p:spPr>
           <p:txBody>
             <a:bodyPr/>
@@ -6637,2014 +6037,10 @@
         </p:sp>
         <p:sp>
           <p:nvSpPr>
-            <p:cNvPr id="1088" name="AutoShape 10">
+            <p:cNvPr id="1097" name="TextBox 22">
               <a:extLst>
                 <a:ext uri="{FF2B5EF4-FFF2-40B4-BE49-F238E27FC236}">
-                  <a16:creationId xmlns:a16="http://schemas.microsoft.com/office/drawing/2014/main" id="{5DC56815-FCA1-9C2B-4EEC-80BC4F8C1CCA}"/>
-                </a:ext>
-              </a:extLst>
-            </p:cNvPr>
-            <p:cNvSpPr/>
-            <p:nvPr/>
-          </p:nvSpPr>
-          <p:spPr>
-            <a:xfrm flipH="1">
-              <a:off x="36147775" y="12532648"/>
-              <a:ext cx="1184081" cy="0"/>
-            </a:xfrm>
-            <a:prstGeom prst="line">
-              <a:avLst/>
-            </a:prstGeom>
-            <a:ln w="47625" cap="rnd">
-              <a:solidFill>
-                <a:srgbClr val="000000"/>
-              </a:solidFill>
-              <a:prstDash val="solid"/>
-              <a:headEnd type="none" w="sm" len="sm"/>
-              <a:tailEnd type="none" w="sm" len="sm"/>
-            </a:ln>
-          </p:spPr>
-          <p:txBody>
-            <a:bodyPr/>
-            <a:lstStyle/>
-            <a:p>
-              <a:endParaRPr lang="en-US"/>
-            </a:p>
-          </p:txBody>
-        </p:sp>
-        <p:sp>
-          <p:nvSpPr>
-            <p:cNvPr id="1080" name="AutoShape 2">
-              <a:extLst>
-                <a:ext uri="{FF2B5EF4-FFF2-40B4-BE49-F238E27FC236}">
-                  <a16:creationId xmlns:a16="http://schemas.microsoft.com/office/drawing/2014/main" id="{ACE5DB8B-A016-2B5B-AEAD-B156429B1238}"/>
-                </a:ext>
-              </a:extLst>
-            </p:cNvPr>
-            <p:cNvSpPr/>
-            <p:nvPr/>
-          </p:nvSpPr>
-          <p:spPr>
-            <a:xfrm rot="10800000">
-              <a:off x="37688615" y="7988558"/>
-              <a:ext cx="1184081" cy="0"/>
-            </a:xfrm>
-            <a:prstGeom prst="line">
-              <a:avLst/>
-            </a:prstGeom>
-            <a:ln w="47625" cap="rnd">
-              <a:solidFill>
-                <a:srgbClr val="000000"/>
-              </a:solidFill>
-              <a:prstDash val="solid"/>
-              <a:headEnd type="none" w="sm" len="sm"/>
-              <a:tailEnd type="none" w="sm" len="sm"/>
-            </a:ln>
-          </p:spPr>
-          <p:txBody>
-            <a:bodyPr/>
-            <a:lstStyle/>
-            <a:p>
-              <a:endParaRPr lang="en-US"/>
-            </a:p>
-          </p:txBody>
-        </p:sp>
-        <p:sp>
-          <p:nvSpPr>
-            <p:cNvPr id="1081" name="AutoShape 3">
-              <a:extLst>
-                <a:ext uri="{FF2B5EF4-FFF2-40B4-BE49-F238E27FC236}">
-                  <a16:creationId xmlns:a16="http://schemas.microsoft.com/office/drawing/2014/main" id="{2DD0C9A3-936A-89EE-39EB-59C302720CD6}"/>
-                </a:ext>
-              </a:extLst>
-            </p:cNvPr>
-            <p:cNvSpPr/>
-            <p:nvPr/>
-          </p:nvSpPr>
-          <p:spPr>
-            <a:xfrm rot="16200000">
-              <a:off x="33139518" y="12511635"/>
-              <a:ext cx="9124853" cy="0"/>
-            </a:xfrm>
-            <a:prstGeom prst="line">
-              <a:avLst/>
-            </a:prstGeom>
-            <a:ln w="47625" cap="rnd">
-              <a:solidFill>
-                <a:srgbClr val="000000"/>
-              </a:solidFill>
-              <a:prstDash val="solid"/>
-              <a:headEnd type="none" w="sm" len="sm"/>
-              <a:tailEnd type="none" w="sm" len="sm"/>
-            </a:ln>
-          </p:spPr>
-          <p:txBody>
-            <a:bodyPr/>
-            <a:lstStyle/>
-            <a:p>
-              <a:endParaRPr lang="en-US"/>
-            </a:p>
-          </p:txBody>
-        </p:sp>
-        <p:grpSp>
-          <p:nvGrpSpPr>
-            <p:cNvPr id="1082" name="Group 4">
-              <a:extLst>
-                <a:ext uri="{FF2B5EF4-FFF2-40B4-BE49-F238E27FC236}">
-                  <a16:creationId xmlns:a16="http://schemas.microsoft.com/office/drawing/2014/main" id="{B65BBCCA-6EBA-9CB8-C36B-2413C56A7A57}"/>
-                </a:ext>
-              </a:extLst>
-            </p:cNvPr>
-            <p:cNvGrpSpPr/>
-            <p:nvPr/>
-          </p:nvGrpSpPr>
-          <p:grpSpPr>
-            <a:xfrm>
-              <a:off x="37331856" y="7617324"/>
-              <a:ext cx="742468" cy="742468"/>
-              <a:chOff x="0" y="0"/>
-              <a:chExt cx="6350000" cy="6350000"/>
-            </a:xfrm>
-          </p:grpSpPr>
-          <p:sp>
-            <p:nvSpPr>
-              <p:cNvPr id="1083" name="Freeform 5">
-                <a:extLst>
-                  <a:ext uri="{FF2B5EF4-FFF2-40B4-BE49-F238E27FC236}">
-                    <a16:creationId xmlns:a16="http://schemas.microsoft.com/office/drawing/2014/main" id="{2179D4A8-B712-4FEE-A322-370990A9AECE}"/>
-                  </a:ext>
-                </a:extLst>
-              </p:cNvPr>
-              <p:cNvSpPr/>
-              <p:nvPr/>
-            </p:nvSpPr>
-            <p:spPr>
-              <a:xfrm>
-                <a:off x="0" y="0"/>
-                <a:ext cx="6350000" cy="6350000"/>
-              </a:xfrm>
-              <a:custGeom>
-                <a:avLst/>
-                <a:gdLst/>
-                <a:ahLst/>
-                <a:cxnLst/>
-                <a:rect l="l" t="t" r="r" b="b"/>
-                <a:pathLst>
-                  <a:path w="6350000" h="6350000">
-                    <a:moveTo>
-                      <a:pt x="3175000" y="0"/>
-                    </a:moveTo>
-                    <a:cubicBezTo>
-                      <a:pt x="1421496" y="0"/>
-                      <a:pt x="0" y="1421496"/>
-                      <a:pt x="0" y="3175000"/>
-                    </a:cubicBezTo>
-                    <a:cubicBezTo>
-                      <a:pt x="0" y="4928504"/>
-                      <a:pt x="1421496" y="6350000"/>
-                      <a:pt x="3175000" y="6350000"/>
-                    </a:cubicBezTo>
-                    <a:cubicBezTo>
-                      <a:pt x="4928504" y="6350000"/>
-                      <a:pt x="6350000" y="4928504"/>
-                      <a:pt x="6350000" y="3175000"/>
-                    </a:cubicBezTo>
-                    <a:cubicBezTo>
-                      <a:pt x="6350000" y="1421496"/>
-                      <a:pt x="4928504" y="0"/>
-                      <a:pt x="3175000" y="0"/>
-                    </a:cubicBezTo>
-                    <a:close/>
-                  </a:path>
-                </a:pathLst>
-              </a:custGeom>
-              <a:solidFill>
-                <a:srgbClr val="B2D3A3"/>
-              </a:solidFill>
-            </p:spPr>
-            <p:txBody>
-              <a:bodyPr anchor="ctr" anchorCtr="0"/>
-              <a:lstStyle/>
-              <a:p>
-                <a:pPr algn="ctr"/>
-                <a:r>
-                  <a:rPr lang="en-US" sz="3600" b="1" dirty="0">
-                    <a:solidFill>
-                      <a:schemeClr val="bg1"/>
-                    </a:solidFill>
-                    <a:latin typeface="Arial" panose="020B0604020202020204" pitchFamily="34" charset="0"/>
-                    <a:cs typeface="Arial" panose="020B0604020202020204" pitchFamily="34" charset="0"/>
-                  </a:rPr>
-                  <a:t>1</a:t>
-                </a:r>
-              </a:p>
-            </p:txBody>
-          </p:sp>
-        </p:grpSp>
-        <p:grpSp>
-          <p:nvGrpSpPr>
-            <p:cNvPr id="1084" name="Group 6">
-              <a:extLst>
-                <a:ext uri="{FF2B5EF4-FFF2-40B4-BE49-F238E27FC236}">
-                  <a16:creationId xmlns:a16="http://schemas.microsoft.com/office/drawing/2014/main" id="{6BEAAC44-E240-57C9-5AA9-EEDE3A3C0D90}"/>
-                </a:ext>
-              </a:extLst>
-            </p:cNvPr>
-            <p:cNvGrpSpPr/>
-            <p:nvPr/>
-          </p:nvGrpSpPr>
-          <p:grpSpPr>
-            <a:xfrm>
-              <a:off x="37339093" y="16539095"/>
-              <a:ext cx="742468" cy="742468"/>
-              <a:chOff x="0" y="0"/>
-              <a:chExt cx="6350000" cy="6350000"/>
-            </a:xfrm>
-          </p:grpSpPr>
-          <p:sp>
-            <p:nvSpPr>
-              <p:cNvPr id="1085" name="Freeform 7">
-                <a:extLst>
-                  <a:ext uri="{FF2B5EF4-FFF2-40B4-BE49-F238E27FC236}">
-                    <a16:creationId xmlns:a16="http://schemas.microsoft.com/office/drawing/2014/main" id="{D3B7674D-8408-8367-BDFB-360AF4BC7F95}"/>
-                  </a:ext>
-                </a:extLst>
-              </p:cNvPr>
-              <p:cNvSpPr/>
-              <p:nvPr/>
-            </p:nvSpPr>
-            <p:spPr>
-              <a:xfrm>
-                <a:off x="0" y="0"/>
-                <a:ext cx="6350000" cy="6350000"/>
-              </a:xfrm>
-              <a:custGeom>
-                <a:avLst/>
-                <a:gdLst/>
-                <a:ahLst/>
-                <a:cxnLst/>
-                <a:rect l="l" t="t" r="r" b="b"/>
-                <a:pathLst>
-                  <a:path w="6350000" h="6350000">
-                    <a:moveTo>
-                      <a:pt x="3175000" y="0"/>
-                    </a:moveTo>
-                    <a:cubicBezTo>
-                      <a:pt x="1421496" y="0"/>
-                      <a:pt x="0" y="1421496"/>
-                      <a:pt x="0" y="3175000"/>
-                    </a:cubicBezTo>
-                    <a:cubicBezTo>
-                      <a:pt x="0" y="4928504"/>
-                      <a:pt x="1421496" y="6350000"/>
-                      <a:pt x="3175000" y="6350000"/>
-                    </a:cubicBezTo>
-                    <a:cubicBezTo>
-                      <a:pt x="4928504" y="6350000"/>
-                      <a:pt x="6350000" y="4928504"/>
-                      <a:pt x="6350000" y="3175000"/>
-                    </a:cubicBezTo>
-                    <a:cubicBezTo>
-                      <a:pt x="6350000" y="1421496"/>
-                      <a:pt x="4928504" y="0"/>
-                      <a:pt x="3175000" y="0"/>
-                    </a:cubicBezTo>
-                    <a:close/>
-                  </a:path>
-                </a:pathLst>
-              </a:custGeom>
-              <a:solidFill>
-                <a:srgbClr val="A7DEC1"/>
-              </a:solidFill>
-            </p:spPr>
-            <p:txBody>
-              <a:bodyPr anchor="ctr" anchorCtr="0"/>
-              <a:lstStyle/>
-              <a:p>
-                <a:pPr algn="ctr"/>
-                <a:r>
-                  <a:rPr lang="en-US" sz="3600" b="1" dirty="0">
-                    <a:solidFill>
-                      <a:schemeClr val="bg1"/>
-                    </a:solidFill>
-                    <a:latin typeface="Arial" panose="020B0604020202020204" pitchFamily="34" charset="0"/>
-                    <a:cs typeface="Arial" panose="020B0604020202020204" pitchFamily="34" charset="0"/>
-                  </a:rPr>
-                  <a:t>3</a:t>
-                </a:r>
-              </a:p>
-            </p:txBody>
-          </p:sp>
-        </p:grpSp>
-        <p:grpSp>
-          <p:nvGrpSpPr>
-            <p:cNvPr id="1086" name="Group 8">
-              <a:extLst>
-                <a:ext uri="{FF2B5EF4-FFF2-40B4-BE49-F238E27FC236}">
-                  <a16:creationId xmlns:a16="http://schemas.microsoft.com/office/drawing/2014/main" id="{3C65B22F-0106-F51E-FE52-BE0BC2D1548B}"/>
-                </a:ext>
-              </a:extLst>
-            </p:cNvPr>
-            <p:cNvGrpSpPr/>
-            <p:nvPr/>
-          </p:nvGrpSpPr>
-          <p:grpSpPr>
-            <a:xfrm>
-              <a:off x="37331856" y="12168890"/>
-              <a:ext cx="742468" cy="742468"/>
-              <a:chOff x="-656289" y="-312758"/>
-              <a:chExt cx="6350000" cy="6350000"/>
-            </a:xfrm>
-          </p:grpSpPr>
-          <p:sp>
-            <p:nvSpPr>
-              <p:cNvPr id="1087" name="Freeform 9">
-                <a:extLst>
-                  <a:ext uri="{FF2B5EF4-FFF2-40B4-BE49-F238E27FC236}">
-                    <a16:creationId xmlns:a16="http://schemas.microsoft.com/office/drawing/2014/main" id="{D6D13C33-C3C6-44BC-B8B8-B1C612EB5171}"/>
-                  </a:ext>
-                </a:extLst>
-              </p:cNvPr>
-              <p:cNvSpPr/>
-              <p:nvPr/>
-            </p:nvSpPr>
-            <p:spPr>
-              <a:xfrm>
-                <a:off x="-656289" y="-312758"/>
-                <a:ext cx="6350000" cy="6350000"/>
-              </a:xfrm>
-              <a:custGeom>
-                <a:avLst/>
-                <a:gdLst/>
-                <a:ahLst/>
-                <a:cxnLst/>
-                <a:rect l="l" t="t" r="r" b="b"/>
-                <a:pathLst>
-                  <a:path w="6350000" h="6350000">
-                    <a:moveTo>
-                      <a:pt x="3175000" y="0"/>
-                    </a:moveTo>
-                    <a:cubicBezTo>
-                      <a:pt x="1421496" y="0"/>
-                      <a:pt x="0" y="1421496"/>
-                      <a:pt x="0" y="3175000"/>
-                    </a:cubicBezTo>
-                    <a:cubicBezTo>
-                      <a:pt x="0" y="4928504"/>
-                      <a:pt x="1421496" y="6350000"/>
-                      <a:pt x="3175000" y="6350000"/>
-                    </a:cubicBezTo>
-                    <a:cubicBezTo>
-                      <a:pt x="4928504" y="6350000"/>
-                      <a:pt x="6350000" y="4928504"/>
-                      <a:pt x="6350000" y="3175000"/>
-                    </a:cubicBezTo>
-                    <a:cubicBezTo>
-                      <a:pt x="6350000" y="1421496"/>
-                      <a:pt x="4928504" y="0"/>
-                      <a:pt x="3175000" y="0"/>
-                    </a:cubicBezTo>
-                    <a:close/>
-                  </a:path>
-                </a:pathLst>
-              </a:custGeom>
-              <a:solidFill>
-                <a:srgbClr val="AAC6E7"/>
-              </a:solidFill>
-            </p:spPr>
-            <p:txBody>
-              <a:bodyPr anchor="ctr" anchorCtr="0"/>
-              <a:lstStyle/>
-              <a:p>
-                <a:pPr algn="ctr"/>
-                <a:r>
-                  <a:rPr lang="en-US" sz="3600" b="1" dirty="0">
-                    <a:solidFill>
-                      <a:schemeClr val="bg1"/>
-                    </a:solidFill>
-                    <a:latin typeface="Arial" panose="020B0604020202020204" pitchFamily="34" charset="0"/>
-                    <a:cs typeface="Arial" panose="020B0604020202020204" pitchFamily="34" charset="0"/>
-                  </a:rPr>
-                  <a:t>2</a:t>
-                </a:r>
-              </a:p>
-            </p:txBody>
-          </p:sp>
-        </p:grpSp>
-        <p:grpSp>
-          <p:nvGrpSpPr>
-            <p:cNvPr id="1095" name="Group 20">
-              <a:extLst>
-                <a:ext uri="{FF2B5EF4-FFF2-40B4-BE49-F238E27FC236}">
-                  <a16:creationId xmlns:a16="http://schemas.microsoft.com/office/drawing/2014/main" id="{0C3E450D-F116-C857-2B6D-797AF6400194}"/>
-                </a:ext>
-              </a:extLst>
-            </p:cNvPr>
-            <p:cNvGrpSpPr/>
-            <p:nvPr/>
-          </p:nvGrpSpPr>
-          <p:grpSpPr>
-            <a:xfrm>
-              <a:off x="40598083" y="14428339"/>
-              <a:ext cx="881712" cy="881712"/>
-              <a:chOff x="0" y="0"/>
-              <a:chExt cx="812800" cy="812800"/>
-            </a:xfrm>
-          </p:grpSpPr>
-          <p:sp>
-            <p:nvSpPr>
-              <p:cNvPr id="1096" name="Freeform 21">
-                <a:extLst>
-                  <a:ext uri="{FF2B5EF4-FFF2-40B4-BE49-F238E27FC236}">
-                    <a16:creationId xmlns:a16="http://schemas.microsoft.com/office/drawing/2014/main" id="{6E579646-EA48-C68D-AFFA-E782624F5651}"/>
-                  </a:ext>
-                </a:extLst>
-              </p:cNvPr>
-              <p:cNvSpPr/>
-              <p:nvPr/>
-            </p:nvSpPr>
-            <p:spPr>
-              <a:xfrm>
-                <a:off x="0" y="0"/>
-                <a:ext cx="812800" cy="812800"/>
-              </a:xfrm>
-              <a:custGeom>
-                <a:avLst/>
-                <a:gdLst/>
-                <a:ahLst/>
-                <a:cxnLst/>
-                <a:rect l="l" t="t" r="r" b="b"/>
-                <a:pathLst>
-                  <a:path w="812800" h="812800">
-                    <a:moveTo>
-                      <a:pt x="406400" y="0"/>
-                    </a:moveTo>
-                    <a:cubicBezTo>
-                      <a:pt x="181951" y="0"/>
-                      <a:pt x="0" y="181951"/>
-                      <a:pt x="0" y="406400"/>
-                    </a:cubicBezTo>
-                    <a:cubicBezTo>
-                      <a:pt x="0" y="630849"/>
-                      <a:pt x="181951" y="812800"/>
-                      <a:pt x="406400" y="812800"/>
-                    </a:cubicBezTo>
-                    <a:cubicBezTo>
-                      <a:pt x="630849" y="812800"/>
-                      <a:pt x="812800" y="630849"/>
-                      <a:pt x="812800" y="406400"/>
-                    </a:cubicBezTo>
-                    <a:cubicBezTo>
-                      <a:pt x="812800" y="181951"/>
-                      <a:pt x="630849" y="0"/>
-                      <a:pt x="406400" y="0"/>
-                    </a:cubicBezTo>
-                    <a:close/>
-                  </a:path>
-                </a:pathLst>
-              </a:custGeom>
-              <a:solidFill>
-                <a:srgbClr val="FFFFFF"/>
-              </a:solidFill>
-            </p:spPr>
-            <p:txBody>
-              <a:bodyPr/>
-              <a:lstStyle/>
-              <a:p>
-                <a:endParaRPr lang="en-US"/>
-              </a:p>
-            </p:txBody>
-          </p:sp>
-          <p:sp>
-            <p:nvSpPr>
-              <p:cNvPr id="1097" name="TextBox 22">
-                <a:extLst>
-                  <a:ext uri="{FF2B5EF4-FFF2-40B4-BE49-F238E27FC236}">
-                    <a16:creationId xmlns:a16="http://schemas.microsoft.com/office/drawing/2014/main" id="{D51B4E40-D8C6-BD2B-C0C3-BDC1BB424588}"/>
-                  </a:ext>
-                </a:extLst>
-              </p:cNvPr>
-              <p:cNvSpPr txBox="1"/>
-              <p:nvPr/>
-            </p:nvSpPr>
-            <p:spPr>
-              <a:xfrm>
-                <a:off x="76200" y="19050"/>
-                <a:ext cx="660400" cy="717550"/>
-              </a:xfrm>
-              <a:prstGeom prst="rect">
-                <a:avLst/>
-              </a:prstGeom>
-            </p:spPr>
-            <p:txBody>
-              <a:bodyPr lIns="50800" tIns="50800" rIns="50800" bIns="50800" rtlCol="0" anchor="ctr"/>
-              <a:lstStyle/>
-              <a:p>
-                <a:pPr algn="ctr">
-                  <a:lnSpc>
-                    <a:spcPts val="3453"/>
-                  </a:lnSpc>
-                </a:pPr>
-                <a:endParaRPr/>
-              </a:p>
-            </p:txBody>
-          </p:sp>
-        </p:grpSp>
-        <p:grpSp>
-          <p:nvGrpSpPr>
-            <p:cNvPr id="1131" name="Group 1130">
-              <a:extLst>
-                <a:ext uri="{FF2B5EF4-FFF2-40B4-BE49-F238E27FC236}">
-                  <a16:creationId xmlns:a16="http://schemas.microsoft.com/office/drawing/2014/main" id="{4AE8E2E2-D114-53AE-D3AE-3544E7848666}"/>
-                </a:ext>
-              </a:extLst>
-            </p:cNvPr>
-            <p:cNvGrpSpPr/>
-            <p:nvPr/>
-          </p:nvGrpSpPr>
-          <p:grpSpPr>
-            <a:xfrm>
-              <a:off x="38776752" y="6576162"/>
-              <a:ext cx="3990079" cy="4508568"/>
-              <a:chOff x="38953862" y="6522379"/>
-              <a:chExt cx="3990079" cy="4508568"/>
-            </a:xfrm>
-          </p:grpSpPr>
-          <p:grpSp>
-            <p:nvGrpSpPr>
-              <p:cNvPr id="1102" name="Group 24">
-                <a:extLst>
-                  <a:ext uri="{FF2B5EF4-FFF2-40B4-BE49-F238E27FC236}">
-                    <a16:creationId xmlns:a16="http://schemas.microsoft.com/office/drawing/2014/main" id="{060F863B-6D69-AC2F-25B2-970C0B7BBA44}"/>
-                  </a:ext>
-                </a:extLst>
-              </p:cNvPr>
-              <p:cNvGrpSpPr/>
-              <p:nvPr/>
-            </p:nvGrpSpPr>
-            <p:grpSpPr>
-              <a:xfrm>
-                <a:off x="38953862" y="7419190"/>
-                <a:ext cx="3990079" cy="3611757"/>
-                <a:chOff x="0" y="0"/>
-                <a:chExt cx="1262686" cy="1142963"/>
-              </a:xfrm>
-            </p:grpSpPr>
-            <p:sp>
-              <p:nvSpPr>
-                <p:cNvPr id="1111" name="Freeform 25">
-                  <a:extLst>
-                    <a:ext uri="{FF2B5EF4-FFF2-40B4-BE49-F238E27FC236}">
-                      <a16:creationId xmlns:a16="http://schemas.microsoft.com/office/drawing/2014/main" id="{5FE9B95A-AC67-2174-F268-BF1C9F4D9D5A}"/>
-                    </a:ext>
-                  </a:extLst>
-                </p:cNvPr>
-                <p:cNvSpPr/>
-                <p:nvPr/>
-              </p:nvSpPr>
-              <p:spPr>
-                <a:xfrm>
-                  <a:off x="0" y="0"/>
-                  <a:ext cx="1262686" cy="1142963"/>
-                </a:xfrm>
-                <a:custGeom>
-                  <a:avLst/>
-                  <a:gdLst/>
-                  <a:ahLst/>
-                  <a:cxnLst/>
-                  <a:rect l="l" t="t" r="r" b="b"/>
-                  <a:pathLst>
-                    <a:path w="1262686" h="1142963">
-                      <a:moveTo>
-                        <a:pt x="1138226" y="1142963"/>
-                      </a:moveTo>
-                      <a:lnTo>
-                        <a:pt x="124460" y="1142963"/>
-                      </a:lnTo>
-                      <a:cubicBezTo>
-                        <a:pt x="55880" y="1142963"/>
-                        <a:pt x="0" y="1087083"/>
-                        <a:pt x="0" y="1018503"/>
-                      </a:cubicBezTo>
-                      <a:lnTo>
-                        <a:pt x="0" y="124460"/>
-                      </a:lnTo>
-                      <a:cubicBezTo>
-                        <a:pt x="0" y="55880"/>
-                        <a:pt x="55880" y="0"/>
-                        <a:pt x="124460" y="0"/>
-                      </a:cubicBezTo>
-                      <a:lnTo>
-                        <a:pt x="1138226" y="0"/>
-                      </a:lnTo>
-                      <a:cubicBezTo>
-                        <a:pt x="1206806" y="0"/>
-                        <a:pt x="1262686" y="55880"/>
-                        <a:pt x="1262686" y="124460"/>
-                      </a:cubicBezTo>
-                      <a:lnTo>
-                        <a:pt x="1262686" y="1018503"/>
-                      </a:lnTo>
-                      <a:cubicBezTo>
-                        <a:pt x="1262686" y="1087083"/>
-                        <a:pt x="1206806" y="1142963"/>
-                        <a:pt x="1138226" y="1142963"/>
-                      </a:cubicBezTo>
-                      <a:close/>
-                    </a:path>
-                  </a:pathLst>
-                </a:custGeom>
-                <a:solidFill>
-                  <a:srgbClr val="B2D3A3"/>
-                </a:solidFill>
-                <a:ln>
-                  <a:solidFill>
-                    <a:schemeClr val="accent1">
-                      <a:shade val="15000"/>
-                    </a:schemeClr>
-                  </a:solidFill>
-                </a:ln>
-              </p:spPr>
-              <p:txBody>
-                <a:bodyPr/>
-                <a:lstStyle/>
-                <a:p>
-                  <a:endParaRPr lang="en-US" dirty="0"/>
-                </a:p>
-              </p:txBody>
-            </p:sp>
-          </p:grpSp>
-          <p:grpSp>
-            <p:nvGrpSpPr>
-              <p:cNvPr id="1103" name="Group 26">
-                <a:extLst>
-                  <a:ext uri="{FF2B5EF4-FFF2-40B4-BE49-F238E27FC236}">
-                    <a16:creationId xmlns:a16="http://schemas.microsoft.com/office/drawing/2014/main" id="{B4F634BC-249C-373C-552A-1D409AFCCA29}"/>
-                  </a:ext>
-                </a:extLst>
-              </p:cNvPr>
-              <p:cNvGrpSpPr/>
-              <p:nvPr/>
-            </p:nvGrpSpPr>
-            <p:grpSpPr>
-              <a:xfrm>
-                <a:off x="40143897" y="6522379"/>
-                <a:ext cx="1658153" cy="1658152"/>
-                <a:chOff x="11799" y="3461"/>
-                <a:chExt cx="812800" cy="812800"/>
-              </a:xfrm>
-            </p:grpSpPr>
-            <p:sp>
-              <p:nvSpPr>
-                <p:cNvPr id="1109" name="Freeform 27">
-                  <a:extLst>
-                    <a:ext uri="{FF2B5EF4-FFF2-40B4-BE49-F238E27FC236}">
-                      <a16:creationId xmlns:a16="http://schemas.microsoft.com/office/drawing/2014/main" id="{F52BDF76-03D9-F106-5AD9-9FDDA6CF3078}"/>
-                    </a:ext>
-                  </a:extLst>
-                </p:cNvPr>
-                <p:cNvSpPr/>
-                <p:nvPr/>
-              </p:nvSpPr>
-              <p:spPr>
-                <a:xfrm>
-                  <a:off x="11799" y="3461"/>
-                  <a:ext cx="812800" cy="812800"/>
-                </a:xfrm>
-                <a:custGeom>
-                  <a:avLst/>
-                  <a:gdLst/>
-                  <a:ahLst/>
-                  <a:cxnLst/>
-                  <a:rect l="l" t="t" r="r" b="b"/>
-                  <a:pathLst>
-                    <a:path w="812800" h="812800">
-                      <a:moveTo>
-                        <a:pt x="406400" y="0"/>
-                      </a:moveTo>
-                      <a:cubicBezTo>
-                        <a:pt x="181951" y="0"/>
-                        <a:pt x="0" y="181951"/>
-                        <a:pt x="0" y="406400"/>
-                      </a:cubicBezTo>
-                      <a:cubicBezTo>
-                        <a:pt x="0" y="630849"/>
-                        <a:pt x="181951" y="812800"/>
-                        <a:pt x="406400" y="812800"/>
-                      </a:cubicBezTo>
-                      <a:cubicBezTo>
-                        <a:pt x="630849" y="812800"/>
-                        <a:pt x="812800" y="630849"/>
-                        <a:pt x="812800" y="406400"/>
-                      </a:cubicBezTo>
-                      <a:cubicBezTo>
-                        <a:pt x="812800" y="181951"/>
-                        <a:pt x="630849" y="0"/>
-                        <a:pt x="406400" y="0"/>
-                      </a:cubicBezTo>
-                      <a:close/>
-                    </a:path>
-                  </a:pathLst>
-                </a:custGeom>
-                <a:solidFill>
-                  <a:srgbClr val="8E99A2"/>
-                </a:solidFill>
-              </p:spPr>
-              <p:txBody>
-                <a:bodyPr/>
-                <a:lstStyle/>
-                <a:p>
-                  <a:endParaRPr lang="en-US"/>
-                </a:p>
-              </p:txBody>
-            </p:sp>
-            <p:sp>
-              <p:nvSpPr>
-                <p:cNvPr id="1110" name="TextBox 28">
-                  <a:extLst>
-                    <a:ext uri="{FF2B5EF4-FFF2-40B4-BE49-F238E27FC236}">
-                      <a16:creationId xmlns:a16="http://schemas.microsoft.com/office/drawing/2014/main" id="{850E9BB2-B07E-DA7E-9AF0-E8AE9D5858B9}"/>
-                    </a:ext>
-                  </a:extLst>
-                </p:cNvPr>
-                <p:cNvSpPr txBox="1"/>
-                <p:nvPr/>
-              </p:nvSpPr>
-              <p:spPr>
-                <a:xfrm>
-                  <a:off x="76200" y="19050"/>
-                  <a:ext cx="660400" cy="717550"/>
-                </a:xfrm>
-                <a:prstGeom prst="rect">
-                  <a:avLst/>
-                </a:prstGeom>
-              </p:spPr>
-              <p:txBody>
-                <a:bodyPr lIns="50800" tIns="50800" rIns="50800" bIns="50800" rtlCol="0" anchor="ctr"/>
-                <a:lstStyle/>
-                <a:p>
-                  <a:pPr algn="ctr">
-                    <a:lnSpc>
-                      <a:spcPts val="3453"/>
-                    </a:lnSpc>
-                  </a:pPr>
-                  <a:endParaRPr/>
-                </a:p>
-              </p:txBody>
-            </p:sp>
-          </p:grpSp>
-          <p:grpSp>
-            <p:nvGrpSpPr>
-              <p:cNvPr id="1106" name="Group 31">
-                <a:extLst>
-                  <a:ext uri="{FF2B5EF4-FFF2-40B4-BE49-F238E27FC236}">
-                    <a16:creationId xmlns:a16="http://schemas.microsoft.com/office/drawing/2014/main" id="{D94E69C1-1F92-A72B-1B68-3741B4E891C6}"/>
-                  </a:ext>
-                </a:extLst>
-              </p:cNvPr>
-              <p:cNvGrpSpPr/>
-              <p:nvPr/>
-            </p:nvGrpSpPr>
-            <p:grpSpPr>
-              <a:xfrm>
-                <a:off x="40377135" y="6762442"/>
-                <a:ext cx="1191671" cy="1191671"/>
-                <a:chOff x="16417" y="4815"/>
-                <a:chExt cx="812800" cy="812800"/>
-              </a:xfrm>
-            </p:grpSpPr>
-            <p:sp>
-              <p:nvSpPr>
-                <p:cNvPr id="1107" name="Freeform 32">
-                  <a:extLst>
-                    <a:ext uri="{FF2B5EF4-FFF2-40B4-BE49-F238E27FC236}">
-                      <a16:creationId xmlns:a16="http://schemas.microsoft.com/office/drawing/2014/main" id="{50D4621A-137F-A335-0141-A5A4036F6E01}"/>
-                    </a:ext>
-                  </a:extLst>
-                </p:cNvPr>
-                <p:cNvSpPr/>
-                <p:nvPr/>
-              </p:nvSpPr>
-              <p:spPr>
-                <a:xfrm>
-                  <a:off x="16417" y="4815"/>
-                  <a:ext cx="812800" cy="812800"/>
-                </a:xfrm>
-                <a:custGeom>
-                  <a:avLst/>
-                  <a:gdLst/>
-                  <a:ahLst/>
-                  <a:cxnLst/>
-                  <a:rect l="l" t="t" r="r" b="b"/>
-                  <a:pathLst>
-                    <a:path w="812800" h="812800">
-                      <a:moveTo>
-                        <a:pt x="406400" y="0"/>
-                      </a:moveTo>
-                      <a:cubicBezTo>
-                        <a:pt x="181951" y="0"/>
-                        <a:pt x="0" y="181951"/>
-                        <a:pt x="0" y="406400"/>
-                      </a:cubicBezTo>
-                      <a:cubicBezTo>
-                        <a:pt x="0" y="630849"/>
-                        <a:pt x="181951" y="812800"/>
-                        <a:pt x="406400" y="812800"/>
-                      </a:cubicBezTo>
-                      <a:cubicBezTo>
-                        <a:pt x="630849" y="812800"/>
-                        <a:pt x="812800" y="630849"/>
-                        <a:pt x="812800" y="406400"/>
-                      </a:cubicBezTo>
-                      <a:cubicBezTo>
-                        <a:pt x="812800" y="181951"/>
-                        <a:pt x="630849" y="0"/>
-                        <a:pt x="406400" y="0"/>
-                      </a:cubicBezTo>
-                      <a:close/>
-                    </a:path>
-                  </a:pathLst>
-                </a:custGeom>
-                <a:solidFill>
-                  <a:srgbClr val="FFFFFF"/>
-                </a:solidFill>
-              </p:spPr>
-              <p:txBody>
-                <a:bodyPr/>
-                <a:lstStyle/>
-                <a:p>
-                  <a:endParaRPr lang="en-US"/>
-                </a:p>
-              </p:txBody>
-            </p:sp>
-            <p:sp>
-              <p:nvSpPr>
-                <p:cNvPr id="1108" name="TextBox 33">
-                  <a:extLst>
-                    <a:ext uri="{FF2B5EF4-FFF2-40B4-BE49-F238E27FC236}">
-                      <a16:creationId xmlns:a16="http://schemas.microsoft.com/office/drawing/2014/main" id="{9B41A858-DD02-7456-5042-D9F10CBF080A}"/>
-                    </a:ext>
-                  </a:extLst>
-                </p:cNvPr>
-                <p:cNvSpPr txBox="1"/>
-                <p:nvPr/>
-              </p:nvSpPr>
-              <p:spPr>
-                <a:xfrm>
-                  <a:off x="76200" y="19050"/>
-                  <a:ext cx="660400" cy="717550"/>
-                </a:xfrm>
-                <a:prstGeom prst="rect">
-                  <a:avLst/>
-                </a:prstGeom>
-              </p:spPr>
-              <p:txBody>
-                <a:bodyPr lIns="50800" tIns="50800" rIns="50800" bIns="50800" rtlCol="0" anchor="ctr"/>
-                <a:lstStyle/>
-                <a:p>
-                  <a:pPr algn="ctr">
-                    <a:lnSpc>
-                      <a:spcPts val="3453"/>
-                    </a:lnSpc>
-                  </a:pPr>
-                  <a:endParaRPr/>
-                </a:p>
-              </p:txBody>
-            </p:sp>
-          </p:grpSp>
-          <p:sp>
-            <p:nvSpPr>
-              <p:cNvPr id="1123" name="Freeform 45">
-                <a:extLst>
-                  <a:ext uri="{FF2B5EF4-FFF2-40B4-BE49-F238E27FC236}">
-                    <a16:creationId xmlns:a16="http://schemas.microsoft.com/office/drawing/2014/main" id="{B73BA6A5-5F02-1DFF-DB83-10A68D80997A}"/>
-                  </a:ext>
-                </a:extLst>
-              </p:cNvPr>
-              <p:cNvSpPr/>
-              <p:nvPr/>
-            </p:nvSpPr>
-            <p:spPr>
-              <a:xfrm>
-                <a:off x="40552430" y="6931275"/>
-                <a:ext cx="841082" cy="841082"/>
-              </a:xfrm>
-              <a:custGeom>
-                <a:avLst/>
-                <a:gdLst/>
-                <a:ahLst/>
-                <a:cxnLst/>
-                <a:rect l="l" t="t" r="r" b="b"/>
-                <a:pathLst>
-                  <a:path w="900922" h="900922">
-                    <a:moveTo>
-                      <a:pt x="0" y="0"/>
-                    </a:moveTo>
-                    <a:lnTo>
-                      <a:pt x="900922" y="0"/>
-                    </a:lnTo>
-                    <a:lnTo>
-                      <a:pt x="900922" y="900922"/>
-                    </a:lnTo>
-                    <a:lnTo>
-                      <a:pt x="0" y="900922"/>
-                    </a:lnTo>
-                    <a:lnTo>
-                      <a:pt x="0" y="0"/>
-                    </a:lnTo>
-                    <a:close/>
-                  </a:path>
-                </a:pathLst>
-              </a:custGeom>
-              <a:blipFill>
-                <a:blip r:embed="rId14">
-                  <a:extLst>
-                    <a:ext uri="{96DAC541-7B7A-43D3-8B79-37D633B846F1}">
-                      <asvg:svgBlip xmlns:asvg="http://schemas.microsoft.com/office/drawing/2016/SVG/main" r:embed="rId15"/>
-                    </a:ext>
-                  </a:extLst>
-                </a:blip>
-                <a:stretch>
-                  <a:fillRect/>
-                </a:stretch>
-              </a:blipFill>
-            </p:spPr>
-            <p:txBody>
-              <a:bodyPr/>
-              <a:lstStyle/>
-              <a:p>
-                <a:endParaRPr lang="en-US"/>
-              </a:p>
-            </p:txBody>
-          </p:sp>
-        </p:grpSp>
-        <p:grpSp>
-          <p:nvGrpSpPr>
-            <p:cNvPr id="1133" name="Group 24">
-              <a:extLst>
-                <a:ext uri="{FF2B5EF4-FFF2-40B4-BE49-F238E27FC236}">
-                  <a16:creationId xmlns:a16="http://schemas.microsoft.com/office/drawing/2014/main" id="{DFC3A236-99A6-79BA-B8A0-41D36D2230AE}"/>
-                </a:ext>
-              </a:extLst>
-            </p:cNvPr>
-            <p:cNvGrpSpPr/>
-            <p:nvPr/>
-          </p:nvGrpSpPr>
-          <p:grpSpPr>
-            <a:xfrm>
-              <a:off x="38776752" y="13783391"/>
-              <a:ext cx="3990079" cy="3611757"/>
-              <a:chOff x="0" y="0"/>
-              <a:chExt cx="1262686" cy="1142963"/>
-            </a:xfrm>
-            <a:solidFill>
-              <a:srgbClr val="A7DEC1"/>
-            </a:solidFill>
-          </p:grpSpPr>
-          <p:sp>
-            <p:nvSpPr>
-              <p:cNvPr id="1142" name="Freeform 25">
-                <a:extLst>
-                  <a:ext uri="{FF2B5EF4-FFF2-40B4-BE49-F238E27FC236}">
-                    <a16:creationId xmlns:a16="http://schemas.microsoft.com/office/drawing/2014/main" id="{96D51236-9668-4C43-0BE6-6525A04682CD}"/>
-                  </a:ext>
-                </a:extLst>
-              </p:cNvPr>
-              <p:cNvSpPr/>
-              <p:nvPr/>
-            </p:nvSpPr>
-            <p:spPr>
-              <a:xfrm>
-                <a:off x="0" y="0"/>
-                <a:ext cx="1262686" cy="1142963"/>
-              </a:xfrm>
-              <a:custGeom>
-                <a:avLst/>
-                <a:gdLst/>
-                <a:ahLst/>
-                <a:cxnLst/>
-                <a:rect l="l" t="t" r="r" b="b"/>
-                <a:pathLst>
-                  <a:path w="1262686" h="1142963">
-                    <a:moveTo>
-                      <a:pt x="1138226" y="1142963"/>
-                    </a:moveTo>
-                    <a:lnTo>
-                      <a:pt x="124460" y="1142963"/>
-                    </a:lnTo>
-                    <a:cubicBezTo>
-                      <a:pt x="55880" y="1142963"/>
-                      <a:pt x="0" y="1087083"/>
-                      <a:pt x="0" y="1018503"/>
-                    </a:cubicBezTo>
-                    <a:lnTo>
-                      <a:pt x="0" y="124460"/>
-                    </a:lnTo>
-                    <a:cubicBezTo>
-                      <a:pt x="0" y="55880"/>
-                      <a:pt x="55880" y="0"/>
-                      <a:pt x="124460" y="0"/>
-                    </a:cubicBezTo>
-                    <a:lnTo>
-                      <a:pt x="1138226" y="0"/>
-                    </a:lnTo>
-                    <a:cubicBezTo>
-                      <a:pt x="1206806" y="0"/>
-                      <a:pt x="1262686" y="55880"/>
-                      <a:pt x="1262686" y="124460"/>
-                    </a:cubicBezTo>
-                    <a:lnTo>
-                      <a:pt x="1262686" y="1018503"/>
-                    </a:lnTo>
-                    <a:cubicBezTo>
-                      <a:pt x="1262686" y="1087083"/>
-                      <a:pt x="1206806" y="1142963"/>
-                      <a:pt x="1138226" y="1142963"/>
-                    </a:cubicBezTo>
-                    <a:close/>
-                  </a:path>
-                </a:pathLst>
-              </a:custGeom>
-              <a:grpFill/>
-              <a:ln>
-                <a:solidFill>
-                  <a:schemeClr val="accent1">
-                    <a:shade val="15000"/>
-                  </a:schemeClr>
-                </a:solidFill>
-              </a:ln>
-            </p:spPr>
-            <p:txBody>
-              <a:bodyPr/>
-              <a:lstStyle/>
-              <a:p>
-                <a:endParaRPr lang="en-US" dirty="0"/>
-              </a:p>
-            </p:txBody>
-          </p:sp>
-        </p:grpSp>
-        <p:grpSp>
-          <p:nvGrpSpPr>
-            <p:cNvPr id="1134" name="Group 26">
-              <a:extLst>
-                <a:ext uri="{FF2B5EF4-FFF2-40B4-BE49-F238E27FC236}">
-                  <a16:creationId xmlns:a16="http://schemas.microsoft.com/office/drawing/2014/main" id="{E363C3E1-63F5-49B1-465B-77C2C39872DB}"/>
-                </a:ext>
-              </a:extLst>
-            </p:cNvPr>
-            <p:cNvGrpSpPr/>
-            <p:nvPr/>
-          </p:nvGrpSpPr>
-          <p:grpSpPr>
-            <a:xfrm>
-              <a:off x="34428636" y="9558097"/>
-              <a:ext cx="7199570" cy="4948675"/>
-              <a:chOff x="76200" y="19050"/>
-              <a:chExt cx="3529114" cy="2425762"/>
-            </a:xfrm>
-          </p:grpSpPr>
-          <p:sp>
-            <p:nvSpPr>
-              <p:cNvPr id="1140" name="Freeform 27">
-                <a:extLst>
-                  <a:ext uri="{FF2B5EF4-FFF2-40B4-BE49-F238E27FC236}">
-                    <a16:creationId xmlns:a16="http://schemas.microsoft.com/office/drawing/2014/main" id="{31A8B63B-2C49-BCEF-000E-A6262FA8875F}"/>
-                  </a:ext>
-                </a:extLst>
-              </p:cNvPr>
-              <p:cNvSpPr/>
-              <p:nvPr/>
-            </p:nvSpPr>
-            <p:spPr>
-              <a:xfrm>
-                <a:off x="2792514" y="1632012"/>
-                <a:ext cx="812800" cy="812800"/>
-              </a:xfrm>
-              <a:custGeom>
-                <a:avLst/>
-                <a:gdLst/>
-                <a:ahLst/>
-                <a:cxnLst/>
-                <a:rect l="l" t="t" r="r" b="b"/>
-                <a:pathLst>
-                  <a:path w="812800" h="812800">
-                    <a:moveTo>
-                      <a:pt x="406400" y="0"/>
-                    </a:moveTo>
-                    <a:cubicBezTo>
-                      <a:pt x="181951" y="0"/>
-                      <a:pt x="0" y="181951"/>
-                      <a:pt x="0" y="406400"/>
-                    </a:cubicBezTo>
-                    <a:cubicBezTo>
-                      <a:pt x="0" y="630849"/>
-                      <a:pt x="181951" y="812800"/>
-                      <a:pt x="406400" y="812800"/>
-                    </a:cubicBezTo>
-                    <a:cubicBezTo>
-                      <a:pt x="630849" y="812800"/>
-                      <a:pt x="812800" y="630849"/>
-                      <a:pt x="812800" y="406400"/>
-                    </a:cubicBezTo>
-                    <a:cubicBezTo>
-                      <a:pt x="812800" y="181951"/>
-                      <a:pt x="630849" y="0"/>
-                      <a:pt x="406400" y="0"/>
-                    </a:cubicBezTo>
-                    <a:close/>
-                  </a:path>
-                </a:pathLst>
-              </a:custGeom>
-              <a:solidFill>
-                <a:srgbClr val="8E99A2"/>
-              </a:solidFill>
-            </p:spPr>
-            <p:txBody>
-              <a:bodyPr/>
-              <a:lstStyle/>
-              <a:p>
-                <a:endParaRPr lang="en-US" dirty="0"/>
-              </a:p>
-            </p:txBody>
-          </p:sp>
-          <p:sp>
-            <p:nvSpPr>
-              <p:cNvPr id="1141" name="TextBox 28">
-                <a:extLst>
-                  <a:ext uri="{FF2B5EF4-FFF2-40B4-BE49-F238E27FC236}">
-                    <a16:creationId xmlns:a16="http://schemas.microsoft.com/office/drawing/2014/main" id="{CD05EDED-3539-9EC3-0BAF-BEDEF3B2FA9D}"/>
-                  </a:ext>
-                </a:extLst>
-              </p:cNvPr>
-              <p:cNvSpPr txBox="1"/>
-              <p:nvPr/>
-            </p:nvSpPr>
-            <p:spPr>
-              <a:xfrm>
-                <a:off x="76200" y="19050"/>
-                <a:ext cx="660400" cy="717550"/>
-              </a:xfrm>
-              <a:prstGeom prst="rect">
-                <a:avLst/>
-              </a:prstGeom>
-            </p:spPr>
-            <p:txBody>
-              <a:bodyPr lIns="50800" tIns="50800" rIns="50800" bIns="50800" rtlCol="0" anchor="ctr"/>
-              <a:lstStyle/>
-              <a:p>
-                <a:pPr algn="ctr">
-                  <a:lnSpc>
-                    <a:spcPts val="3453"/>
-                  </a:lnSpc>
-                </a:pPr>
-                <a:endParaRPr dirty="0"/>
-              </a:p>
-            </p:txBody>
-          </p:sp>
-        </p:grpSp>
-        <p:grpSp>
-          <p:nvGrpSpPr>
-            <p:cNvPr id="1136" name="Group 31">
-              <a:extLst>
-                <a:ext uri="{FF2B5EF4-FFF2-40B4-BE49-F238E27FC236}">
-                  <a16:creationId xmlns:a16="http://schemas.microsoft.com/office/drawing/2014/main" id="{EF01EC15-BDC7-2ADA-BA3F-E12FE2B1F162}"/>
-                </a:ext>
-              </a:extLst>
-            </p:cNvPr>
-            <p:cNvGrpSpPr/>
-            <p:nvPr/>
-          </p:nvGrpSpPr>
-          <p:grpSpPr>
-            <a:xfrm>
-              <a:off x="40186635" y="13046263"/>
-              <a:ext cx="1658222" cy="1805551"/>
-              <a:chOff x="-394419" y="-494908"/>
-              <a:chExt cx="1131019" cy="1231508"/>
-            </a:xfrm>
-          </p:grpSpPr>
-          <p:sp>
-            <p:nvSpPr>
-              <p:cNvPr id="1138" name="Freeform 32">
-                <a:extLst>
-                  <a:ext uri="{FF2B5EF4-FFF2-40B4-BE49-F238E27FC236}">
-                    <a16:creationId xmlns:a16="http://schemas.microsoft.com/office/drawing/2014/main" id="{84BCB216-F027-049F-3395-B35B3F067AF6}"/>
-                  </a:ext>
-                </a:extLst>
-              </p:cNvPr>
-              <p:cNvSpPr/>
-              <p:nvPr/>
-            </p:nvSpPr>
-            <p:spPr>
-              <a:xfrm>
-                <a:off x="-394419" y="-494908"/>
-                <a:ext cx="849821" cy="833382"/>
-              </a:xfrm>
-              <a:custGeom>
-                <a:avLst/>
-                <a:gdLst/>
-                <a:ahLst/>
-                <a:cxnLst/>
-                <a:rect l="l" t="t" r="r" b="b"/>
-                <a:pathLst>
-                  <a:path w="812800" h="812800">
-                    <a:moveTo>
-                      <a:pt x="406400" y="0"/>
-                    </a:moveTo>
-                    <a:cubicBezTo>
-                      <a:pt x="181951" y="0"/>
-                      <a:pt x="0" y="181951"/>
-                      <a:pt x="0" y="406400"/>
-                    </a:cubicBezTo>
-                    <a:cubicBezTo>
-                      <a:pt x="0" y="630849"/>
-                      <a:pt x="181951" y="812800"/>
-                      <a:pt x="406400" y="812800"/>
-                    </a:cubicBezTo>
-                    <a:cubicBezTo>
-                      <a:pt x="630849" y="812800"/>
-                      <a:pt x="812800" y="630849"/>
-                      <a:pt x="812800" y="406400"/>
-                    </a:cubicBezTo>
-                    <a:cubicBezTo>
-                      <a:pt x="812800" y="181951"/>
-                      <a:pt x="630849" y="0"/>
-                      <a:pt x="406400" y="0"/>
-                    </a:cubicBezTo>
-                    <a:close/>
-                  </a:path>
-                </a:pathLst>
-              </a:custGeom>
-              <a:solidFill>
-                <a:srgbClr val="FFFFFF"/>
-              </a:solidFill>
-            </p:spPr>
-            <p:txBody>
-              <a:bodyPr/>
-              <a:lstStyle/>
-              <a:p>
-                <a:endParaRPr lang="en-US" dirty="0"/>
-              </a:p>
-            </p:txBody>
-          </p:sp>
-          <p:sp>
-            <p:nvSpPr>
-              <p:cNvPr id="1139" name="TextBox 33">
-                <a:extLst>
-                  <a:ext uri="{FF2B5EF4-FFF2-40B4-BE49-F238E27FC236}">
-                    <a16:creationId xmlns:a16="http://schemas.microsoft.com/office/drawing/2014/main" id="{B6933293-5EC5-362D-F101-C69CD02099CB}"/>
-                  </a:ext>
-                </a:extLst>
-              </p:cNvPr>
-              <p:cNvSpPr txBox="1"/>
-              <p:nvPr/>
-            </p:nvSpPr>
-            <p:spPr>
-              <a:xfrm>
-                <a:off x="76200" y="19050"/>
-                <a:ext cx="660400" cy="717550"/>
-              </a:xfrm>
-              <a:prstGeom prst="rect">
-                <a:avLst/>
-              </a:prstGeom>
-            </p:spPr>
-            <p:txBody>
-              <a:bodyPr lIns="50800" tIns="50800" rIns="50800" bIns="50800" rtlCol="0" anchor="ctr"/>
-              <a:lstStyle/>
-              <a:p>
-                <a:pPr algn="ctr">
-                  <a:lnSpc>
-                    <a:spcPts val="3453"/>
-                  </a:lnSpc>
-                </a:pPr>
-                <a:endParaRPr/>
-              </a:p>
-            </p:txBody>
-          </p:sp>
-        </p:grpSp>
-        <p:grpSp>
-          <p:nvGrpSpPr>
-            <p:cNvPr id="39" name="Group 38">
-              <a:extLst>
-                <a:ext uri="{FF2B5EF4-FFF2-40B4-BE49-F238E27FC236}">
-                  <a16:creationId xmlns:a16="http://schemas.microsoft.com/office/drawing/2014/main" id="{7952DCCA-FF37-32D9-F0A9-DF22D16ABDE9}"/>
-                </a:ext>
-              </a:extLst>
-            </p:cNvPr>
-            <p:cNvGrpSpPr/>
-            <p:nvPr/>
-          </p:nvGrpSpPr>
-          <p:grpSpPr>
-            <a:xfrm>
-              <a:off x="32973503" y="9188584"/>
-              <a:ext cx="3990079" cy="4557534"/>
-              <a:chOff x="32973503" y="9188584"/>
-              <a:chExt cx="3990079" cy="4557534"/>
-            </a:xfrm>
-          </p:grpSpPr>
-          <p:sp>
-            <p:nvSpPr>
-              <p:cNvPr id="1094" name="TextBox 19">
-                <a:extLst>
-                  <a:ext uri="{FF2B5EF4-FFF2-40B4-BE49-F238E27FC236}">
-                    <a16:creationId xmlns:a16="http://schemas.microsoft.com/office/drawing/2014/main" id="{112414D4-7DF6-8445-9CD2-753C70F4D8FE}"/>
-                  </a:ext>
-                </a:extLst>
-              </p:cNvPr>
-              <p:cNvSpPr txBox="1"/>
-              <p:nvPr/>
-            </p:nvSpPr>
-            <p:spPr>
-              <a:xfrm>
-                <a:off x="33665870" y="11914592"/>
-                <a:ext cx="2522728" cy="254298"/>
-              </a:xfrm>
-              <a:prstGeom prst="rect">
-                <a:avLst/>
-              </a:prstGeom>
-            </p:spPr>
-            <p:txBody>
-              <a:bodyPr lIns="0" tIns="0" rIns="0" bIns="0" rtlCol="0" anchor="t">
-                <a:spAutoFit/>
-              </a:bodyPr>
-              <a:lstStyle/>
-              <a:p>
-                <a:pPr algn="ctr">
-                  <a:lnSpc>
-                    <a:spcPts val="3453"/>
-                  </a:lnSpc>
-                </a:pPr>
-                <a:r>
-                  <a:rPr lang="en-US" sz="2466" dirty="0">
-                    <a:solidFill>
-                      <a:srgbClr val="FFFFFF"/>
-                    </a:solidFill>
-                    <a:latin typeface="Lazord Mono"/>
-                    <a:ea typeface="Lazord Mono"/>
-                    <a:cs typeface="Lazord Mono"/>
-                    <a:sym typeface="Lazord Mono"/>
-                  </a:rPr>
-                  <a:t>TESTING</a:t>
-                </a:r>
-              </a:p>
-            </p:txBody>
-          </p:sp>
-          <p:sp>
-            <p:nvSpPr>
-              <p:cNvPr id="1135" name="TextBox 30">
-                <a:extLst>
-                  <a:ext uri="{FF2B5EF4-FFF2-40B4-BE49-F238E27FC236}">
-                    <a16:creationId xmlns:a16="http://schemas.microsoft.com/office/drawing/2014/main" id="{45F982C0-2B5C-A752-7058-36FEA19256BB}"/>
-                  </a:ext>
-                </a:extLst>
-              </p:cNvPr>
-              <p:cNvSpPr txBox="1"/>
-              <p:nvPr/>
-            </p:nvSpPr>
-            <p:spPr>
-              <a:xfrm>
-                <a:off x="33353253" y="11812956"/>
-                <a:ext cx="3409575" cy="448841"/>
-              </a:xfrm>
-              <a:prstGeom prst="rect">
-                <a:avLst/>
-              </a:prstGeom>
-            </p:spPr>
-            <p:txBody>
-              <a:bodyPr lIns="0" tIns="0" rIns="0" bIns="0" rtlCol="0" anchor="t">
-                <a:spAutoFit/>
-              </a:bodyPr>
-              <a:lstStyle/>
-              <a:p>
-                <a:pPr algn="ctr">
-                  <a:lnSpc>
-                    <a:spcPts val="3453"/>
-                  </a:lnSpc>
-                </a:pPr>
-                <a:r>
-                  <a:rPr lang="en-US" sz="3600" dirty="0">
-                    <a:solidFill>
-                      <a:srgbClr val="FFFFFF"/>
-                    </a:solidFill>
-                    <a:latin typeface="Arial" panose="020B0604020202020204" pitchFamily="34" charset="0"/>
-                    <a:ea typeface="Lazord Mono"/>
-                    <a:cs typeface="Arial" panose="020B0604020202020204" pitchFamily="34" charset="0"/>
-                    <a:sym typeface="Lazord Mono"/>
-                  </a:rPr>
-                  <a:t>Testing</a:t>
-                </a:r>
-              </a:p>
-            </p:txBody>
-          </p:sp>
-          <p:sp>
-            <p:nvSpPr>
-              <p:cNvPr id="1124" name="Freeform 46">
-                <a:extLst>
-                  <a:ext uri="{FF2B5EF4-FFF2-40B4-BE49-F238E27FC236}">
-                    <a16:creationId xmlns:a16="http://schemas.microsoft.com/office/drawing/2014/main" id="{0E302D8B-D4EE-E3A9-92D2-16692F6B58DC}"/>
-                  </a:ext>
-                </a:extLst>
-              </p:cNvPr>
-              <p:cNvSpPr/>
-              <p:nvPr/>
-            </p:nvSpPr>
-            <p:spPr>
-              <a:xfrm>
-                <a:off x="34727310" y="10501381"/>
-                <a:ext cx="687268" cy="687268"/>
-              </a:xfrm>
-              <a:custGeom>
-                <a:avLst/>
-                <a:gdLst/>
-                <a:ahLst/>
-                <a:cxnLst/>
-                <a:rect l="l" t="t" r="r" b="b"/>
-                <a:pathLst>
-                  <a:path w="954589" h="954589">
-                    <a:moveTo>
-                      <a:pt x="0" y="0"/>
-                    </a:moveTo>
-                    <a:lnTo>
-                      <a:pt x="954589" y="0"/>
-                    </a:lnTo>
-                    <a:lnTo>
-                      <a:pt x="954589" y="954589"/>
-                    </a:lnTo>
-                    <a:lnTo>
-                      <a:pt x="0" y="954589"/>
-                    </a:lnTo>
-                    <a:lnTo>
-                      <a:pt x="0" y="0"/>
-                    </a:lnTo>
-                    <a:close/>
-                  </a:path>
-                </a:pathLst>
-              </a:custGeom>
-              <a:blipFill>
-                <a:blip r:embed="rId16">
-                  <a:extLst>
-                    <a:ext uri="{96DAC541-7B7A-43D3-8B79-37D633B846F1}">
-                      <asvg:svgBlip xmlns:asvg="http://schemas.microsoft.com/office/drawing/2016/SVG/main" r:embed="rId17"/>
-                    </a:ext>
-                  </a:extLst>
-                </a:blip>
-                <a:stretch>
-                  <a:fillRect/>
-                </a:stretch>
-              </a:blipFill>
-            </p:spPr>
-            <p:txBody>
-              <a:bodyPr/>
-              <a:lstStyle/>
-              <a:p>
-                <a:endParaRPr lang="en-US" dirty="0"/>
-              </a:p>
-            </p:txBody>
-          </p:sp>
-          <p:grpSp>
-            <p:nvGrpSpPr>
-              <p:cNvPr id="1154" name="Group 1153">
-                <a:extLst>
-                  <a:ext uri="{FF2B5EF4-FFF2-40B4-BE49-F238E27FC236}">
-                    <a16:creationId xmlns:a16="http://schemas.microsoft.com/office/drawing/2014/main" id="{9AFE0BE1-04AA-EA4F-E27E-CBF439DA60C9}"/>
-                  </a:ext>
-                </a:extLst>
-              </p:cNvPr>
-              <p:cNvGrpSpPr/>
-              <p:nvPr/>
-            </p:nvGrpSpPr>
-            <p:grpSpPr>
-              <a:xfrm>
-                <a:off x="32973503" y="9188584"/>
-                <a:ext cx="3990079" cy="4557534"/>
-                <a:chOff x="38989293" y="12958675"/>
-                <a:chExt cx="3990079" cy="4557534"/>
-              </a:xfrm>
-            </p:grpSpPr>
-            <p:grpSp>
-              <p:nvGrpSpPr>
-                <p:cNvPr id="1144" name="Group 24">
-                  <a:extLst>
-                    <a:ext uri="{FF2B5EF4-FFF2-40B4-BE49-F238E27FC236}">
-                      <a16:creationId xmlns:a16="http://schemas.microsoft.com/office/drawing/2014/main" id="{A4C4C2C8-74B3-9373-B3CC-123994CAA4D5}"/>
-                    </a:ext>
-                  </a:extLst>
-                </p:cNvPr>
-                <p:cNvGrpSpPr/>
-                <p:nvPr/>
-              </p:nvGrpSpPr>
-              <p:grpSpPr>
-                <a:xfrm>
-                  <a:off x="38989293" y="13904452"/>
-                  <a:ext cx="3990079" cy="3611757"/>
-                  <a:chOff x="5963" y="13261"/>
-                  <a:chExt cx="1262686" cy="1142963"/>
-                </a:xfrm>
-              </p:grpSpPr>
-              <p:sp>
-                <p:nvSpPr>
-                  <p:cNvPr id="1153" name="Freeform 25">
-                    <a:extLst>
-                      <a:ext uri="{FF2B5EF4-FFF2-40B4-BE49-F238E27FC236}">
-                        <a16:creationId xmlns:a16="http://schemas.microsoft.com/office/drawing/2014/main" id="{D86D6505-E0EB-E454-2DF0-4855BE8471C8}"/>
-                      </a:ext>
-                    </a:extLst>
-                  </p:cNvPr>
-                  <p:cNvSpPr/>
-                  <p:nvPr/>
-                </p:nvSpPr>
-                <p:spPr>
-                  <a:xfrm>
-                    <a:off x="5963" y="13261"/>
-                    <a:ext cx="1262686" cy="1142963"/>
-                  </a:xfrm>
-                  <a:custGeom>
-                    <a:avLst/>
-                    <a:gdLst/>
-                    <a:ahLst/>
-                    <a:cxnLst/>
-                    <a:rect l="l" t="t" r="r" b="b"/>
-                    <a:pathLst>
-                      <a:path w="1262686" h="1142963">
-                        <a:moveTo>
-                          <a:pt x="1138226" y="1142963"/>
-                        </a:moveTo>
-                        <a:lnTo>
-                          <a:pt x="124460" y="1142963"/>
-                        </a:lnTo>
-                        <a:cubicBezTo>
-                          <a:pt x="55880" y="1142963"/>
-                          <a:pt x="0" y="1087083"/>
-                          <a:pt x="0" y="1018503"/>
-                        </a:cubicBezTo>
-                        <a:lnTo>
-                          <a:pt x="0" y="124460"/>
-                        </a:lnTo>
-                        <a:cubicBezTo>
-                          <a:pt x="0" y="55880"/>
-                          <a:pt x="55880" y="0"/>
-                          <a:pt x="124460" y="0"/>
-                        </a:cubicBezTo>
-                        <a:lnTo>
-                          <a:pt x="1138226" y="0"/>
-                        </a:lnTo>
-                        <a:cubicBezTo>
-                          <a:pt x="1206806" y="0"/>
-                          <a:pt x="1262686" y="55880"/>
-                          <a:pt x="1262686" y="124460"/>
-                        </a:cubicBezTo>
-                        <a:lnTo>
-                          <a:pt x="1262686" y="1018503"/>
-                        </a:lnTo>
-                        <a:cubicBezTo>
-                          <a:pt x="1262686" y="1087083"/>
-                          <a:pt x="1206806" y="1142963"/>
-                          <a:pt x="1138226" y="1142963"/>
-                        </a:cubicBezTo>
-                        <a:close/>
-                      </a:path>
-                    </a:pathLst>
-                  </a:custGeom>
-                  <a:solidFill>
-                    <a:srgbClr val="AAC6E7"/>
-                  </a:solidFill>
-                  <a:ln>
-                    <a:solidFill>
-                      <a:schemeClr val="accent1">
-                        <a:shade val="15000"/>
-                      </a:schemeClr>
-                    </a:solidFill>
-                  </a:ln>
-                </p:spPr>
-                <p:txBody>
-                  <a:bodyPr lIns="228600" tIns="731520" rIns="228600"/>
-                  <a:lstStyle/>
-                  <a:p>
-                    <a:r>
-                      <a:rPr lang="en-US" sz="2800" b="1" dirty="0">
-                        <a:latin typeface="Arial" panose="020B0604020202020204" pitchFamily="34" charset="0"/>
-                        <a:cs typeface="Arial" panose="020B0604020202020204" pitchFamily="34" charset="0"/>
-                      </a:rPr>
-                      <a:t>Implementation</a:t>
-                    </a:r>
-                  </a:p>
-                  <a:p>
-                    <a:pPr marL="342900" indent="-342900">
-                      <a:buFont typeface="Arial" panose="020B0604020202020204" pitchFamily="34" charset="0"/>
-                      <a:buChar char="•"/>
-                    </a:pPr>
-                    <a:r>
-                      <a:rPr lang="en-US" sz="2400" dirty="0">
-                        <a:latin typeface="Arial" panose="020B0604020202020204" pitchFamily="34" charset="0"/>
-                        <a:cs typeface="Arial" panose="020B0604020202020204" pitchFamily="34" charset="0"/>
-                      </a:rPr>
-                      <a:t>Building feedback systems </a:t>
-                    </a:r>
-                  </a:p>
-                  <a:p>
-                    <a:pPr marL="342900" indent="-342900">
-                      <a:buFont typeface="Arial" panose="020B0604020202020204" pitchFamily="34" charset="0"/>
-                      <a:buChar char="•"/>
-                    </a:pPr>
-                    <a:r>
-                      <a:rPr lang="en-US" sz="2400" dirty="0">
-                        <a:latin typeface="Arial" panose="020B0604020202020204" pitchFamily="34" charset="0"/>
-                        <a:cs typeface="Arial" panose="020B0604020202020204" pitchFamily="34" charset="0"/>
-                      </a:rPr>
-                      <a:t>Human-robot interaction framework</a:t>
-                    </a:r>
-                  </a:p>
-                  <a:p>
-                    <a:pPr marL="342900" indent="-342900">
-                      <a:buFont typeface="Arial" panose="020B0604020202020204" pitchFamily="34" charset="0"/>
-                      <a:buChar char="•"/>
-                    </a:pPr>
-                    <a:r>
-                      <a:rPr lang="en-US" sz="2400" dirty="0">
-                        <a:latin typeface="Arial" panose="020B0604020202020204" pitchFamily="34" charset="0"/>
-                        <a:cs typeface="Arial" panose="020B0604020202020204" pitchFamily="34" charset="0"/>
-                      </a:rPr>
-                      <a:t>Safety system integration</a:t>
-                    </a:r>
-                  </a:p>
-                </p:txBody>
-              </p:sp>
-            </p:grpSp>
-            <p:grpSp>
-              <p:nvGrpSpPr>
-                <p:cNvPr id="1145" name="Group 26">
-                  <a:extLst>
-                    <a:ext uri="{FF2B5EF4-FFF2-40B4-BE49-F238E27FC236}">
-                      <a16:creationId xmlns:a16="http://schemas.microsoft.com/office/drawing/2014/main" id="{12532D44-1DDE-6941-F781-C1D36A7C19E6}"/>
-                    </a:ext>
-                  </a:extLst>
-                </p:cNvPr>
-                <p:cNvGrpSpPr/>
-                <p:nvPr/>
-              </p:nvGrpSpPr>
-              <p:grpSpPr>
-                <a:xfrm>
-                  <a:off x="40136414" y="12958675"/>
-                  <a:ext cx="1658153" cy="1658152"/>
-                  <a:chOff x="0" y="0"/>
-                  <a:chExt cx="812800" cy="812800"/>
-                </a:xfrm>
-              </p:grpSpPr>
-              <p:sp>
-                <p:nvSpPr>
-                  <p:cNvPr id="1151" name="Freeform 27">
-                    <a:extLst>
-                      <a:ext uri="{FF2B5EF4-FFF2-40B4-BE49-F238E27FC236}">
-                        <a16:creationId xmlns:a16="http://schemas.microsoft.com/office/drawing/2014/main" id="{8344FDDA-2A70-FE4D-F5A9-2E6F2F29E957}"/>
-                      </a:ext>
-                    </a:extLst>
-                  </p:cNvPr>
-                  <p:cNvSpPr/>
-                  <p:nvPr/>
-                </p:nvSpPr>
-                <p:spPr>
-                  <a:xfrm>
-                    <a:off x="0" y="0"/>
-                    <a:ext cx="812800" cy="812800"/>
-                  </a:xfrm>
-                  <a:custGeom>
-                    <a:avLst/>
-                    <a:gdLst/>
-                    <a:ahLst/>
-                    <a:cxnLst/>
-                    <a:rect l="l" t="t" r="r" b="b"/>
-                    <a:pathLst>
-                      <a:path w="812800" h="812800">
-                        <a:moveTo>
-                          <a:pt x="406400" y="0"/>
-                        </a:moveTo>
-                        <a:cubicBezTo>
-                          <a:pt x="181951" y="0"/>
-                          <a:pt x="0" y="181951"/>
-                          <a:pt x="0" y="406400"/>
-                        </a:cubicBezTo>
-                        <a:cubicBezTo>
-                          <a:pt x="0" y="630849"/>
-                          <a:pt x="181951" y="812800"/>
-                          <a:pt x="406400" y="812800"/>
-                        </a:cubicBezTo>
-                        <a:cubicBezTo>
-                          <a:pt x="630849" y="812800"/>
-                          <a:pt x="812800" y="630849"/>
-                          <a:pt x="812800" y="406400"/>
-                        </a:cubicBezTo>
-                        <a:cubicBezTo>
-                          <a:pt x="812800" y="181951"/>
-                          <a:pt x="630849" y="0"/>
-                          <a:pt x="406400" y="0"/>
-                        </a:cubicBezTo>
-                        <a:close/>
-                      </a:path>
-                    </a:pathLst>
-                  </a:custGeom>
-                  <a:solidFill>
-                    <a:srgbClr val="8E99A2"/>
-                  </a:solidFill>
-                </p:spPr>
-                <p:txBody>
-                  <a:bodyPr/>
-                  <a:lstStyle/>
-                  <a:p>
-                    <a:endParaRPr lang="en-US"/>
-                  </a:p>
-                </p:txBody>
-              </p:sp>
-              <p:sp>
-                <p:nvSpPr>
-                  <p:cNvPr id="1152" name="TextBox 28">
-                    <a:extLst>
-                      <a:ext uri="{FF2B5EF4-FFF2-40B4-BE49-F238E27FC236}">
-                        <a16:creationId xmlns:a16="http://schemas.microsoft.com/office/drawing/2014/main" id="{33E530B9-64AC-DE6E-D48C-EADBE4EEC827}"/>
-                      </a:ext>
-                    </a:extLst>
-                  </p:cNvPr>
-                  <p:cNvSpPr txBox="1"/>
-                  <p:nvPr/>
-                </p:nvSpPr>
-                <p:spPr>
-                  <a:xfrm>
-                    <a:off x="76200" y="19050"/>
-                    <a:ext cx="660400" cy="717550"/>
-                  </a:xfrm>
-                  <a:prstGeom prst="rect">
-                    <a:avLst/>
-                  </a:prstGeom>
-                </p:spPr>
-                <p:txBody>
-                  <a:bodyPr lIns="50800" tIns="50800" rIns="50800" bIns="50800" rtlCol="0" anchor="ctr"/>
-                  <a:lstStyle/>
-                  <a:p>
-                    <a:pPr algn="ctr">
-                      <a:lnSpc>
-                        <a:spcPts val="3453"/>
-                      </a:lnSpc>
-                    </a:pPr>
-                    <a:endParaRPr/>
-                  </a:p>
-                </p:txBody>
-              </p:sp>
-            </p:grpSp>
-            <p:grpSp>
-              <p:nvGrpSpPr>
-                <p:cNvPr id="1147" name="Group 31">
-                  <a:extLst>
-                    <a:ext uri="{FF2B5EF4-FFF2-40B4-BE49-F238E27FC236}">
-                      <a16:creationId xmlns:a16="http://schemas.microsoft.com/office/drawing/2014/main" id="{EDAB8F2C-377A-86A1-20EF-4E1D4BD1EB7E}"/>
-                    </a:ext>
-                  </a:extLst>
-                </p:cNvPr>
-                <p:cNvGrpSpPr/>
-                <p:nvPr/>
-              </p:nvGrpSpPr>
-              <p:grpSpPr>
-                <a:xfrm>
-                  <a:off x="40369654" y="13198740"/>
-                  <a:ext cx="1191671" cy="1191671"/>
-                  <a:chOff x="0" y="0"/>
-                  <a:chExt cx="812800" cy="812800"/>
-                </a:xfrm>
-              </p:grpSpPr>
-              <p:sp>
-                <p:nvSpPr>
-                  <p:cNvPr id="1149" name="Freeform 32">
-                    <a:extLst>
-                      <a:ext uri="{FF2B5EF4-FFF2-40B4-BE49-F238E27FC236}">
-                        <a16:creationId xmlns:a16="http://schemas.microsoft.com/office/drawing/2014/main" id="{7B037CA6-9C5F-9BBF-FDF6-48320F37C2D9}"/>
-                      </a:ext>
-                    </a:extLst>
-                  </p:cNvPr>
-                  <p:cNvSpPr/>
-                  <p:nvPr/>
-                </p:nvSpPr>
-                <p:spPr>
-                  <a:xfrm>
-                    <a:off x="0" y="0"/>
-                    <a:ext cx="812800" cy="812800"/>
-                  </a:xfrm>
-                  <a:custGeom>
-                    <a:avLst/>
-                    <a:gdLst/>
-                    <a:ahLst/>
-                    <a:cxnLst/>
-                    <a:rect l="l" t="t" r="r" b="b"/>
-                    <a:pathLst>
-                      <a:path w="812800" h="812800">
-                        <a:moveTo>
-                          <a:pt x="406400" y="0"/>
-                        </a:moveTo>
-                        <a:cubicBezTo>
-                          <a:pt x="181951" y="0"/>
-                          <a:pt x="0" y="181951"/>
-                          <a:pt x="0" y="406400"/>
-                        </a:cubicBezTo>
-                        <a:cubicBezTo>
-                          <a:pt x="0" y="630849"/>
-                          <a:pt x="181951" y="812800"/>
-                          <a:pt x="406400" y="812800"/>
-                        </a:cubicBezTo>
-                        <a:cubicBezTo>
-                          <a:pt x="630849" y="812800"/>
-                          <a:pt x="812800" y="630849"/>
-                          <a:pt x="812800" y="406400"/>
-                        </a:cubicBezTo>
-                        <a:cubicBezTo>
-                          <a:pt x="812800" y="181951"/>
-                          <a:pt x="630849" y="0"/>
-                          <a:pt x="406400" y="0"/>
-                        </a:cubicBezTo>
-                        <a:close/>
-                      </a:path>
-                    </a:pathLst>
-                  </a:custGeom>
-                  <a:solidFill>
-                    <a:srgbClr val="FFFFFF"/>
-                  </a:solidFill>
-                </p:spPr>
-                <p:txBody>
-                  <a:bodyPr/>
-                  <a:lstStyle/>
-                  <a:p>
-                    <a:endParaRPr lang="en-US" dirty="0"/>
-                  </a:p>
-                </p:txBody>
-              </p:sp>
-              <p:sp>
-                <p:nvSpPr>
-                  <p:cNvPr id="1150" name="TextBox 33">
-                    <a:extLst>
-                      <a:ext uri="{FF2B5EF4-FFF2-40B4-BE49-F238E27FC236}">
-                        <a16:creationId xmlns:a16="http://schemas.microsoft.com/office/drawing/2014/main" id="{2CD45578-3F12-99DC-B314-06D6B79345DF}"/>
-                      </a:ext>
-                    </a:extLst>
-                  </p:cNvPr>
-                  <p:cNvSpPr txBox="1"/>
-                  <p:nvPr/>
-                </p:nvSpPr>
-                <p:spPr>
-                  <a:xfrm>
-                    <a:off x="76200" y="19050"/>
-                    <a:ext cx="660400" cy="717550"/>
-                  </a:xfrm>
-                  <a:prstGeom prst="rect">
-                    <a:avLst/>
-                  </a:prstGeom>
-                </p:spPr>
-                <p:txBody>
-                  <a:bodyPr lIns="50800" tIns="50800" rIns="50800" bIns="50800" rtlCol="0" anchor="ctr"/>
-                  <a:lstStyle/>
-                  <a:p>
-                    <a:pPr algn="ctr">
-                      <a:lnSpc>
-                        <a:spcPts val="3453"/>
-                      </a:lnSpc>
-                    </a:pPr>
-                    <a:endParaRPr/>
-                  </a:p>
-                </p:txBody>
-              </p:sp>
-            </p:grpSp>
-            <p:sp>
-              <p:nvSpPr>
-                <p:cNvPr id="1125" name="Freeform 47">
-                  <a:extLst>
-                    <a:ext uri="{FF2B5EF4-FFF2-40B4-BE49-F238E27FC236}">
-                      <a16:creationId xmlns:a16="http://schemas.microsoft.com/office/drawing/2014/main" id="{1689C936-89B9-0CA2-FE62-FE212EACBC56}"/>
-                    </a:ext>
-                  </a:extLst>
-                </p:cNvPr>
-                <p:cNvSpPr/>
-                <p:nvPr/>
-              </p:nvSpPr>
-              <p:spPr>
-                <a:xfrm>
-                  <a:off x="40478530" y="13480498"/>
-                  <a:ext cx="1001397" cy="623370"/>
-                </a:xfrm>
-                <a:custGeom>
-                  <a:avLst/>
-                  <a:gdLst/>
-                  <a:ahLst/>
-                  <a:cxnLst/>
-                  <a:rect l="l" t="t" r="r" b="b"/>
-                  <a:pathLst>
-                    <a:path w="1238718" h="771102">
-                      <a:moveTo>
-                        <a:pt x="0" y="0"/>
-                      </a:moveTo>
-                      <a:lnTo>
-                        <a:pt x="1238718" y="0"/>
-                      </a:lnTo>
-                      <a:lnTo>
-                        <a:pt x="1238718" y="771102"/>
-                      </a:lnTo>
-                      <a:lnTo>
-                        <a:pt x="0" y="771102"/>
-                      </a:lnTo>
-                      <a:lnTo>
-                        <a:pt x="0" y="0"/>
-                      </a:lnTo>
-                      <a:close/>
-                    </a:path>
-                  </a:pathLst>
-                </a:custGeom>
-                <a:blipFill>
-                  <a:blip r:embed="rId18">
-                    <a:extLst>
-                      <a:ext uri="{96DAC541-7B7A-43D3-8B79-37D633B846F1}">
-                        <asvg:svgBlip xmlns:asvg="http://schemas.microsoft.com/office/drawing/2016/SVG/main" r:embed="rId19"/>
-                      </a:ext>
-                    </a:extLst>
-                  </a:blip>
-                  <a:stretch>
-                    <a:fillRect/>
-                  </a:stretch>
-                </a:blipFill>
-              </p:spPr>
-              <p:txBody>
-                <a:bodyPr/>
-                <a:lstStyle/>
-                <a:p>
-                  <a:endParaRPr lang="en-US" dirty="0"/>
-                </a:p>
-              </p:txBody>
-            </p:sp>
-          </p:grpSp>
-        </p:grpSp>
-        <p:sp>
-          <p:nvSpPr>
-            <p:cNvPr id="25" name="Freeform 46">
-              <a:extLst>
-                <a:ext uri="{FF2B5EF4-FFF2-40B4-BE49-F238E27FC236}">
-                  <a16:creationId xmlns:a16="http://schemas.microsoft.com/office/drawing/2014/main" id="{E016098A-A6F8-BED1-1006-A07287DC6FFB}"/>
-                </a:ext>
-              </a:extLst>
-            </p:cNvPr>
-            <p:cNvSpPr/>
-            <p:nvPr/>
-          </p:nvSpPr>
-          <p:spPr>
-            <a:xfrm>
-              <a:off x="40465975" y="13313554"/>
-              <a:ext cx="687268" cy="687268"/>
-            </a:xfrm>
-            <a:custGeom>
-              <a:avLst/>
-              <a:gdLst/>
-              <a:ahLst/>
-              <a:cxnLst/>
-              <a:rect l="l" t="t" r="r" b="b"/>
-              <a:pathLst>
-                <a:path w="954589" h="954589">
-                  <a:moveTo>
-                    <a:pt x="0" y="0"/>
-                  </a:moveTo>
-                  <a:lnTo>
-                    <a:pt x="954589" y="0"/>
-                  </a:lnTo>
-                  <a:lnTo>
-                    <a:pt x="954589" y="954589"/>
-                  </a:lnTo>
-                  <a:lnTo>
-                    <a:pt x="0" y="954589"/>
-                  </a:lnTo>
-                  <a:lnTo>
-                    <a:pt x="0" y="0"/>
-                  </a:lnTo>
-                  <a:close/>
-                </a:path>
-              </a:pathLst>
-            </a:custGeom>
-            <a:blipFill>
-              <a:blip r:embed="rId16">
-                <a:extLst>
-                  <a:ext uri="{96DAC541-7B7A-43D3-8B79-37D633B846F1}">
-                    <asvg:svgBlip xmlns:asvg="http://schemas.microsoft.com/office/drawing/2016/SVG/main" r:embed="rId17"/>
-                  </a:ext>
-                </a:extLst>
-              </a:blip>
-              <a:stretch>
-                <a:fillRect/>
-              </a:stretch>
-            </a:blipFill>
-          </p:spPr>
-          <p:txBody>
-            <a:bodyPr/>
-            <a:lstStyle/>
-            <a:p>
-              <a:endParaRPr lang="en-US" dirty="0"/>
-            </a:p>
-          </p:txBody>
-        </p:sp>
-        <p:sp>
-          <p:nvSpPr>
-            <p:cNvPr id="28" name="TextBox 27">
-              <a:extLst>
-                <a:ext uri="{FF2B5EF4-FFF2-40B4-BE49-F238E27FC236}">
-                  <a16:creationId xmlns:a16="http://schemas.microsoft.com/office/drawing/2014/main" id="{67C442A6-2BC0-DFF0-F417-30ABFA188C8B}"/>
+                  <a16:creationId xmlns:a16="http://schemas.microsoft.com/office/drawing/2014/main" id="{D51B4E40-D8C6-BD2B-C0C3-BDC1BB424588}"/>
                 </a:ext>
               </a:extLst>
             </p:cNvPr>
@@ -8653,170 +6049,27 @@
           </p:nvSpPr>
           <p:spPr>
             <a:xfrm>
-              <a:off x="38821167" y="7433403"/>
-              <a:ext cx="3894136" cy="3620660"/>
+              <a:off x="76200" y="19050"/>
+              <a:ext cx="660400" cy="717550"/>
             </a:xfrm>
             <a:prstGeom prst="rect">
               <a:avLst/>
             </a:prstGeom>
-            <a:noFill/>
           </p:spPr>
           <p:txBody>
-            <a:bodyPr wrap="square" lIns="228600" tIns="822960" rIns="228600" rtlCol="0">
-              <a:noAutofit/>
-            </a:bodyPr>
+            <a:bodyPr lIns="50800" tIns="50800" rIns="50800" bIns="50800" rtlCol="0" anchor="ctr"/>
             <a:lstStyle/>
             <a:p>
-              <a:r>
-                <a:rPr lang="en-US" sz="2800" b="1" dirty="0">
-                  <a:latin typeface="Arial" panose="020B0604020202020204" pitchFamily="34" charset="0"/>
-                  <a:cs typeface="Arial" panose="020B0604020202020204" pitchFamily="34" charset="0"/>
-                </a:rPr>
-                <a:t>Development</a:t>
-              </a:r>
-            </a:p>
-            <a:p>
-              <a:pPr marL="342900" indent="-342900">
-                <a:buFont typeface="Arial" panose="020B0604020202020204" pitchFamily="34" charset="0"/>
-                <a:buChar char="•"/>
+              <a:pPr algn="ctr">
+                <a:lnSpc>
+                  <a:spcPts val="3453"/>
+                </a:lnSpc>
               </a:pPr>
-              <a:r>
-                <a:rPr lang="en-US" sz="2400" dirty="0">
-                  <a:latin typeface="Arial" panose="020B0604020202020204" pitchFamily="34" charset="0"/>
-                  <a:cs typeface="Arial" panose="020B0604020202020204" pitchFamily="34" charset="0"/>
-                </a:rPr>
-                <a:t>Focus on core infrastructure RealSense and Isaac Sim</a:t>
-              </a:r>
-            </a:p>
-            <a:p>
-              <a:endParaRPr lang="en-US" sz="2800" b="1" dirty="0">
-                <a:latin typeface="Arial" panose="020B0604020202020204" pitchFamily="34" charset="0"/>
-                <a:cs typeface="Arial" panose="020B0604020202020204" pitchFamily="34" charset="0"/>
-              </a:endParaRPr>
-            </a:p>
-          </p:txBody>
-        </p:sp>
-        <p:sp>
-          <p:nvSpPr>
-            <p:cNvPr id="34" name="TextBox 33">
-              <a:extLst>
-                <a:ext uri="{FF2B5EF4-FFF2-40B4-BE49-F238E27FC236}">
-                  <a16:creationId xmlns:a16="http://schemas.microsoft.com/office/drawing/2014/main" id="{67D1B5A1-5A74-60E1-D18F-CBC7EF5B8F17}"/>
-                </a:ext>
-              </a:extLst>
-            </p:cNvPr>
-            <p:cNvSpPr txBox="1"/>
-            <p:nvPr/>
-          </p:nvSpPr>
-          <p:spPr>
-            <a:xfrm>
-              <a:off x="38842152" y="13748293"/>
-              <a:ext cx="3894136" cy="3620660"/>
-            </a:xfrm>
-            <a:prstGeom prst="rect">
-              <a:avLst/>
-            </a:prstGeom>
-            <a:noFill/>
-          </p:spPr>
-          <p:txBody>
-            <a:bodyPr wrap="square" lIns="228600" tIns="731520" rIns="228600" rtlCol="0">
-              <a:noAutofit/>
-            </a:bodyPr>
-            <a:lstStyle/>
-            <a:p>
-              <a:r>
-                <a:rPr lang="en-US" sz="2800" b="1" dirty="0">
-                  <a:latin typeface="Arial" panose="020B0604020202020204" pitchFamily="34" charset="0"/>
-                  <a:cs typeface="Arial" panose="020B0604020202020204" pitchFamily="34" charset="0"/>
-                </a:rPr>
-                <a:t>Testing</a:t>
-              </a:r>
-            </a:p>
-            <a:p>
-              <a:pPr marL="342900" indent="-342900">
-                <a:buFont typeface="Arial" panose="020B0604020202020204" pitchFamily="34" charset="0"/>
-                <a:buChar char="•"/>
-              </a:pPr>
-              <a:r>
-                <a:rPr lang="en-US" sz="2400" dirty="0">
-                  <a:latin typeface="Arial" panose="020B0604020202020204" pitchFamily="34" charset="0"/>
-                  <a:cs typeface="Arial" panose="020B0604020202020204" pitchFamily="34" charset="0"/>
-                </a:rPr>
-                <a:t>System testing</a:t>
-              </a:r>
-            </a:p>
-            <a:p>
-              <a:pPr marL="342900" indent="-342900">
-                <a:buFont typeface="Arial" panose="020B0604020202020204" pitchFamily="34" charset="0"/>
-                <a:buChar char="•"/>
-              </a:pPr>
-              <a:r>
-                <a:rPr lang="en-US" sz="2400" dirty="0">
-                  <a:latin typeface="Arial" panose="020B0604020202020204" pitchFamily="34" charset="0"/>
-                  <a:cs typeface="Arial" panose="020B0604020202020204" pitchFamily="34" charset="0"/>
-                </a:rPr>
-                <a:t>Performance optimization</a:t>
-              </a:r>
-            </a:p>
-            <a:p>
-              <a:pPr marL="342900" indent="-342900">
-                <a:buFont typeface="Arial" panose="020B0604020202020204" pitchFamily="34" charset="0"/>
-                <a:buChar char="•"/>
-              </a:pPr>
-              <a:r>
-                <a:rPr lang="en-US" sz="2400" dirty="0">
-                  <a:latin typeface="Arial" panose="020B0604020202020204" pitchFamily="34" charset="0"/>
-                  <a:cs typeface="Arial" panose="020B0604020202020204" pitchFamily="34" charset="0"/>
-                </a:rPr>
-                <a:t>User validation</a:t>
-              </a:r>
-            </a:p>
-            <a:p>
-              <a:endParaRPr lang="en-US" sz="2800" b="1" dirty="0">
-                <a:latin typeface="Arial" panose="020B0604020202020204" pitchFamily="34" charset="0"/>
-                <a:cs typeface="Arial" panose="020B0604020202020204" pitchFamily="34" charset="0"/>
-              </a:endParaRPr>
+              <a:endParaRPr/>
             </a:p>
           </p:txBody>
         </p:sp>
       </p:grpSp>
-      <p:pic>
-        <p:nvPicPr>
-          <p:cNvPr id="12" name="Picture 11" descr="A grey cube with black squares&#10;&#10;AI-generated content may be incorrect.">
-            <a:extLst>
-              <a:ext uri="{FF2B5EF4-FFF2-40B4-BE49-F238E27FC236}">
-                <a16:creationId xmlns:a16="http://schemas.microsoft.com/office/drawing/2014/main" id="{2EEF5404-D138-6315-C668-51BC7A0AAA40}"/>
-              </a:ext>
-            </a:extLst>
-          </p:cNvPr>
-          <p:cNvPicPr>
-            <a:picLocks noChangeAspect="1"/>
-          </p:cNvPicPr>
-          <p:nvPr/>
-        </p:nvPicPr>
-        <p:blipFill>
-          <a:blip r:embed="rId20"/>
-          <a:stretch>
-            <a:fillRect/>
-          </a:stretch>
-        </p:blipFill>
-        <p:spPr>
-          <a:xfrm>
-            <a:off x="29762588" y="18866870"/>
-            <a:ext cx="1828800" cy="1828800"/>
-          </a:xfrm>
-          <a:prstGeom prst="rect">
-            <a:avLst/>
-          </a:prstGeom>
-          <a:effectLst>
-            <a:outerShdw blurRad="76200" dir="13500000" sy="23000" kx="1200000" algn="br" rotWithShape="0">
-              <a:prstClr val="black">
-                <a:alpha val="20000"/>
-              </a:prstClr>
-            </a:outerShdw>
-          </a:effectLst>
-        </p:spPr>
-      </p:pic>
       <p:sp>
         <p:nvSpPr>
           <p:cNvPr id="18" name="Rectangle: Rounded Corners 17">
@@ -8831,7 +6084,7 @@
         </p:nvSpPr>
         <p:spPr>
           <a:xfrm>
-            <a:off x="457200" y="21488400"/>
+            <a:off x="457200" y="22860000"/>
             <a:ext cx="10972800" cy="5029200"/>
           </a:xfrm>
           <a:prstGeom prst="roundRect">
@@ -8928,148 +6181,317 @@
           </a:p>
         </p:txBody>
       </p:sp>
-      <p:pic>
-        <p:nvPicPr>
-          <p:cNvPr id="20" name="Picture 19" descr="A green circle with black hand in it&#10;&#10;AI-generated content may be incorrect.">
+      <p:grpSp>
+        <p:nvGrpSpPr>
+          <p:cNvPr id="16" name="Group 15">
             <a:extLst>
               <a:ext uri="{FF2B5EF4-FFF2-40B4-BE49-F238E27FC236}">
-                <a16:creationId xmlns:a16="http://schemas.microsoft.com/office/drawing/2014/main" id="{C3A38329-74C9-5EBA-D59C-E6B2DBFD0128}"/>
+                <a16:creationId xmlns:a16="http://schemas.microsoft.com/office/drawing/2014/main" id="{DD387EC3-DFC3-1E3D-E618-51852F94E4CE}"/>
               </a:ext>
             </a:extLst>
           </p:cNvPr>
-          <p:cNvPicPr>
-            <a:picLocks noChangeAspect="1"/>
-          </p:cNvPicPr>
+          <p:cNvGrpSpPr/>
           <p:nvPr/>
-        </p:nvPicPr>
-        <p:blipFill>
-          <a:blip r:embed="rId21"/>
-          <a:srcRect l="10300" t="10369" r="10300" b="10369"/>
-          <a:stretch/>
-        </p:blipFill>
-        <p:spPr>
+        </p:nvGrpSpPr>
+        <p:grpSpPr>
           <a:xfrm>
-            <a:off x="23858676" y="18865736"/>
-            <a:ext cx="1832006" cy="1828800"/>
+            <a:off x="29080866" y="24714806"/>
+            <a:ext cx="1989584" cy="2536686"/>
+            <a:chOff x="26374629" y="18144087"/>
+            <a:chExt cx="1989584" cy="2536686"/>
           </a:xfrm>
-          <a:prstGeom prst="rect">
-            <a:avLst/>
-          </a:prstGeom>
-          <a:effectLst>
-            <a:outerShdw blurRad="76200" dir="13500000" sy="23000" kx="1200000" algn="br" rotWithShape="0">
-              <a:prstClr val="black">
-                <a:alpha val="20000"/>
-              </a:prstClr>
-            </a:outerShdw>
-          </a:effectLst>
-        </p:spPr>
-      </p:pic>
-      <p:sp>
-        <p:nvSpPr>
-          <p:cNvPr id="23" name="TextBox 22">
+        </p:grpSpPr>
+        <p:pic>
+          <p:nvPicPr>
+            <p:cNvPr id="20" name="Picture 19" descr="A green circle with black hand in it&#10;&#10;AI-generated content may be incorrect.">
+              <a:extLst>
+                <a:ext uri="{FF2B5EF4-FFF2-40B4-BE49-F238E27FC236}">
+                  <a16:creationId xmlns:a16="http://schemas.microsoft.com/office/drawing/2014/main" id="{C3A38329-74C9-5EBA-D59C-E6B2DBFD0128}"/>
+                </a:ext>
+              </a:extLst>
+            </p:cNvPr>
+            <p:cNvPicPr>
+              <a:picLocks noChangeAspect="1"/>
+            </p:cNvPicPr>
+            <p:nvPr/>
+          </p:nvPicPr>
+          <p:blipFill>
+            <a:blip r:embed="rId10">
+              <a:extLst>
+                <a:ext uri="{BEBA8EAE-BF5A-486C-A8C5-ECC9F3942E4B}">
+                  <a14:imgProps xmlns:a14="http://schemas.microsoft.com/office/drawing/2010/main">
+                    <a14:imgLayer r:embed="rId11">
+                      <a14:imgEffect>
+                        <a14:saturation sat="300000"/>
+                      </a14:imgEffect>
+                    </a14:imgLayer>
+                  </a14:imgProps>
+                </a:ext>
+              </a:extLst>
+            </a:blip>
+            <a:srcRect l="10300" t="10369" r="10300" b="10369"/>
+            <a:stretch/>
+          </p:blipFill>
+          <p:spPr>
+            <a:xfrm>
+              <a:off x="26453418" y="18144087"/>
+              <a:ext cx="1832006" cy="1828800"/>
+            </a:xfrm>
+            <a:prstGeom prst="rect">
+              <a:avLst/>
+            </a:prstGeom>
+            <a:ln>
+              <a:noFill/>
+            </a:ln>
+            <a:effectLst>
+              <a:outerShdw blurRad="76200" dir="13500000" sy="23000" kx="1200000" algn="br" rotWithShape="0">
+                <a:prstClr val="black">
+                  <a:alpha val="20000"/>
+                </a:prstClr>
+              </a:outerShdw>
+            </a:effectLst>
+          </p:spPr>
+        </p:pic>
+        <p:sp>
+          <p:nvSpPr>
+            <p:cNvPr id="23" name="TextBox 22">
+              <a:extLst>
+                <a:ext uri="{FF2B5EF4-FFF2-40B4-BE49-F238E27FC236}">
+                  <a16:creationId xmlns:a16="http://schemas.microsoft.com/office/drawing/2014/main" id="{33745B42-DB2D-BE35-E572-F7835F771A6C}"/>
+                </a:ext>
+              </a:extLst>
+            </p:cNvPr>
+            <p:cNvSpPr txBox="1"/>
+            <p:nvPr/>
+          </p:nvSpPr>
+          <p:spPr>
+            <a:xfrm>
+              <a:off x="26374629" y="19972887"/>
+              <a:ext cx="1989584" cy="707886"/>
+            </a:xfrm>
+            <a:prstGeom prst="rect">
+              <a:avLst/>
+            </a:prstGeom>
+            <a:noFill/>
+          </p:spPr>
+          <p:txBody>
+            <a:bodyPr wrap="none" rtlCol="0">
+              <a:spAutoFit/>
+            </a:bodyPr>
+            <a:lstStyle/>
+            <a:p>
+              <a:r>
+                <a:rPr lang="en-US" sz="4000" b="1" dirty="0" err="1"/>
+                <a:t>Nuitrack</a:t>
+              </a:r>
+              <a:endParaRPr lang="en-US" sz="4000" b="1" dirty="0"/>
+            </a:p>
+          </p:txBody>
+        </p:sp>
+      </p:grpSp>
+      <p:grpSp>
+        <p:nvGrpSpPr>
+          <p:cNvPr id="38" name="Group 37">
             <a:extLst>
               <a:ext uri="{FF2B5EF4-FFF2-40B4-BE49-F238E27FC236}">
-                <a16:creationId xmlns:a16="http://schemas.microsoft.com/office/drawing/2014/main" id="{33745B42-DB2D-BE35-E572-F7835F771A6C}"/>
+                <a16:creationId xmlns:a16="http://schemas.microsoft.com/office/drawing/2014/main" id="{C2DCBBA1-921E-AFF9-2110-C6386A4D1282}"/>
               </a:ext>
             </a:extLst>
           </p:cNvPr>
-          <p:cNvSpPr txBox="1"/>
+          <p:cNvGrpSpPr/>
           <p:nvPr/>
-        </p:nvSpPr>
-        <p:spPr>
+        </p:nvGrpSpPr>
+        <p:grpSpPr>
           <a:xfrm>
-            <a:off x="23779887" y="20854233"/>
-            <a:ext cx="1989584" cy="707886"/>
+            <a:off x="28665923" y="21633469"/>
+            <a:ext cx="2743200" cy="2453062"/>
+            <a:chOff x="26044035" y="20898256"/>
+            <a:chExt cx="2743200" cy="2453062"/>
           </a:xfrm>
-          <a:prstGeom prst="rect">
-            <a:avLst/>
-          </a:prstGeom>
-          <a:noFill/>
-        </p:spPr>
-        <p:txBody>
-          <a:bodyPr wrap="none" rtlCol="0">
-            <a:spAutoFit/>
-          </a:bodyPr>
-          <a:lstStyle/>
-          <a:p>
-            <a:r>
-              <a:rPr lang="en-US" sz="4000" b="1" dirty="0" err="1"/>
-              <a:t>Nuitrack</a:t>
-            </a:r>
-            <a:endParaRPr lang="en-US" sz="4000" b="1" dirty="0"/>
-          </a:p>
-        </p:txBody>
-      </p:sp>
-      <p:sp>
-        <p:nvSpPr>
-          <p:cNvPr id="24" name="TextBox 23">
+        </p:grpSpPr>
+        <p:pic>
+          <p:nvPicPr>
+            <p:cNvPr id="1056" name="Picture 5" descr="Intel Logo PNG Image - PurePNG | Free transparent CC0 PNG Image Library">
+              <a:extLst>
+                <a:ext uri="{FF2B5EF4-FFF2-40B4-BE49-F238E27FC236}">
+                  <a16:creationId xmlns:a16="http://schemas.microsoft.com/office/drawing/2014/main" id="{FB50A7B5-0E5B-4888-F8A9-CEB6AF101335}"/>
+                </a:ext>
+              </a:extLst>
+            </p:cNvPr>
+            <p:cNvPicPr>
+              <a:picLocks noChangeAspect="1" noChangeArrowheads="1"/>
+            </p:cNvPicPr>
+            <p:nvPr/>
+          </p:nvPicPr>
+          <p:blipFill>
+            <a:blip r:embed="rId12">
+              <a:extLst>
+                <a:ext uri="{28A0092B-C50C-407E-A947-70E740481C1C}">
+                  <a14:useLocalDpi xmlns:a14="http://schemas.microsoft.com/office/drawing/2010/main" val="0"/>
+                </a:ext>
+              </a:extLst>
+            </a:blip>
+            <a:srcRect/>
+            <a:stretch>
+              <a:fillRect/>
+            </a:stretch>
+          </p:blipFill>
+          <p:spPr bwMode="auto">
+            <a:xfrm>
+              <a:off x="26044035" y="20898256"/>
+              <a:ext cx="2743200" cy="1828800"/>
+            </a:xfrm>
+            <a:prstGeom prst="rect">
+              <a:avLst/>
+            </a:prstGeom>
+            <a:noFill/>
+            <a:effectLst>
+              <a:outerShdw blurRad="76200" dir="13500000" sy="23000" kx="1200000" algn="br" rotWithShape="0">
+                <a:prstClr val="black">
+                  <a:alpha val="20000"/>
+                </a:prstClr>
+              </a:outerShdw>
+            </a:effectLst>
+            <a:extLst>
+              <a:ext uri="{909E8E84-426E-40DD-AFC4-6F175D3DCCD1}">
+                <a14:hiddenFill xmlns:a14="http://schemas.microsoft.com/office/drawing/2010/main">
+                  <a:solidFill>
+                    <a:srgbClr val="FFFFFF"/>
+                  </a:solidFill>
+                </a14:hiddenFill>
+              </a:ext>
+            </a:extLst>
+          </p:spPr>
+        </p:pic>
+        <p:sp>
+          <p:nvSpPr>
+            <p:cNvPr id="24" name="TextBox 23">
+              <a:extLst>
+                <a:ext uri="{FF2B5EF4-FFF2-40B4-BE49-F238E27FC236}">
+                  <a16:creationId xmlns:a16="http://schemas.microsoft.com/office/drawing/2014/main" id="{6703BDE0-F395-F901-E9F4-6B4F197D4E03}"/>
+                </a:ext>
+              </a:extLst>
+            </p:cNvPr>
+            <p:cNvSpPr txBox="1"/>
+            <p:nvPr/>
+          </p:nvSpPr>
+          <p:spPr>
+            <a:xfrm>
+              <a:off x="26244224" y="22643432"/>
+              <a:ext cx="2342821" cy="707886"/>
+            </a:xfrm>
+            <a:prstGeom prst="rect">
+              <a:avLst/>
+            </a:prstGeom>
+            <a:noFill/>
+          </p:spPr>
+          <p:txBody>
+            <a:bodyPr wrap="none" rtlCol="0">
+              <a:spAutoFit/>
+            </a:bodyPr>
+            <a:lstStyle/>
+            <a:p>
+              <a:r>
+                <a:rPr lang="en-US" sz="4000" b="1" dirty="0"/>
+                <a:t>RealSense</a:t>
+              </a:r>
+            </a:p>
+          </p:txBody>
+        </p:sp>
+      </p:grpSp>
+      <p:grpSp>
+        <p:nvGrpSpPr>
+          <p:cNvPr id="27" name="Group 26">
             <a:extLst>
               <a:ext uri="{FF2B5EF4-FFF2-40B4-BE49-F238E27FC236}">
-                <a16:creationId xmlns:a16="http://schemas.microsoft.com/office/drawing/2014/main" id="{6703BDE0-F395-F901-E9F4-6B4F197D4E03}"/>
+                <a16:creationId xmlns:a16="http://schemas.microsoft.com/office/drawing/2014/main" id="{4FF30871-AD4E-5246-EC42-A58604A27D5E}"/>
               </a:ext>
             </a:extLst>
           </p:cNvPr>
-          <p:cNvSpPr txBox="1"/>
+          <p:cNvGrpSpPr/>
           <p:nvPr/>
-        </p:nvSpPr>
-        <p:spPr>
+        </p:nvGrpSpPr>
+        <p:grpSpPr>
           <a:xfrm>
-            <a:off x="26161623" y="20770363"/>
-            <a:ext cx="3421834" cy="707886"/>
+            <a:off x="29123123" y="18468508"/>
+            <a:ext cx="1828800" cy="2536686"/>
+            <a:chOff x="29880758" y="24628614"/>
+            <a:chExt cx="1828800" cy="2536686"/>
           </a:xfrm>
-          <a:prstGeom prst="rect">
-            <a:avLst/>
-          </a:prstGeom>
-          <a:noFill/>
-        </p:spPr>
-        <p:txBody>
-          <a:bodyPr wrap="none" rtlCol="0">
-            <a:spAutoFit/>
-          </a:bodyPr>
-          <a:lstStyle/>
-          <a:p>
-            <a:r>
-              <a:rPr lang="en-US" sz="4000" b="1" dirty="0"/>
-              <a:t>Intel RealSense</a:t>
-            </a:r>
-          </a:p>
-        </p:txBody>
-      </p:sp>
-      <p:sp>
-        <p:nvSpPr>
-          <p:cNvPr id="26" name="TextBox 25">
-            <a:extLst>
-              <a:ext uri="{FF2B5EF4-FFF2-40B4-BE49-F238E27FC236}">
-                <a16:creationId xmlns:a16="http://schemas.microsoft.com/office/drawing/2014/main" id="{6BA31202-CBD6-8011-F23D-9548A88939B4}"/>
-              </a:ext>
-            </a:extLst>
-          </p:cNvPr>
-          <p:cNvSpPr txBox="1"/>
-          <p:nvPr/>
-        </p:nvSpPr>
-        <p:spPr>
-          <a:xfrm>
-            <a:off x="30005169" y="20788720"/>
-            <a:ext cx="1343638" cy="707886"/>
-          </a:xfrm>
-          <a:prstGeom prst="rect">
-            <a:avLst/>
-          </a:prstGeom>
-          <a:noFill/>
-        </p:spPr>
-        <p:txBody>
-          <a:bodyPr wrap="none" rtlCol="0">
-            <a:spAutoFit/>
-          </a:bodyPr>
-          <a:lstStyle/>
-          <a:p>
-            <a:r>
-              <a:rPr lang="en-US" sz="4000" b="1" dirty="0"/>
-              <a:t>Unity</a:t>
-            </a:r>
-          </a:p>
-        </p:txBody>
-      </p:sp>
+        </p:grpSpPr>
+        <p:pic>
+          <p:nvPicPr>
+            <p:cNvPr id="12" name="Picture 11" descr="A grey cube with black squares&#10;&#10;AI-generated content may be incorrect.">
+              <a:extLst>
+                <a:ext uri="{FF2B5EF4-FFF2-40B4-BE49-F238E27FC236}">
+                  <a16:creationId xmlns:a16="http://schemas.microsoft.com/office/drawing/2014/main" id="{2EEF5404-D138-6315-C668-51BC7A0AAA40}"/>
+                </a:ext>
+              </a:extLst>
+            </p:cNvPr>
+            <p:cNvPicPr>
+              <a:picLocks noChangeAspect="1"/>
+            </p:cNvPicPr>
+            <p:nvPr/>
+          </p:nvPicPr>
+          <p:blipFill>
+            <a:blip r:embed="rId13"/>
+            <a:stretch>
+              <a:fillRect/>
+            </a:stretch>
+          </p:blipFill>
+          <p:spPr>
+            <a:xfrm>
+              <a:off x="29880758" y="24628614"/>
+              <a:ext cx="1828800" cy="1828800"/>
+            </a:xfrm>
+            <a:prstGeom prst="rect">
+              <a:avLst/>
+            </a:prstGeom>
+            <a:effectLst>
+              <a:outerShdw blurRad="76200" dir="13500000" sy="23000" kx="1200000" algn="br" rotWithShape="0">
+                <a:prstClr val="black">
+                  <a:alpha val="20000"/>
+                </a:prstClr>
+              </a:outerShdw>
+            </a:effectLst>
+          </p:spPr>
+        </p:pic>
+        <p:sp>
+          <p:nvSpPr>
+            <p:cNvPr id="26" name="TextBox 25">
+              <a:extLst>
+                <a:ext uri="{FF2B5EF4-FFF2-40B4-BE49-F238E27FC236}">
+                  <a16:creationId xmlns:a16="http://schemas.microsoft.com/office/drawing/2014/main" id="{6BA31202-CBD6-8011-F23D-9548A88939B4}"/>
+                </a:ext>
+              </a:extLst>
+            </p:cNvPr>
+            <p:cNvSpPr txBox="1"/>
+            <p:nvPr/>
+          </p:nvSpPr>
+          <p:spPr>
+            <a:xfrm>
+              <a:off x="30123339" y="26457414"/>
+              <a:ext cx="1343638" cy="707886"/>
+            </a:xfrm>
+            <a:prstGeom prst="rect">
+              <a:avLst/>
+            </a:prstGeom>
+            <a:noFill/>
+          </p:spPr>
+          <p:txBody>
+            <a:bodyPr wrap="none" rtlCol="0">
+              <a:spAutoFit/>
+            </a:bodyPr>
+            <a:lstStyle/>
+            <a:p>
+              <a:r>
+                <a:rPr lang="en-US" sz="4000" b="1" dirty="0"/>
+                <a:t>Unity</a:t>
+              </a:r>
+            </a:p>
+          </p:txBody>
+        </p:sp>
+      </p:grpSp>
       <p:sp>
         <p:nvSpPr>
           <p:cNvPr id="17" name="Rectangle 16">
@@ -9285,7 +6707,7 @@
           <p:nvPr/>
         </p:nvPicPr>
         <p:blipFill rotWithShape="1">
-          <a:blip r:embed="rId22">
+          <a:blip r:embed="rId14">
             <a:extLst>
               <a:ext uri="{28A0092B-C50C-407E-A947-70E740481C1C}">
                 <a14:useLocalDpi xmlns:a14="http://schemas.microsoft.com/office/drawing/2010/main" val="0"/>
@@ -9437,44 +6859,6 @@
           </a:p>
         </p:txBody>
       </p:sp>
-      <p:sp>
-        <p:nvSpPr>
-          <p:cNvPr id="42" name="TextBox 41">
-            <a:extLst>
-              <a:ext uri="{FF2B5EF4-FFF2-40B4-BE49-F238E27FC236}">
-                <a16:creationId xmlns:a16="http://schemas.microsoft.com/office/drawing/2014/main" id="{EA22840D-6765-67AB-927A-5BB7FF28DE7F}"/>
-              </a:ext>
-            </a:extLst>
-          </p:cNvPr>
-          <p:cNvSpPr txBox="1"/>
-          <p:nvPr/>
-        </p:nvSpPr>
-        <p:spPr>
-          <a:xfrm>
-            <a:off x="29298899" y="16588727"/>
-            <a:ext cx="2424062" cy="523220"/>
-          </a:xfrm>
-          <a:prstGeom prst="rect">
-            <a:avLst/>
-          </a:prstGeom>
-          <a:noFill/>
-        </p:spPr>
-        <p:txBody>
-          <a:bodyPr wrap="none" rtlCol="0">
-            <a:spAutoFit/>
-          </a:bodyPr>
-          <a:lstStyle/>
-          <a:p>
-            <a:r>
-              <a:rPr lang="en-US" sz="2800" b="1" dirty="0">
-                <a:latin typeface="Arial" panose="020B0604020202020204" pitchFamily="34" charset="0"/>
-                <a:cs typeface="Arial" panose="020B0604020202020204" pitchFamily="34" charset="0"/>
-              </a:rPr>
-              <a:t>(not to scale)</a:t>
-            </a:r>
-          </a:p>
-        </p:txBody>
-      </p:sp>
       <p:pic>
         <p:nvPicPr>
           <p:cNvPr id="57" name="Picture 56" descr="A camera lens on a black background&#10;&#10;AI-generated content may be incorrect.">
@@ -9490,7 +6874,7 @@
           <p:nvPr/>
         </p:nvPicPr>
         <p:blipFill>
-          <a:blip r:embed="rId23"/>
+          <a:blip r:embed="rId15"/>
           <a:srcRect t="37956" b="37956"/>
           <a:stretch/>
         </p:blipFill>
@@ -9518,8 +6902,8 @@
         </p:nvSpPr>
         <p:spPr>
           <a:xfrm rot="5400000">
-            <a:off x="21681310" y="9807849"/>
-            <a:ext cx="7244473" cy="7076305"/>
+            <a:off x="20818911" y="8945452"/>
+            <a:ext cx="7244473" cy="8801099"/>
           </a:xfrm>
           <a:prstGeom prst="triangle">
             <a:avLst>
@@ -9560,6 +6944,794 @@
           </a:p>
         </p:txBody>
       </p:sp>
+      <p:sp>
+        <p:nvSpPr>
+          <p:cNvPr id="3" name="Rectangle: Rounded Corners 2">
+            <a:extLst>
+              <a:ext uri="{FF2B5EF4-FFF2-40B4-BE49-F238E27FC236}">
+                <a16:creationId xmlns:a16="http://schemas.microsoft.com/office/drawing/2014/main" id="{62CBEC55-C933-39A4-8FB5-E5F781CC3531}"/>
+              </a:ext>
+            </a:extLst>
+          </p:cNvPr>
+          <p:cNvSpPr/>
+          <p:nvPr/>
+        </p:nvSpPr>
+        <p:spPr>
+          <a:xfrm>
+            <a:off x="32461200" y="5486399"/>
+            <a:ext cx="10972800" cy="14630400"/>
+          </a:xfrm>
+          <a:prstGeom prst="roundRect">
+            <a:avLst>
+              <a:gd name="adj" fmla="val 1726"/>
+            </a:avLst>
+          </a:prstGeom>
+          <a:solidFill>
+            <a:schemeClr val="bg1"/>
+          </a:solidFill>
+          <a:effectLst/>
+        </p:spPr>
+        <p:style>
+          <a:lnRef idx="2">
+            <a:schemeClr val="accent1">
+              <a:shade val="15000"/>
+            </a:schemeClr>
+          </a:lnRef>
+          <a:fillRef idx="1">
+            <a:schemeClr val="accent1"/>
+          </a:fillRef>
+          <a:effectRef idx="0">
+            <a:schemeClr val="accent1"/>
+          </a:effectRef>
+          <a:fontRef idx="minor">
+            <a:schemeClr val="lt1"/>
+          </a:fontRef>
+        </p:style>
+        <p:txBody>
+          <a:bodyPr lIns="457200" tIns="457200" rIns="457200" bIns="457200" rtlCol="0" anchor="t" anchorCtr="0"/>
+          <a:lstStyle/>
+          <a:p>
+            <a:r>
+              <a:rPr lang="en-US" sz="4800" b="1" dirty="0">
+                <a:solidFill>
+                  <a:schemeClr val="tx1"/>
+                </a:solidFill>
+                <a:latin typeface="Arial" panose="020B0604020202020204" pitchFamily="34" charset="0"/>
+                <a:cs typeface="Arial" panose="020B0604020202020204" pitchFamily="34" charset="0"/>
+              </a:rPr>
+              <a:t>Technical Specifications</a:t>
+            </a:r>
+          </a:p>
+          <a:p>
+            <a:endParaRPr lang="en-US" sz="3600" b="1" dirty="0">
+              <a:solidFill>
+                <a:schemeClr val="tx1"/>
+              </a:solidFill>
+              <a:latin typeface="Arial" panose="020B0604020202020204" pitchFamily="34" charset="0"/>
+              <a:cs typeface="Arial" panose="020B0604020202020204" pitchFamily="34" charset="0"/>
+            </a:endParaRPr>
+          </a:p>
+          <a:p>
+            <a:endParaRPr lang="en-US" sz="3600" b="1" dirty="0">
+              <a:solidFill>
+                <a:schemeClr val="tx1"/>
+              </a:solidFill>
+              <a:latin typeface="Arial" panose="020B0604020202020204" pitchFamily="34" charset="0"/>
+              <a:cs typeface="Arial" panose="020B0604020202020204" pitchFamily="34" charset="0"/>
+            </a:endParaRPr>
+          </a:p>
+          <a:p>
+            <a:endParaRPr lang="en-US" sz="3600" b="1" dirty="0">
+              <a:solidFill>
+                <a:schemeClr val="tx1"/>
+              </a:solidFill>
+              <a:latin typeface="Arial" panose="020B0604020202020204" pitchFamily="34" charset="0"/>
+              <a:cs typeface="Arial" panose="020B0604020202020204" pitchFamily="34" charset="0"/>
+            </a:endParaRPr>
+          </a:p>
+          <a:p>
+            <a:endParaRPr lang="en-US" sz="3600" b="1" dirty="0">
+              <a:solidFill>
+                <a:schemeClr val="tx1"/>
+              </a:solidFill>
+              <a:latin typeface="Arial" panose="020B0604020202020204" pitchFamily="34" charset="0"/>
+              <a:cs typeface="Arial" panose="020B0604020202020204" pitchFamily="34" charset="0"/>
+            </a:endParaRPr>
+          </a:p>
+          <a:p>
+            <a:endParaRPr lang="en-US" sz="3600" b="1" dirty="0">
+              <a:solidFill>
+                <a:schemeClr val="tx1"/>
+              </a:solidFill>
+              <a:latin typeface="Arial" panose="020B0604020202020204" pitchFamily="34" charset="0"/>
+              <a:cs typeface="Arial" panose="020B0604020202020204" pitchFamily="34" charset="0"/>
+            </a:endParaRPr>
+          </a:p>
+          <a:p>
+            <a:endParaRPr lang="en-US" sz="3600" b="1" dirty="0">
+              <a:solidFill>
+                <a:schemeClr val="tx1"/>
+              </a:solidFill>
+              <a:latin typeface="Arial" panose="020B0604020202020204" pitchFamily="34" charset="0"/>
+              <a:cs typeface="Arial" panose="020B0604020202020204" pitchFamily="34" charset="0"/>
+            </a:endParaRPr>
+          </a:p>
+          <a:p>
+            <a:endParaRPr lang="en-US" sz="3600" b="1" dirty="0">
+              <a:solidFill>
+                <a:schemeClr val="tx1"/>
+              </a:solidFill>
+              <a:latin typeface="Arial" panose="020B0604020202020204" pitchFamily="34" charset="0"/>
+              <a:cs typeface="Arial" panose="020B0604020202020204" pitchFamily="34" charset="0"/>
+            </a:endParaRPr>
+          </a:p>
+          <a:p>
+            <a:endParaRPr lang="en-US" sz="3600" b="1" dirty="0">
+              <a:solidFill>
+                <a:schemeClr val="tx1"/>
+              </a:solidFill>
+              <a:latin typeface="Arial" panose="020B0604020202020204" pitchFamily="34" charset="0"/>
+              <a:cs typeface="Arial" panose="020B0604020202020204" pitchFamily="34" charset="0"/>
+            </a:endParaRPr>
+          </a:p>
+          <a:p>
+            <a:endParaRPr lang="en-US" sz="3600" b="1" dirty="0">
+              <a:solidFill>
+                <a:schemeClr val="tx1"/>
+              </a:solidFill>
+              <a:latin typeface="Arial" panose="020B0604020202020204" pitchFamily="34" charset="0"/>
+              <a:cs typeface="Arial" panose="020B0604020202020204" pitchFamily="34" charset="0"/>
+            </a:endParaRPr>
+          </a:p>
+          <a:p>
+            <a:endParaRPr lang="en-US" sz="3600" b="1" dirty="0">
+              <a:solidFill>
+                <a:schemeClr val="tx1"/>
+              </a:solidFill>
+              <a:latin typeface="Arial" panose="020B0604020202020204" pitchFamily="34" charset="0"/>
+              <a:cs typeface="Arial" panose="020B0604020202020204" pitchFamily="34" charset="0"/>
+            </a:endParaRPr>
+          </a:p>
+          <a:p>
+            <a:endParaRPr lang="en-US" sz="4800" b="1" dirty="0">
+              <a:solidFill>
+                <a:schemeClr val="tx1"/>
+              </a:solidFill>
+              <a:latin typeface="Arial" panose="020B0604020202020204" pitchFamily="34" charset="0"/>
+              <a:cs typeface="Arial" panose="020B0604020202020204" pitchFamily="34" charset="0"/>
+            </a:endParaRPr>
+          </a:p>
+          <a:p>
+            <a:pPr marL="571500" indent="-571500" algn="l">
+              <a:spcAft>
+                <a:spcPts val="600"/>
+              </a:spcAft>
+              <a:buFont typeface="Arial" panose="020B0604020202020204" pitchFamily="34" charset="0"/>
+              <a:buChar char="•"/>
+            </a:pPr>
+            <a:r>
+              <a:rPr lang="en-US" sz="3600" b="1" i="0" dirty="0">
+                <a:solidFill>
+                  <a:srgbClr val="000000"/>
+                </a:solidFill>
+                <a:effectLst/>
+                <a:latin typeface="Arial" panose="020B0604020202020204" pitchFamily="34" charset="0"/>
+              </a:rPr>
+              <a:t>Communication Protocol:</a:t>
+            </a:r>
+            <a:r>
+              <a:rPr lang="en-US" sz="3600" b="0" i="0" dirty="0">
+                <a:solidFill>
+                  <a:srgbClr val="000000"/>
+                </a:solidFill>
+                <a:effectLst/>
+                <a:latin typeface="Arial" panose="020B0604020202020204" pitchFamily="34" charset="0"/>
+              </a:rPr>
+              <a:t> Wireless UDP for real-time Unity-</a:t>
+            </a:r>
+            <a:r>
+              <a:rPr lang="en-US" sz="3600" b="0" i="0" dirty="0" err="1">
+                <a:solidFill>
+                  <a:srgbClr val="000000"/>
+                </a:solidFill>
+                <a:effectLst/>
+                <a:latin typeface="Arial" panose="020B0604020202020204" pitchFamily="34" charset="0"/>
+              </a:rPr>
+              <a:t>GoFa</a:t>
+            </a:r>
+            <a:r>
+              <a:rPr lang="en-US" sz="3600" b="0" i="0" dirty="0">
+                <a:solidFill>
+                  <a:srgbClr val="000000"/>
+                </a:solidFill>
+                <a:effectLst/>
+                <a:latin typeface="Arial" panose="020B0604020202020204" pitchFamily="34" charset="0"/>
+              </a:rPr>
+              <a:t> interaction with under 30ms latency</a:t>
+            </a:r>
+          </a:p>
+          <a:p>
+            <a:pPr marL="571500" indent="-571500" algn="l">
+              <a:spcAft>
+                <a:spcPts val="600"/>
+              </a:spcAft>
+              <a:buFont typeface="Arial" panose="020B0604020202020204" pitchFamily="34" charset="0"/>
+              <a:buChar char="•"/>
+            </a:pPr>
+            <a:r>
+              <a:rPr lang="en-US" sz="3600" b="1" i="0" dirty="0">
+                <a:solidFill>
+                  <a:srgbClr val="000000"/>
+                </a:solidFill>
+                <a:effectLst/>
+                <a:latin typeface="Arial" panose="020B0604020202020204" pitchFamily="34" charset="0"/>
+              </a:rPr>
+              <a:t>Digital Twin Synchronization:</a:t>
+            </a:r>
+            <a:r>
+              <a:rPr lang="en-US" sz="3600" b="0" i="0" dirty="0">
+                <a:solidFill>
+                  <a:srgbClr val="000000"/>
+                </a:solidFill>
+                <a:effectLst/>
+                <a:latin typeface="Arial" panose="020B0604020202020204" pitchFamily="34" charset="0"/>
+              </a:rPr>
+              <a:t> Unity maintains virtual representation with position accuracy of ±0.5mm</a:t>
+            </a:r>
+          </a:p>
+          <a:p>
+            <a:pPr marL="571500" indent="-571500" algn="l">
+              <a:spcAft>
+                <a:spcPts val="600"/>
+              </a:spcAft>
+              <a:buFont typeface="Arial" panose="020B0604020202020204" pitchFamily="34" charset="0"/>
+              <a:buChar char="•"/>
+            </a:pPr>
+            <a:r>
+              <a:rPr lang="en-US" sz="3600" b="1" i="0" dirty="0">
+                <a:solidFill>
+                  <a:srgbClr val="000000"/>
+                </a:solidFill>
+                <a:effectLst/>
+                <a:latin typeface="Arial" panose="020B0604020202020204" pitchFamily="34" charset="0"/>
+              </a:rPr>
+              <a:t>Human Detection:</a:t>
+            </a:r>
+            <a:r>
+              <a:rPr lang="en-US" sz="3600" b="0" i="0" dirty="0">
+                <a:solidFill>
+                  <a:srgbClr val="000000"/>
+                </a:solidFill>
+                <a:effectLst/>
+                <a:latin typeface="Arial" panose="020B0604020202020204" pitchFamily="34" charset="0"/>
+              </a:rPr>
+              <a:t> RealSense camera captures spatial data processed through </a:t>
+            </a:r>
+            <a:r>
+              <a:rPr lang="en-US" sz="3600" b="0" i="0" dirty="0" err="1">
+                <a:solidFill>
+                  <a:srgbClr val="000000"/>
+                </a:solidFill>
+                <a:effectLst/>
+                <a:latin typeface="Arial" panose="020B0604020202020204" pitchFamily="34" charset="0"/>
+              </a:rPr>
+              <a:t>Nuitrack</a:t>
+            </a:r>
+            <a:r>
+              <a:rPr lang="en-US" sz="3600" b="0" i="0" dirty="0">
+                <a:solidFill>
+                  <a:srgbClr val="000000"/>
+                </a:solidFill>
+                <a:effectLst/>
+                <a:latin typeface="Arial" panose="020B0604020202020204" pitchFamily="34" charset="0"/>
+              </a:rPr>
+              <a:t> with &lt;2% depth error at 4m</a:t>
+            </a:r>
+          </a:p>
+          <a:p>
+            <a:pPr marL="571500" indent="-571500" algn="l">
+              <a:spcAft>
+                <a:spcPts val="600"/>
+              </a:spcAft>
+              <a:buFont typeface="Arial" panose="020B0604020202020204" pitchFamily="34" charset="0"/>
+              <a:buChar char="•"/>
+            </a:pPr>
+            <a:r>
+              <a:rPr lang="en-US" sz="3600" b="1" i="0" dirty="0">
+                <a:solidFill>
+                  <a:srgbClr val="000000"/>
+                </a:solidFill>
+                <a:effectLst/>
+                <a:latin typeface="Arial" panose="020B0604020202020204" pitchFamily="34" charset="0"/>
+              </a:rPr>
+              <a:t>Safety Features:</a:t>
+            </a:r>
+            <a:r>
+              <a:rPr lang="en-US" sz="3600" b="0" i="0" dirty="0">
+                <a:solidFill>
+                  <a:srgbClr val="000000"/>
+                </a:solidFill>
+                <a:effectLst/>
+                <a:latin typeface="Arial" panose="020B0604020202020204" pitchFamily="34" charset="0"/>
+              </a:rPr>
+              <a:t> Multiple proximity zones trigger adaptive robot behaviors with collision prevention</a:t>
+            </a:r>
+          </a:p>
+          <a:p>
+            <a:endParaRPr lang="en-US" sz="4800" b="1" dirty="0">
+              <a:solidFill>
+                <a:schemeClr val="tx1"/>
+              </a:solidFill>
+              <a:latin typeface="Arial" panose="020B0604020202020204" pitchFamily="34" charset="0"/>
+              <a:cs typeface="Arial" panose="020B0604020202020204" pitchFamily="34" charset="0"/>
+            </a:endParaRPr>
+          </a:p>
+        </p:txBody>
+      </p:sp>
+      <p:graphicFrame>
+        <p:nvGraphicFramePr>
+          <p:cNvPr id="5" name="Table 4">
+            <a:extLst>
+              <a:ext uri="{FF2B5EF4-FFF2-40B4-BE49-F238E27FC236}">
+                <a16:creationId xmlns:a16="http://schemas.microsoft.com/office/drawing/2014/main" id="{46B5F89C-6C5C-EC45-1AF4-F8C228AE7E2F}"/>
+              </a:ext>
+            </a:extLst>
+          </p:cNvPr>
+          <p:cNvGraphicFramePr>
+            <a:graphicFrameLocks noGrp="1"/>
+          </p:cNvGraphicFramePr>
+          <p:nvPr>
+            <p:extLst>
+              <p:ext uri="{D42A27DB-BD31-4B8C-83A1-F6EECF244321}">
+                <p14:modId xmlns:p14="http://schemas.microsoft.com/office/powerpoint/2010/main" val="1880508265"/>
+              </p:ext>
+            </p:extLst>
+          </p:nvPr>
+        </p:nvGraphicFramePr>
+        <p:xfrm>
+          <a:off x="32918400" y="7315200"/>
+          <a:ext cx="10073719" cy="5405418"/>
+        </p:xfrm>
+        <a:graphic>
+          <a:graphicData uri="http://schemas.openxmlformats.org/drawingml/2006/table">
+            <a:tbl>
+              <a:tblPr firstRow="1" bandRow="1">
+                <a:tableStyleId>{7DF18680-E054-41AD-8BC1-D1AEF772440D}</a:tableStyleId>
+              </a:tblPr>
+              <a:tblGrid>
+                <a:gridCol w="3078559">
+                  <a:extLst>
+                    <a:ext uri="{9D8B030D-6E8A-4147-A177-3AD203B41FA5}">
+                      <a16:colId xmlns:a16="http://schemas.microsoft.com/office/drawing/2014/main" val="853483979"/>
+                    </a:ext>
+                  </a:extLst>
+                </a:gridCol>
+                <a:gridCol w="3429000">
+                  <a:extLst>
+                    <a:ext uri="{9D8B030D-6E8A-4147-A177-3AD203B41FA5}">
+                      <a16:colId xmlns:a16="http://schemas.microsoft.com/office/drawing/2014/main" val="3581204104"/>
+                    </a:ext>
+                  </a:extLst>
+                </a:gridCol>
+                <a:gridCol w="3566160">
+                  <a:extLst>
+                    <a:ext uri="{9D8B030D-6E8A-4147-A177-3AD203B41FA5}">
+                      <a16:colId xmlns:a16="http://schemas.microsoft.com/office/drawing/2014/main" val="1190811980"/>
+                    </a:ext>
+                  </a:extLst>
+                </a:gridCol>
+              </a:tblGrid>
+              <a:tr h="548640">
+                <a:tc>
+                  <a:txBody>
+                    <a:bodyPr/>
+                    <a:lstStyle/>
+                    <a:p>
+                      <a:pPr algn="l"/>
+                      <a:r>
+                        <a:rPr lang="en-US" sz="3200" dirty="0">
+                          <a:solidFill>
+                            <a:srgbClr val="FFFFFF"/>
+                          </a:solidFill>
+                          <a:effectLst/>
+                        </a:rPr>
+                        <a:t>Component</a:t>
+                      </a:r>
+                      <a:endParaRPr lang="en-US" sz="3200" dirty="0">
+                        <a:solidFill>
+                          <a:srgbClr val="FFFFFF"/>
+                        </a:solidFill>
+                        <a:effectLst/>
+                        <a:latin typeface="Arial" panose="020B0604020202020204" pitchFamily="34" charset="0"/>
+                        <a:cs typeface="Arial" panose="020B0604020202020204" pitchFamily="34" charset="0"/>
+                      </a:endParaRPr>
+                    </a:p>
+                  </a:txBody>
+                  <a:tcPr marL="76200" marR="76200" marT="76200" marB="76200" anchor="ctr"/>
+                </a:tc>
+                <a:tc>
+                  <a:txBody>
+                    <a:bodyPr/>
+                    <a:lstStyle/>
+                    <a:p>
+                      <a:pPr algn="l"/>
+                      <a:r>
+                        <a:rPr lang="en-US" sz="3200" dirty="0">
+                          <a:solidFill>
+                            <a:srgbClr val="FFFFFF"/>
+                          </a:solidFill>
+                          <a:effectLst/>
+                        </a:rPr>
+                        <a:t>Specifications</a:t>
+                      </a:r>
+                      <a:endParaRPr lang="en-US" sz="3200" dirty="0">
+                        <a:solidFill>
+                          <a:srgbClr val="FFFFFF"/>
+                        </a:solidFill>
+                        <a:effectLst/>
+                        <a:latin typeface="Arial" panose="020B0604020202020204" pitchFamily="34" charset="0"/>
+                        <a:cs typeface="Arial" panose="020B0604020202020204" pitchFamily="34" charset="0"/>
+                      </a:endParaRPr>
+                    </a:p>
+                  </a:txBody>
+                  <a:tcPr marL="76200" marR="76200" marT="76200" marB="76200" anchor="ctr"/>
+                </a:tc>
+                <a:tc>
+                  <a:txBody>
+                    <a:bodyPr/>
+                    <a:lstStyle/>
+                    <a:p>
+                      <a:pPr algn="l"/>
+                      <a:r>
+                        <a:rPr lang="en-US" sz="3200" dirty="0">
+                          <a:solidFill>
+                            <a:srgbClr val="FFFFFF"/>
+                          </a:solidFill>
+                          <a:effectLst/>
+                        </a:rPr>
+                        <a:t>Function</a:t>
+                      </a:r>
+                      <a:endParaRPr lang="en-US" sz="3200" dirty="0">
+                        <a:solidFill>
+                          <a:srgbClr val="FFFFFF"/>
+                        </a:solidFill>
+                        <a:effectLst/>
+                        <a:latin typeface="Arial" panose="020B0604020202020204" pitchFamily="34" charset="0"/>
+                        <a:cs typeface="Arial" panose="020B0604020202020204" pitchFamily="34" charset="0"/>
+                      </a:endParaRPr>
+                    </a:p>
+                  </a:txBody>
+                  <a:tcPr marL="76200" marR="76200" marT="76200" marB="76200" anchor="ctr"/>
+                </a:tc>
+                <a:extLst>
+                  <a:ext uri="{0D108BD9-81ED-4DB2-BD59-A6C34878D82A}">
+                    <a16:rowId xmlns:a16="http://schemas.microsoft.com/office/drawing/2014/main" val="3943317315"/>
+                  </a:ext>
+                </a:extLst>
+              </a:tr>
+              <a:tr h="1188720">
+                <a:tc>
+                  <a:txBody>
+                    <a:bodyPr/>
+                    <a:lstStyle/>
+                    <a:p>
+                      <a:r>
+                        <a:rPr lang="en-US" sz="2800" dirty="0">
+                          <a:effectLst/>
+                        </a:rPr>
+                        <a:t>ABB </a:t>
+                      </a:r>
+                      <a:r>
+                        <a:rPr lang="en-US" sz="2800" dirty="0" err="1">
+                          <a:effectLst/>
+                        </a:rPr>
+                        <a:t>Gofa</a:t>
+                      </a:r>
+                      <a:endParaRPr lang="en-US" sz="2800" dirty="0">
+                        <a:effectLst/>
+                        <a:latin typeface="Arial" panose="020B0604020202020204" pitchFamily="34" charset="0"/>
+                        <a:cs typeface="Arial" panose="020B0604020202020204" pitchFamily="34" charset="0"/>
+                      </a:endParaRPr>
+                    </a:p>
+                  </a:txBody>
+                  <a:tcPr marL="76200" marR="76200" marT="76200" marB="76200" anchor="ctr"/>
+                </a:tc>
+                <a:tc>
+                  <a:txBody>
+                    <a:bodyPr/>
+                    <a:lstStyle/>
+                    <a:p>
+                      <a:r>
+                        <a:rPr lang="en-US" sz="2800" dirty="0">
+                          <a:effectLst/>
+                        </a:rPr>
+                        <a:t>5kg payload, 950mm reach</a:t>
+                      </a:r>
+                      <a:endParaRPr lang="en-US" sz="2800" dirty="0">
+                        <a:effectLst/>
+                        <a:latin typeface="Arial" panose="020B0604020202020204" pitchFamily="34" charset="0"/>
+                        <a:cs typeface="Arial" panose="020B0604020202020204" pitchFamily="34" charset="0"/>
+                      </a:endParaRPr>
+                    </a:p>
+                  </a:txBody>
+                  <a:tcPr marL="76200" marR="76200" marT="76200" marB="76200" anchor="ctr"/>
+                </a:tc>
+                <a:tc>
+                  <a:txBody>
+                    <a:bodyPr/>
+                    <a:lstStyle/>
+                    <a:p>
+                      <a:r>
+                        <a:rPr lang="en-US" sz="2800" dirty="0">
+                          <a:effectLst/>
+                        </a:rPr>
+                        <a:t>Collaborative robot execution</a:t>
+                      </a:r>
+                      <a:endParaRPr lang="en-US" sz="2800" dirty="0">
+                        <a:effectLst/>
+                        <a:latin typeface="Arial" panose="020B0604020202020204" pitchFamily="34" charset="0"/>
+                        <a:cs typeface="Arial" panose="020B0604020202020204" pitchFamily="34" charset="0"/>
+                      </a:endParaRPr>
+                    </a:p>
+                  </a:txBody>
+                  <a:tcPr marL="76200" marR="76200" marT="76200" marB="76200" anchor="ctr"/>
+                </a:tc>
+                <a:extLst>
+                  <a:ext uri="{0D108BD9-81ED-4DB2-BD59-A6C34878D82A}">
+                    <a16:rowId xmlns:a16="http://schemas.microsoft.com/office/drawing/2014/main" val="570223786"/>
+                  </a:ext>
+                </a:extLst>
+              </a:tr>
+              <a:tr h="1276248">
+                <a:tc>
+                  <a:txBody>
+                    <a:bodyPr/>
+                    <a:lstStyle/>
+                    <a:p>
+                      <a:r>
+                        <a:rPr lang="en-US" sz="2800" dirty="0">
+                          <a:effectLst/>
+                        </a:rPr>
+                        <a:t>Unity</a:t>
+                      </a:r>
+                      <a:endParaRPr lang="en-US" sz="2800" dirty="0">
+                        <a:effectLst/>
+                        <a:latin typeface="Arial" panose="020B0604020202020204" pitchFamily="34" charset="0"/>
+                        <a:cs typeface="Arial" panose="020B0604020202020204" pitchFamily="34" charset="0"/>
+                      </a:endParaRPr>
+                    </a:p>
+                  </a:txBody>
+                  <a:tcPr marL="76200" marR="76200" marT="76200" marB="76200" anchor="ctr"/>
+                </a:tc>
+                <a:tc>
+                  <a:txBody>
+                    <a:bodyPr/>
+                    <a:lstStyle/>
+                    <a:p>
+                      <a:r>
+                        <a:rPr lang="en-US" sz="2800" dirty="0">
+                          <a:effectLst/>
+                        </a:rPr>
+                        <a:t>Real-time simulation</a:t>
+                      </a:r>
+                      <a:endParaRPr lang="en-US" sz="2800" dirty="0">
+                        <a:effectLst/>
+                        <a:latin typeface="Arial" panose="020B0604020202020204" pitchFamily="34" charset="0"/>
+                        <a:cs typeface="Arial" panose="020B0604020202020204" pitchFamily="34" charset="0"/>
+                      </a:endParaRPr>
+                    </a:p>
+                  </a:txBody>
+                  <a:tcPr marL="76200" marR="76200" marT="76200" marB="76200" anchor="ctr"/>
+                </a:tc>
+                <a:tc>
+                  <a:txBody>
+                    <a:bodyPr/>
+                    <a:lstStyle/>
+                    <a:p>
+                      <a:r>
+                        <a:rPr lang="en-US" sz="2800" dirty="0">
+                          <a:effectLst/>
+                        </a:rPr>
+                        <a:t>Virtual environment &amp; control logic</a:t>
+                      </a:r>
+                      <a:endParaRPr lang="en-US" sz="2800" dirty="0">
+                        <a:effectLst/>
+                        <a:latin typeface="Arial" panose="020B0604020202020204" pitchFamily="34" charset="0"/>
+                        <a:cs typeface="Arial" panose="020B0604020202020204" pitchFamily="34" charset="0"/>
+                      </a:endParaRPr>
+                    </a:p>
+                  </a:txBody>
+                  <a:tcPr marL="76200" marR="76200" marT="76200" marB="76200" anchor="ctr"/>
+                </a:tc>
+                <a:extLst>
+                  <a:ext uri="{0D108BD9-81ED-4DB2-BD59-A6C34878D82A}">
+                    <a16:rowId xmlns:a16="http://schemas.microsoft.com/office/drawing/2014/main" val="3829608977"/>
+                  </a:ext>
+                </a:extLst>
+              </a:tr>
+              <a:tr h="1276248">
+                <a:tc>
+                  <a:txBody>
+                    <a:bodyPr/>
+                    <a:lstStyle/>
+                    <a:p>
+                      <a:r>
+                        <a:rPr lang="en-US" sz="2800">
+                          <a:effectLst/>
+                        </a:rPr>
+                        <a:t>RealSense D455</a:t>
+                      </a:r>
+                      <a:endParaRPr lang="en-US" sz="2800">
+                        <a:effectLst/>
+                        <a:latin typeface="Arial" panose="020B0604020202020204" pitchFamily="34" charset="0"/>
+                        <a:cs typeface="Arial" panose="020B0604020202020204" pitchFamily="34" charset="0"/>
+                      </a:endParaRPr>
+                    </a:p>
+                  </a:txBody>
+                  <a:tcPr marL="76200" marR="76200" marT="76200" marB="76200" anchor="ctr"/>
+                </a:tc>
+                <a:tc>
+                  <a:txBody>
+                    <a:bodyPr/>
+                    <a:lstStyle/>
+                    <a:p>
+                      <a:r>
+                        <a:rPr lang="en-US" sz="2800" dirty="0">
+                          <a:effectLst/>
+                        </a:rPr>
+                        <a:t>1280×720 @ 90fps, 0.6-6m range</a:t>
+                      </a:r>
+                      <a:endParaRPr lang="en-US" sz="2800" dirty="0">
+                        <a:effectLst/>
+                        <a:latin typeface="Arial" panose="020B0604020202020204" pitchFamily="34" charset="0"/>
+                        <a:cs typeface="Arial" panose="020B0604020202020204" pitchFamily="34" charset="0"/>
+                      </a:endParaRPr>
+                    </a:p>
+                  </a:txBody>
+                  <a:tcPr marL="76200" marR="76200" marT="76200" marB="76200" anchor="ctr"/>
+                </a:tc>
+                <a:tc>
+                  <a:txBody>
+                    <a:bodyPr/>
+                    <a:lstStyle/>
+                    <a:p>
+                      <a:r>
+                        <a:rPr lang="en-US" sz="2800" dirty="0">
+                          <a:effectLst/>
+                        </a:rPr>
+                        <a:t>Spatial data acquisition</a:t>
+                      </a:r>
+                      <a:endParaRPr lang="en-US" sz="2800" dirty="0">
+                        <a:effectLst/>
+                        <a:latin typeface="Arial" panose="020B0604020202020204" pitchFamily="34" charset="0"/>
+                        <a:cs typeface="Arial" panose="020B0604020202020204" pitchFamily="34" charset="0"/>
+                      </a:endParaRPr>
+                    </a:p>
+                  </a:txBody>
+                  <a:tcPr marL="76200" marR="76200" marT="76200" marB="76200" anchor="ctr"/>
+                </a:tc>
+                <a:extLst>
+                  <a:ext uri="{0D108BD9-81ED-4DB2-BD59-A6C34878D82A}">
+                    <a16:rowId xmlns:a16="http://schemas.microsoft.com/office/drawing/2014/main" val="1955006340"/>
+                  </a:ext>
+                </a:extLst>
+              </a:tr>
+              <a:tr h="1024122">
+                <a:tc>
+                  <a:txBody>
+                    <a:bodyPr/>
+                    <a:lstStyle/>
+                    <a:p>
+                      <a:r>
+                        <a:rPr lang="en-US" sz="2800">
+                          <a:effectLst/>
+                        </a:rPr>
+                        <a:t>Nuitrack</a:t>
+                      </a:r>
+                      <a:endParaRPr lang="en-US" sz="2800">
+                        <a:effectLst/>
+                        <a:latin typeface="Arial" panose="020B0604020202020204" pitchFamily="34" charset="0"/>
+                        <a:cs typeface="Arial" panose="020B0604020202020204" pitchFamily="34" charset="0"/>
+                      </a:endParaRPr>
+                    </a:p>
+                  </a:txBody>
+                  <a:tcPr marL="76200" marR="76200" marT="76200" marB="76200" anchor="ctr"/>
+                </a:tc>
+                <a:tc>
+                  <a:txBody>
+                    <a:bodyPr/>
+                    <a:lstStyle/>
+                    <a:p>
+                      <a:r>
+                        <a:rPr lang="en-US" sz="2800">
+                          <a:effectLst/>
+                        </a:rPr>
+                        <a:t>30fps tracking rate</a:t>
+                      </a:r>
+                      <a:endParaRPr lang="en-US" sz="2800">
+                        <a:effectLst/>
+                        <a:latin typeface="Arial" panose="020B0604020202020204" pitchFamily="34" charset="0"/>
+                        <a:cs typeface="Arial" panose="020B0604020202020204" pitchFamily="34" charset="0"/>
+                      </a:endParaRPr>
+                    </a:p>
+                  </a:txBody>
+                  <a:tcPr marL="76200" marR="76200" marT="76200" marB="76200" anchor="ctr"/>
+                </a:tc>
+                <a:tc>
+                  <a:txBody>
+                    <a:bodyPr/>
+                    <a:lstStyle/>
+                    <a:p>
+                      <a:r>
+                        <a:rPr lang="en-US" sz="2800" dirty="0">
+                          <a:effectLst/>
+                        </a:rPr>
+                        <a:t>Human detection middleware</a:t>
+                      </a:r>
+                      <a:endParaRPr lang="en-US" sz="2800" dirty="0">
+                        <a:effectLst/>
+                        <a:latin typeface="Arial" panose="020B0604020202020204" pitchFamily="34" charset="0"/>
+                        <a:cs typeface="Arial" panose="020B0604020202020204" pitchFamily="34" charset="0"/>
+                      </a:endParaRPr>
+                    </a:p>
+                  </a:txBody>
+                  <a:tcPr marL="76200" marR="76200" marT="76200" marB="76200" anchor="ctr"/>
+                </a:tc>
+                <a:extLst>
+                  <a:ext uri="{0D108BD9-81ED-4DB2-BD59-A6C34878D82A}">
+                    <a16:rowId xmlns:a16="http://schemas.microsoft.com/office/drawing/2014/main" val="1483100391"/>
+                  </a:ext>
+                </a:extLst>
+              </a:tr>
+            </a:tbl>
+          </a:graphicData>
+        </a:graphic>
+      </p:graphicFrame>
+      <p:pic>
+        <p:nvPicPr>
+          <p:cNvPr id="32" name="Picture 8" descr="Free Person Icon, Download Free Person Icon png images, Free ClipArts ...">
+            <a:extLst>
+              <a:ext uri="{FF2B5EF4-FFF2-40B4-BE49-F238E27FC236}">
+                <a16:creationId xmlns:a16="http://schemas.microsoft.com/office/drawing/2014/main" id="{D244F16B-C5BB-9434-B38E-9BDF2F66CBE1}"/>
+              </a:ext>
+            </a:extLst>
+          </p:cNvPr>
+          <p:cNvPicPr>
+            <a:picLocks noChangeAspect="1" noChangeArrowheads="1"/>
+          </p:cNvPicPr>
+          <p:nvPr/>
+        </p:nvPicPr>
+        <p:blipFill rotWithShape="1">
+          <a:blip r:embed="rId16">
+            <a:extLst>
+              <a:ext uri="{28A0092B-C50C-407E-A947-70E740481C1C}">
+                <a14:useLocalDpi xmlns:a14="http://schemas.microsoft.com/office/drawing/2010/main" val="0"/>
+              </a:ext>
+            </a:extLst>
+          </a:blip>
+          <a:srcRect t="6051" b="5630"/>
+          <a:stretch/>
+        </p:blipFill>
+        <p:spPr bwMode="auto">
+          <a:xfrm>
+            <a:off x="16149474" y="9655786"/>
+            <a:ext cx="7777869" cy="7312452"/>
+          </a:xfrm>
+          <a:prstGeom prst="rect">
+            <a:avLst/>
+          </a:prstGeom>
+          <a:noFill/>
+          <a:extLst>
+            <a:ext uri="{909E8E84-426E-40DD-AFC4-6F175D3DCCD1}">
+              <a14:hiddenFill xmlns:a14="http://schemas.microsoft.com/office/drawing/2010/main">
+                <a:solidFill>
+                  <a:srgbClr val="FFFFFF"/>
+                </a:solidFill>
+              </a14:hiddenFill>
+            </a:ext>
+          </a:extLst>
+        </p:spPr>
+      </p:pic>
     </p:spTree>
     <p:extLst>
       <p:ext uri="{BB962C8B-B14F-4D97-AF65-F5344CB8AC3E}">

--- a/Project Deliverables/CS 25-347_Poster.pptx
+++ b/Project Deliverables/CS 25-347_Poster.pptx
@@ -4488,7 +4488,7 @@
         </p:nvSpPr>
         <p:spPr>
           <a:xfrm>
-            <a:off x="30037523" y="29610800"/>
+            <a:off x="30175200" y="29260800"/>
             <a:ext cx="13419058" cy="2153603"/>
           </a:xfrm>
           <a:prstGeom prst="rect">
